--- a/doc/advanced/slides/lesson_01.pptx
+++ b/doc/advanced/slides/lesson_01.pptx
@@ -5,7 +5,7 @@
     <p:sldMasterId id="2147483648" r:id="rId1"/>
   </p:sldMasterIdLst>
   <p:notesMasterIdLst>
-    <p:notesMasterId r:id="rId44"/>
+    <p:notesMasterId r:id="rId48"/>
   </p:notesMasterIdLst>
   <p:sldIdLst>
     <p:sldId id="256" r:id="rId2"/>
@@ -16,24 +16,24 @@
     <p:sldId id="258" r:id="rId7"/>
     <p:sldId id="267" r:id="rId8"/>
     <p:sldId id="307" r:id="rId9"/>
-    <p:sldId id="308" r:id="rId10"/>
-    <p:sldId id="309" r:id="rId11"/>
-    <p:sldId id="311" r:id="rId12"/>
-    <p:sldId id="312" r:id="rId13"/>
-    <p:sldId id="313" r:id="rId14"/>
-    <p:sldId id="314" r:id="rId15"/>
-    <p:sldId id="315" r:id="rId16"/>
-    <p:sldId id="316" r:id="rId17"/>
-    <p:sldId id="317" r:id="rId18"/>
-    <p:sldId id="318" r:id="rId19"/>
-    <p:sldId id="319" r:id="rId20"/>
-    <p:sldId id="320" r:id="rId21"/>
-    <p:sldId id="321" r:id="rId22"/>
-    <p:sldId id="322" r:id="rId23"/>
-    <p:sldId id="323" r:id="rId24"/>
-    <p:sldId id="324" r:id="rId25"/>
-    <p:sldId id="325" r:id="rId26"/>
-    <p:sldId id="326" r:id="rId27"/>
+    <p:sldId id="309" r:id="rId10"/>
+    <p:sldId id="311" r:id="rId11"/>
+    <p:sldId id="312" r:id="rId12"/>
+    <p:sldId id="313" r:id="rId13"/>
+    <p:sldId id="314" r:id="rId14"/>
+    <p:sldId id="315" r:id="rId15"/>
+    <p:sldId id="316" r:id="rId16"/>
+    <p:sldId id="317" r:id="rId17"/>
+    <p:sldId id="318" r:id="rId18"/>
+    <p:sldId id="319" r:id="rId19"/>
+    <p:sldId id="320" r:id="rId20"/>
+    <p:sldId id="321" r:id="rId21"/>
+    <p:sldId id="322" r:id="rId22"/>
+    <p:sldId id="323" r:id="rId23"/>
+    <p:sldId id="324" r:id="rId24"/>
+    <p:sldId id="325" r:id="rId25"/>
+    <p:sldId id="326" r:id="rId26"/>
+    <p:sldId id="349" r:id="rId27"/>
     <p:sldId id="327" r:id="rId28"/>
     <p:sldId id="328" r:id="rId29"/>
     <p:sldId id="329" r:id="rId30"/>
@@ -44,12 +44,16 @@
     <p:sldId id="334" r:id="rId35"/>
     <p:sldId id="335" r:id="rId36"/>
     <p:sldId id="340" r:id="rId37"/>
-    <p:sldId id="336" r:id="rId38"/>
-    <p:sldId id="337" r:id="rId39"/>
-    <p:sldId id="310" r:id="rId40"/>
-    <p:sldId id="338" r:id="rId41"/>
-    <p:sldId id="339" r:id="rId42"/>
-    <p:sldId id="271" r:id="rId43"/>
+    <p:sldId id="273" r:id="rId38"/>
+    <p:sldId id="341" r:id="rId39"/>
+    <p:sldId id="342" r:id="rId40"/>
+    <p:sldId id="343" r:id="rId41"/>
+    <p:sldId id="348" r:id="rId42"/>
+    <p:sldId id="337" r:id="rId43"/>
+    <p:sldId id="310" r:id="rId44"/>
+    <p:sldId id="338" r:id="rId45"/>
+    <p:sldId id="339" r:id="rId46"/>
+    <p:sldId id="271" r:id="rId47"/>
   </p:sldIdLst>
   <p:sldSz cx="12192000" cy="6858000"/>
   <p:notesSz cx="6858000" cy="9144000"/>
@@ -238,7 +242,7 @@
           <a:p>
             <a:fld id="{9B5B52BA-3295-0343-9E28-A260A811DD10}" type="datetimeFigureOut">
               <a:rPr lang="en-US" smtClean="0"/>
-              <a:t>14-Aug-18</a:t>
+              <a:t>8/2/19</a:t>
             </a:fld>
             <a:endParaRPr lang="en-US"/>
           </a:p>
@@ -302,38 +306,37 @@
           <a:p>
             <a:pPr lvl="0"/>
             <a:r>
-              <a:rPr lang="en-US" smtClean="0"/>
+              <a:rPr lang="en-US"/>
               <a:t>Click to edit Master text styles</a:t>
             </a:r>
           </a:p>
           <a:p>
             <a:pPr lvl="1"/>
             <a:r>
-              <a:rPr lang="en-US" smtClean="0"/>
+              <a:rPr lang="en-US"/>
               <a:t>Second level</a:t>
             </a:r>
           </a:p>
           <a:p>
             <a:pPr lvl="2"/>
             <a:r>
-              <a:rPr lang="en-US" smtClean="0"/>
+              <a:rPr lang="en-US"/>
               <a:t>Third level</a:t>
             </a:r>
           </a:p>
           <a:p>
             <a:pPr lvl="3"/>
             <a:r>
-              <a:rPr lang="en-US" smtClean="0"/>
+              <a:rPr lang="en-US"/>
               <a:t>Fourth level</a:t>
             </a:r>
           </a:p>
           <a:p>
             <a:pPr lvl="4"/>
             <a:r>
-              <a:rPr lang="en-US" smtClean="0"/>
+              <a:rPr lang="en-US"/>
               <a:t>Fifth level</a:t>
             </a:r>
-            <a:endParaRPr lang="en-US"/>
           </a:p>
         </p:txBody>
       </p:sp>
@@ -590,6 +593,90 @@
 </p:notes>
 </file>
 
+<file path=ppt/notesSlides/notesSlide2.xml><?xml version="1.0" encoding="utf-8"?>
+<p:notes xmlns:a="http://schemas.openxmlformats.org/drawingml/2006/main" xmlns:r="http://schemas.openxmlformats.org/officeDocument/2006/relationships" xmlns:p="http://schemas.openxmlformats.org/presentationml/2006/main">
+  <p:cSld>
+    <p:spTree>
+      <p:nvGrpSpPr>
+        <p:cNvPr id="1" name=""/>
+        <p:cNvGrpSpPr/>
+        <p:nvPr/>
+      </p:nvGrpSpPr>
+      <p:grpSpPr>
+        <a:xfrm>
+          <a:off x="0" y="0"/>
+          <a:ext cx="0" cy="0"/>
+          <a:chOff x="0" y="0"/>
+          <a:chExt cx="0" cy="0"/>
+        </a:xfrm>
+      </p:grpSpPr>
+      <p:sp>
+        <p:nvSpPr>
+          <p:cNvPr id="2" name="Slide Image Placeholder 1"/>
+          <p:cNvSpPr>
+            <a:spLocks noGrp="1" noRot="1" noChangeAspect="1"/>
+          </p:cNvSpPr>
+          <p:nvPr>
+            <p:ph type="sldImg"/>
+          </p:nvPr>
+        </p:nvSpPr>
+        <p:spPr/>
+      </p:sp>
+      <p:sp>
+        <p:nvSpPr>
+          <p:cNvPr id="3" name="Notes Placeholder 2"/>
+          <p:cNvSpPr>
+            <a:spLocks noGrp="1"/>
+          </p:cNvSpPr>
+          <p:nvPr>
+            <p:ph type="body" idx="1"/>
+          </p:nvPr>
+        </p:nvSpPr>
+        <p:spPr/>
+        <p:txBody>
+          <a:bodyPr/>
+          <a:lstStyle/>
+          <a:p>
+            <a:endParaRPr lang="en-US" dirty="0"/>
+          </a:p>
+        </p:txBody>
+      </p:sp>
+      <p:sp>
+        <p:nvSpPr>
+          <p:cNvPr id="4" name="Slide Number Placeholder 3"/>
+          <p:cNvSpPr>
+            <a:spLocks noGrp="1"/>
+          </p:cNvSpPr>
+          <p:nvPr>
+            <p:ph type="sldNum" sz="quarter" idx="10"/>
+          </p:nvPr>
+        </p:nvSpPr>
+        <p:spPr/>
+        <p:txBody>
+          <a:bodyPr/>
+          <a:lstStyle/>
+          <a:p>
+            <a:fld id="{D6FB5A5B-CC88-B64A-8F56-0DBE0ACA83DE}" type="slidenum">
+              <a:rPr lang="en-US" smtClean="0"/>
+              <a:t>40</a:t>
+            </a:fld>
+            <a:endParaRPr lang="en-US"/>
+          </a:p>
+        </p:txBody>
+      </p:sp>
+    </p:spTree>
+    <p:extLst>
+      <p:ext uri="{BB962C8B-B14F-4D97-AF65-F5344CB8AC3E}">
+        <p14:creationId xmlns:p14="http://schemas.microsoft.com/office/powerpoint/2010/main" val="733756783"/>
+      </p:ext>
+    </p:extLst>
+  </p:cSld>
+  <p:clrMapOvr>
+    <a:masterClrMapping/>
+  </p:clrMapOvr>
+</p:notes>
+</file>
+
 <file path=ppt/slideLayouts/slideLayout1.xml><?xml version="1.0" encoding="utf-8"?>
 <p:sldLayout xmlns:a="http://schemas.openxmlformats.org/drawingml/2006/main" xmlns:r="http://schemas.openxmlformats.org/officeDocument/2006/relationships" xmlns:p="http://schemas.openxmlformats.org/presentationml/2006/main" type="title" preserve="1">
   <p:cSld name="Title Slide">
@@ -632,10 +719,9 @@
           </a:lstStyle>
           <a:p>
             <a:r>
-              <a:rPr lang="en-US" dirty="0" smtClean="0"/>
+              <a:rPr lang="en-US" dirty="0"/>
               <a:t>Click to edit Master title style</a:t>
             </a:r>
-            <a:endParaRPr lang="en-US" dirty="0"/>
           </a:p>
         </p:txBody>
       </p:sp>
@@ -697,10 +783,9 @@
           </a:lstStyle>
           <a:p>
             <a:r>
-              <a:rPr lang="en-US" dirty="0" smtClean="0"/>
+              <a:rPr lang="en-US" dirty="0"/>
               <a:t>Click to edit Master subtitle style</a:t>
             </a:r>
-            <a:endParaRPr lang="en-US" dirty="0"/>
           </a:p>
         </p:txBody>
       </p:sp>
@@ -721,7 +806,7 @@
           <a:p>
             <a:fld id="{04F1D4A2-813C-F741-B481-C92B3A596030}" type="datetimeFigureOut">
               <a:rPr lang="en-US" smtClean="0"/>
-              <a:t>14-Aug-18</a:t>
+              <a:t>8/2/19</a:t>
             </a:fld>
             <a:endParaRPr lang="en-US"/>
           </a:p>
@@ -815,10 +900,9 @@
           <a:lstStyle/>
           <a:p>
             <a:r>
-              <a:rPr lang="en-US" smtClean="0"/>
+              <a:rPr lang="en-US"/>
               <a:t>Click to edit Master title style</a:t>
             </a:r>
-            <a:endParaRPr lang="en-US"/>
           </a:p>
         </p:txBody>
       </p:sp>
@@ -839,38 +923,37 @@
           <a:p>
             <a:pPr lvl="0"/>
             <a:r>
-              <a:rPr lang="en-US" smtClean="0"/>
+              <a:rPr lang="en-US"/>
               <a:t>Click to edit Master text styles</a:t>
             </a:r>
           </a:p>
           <a:p>
             <a:pPr lvl="1"/>
             <a:r>
-              <a:rPr lang="en-US" smtClean="0"/>
+              <a:rPr lang="en-US"/>
               <a:t>Second level</a:t>
             </a:r>
           </a:p>
           <a:p>
             <a:pPr lvl="2"/>
             <a:r>
-              <a:rPr lang="en-US" smtClean="0"/>
+              <a:rPr lang="en-US"/>
               <a:t>Third level</a:t>
             </a:r>
           </a:p>
           <a:p>
             <a:pPr lvl="3"/>
             <a:r>
-              <a:rPr lang="en-US" smtClean="0"/>
+              <a:rPr lang="en-US"/>
               <a:t>Fourth level</a:t>
             </a:r>
           </a:p>
           <a:p>
             <a:pPr lvl="4"/>
             <a:r>
-              <a:rPr lang="en-US" smtClean="0"/>
+              <a:rPr lang="en-US"/>
               <a:t>Fifth level</a:t>
             </a:r>
-            <a:endParaRPr lang="en-US"/>
           </a:p>
         </p:txBody>
       </p:sp>
@@ -891,7 +974,7 @@
           <a:p>
             <a:fld id="{04F1D4A2-813C-F741-B481-C92B3A596030}" type="datetimeFigureOut">
               <a:rPr lang="en-US" smtClean="0"/>
-              <a:t>14-Aug-18</a:t>
+              <a:t>8/2/19</a:t>
             </a:fld>
             <a:endParaRPr lang="en-US"/>
           </a:p>
@@ -990,10 +1073,9 @@
           <a:lstStyle/>
           <a:p>
             <a:r>
-              <a:rPr lang="en-US" smtClean="0"/>
+              <a:rPr lang="en-US"/>
               <a:t>Click to edit Master title style</a:t>
             </a:r>
-            <a:endParaRPr lang="en-US"/>
           </a:p>
         </p:txBody>
       </p:sp>
@@ -1019,38 +1101,37 @@
           <a:p>
             <a:pPr lvl="0"/>
             <a:r>
-              <a:rPr lang="en-US" smtClean="0"/>
+              <a:rPr lang="en-US"/>
               <a:t>Click to edit Master text styles</a:t>
             </a:r>
           </a:p>
           <a:p>
             <a:pPr lvl="1"/>
             <a:r>
-              <a:rPr lang="en-US" smtClean="0"/>
+              <a:rPr lang="en-US"/>
               <a:t>Second level</a:t>
             </a:r>
           </a:p>
           <a:p>
             <a:pPr lvl="2"/>
             <a:r>
-              <a:rPr lang="en-US" smtClean="0"/>
+              <a:rPr lang="en-US"/>
               <a:t>Third level</a:t>
             </a:r>
           </a:p>
           <a:p>
             <a:pPr lvl="3"/>
             <a:r>
-              <a:rPr lang="en-US" smtClean="0"/>
+              <a:rPr lang="en-US"/>
               <a:t>Fourth level</a:t>
             </a:r>
           </a:p>
           <a:p>
             <a:pPr lvl="4"/>
             <a:r>
-              <a:rPr lang="en-US" smtClean="0"/>
+              <a:rPr lang="en-US"/>
               <a:t>Fifth level</a:t>
             </a:r>
-            <a:endParaRPr lang="en-US"/>
           </a:p>
         </p:txBody>
       </p:sp>
@@ -1071,7 +1152,7 @@
           <a:p>
             <a:fld id="{04F1D4A2-813C-F741-B481-C92B3A596030}" type="datetimeFigureOut">
               <a:rPr lang="en-US" smtClean="0"/>
-              <a:t>14-Aug-18</a:t>
+              <a:t>8/2/19</a:t>
             </a:fld>
             <a:endParaRPr lang="en-US"/>
           </a:p>
@@ -1327,10 +1408,9 @@
           </a:lstStyle>
           <a:p>
             <a:r>
-              <a:rPr lang="en-US" dirty="0" smtClean="0"/>
+              <a:rPr lang="en-US" dirty="0"/>
               <a:t>Click to edit Master title style</a:t>
             </a:r>
-            <a:endParaRPr lang="en-US" dirty="0"/>
           </a:p>
         </p:txBody>
       </p:sp>
@@ -1358,38 +1438,37 @@
           <a:p>
             <a:pPr lvl="0"/>
             <a:r>
-              <a:rPr lang="en-US" dirty="0" smtClean="0"/>
+              <a:rPr lang="en-US" dirty="0"/>
               <a:t>Click to edit Master text styles</a:t>
             </a:r>
           </a:p>
           <a:p>
             <a:pPr lvl="1"/>
             <a:r>
-              <a:rPr lang="en-US" dirty="0" smtClean="0"/>
+              <a:rPr lang="en-US" dirty="0"/>
               <a:t>Second level</a:t>
             </a:r>
           </a:p>
           <a:p>
             <a:pPr lvl="2"/>
             <a:r>
-              <a:rPr lang="en-US" dirty="0" smtClean="0"/>
+              <a:rPr lang="en-US" dirty="0"/>
               <a:t>Third level</a:t>
             </a:r>
           </a:p>
           <a:p>
             <a:pPr lvl="3"/>
             <a:r>
-              <a:rPr lang="en-US" dirty="0" smtClean="0"/>
+              <a:rPr lang="en-US" dirty="0"/>
               <a:t>Fourth level</a:t>
             </a:r>
           </a:p>
           <a:p>
             <a:pPr lvl="4"/>
             <a:r>
-              <a:rPr lang="en-US" dirty="0" smtClean="0"/>
+              <a:rPr lang="en-US" dirty="0"/>
               <a:t>Fifth level</a:t>
             </a:r>
-            <a:endParaRPr lang="en-US" dirty="0"/>
           </a:p>
         </p:txBody>
       </p:sp>
@@ -1410,7 +1489,7 @@
           <a:p>
             <a:fld id="{04F1D4A2-813C-F741-B481-C92B3A596030}" type="datetimeFigureOut">
               <a:rPr lang="en-US" smtClean="0"/>
-              <a:t>14-Aug-18</a:t>
+              <a:t>8/2/19</a:t>
             </a:fld>
             <a:endParaRPr lang="en-US"/>
           </a:p>
@@ -1513,10 +1592,9 @@
           </a:lstStyle>
           <a:p>
             <a:r>
-              <a:rPr lang="en-US" smtClean="0"/>
+              <a:rPr lang="en-US"/>
               <a:t>Click to edit Master title style</a:t>
             </a:r>
-            <a:endParaRPr lang="en-US"/>
           </a:p>
         </p:txBody>
       </p:sp>
@@ -1633,7 +1711,7 @@
           <a:p>
             <a:pPr lvl="0"/>
             <a:r>
-              <a:rPr lang="en-US" smtClean="0"/>
+              <a:rPr lang="en-US"/>
               <a:t>Click to edit Master text styles</a:t>
             </a:r>
           </a:p>
@@ -1656,7 +1734,7 @@
           <a:p>
             <a:fld id="{04F1D4A2-813C-F741-B481-C92B3A596030}" type="datetimeFigureOut">
               <a:rPr lang="en-US" smtClean="0"/>
-              <a:t>14-Aug-18</a:t>
+              <a:t>8/2/19</a:t>
             </a:fld>
             <a:endParaRPr lang="en-US"/>
           </a:p>
@@ -1750,10 +1828,9 @@
           <a:lstStyle/>
           <a:p>
             <a:r>
-              <a:rPr lang="en-US" smtClean="0"/>
+              <a:rPr lang="en-US"/>
               <a:t>Click to edit Master title style</a:t>
             </a:r>
-            <a:endParaRPr lang="en-US"/>
           </a:p>
         </p:txBody>
       </p:sp>
@@ -1779,38 +1856,37 @@
           <a:p>
             <a:pPr lvl="0"/>
             <a:r>
-              <a:rPr lang="en-US" smtClean="0"/>
+              <a:rPr lang="en-US"/>
               <a:t>Click to edit Master text styles</a:t>
             </a:r>
           </a:p>
           <a:p>
             <a:pPr lvl="1"/>
             <a:r>
-              <a:rPr lang="en-US" smtClean="0"/>
+              <a:rPr lang="en-US"/>
               <a:t>Second level</a:t>
             </a:r>
           </a:p>
           <a:p>
             <a:pPr lvl="2"/>
             <a:r>
-              <a:rPr lang="en-US" smtClean="0"/>
+              <a:rPr lang="en-US"/>
               <a:t>Third level</a:t>
             </a:r>
           </a:p>
           <a:p>
             <a:pPr lvl="3"/>
             <a:r>
-              <a:rPr lang="en-US" smtClean="0"/>
+              <a:rPr lang="en-US"/>
               <a:t>Fourth level</a:t>
             </a:r>
           </a:p>
           <a:p>
             <a:pPr lvl="4"/>
             <a:r>
-              <a:rPr lang="en-US" smtClean="0"/>
+              <a:rPr lang="en-US"/>
               <a:t>Fifth level</a:t>
             </a:r>
-            <a:endParaRPr lang="en-US"/>
           </a:p>
         </p:txBody>
       </p:sp>
@@ -1836,38 +1912,37 @@
           <a:p>
             <a:pPr lvl="0"/>
             <a:r>
-              <a:rPr lang="en-US" smtClean="0"/>
+              <a:rPr lang="en-US"/>
               <a:t>Click to edit Master text styles</a:t>
             </a:r>
           </a:p>
           <a:p>
             <a:pPr lvl="1"/>
             <a:r>
-              <a:rPr lang="en-US" smtClean="0"/>
+              <a:rPr lang="en-US"/>
               <a:t>Second level</a:t>
             </a:r>
           </a:p>
           <a:p>
             <a:pPr lvl="2"/>
             <a:r>
-              <a:rPr lang="en-US" smtClean="0"/>
+              <a:rPr lang="en-US"/>
               <a:t>Third level</a:t>
             </a:r>
           </a:p>
           <a:p>
             <a:pPr lvl="3"/>
             <a:r>
-              <a:rPr lang="en-US" smtClean="0"/>
+              <a:rPr lang="en-US"/>
               <a:t>Fourth level</a:t>
             </a:r>
           </a:p>
           <a:p>
             <a:pPr lvl="4"/>
             <a:r>
-              <a:rPr lang="en-US" smtClean="0"/>
+              <a:rPr lang="en-US"/>
               <a:t>Fifth level</a:t>
             </a:r>
-            <a:endParaRPr lang="en-US"/>
           </a:p>
         </p:txBody>
       </p:sp>
@@ -1888,7 +1963,7 @@
           <a:p>
             <a:fld id="{04F1D4A2-813C-F741-B481-C92B3A596030}" type="datetimeFigureOut">
               <a:rPr lang="en-US" smtClean="0"/>
-              <a:t>14-Aug-18</a:t>
+              <a:t>8/2/19</a:t>
             </a:fld>
             <a:endParaRPr lang="en-US"/>
           </a:p>
@@ -1987,10 +2062,9 @@
           <a:lstStyle/>
           <a:p>
             <a:r>
-              <a:rPr lang="en-US" smtClean="0"/>
+              <a:rPr lang="en-US"/>
               <a:t>Click to edit Master title style</a:t>
             </a:r>
-            <a:endParaRPr lang="en-US"/>
           </a:p>
         </p:txBody>
       </p:sp>
@@ -2053,7 +2127,7 @@
           <a:p>
             <a:pPr lvl="0"/>
             <a:r>
-              <a:rPr lang="en-US" smtClean="0"/>
+              <a:rPr lang="en-US"/>
               <a:t>Click to edit Master text styles</a:t>
             </a:r>
           </a:p>
@@ -2081,38 +2155,37 @@
           <a:p>
             <a:pPr lvl="0"/>
             <a:r>
-              <a:rPr lang="en-US" smtClean="0"/>
+              <a:rPr lang="en-US"/>
               <a:t>Click to edit Master text styles</a:t>
             </a:r>
           </a:p>
           <a:p>
             <a:pPr lvl="1"/>
             <a:r>
-              <a:rPr lang="en-US" smtClean="0"/>
+              <a:rPr lang="en-US"/>
               <a:t>Second level</a:t>
             </a:r>
           </a:p>
           <a:p>
             <a:pPr lvl="2"/>
             <a:r>
-              <a:rPr lang="en-US" smtClean="0"/>
+              <a:rPr lang="en-US"/>
               <a:t>Third level</a:t>
             </a:r>
           </a:p>
           <a:p>
             <a:pPr lvl="3"/>
             <a:r>
-              <a:rPr lang="en-US" smtClean="0"/>
+              <a:rPr lang="en-US"/>
               <a:t>Fourth level</a:t>
             </a:r>
           </a:p>
           <a:p>
             <a:pPr lvl="4"/>
             <a:r>
-              <a:rPr lang="en-US" smtClean="0"/>
+              <a:rPr lang="en-US"/>
               <a:t>Fifth level</a:t>
             </a:r>
-            <a:endParaRPr lang="en-US"/>
           </a:p>
         </p:txBody>
       </p:sp>
@@ -2175,7 +2248,7 @@
           <a:p>
             <a:pPr lvl="0"/>
             <a:r>
-              <a:rPr lang="en-US" smtClean="0"/>
+              <a:rPr lang="en-US"/>
               <a:t>Click to edit Master text styles</a:t>
             </a:r>
           </a:p>
@@ -2203,38 +2276,37 @@
           <a:p>
             <a:pPr lvl="0"/>
             <a:r>
-              <a:rPr lang="en-US" smtClean="0"/>
+              <a:rPr lang="en-US"/>
               <a:t>Click to edit Master text styles</a:t>
             </a:r>
           </a:p>
           <a:p>
             <a:pPr lvl="1"/>
             <a:r>
-              <a:rPr lang="en-US" smtClean="0"/>
+              <a:rPr lang="en-US"/>
               <a:t>Second level</a:t>
             </a:r>
           </a:p>
           <a:p>
             <a:pPr lvl="2"/>
             <a:r>
-              <a:rPr lang="en-US" smtClean="0"/>
+              <a:rPr lang="en-US"/>
               <a:t>Third level</a:t>
             </a:r>
           </a:p>
           <a:p>
             <a:pPr lvl="3"/>
             <a:r>
-              <a:rPr lang="en-US" smtClean="0"/>
+              <a:rPr lang="en-US"/>
               <a:t>Fourth level</a:t>
             </a:r>
           </a:p>
           <a:p>
             <a:pPr lvl="4"/>
             <a:r>
-              <a:rPr lang="en-US" smtClean="0"/>
+              <a:rPr lang="en-US"/>
               <a:t>Fifth level</a:t>
             </a:r>
-            <a:endParaRPr lang="en-US"/>
           </a:p>
         </p:txBody>
       </p:sp>
@@ -2255,7 +2327,7 @@
           <a:p>
             <a:fld id="{04F1D4A2-813C-F741-B481-C92B3A596030}" type="datetimeFigureOut">
               <a:rPr lang="en-US" smtClean="0"/>
-              <a:t>14-Aug-18</a:t>
+              <a:t>8/2/19</a:t>
             </a:fld>
             <a:endParaRPr lang="en-US"/>
           </a:p>
@@ -2349,10 +2421,9 @@
           <a:lstStyle/>
           <a:p>
             <a:r>
-              <a:rPr lang="en-US" smtClean="0"/>
+              <a:rPr lang="en-US"/>
               <a:t>Click to edit Master title style</a:t>
             </a:r>
-            <a:endParaRPr lang="en-US"/>
           </a:p>
         </p:txBody>
       </p:sp>
@@ -2373,7 +2444,7 @@
           <a:p>
             <a:fld id="{04F1D4A2-813C-F741-B481-C92B3A596030}" type="datetimeFigureOut">
               <a:rPr lang="en-US" smtClean="0"/>
-              <a:t>14-Aug-18</a:t>
+              <a:t>8/2/19</a:t>
             </a:fld>
             <a:endParaRPr lang="en-US"/>
           </a:p>
@@ -2468,7 +2539,7 @@
           <a:p>
             <a:fld id="{04F1D4A2-813C-F741-B481-C92B3A596030}" type="datetimeFigureOut">
               <a:rPr lang="en-US" smtClean="0"/>
-              <a:t>14-Aug-18</a:t>
+              <a:t>8/2/19</a:t>
             </a:fld>
             <a:endParaRPr lang="en-US"/>
           </a:p>
@@ -2571,10 +2642,9 @@
           </a:lstStyle>
           <a:p>
             <a:r>
-              <a:rPr lang="en-US" smtClean="0"/>
+              <a:rPr lang="en-US"/>
               <a:t>Click to edit Master title style</a:t>
             </a:r>
-            <a:endParaRPr lang="en-US"/>
           </a:p>
         </p:txBody>
       </p:sp>
@@ -2628,38 +2698,37 @@
           <a:p>
             <a:pPr lvl="0"/>
             <a:r>
-              <a:rPr lang="en-US" smtClean="0"/>
+              <a:rPr lang="en-US"/>
               <a:t>Click to edit Master text styles</a:t>
             </a:r>
           </a:p>
           <a:p>
             <a:pPr lvl="1"/>
             <a:r>
-              <a:rPr lang="en-US" smtClean="0"/>
+              <a:rPr lang="en-US"/>
               <a:t>Second level</a:t>
             </a:r>
           </a:p>
           <a:p>
             <a:pPr lvl="2"/>
             <a:r>
-              <a:rPr lang="en-US" smtClean="0"/>
+              <a:rPr lang="en-US"/>
               <a:t>Third level</a:t>
             </a:r>
           </a:p>
           <a:p>
             <a:pPr lvl="3"/>
             <a:r>
-              <a:rPr lang="en-US" smtClean="0"/>
+              <a:rPr lang="en-US"/>
               <a:t>Fourth level</a:t>
             </a:r>
           </a:p>
           <a:p>
             <a:pPr lvl="4"/>
             <a:r>
-              <a:rPr lang="en-US" smtClean="0"/>
+              <a:rPr lang="en-US"/>
               <a:t>Fifth level</a:t>
             </a:r>
-            <a:endParaRPr lang="en-US"/>
           </a:p>
         </p:txBody>
       </p:sp>
@@ -2722,7 +2791,7 @@
           <a:p>
             <a:pPr lvl="0"/>
             <a:r>
-              <a:rPr lang="en-US" smtClean="0"/>
+              <a:rPr lang="en-US"/>
               <a:t>Click to edit Master text styles</a:t>
             </a:r>
           </a:p>
@@ -2745,7 +2814,7 @@
           <a:p>
             <a:fld id="{04F1D4A2-813C-F741-B481-C92B3A596030}" type="datetimeFigureOut">
               <a:rPr lang="en-US" smtClean="0"/>
-              <a:t>14-Aug-18</a:t>
+              <a:t>8/2/19</a:t>
             </a:fld>
             <a:endParaRPr lang="en-US"/>
           </a:p>
@@ -2848,10 +2917,9 @@
           </a:lstStyle>
           <a:p>
             <a:r>
-              <a:rPr lang="en-US" smtClean="0"/>
+              <a:rPr lang="en-US"/>
               <a:t>Click to edit Master title style</a:t>
             </a:r>
-            <a:endParaRPr lang="en-US"/>
           </a:p>
         </p:txBody>
       </p:sp>
@@ -2975,7 +3043,7 @@
           <a:p>
             <a:pPr lvl="0"/>
             <a:r>
-              <a:rPr lang="en-US" smtClean="0"/>
+              <a:rPr lang="en-US"/>
               <a:t>Click to edit Master text styles</a:t>
             </a:r>
           </a:p>
@@ -2998,7 +3066,7 @@
           <a:p>
             <a:fld id="{04F1D4A2-813C-F741-B481-C92B3A596030}" type="datetimeFigureOut">
               <a:rPr lang="en-US" smtClean="0"/>
-              <a:t>14-Aug-18</a:t>
+              <a:t>8/2/19</a:t>
             </a:fld>
             <a:endParaRPr lang="en-US"/>
           </a:p>
@@ -3107,10 +3175,9 @@
           <a:lstStyle/>
           <a:p>
             <a:r>
-              <a:rPr lang="en-US" dirty="0" smtClean="0"/>
+              <a:rPr lang="en-US" dirty="0"/>
               <a:t>Click to edit Master title style</a:t>
             </a:r>
-            <a:endParaRPr lang="en-US" dirty="0"/>
           </a:p>
         </p:txBody>
       </p:sp>
@@ -3141,38 +3208,37 @@
           <a:p>
             <a:pPr lvl="0"/>
             <a:r>
-              <a:rPr lang="en-US" smtClean="0"/>
+              <a:rPr lang="en-US"/>
               <a:t>Click to edit Master text styles</a:t>
             </a:r>
           </a:p>
           <a:p>
             <a:pPr lvl="1"/>
             <a:r>
-              <a:rPr lang="en-US" smtClean="0"/>
+              <a:rPr lang="en-US"/>
               <a:t>Second level</a:t>
             </a:r>
           </a:p>
           <a:p>
             <a:pPr lvl="2"/>
             <a:r>
-              <a:rPr lang="en-US" smtClean="0"/>
+              <a:rPr lang="en-US"/>
               <a:t>Third level</a:t>
             </a:r>
           </a:p>
           <a:p>
             <a:pPr lvl="3"/>
             <a:r>
-              <a:rPr lang="en-US" smtClean="0"/>
+              <a:rPr lang="en-US"/>
               <a:t>Fourth level</a:t>
             </a:r>
           </a:p>
           <a:p>
             <a:pPr lvl="4"/>
             <a:r>
-              <a:rPr lang="en-US" smtClean="0"/>
+              <a:rPr lang="en-US"/>
               <a:t>Fifth level</a:t>
             </a:r>
-            <a:endParaRPr lang="en-US"/>
           </a:p>
         </p:txBody>
       </p:sp>
@@ -3211,7 +3277,7 @@
           <a:p>
             <a:fld id="{04F1D4A2-813C-F741-B481-C92B3A596030}" type="datetimeFigureOut">
               <a:rPr lang="en-US" smtClean="0"/>
-              <a:t>14-Aug-18</a:t>
+              <a:t>8/2/19</a:t>
             </a:fld>
             <a:endParaRPr lang="en-US"/>
           </a:p>
@@ -3641,32 +3707,27 @@
           <a:p>
             <a:pPr algn="l"/>
             <a:r>
-              <a:rPr lang="en-US" dirty="0" smtClean="0"/>
+              <a:rPr lang="en-US" dirty="0"/>
               <a:t>Enterprise </a:t>
             </a:r>
             <a:r>
-              <a:rPr lang="en-US" dirty="0" err="1" smtClean="0"/>
+              <a:rPr lang="en-US" dirty="0" err="1"/>
               <a:t>Programmering</a:t>
             </a:r>
             <a:r>
-              <a:rPr lang="en-US" dirty="0" smtClean="0"/>
+              <a:rPr lang="en-US" dirty="0"/>
               <a:t> 2</a:t>
             </a:r>
             <a:br>
-              <a:rPr lang="en-US" dirty="0" smtClean="0"/>
+              <a:rPr lang="en-US" dirty="0"/>
             </a:br>
-            <a:r>
-              <a:rPr lang="en-US" dirty="0" smtClean="0"/>
-              <a:t/>
-            </a:r>
             <a:br>
-              <a:rPr lang="en-US" dirty="0" smtClean="0"/>
+              <a:rPr lang="en-US" dirty="0"/>
             </a:br>
             <a:r>
-              <a:rPr lang="en-US" dirty="0" smtClean="0"/>
+              <a:rPr lang="en-US" dirty="0"/>
               <a:t>Lesson 01: Introduction</a:t>
             </a:r>
-            <a:endParaRPr lang="en-US" dirty="0"/>
           </a:p>
         </p:txBody>
       </p:sp>
@@ -3694,14 +3755,14 @@
           <a:p>
             <a:pPr algn="r"/>
             <a:r>
-              <a:rPr lang="en-US" dirty="0" smtClean="0"/>
-              <a:t>Dr. Andrea </a:t>
-            </a:r>
-            <a:r>
-              <a:rPr lang="en-US" dirty="0" err="1" smtClean="0"/>
+              <a:rPr lang="en-US" dirty="0"/>
+              <a:t>Prof. Andrea </a:t>
+            </a:r>
+            <a:r>
+              <a:rPr lang="en-US" dirty="0" err="1"/>
               <a:t>Arcuri</a:t>
             </a:r>
-            <a:endParaRPr lang="en-US" dirty="0" smtClean="0"/>
+            <a:endParaRPr lang="en-US" dirty="0"/>
           </a:p>
         </p:txBody>
       </p:sp>
@@ -3737,7 +3798,7 @@
       </p:grpSpPr>
       <p:sp>
         <p:nvSpPr>
-          <p:cNvPr id="4" name="Title 3"/>
+          <p:cNvPr id="2" name="Title 1"/>
           <p:cNvSpPr>
             <a:spLocks noGrp="1"/>
           </p:cNvSpPr>
@@ -3751,7 +3812,11 @@
           <a:lstStyle/>
           <a:p>
             <a:r>
-              <a:rPr lang="en-US" dirty="0" err="1" smtClean="0"/>
+              <a:rPr lang="en-US" sz="6600" dirty="0"/>
+              <a:t>About </a:t>
+            </a:r>
+            <a:r>
+              <a:rPr lang="en-US" sz="6600" dirty="0" err="1"/>
               <a:t>Kotlin</a:t>
             </a:r>
             <a:endParaRPr lang="en-US" dirty="0"/>
@@ -3760,7 +3825,7 @@
       </p:sp>
       <p:sp>
         <p:nvSpPr>
-          <p:cNvPr id="5" name="Text Placeholder 4"/>
+          <p:cNvPr id="3" name="Text Placeholder 2"/>
           <p:cNvSpPr>
             <a:spLocks noGrp="1"/>
           </p:cNvSpPr>
@@ -3768,25 +3833,106 @@
             <p:ph type="body" idx="1"/>
           </p:nvPr>
         </p:nvSpPr>
-        <p:spPr/>
+        <p:spPr>
+          <a:xfrm>
+            <a:off x="435429" y="1825624"/>
+            <a:ext cx="10918371" cy="4716689"/>
+          </a:xfrm>
+        </p:spPr>
         <p:txBody>
-          <a:bodyPr/>
+          <a:bodyPr>
+            <a:noAutofit/>
+          </a:bodyPr>
           <a:lstStyle/>
           <a:p>
-            <a:endParaRPr lang="en-US"/>
+            <a:r>
+              <a:rPr lang="en-US" sz="3600" dirty="0"/>
+              <a:t>Recent language: 2011</a:t>
+            </a:r>
+          </a:p>
+          <a:p>
+            <a:pPr lvl="1"/>
+            <a:r>
+              <a:rPr lang="en-US" sz="2400" dirty="0"/>
+              <a:t>Java is from 1995</a:t>
+            </a:r>
+          </a:p>
+          <a:p>
+            <a:r>
+              <a:rPr lang="en-US" sz="3600" dirty="0"/>
+              <a:t>Compile to JVM bytecode (and JavaScript)</a:t>
+            </a:r>
+          </a:p>
+          <a:p>
+            <a:r>
+              <a:rPr lang="en-US" sz="3600" dirty="0"/>
+              <a:t>High compatibility with Java</a:t>
+            </a:r>
+          </a:p>
+          <a:p>
+            <a:pPr lvl="1"/>
+            <a:r>
+              <a:rPr lang="en-US" sz="2400" dirty="0"/>
+              <a:t>Can reuse all tools (</a:t>
+            </a:r>
+            <a:r>
+              <a:rPr lang="en-US" sz="2400" dirty="0" err="1"/>
+              <a:t>eg</a:t>
+            </a:r>
+            <a:r>
+              <a:rPr lang="en-US" sz="2400" dirty="0"/>
+              <a:t> Maven) and libraries (</a:t>
+            </a:r>
+            <a:r>
+              <a:rPr lang="en-US" sz="2400" dirty="0" err="1"/>
+              <a:t>eg</a:t>
+            </a:r>
+            <a:r>
+              <a:rPr lang="en-US" sz="2400" dirty="0"/>
+              <a:t> Spring) </a:t>
+            </a:r>
+          </a:p>
+          <a:p>
+            <a:r>
+              <a:rPr lang="en-US" sz="3600" dirty="0"/>
+              <a:t>Made by </a:t>
+            </a:r>
+            <a:r>
+              <a:rPr lang="en-US" sz="3600" dirty="0" err="1"/>
+              <a:t>JetBrains</a:t>
+            </a:r>
+            <a:r>
+              <a:rPr lang="en-US" sz="3600" dirty="0"/>
+              <a:t> (same as IntelliJ)</a:t>
+            </a:r>
+          </a:p>
+          <a:p>
+            <a:r>
+              <a:rPr lang="en-US" sz="3600" dirty="0"/>
+              <a:t>As of May’17, </a:t>
+            </a:r>
+            <a:r>
+              <a:rPr lang="en-US" sz="3600" dirty="0" err="1"/>
+              <a:t>Kotlin</a:t>
+            </a:r>
+            <a:r>
+              <a:rPr lang="en-US" sz="3600" dirty="0"/>
+              <a:t> became an official language for Android development</a:t>
+            </a:r>
           </a:p>
         </p:txBody>
       </p:sp>
     </p:spTree>
     <p:extLst>
       <p:ext uri="{BB962C8B-B14F-4D97-AF65-F5344CB8AC3E}">
-        <p14:creationId xmlns:p14="http://schemas.microsoft.com/office/powerpoint/2010/main" val="686580739"/>
+        <p14:creationId xmlns:p14="http://schemas.microsoft.com/office/powerpoint/2010/main" val="3319054251"/>
       </p:ext>
     </p:extLst>
   </p:cSld>
   <p:clrMapOvr>
     <a:masterClrMapping/>
   </p:clrMapOvr>
+  <p:transition spd="med"/>
 </p:sld>
 </file>
 
@@ -3817,37 +3963,10 @@
             <p:ph type="title"/>
           </p:nvPr>
         </p:nvSpPr>
-        <p:spPr/>
-        <p:txBody>
-          <a:bodyPr/>
-          <a:lstStyle/>
-          <a:p>
-            <a:r>
-              <a:rPr lang="en-US" sz="6600" dirty="0" smtClean="0"/>
-              <a:t>About </a:t>
-            </a:r>
-            <a:r>
-              <a:rPr lang="en-US" sz="6600" dirty="0" err="1" smtClean="0"/>
-              <a:t>Kotlin</a:t>
-            </a:r>
-            <a:endParaRPr lang="en-US" dirty="0"/>
-          </a:p>
-        </p:txBody>
-      </p:sp>
-      <p:sp>
-        <p:nvSpPr>
-          <p:cNvPr id="3" name="Text Placeholder 2"/>
-          <p:cNvSpPr>
-            <a:spLocks noGrp="1"/>
-          </p:cNvSpPr>
-          <p:nvPr>
-            <p:ph type="body" idx="1"/>
-          </p:nvPr>
-        </p:nvSpPr>
         <p:spPr>
           <a:xfrm>
-            <a:off x="435429" y="1825624"/>
-            <a:ext cx="10918371" cy="4716689"/>
+            <a:off x="609601" y="312540"/>
+            <a:ext cx="11059886" cy="1037290"/>
           </a:xfrm>
         </p:spPr>
         <p:txBody>
@@ -3857,87 +3976,61 @@
           <a:lstStyle/>
           <a:p>
             <a:r>
-              <a:rPr lang="en-US" sz="3600" dirty="0" smtClean="0"/>
-              <a:t>Recent language: 2011</a:t>
-            </a:r>
-          </a:p>
-          <a:p>
-            <a:pPr lvl="1"/>
-            <a:r>
-              <a:rPr lang="en-US" sz="2400" dirty="0" smtClean="0"/>
-              <a:t>Java is from 1995</a:t>
-            </a:r>
-          </a:p>
-          <a:p>
-            <a:r>
-              <a:rPr lang="en-US" sz="3600" dirty="0" smtClean="0"/>
-              <a:t>Compile to JVM bytecode (and JavaScript)</a:t>
-            </a:r>
-          </a:p>
-          <a:p>
-            <a:r>
-              <a:rPr lang="en-US" sz="3600" dirty="0" smtClean="0"/>
-              <a:t>High compatibility with Java</a:t>
-            </a:r>
-          </a:p>
-          <a:p>
-            <a:pPr lvl="1"/>
-            <a:r>
-              <a:rPr lang="en-US" sz="2400" dirty="0" smtClean="0"/>
-              <a:t>Can reuse all tools (</a:t>
-            </a:r>
-            <a:r>
-              <a:rPr lang="en-US" sz="2400" dirty="0" err="1" smtClean="0"/>
-              <a:t>eg</a:t>
-            </a:r>
-            <a:r>
-              <a:rPr lang="en-US" sz="2400" dirty="0" smtClean="0"/>
-              <a:t> Maven) and libraries (</a:t>
-            </a:r>
-            <a:r>
-              <a:rPr lang="en-US" sz="2400" dirty="0" err="1" smtClean="0"/>
-              <a:t>eg</a:t>
-            </a:r>
-            <a:r>
-              <a:rPr lang="en-US" sz="2400" dirty="0" smtClean="0"/>
-              <a:t> Spring) </a:t>
-            </a:r>
-          </a:p>
-          <a:p>
-            <a:r>
-              <a:rPr lang="en-US" sz="3600" dirty="0" smtClean="0"/>
-              <a:t>Made by </a:t>
-            </a:r>
-            <a:r>
-              <a:rPr lang="en-US" sz="3600" dirty="0" err="1" smtClean="0"/>
-              <a:t>JetBrains</a:t>
-            </a:r>
-            <a:r>
-              <a:rPr lang="en-US" sz="3600" dirty="0" smtClean="0"/>
-              <a:t> (same as IntelliJ)</a:t>
-            </a:r>
-          </a:p>
-          <a:p>
-            <a:r>
-              <a:rPr lang="en-US" sz="3600" dirty="0" smtClean="0"/>
-              <a:t>As of May’17, </a:t>
-            </a:r>
-            <a:r>
-              <a:rPr lang="en-US" sz="3600" dirty="0" err="1" smtClean="0"/>
+              <a:rPr lang="en-US" sz="6600" dirty="0" err="1"/>
               <a:t>Kotlin</a:t>
             </a:r>
             <a:r>
-              <a:rPr lang="en-US" sz="3600" dirty="0" smtClean="0"/>
-              <a:t> became an official language for Android development</a:t>
-            </a:r>
-            <a:endParaRPr lang="en-US" sz="3600" dirty="0"/>
+              <a:rPr lang="en-US" sz="6600" dirty="0"/>
+              <a:t> Island (St. Petersburg)</a:t>
+            </a:r>
           </a:p>
         </p:txBody>
       </p:sp>
+      <p:pic>
+        <p:nvPicPr>
+          <p:cNvPr id="1026" name="Picture 2" descr="Image result for kotlin island"/>
+          <p:cNvPicPr>
+            <a:picLocks noChangeAspect="1" noChangeArrowheads="1"/>
+          </p:cNvPicPr>
+          <p:nvPr/>
+        </p:nvPicPr>
+        <p:blipFill>
+          <a:blip r:embed="rId2">
+            <a:extLst>
+              <a:ext uri="{28A0092B-C50C-407E-A947-70E740481C1C}">
+                <a14:useLocalDpi xmlns:a14="http://schemas.microsoft.com/office/drawing/2010/main" val="0"/>
+              </a:ext>
+            </a:extLst>
+          </a:blip>
+          <a:srcRect/>
+          <a:stretch>
+            <a:fillRect/>
+          </a:stretch>
+        </p:blipFill>
+        <p:spPr bwMode="auto">
+          <a:xfrm>
+            <a:off x="2164705" y="1626320"/>
+            <a:ext cx="7719715" cy="5139126"/>
+          </a:xfrm>
+          <a:prstGeom prst="rect">
+            <a:avLst/>
+          </a:prstGeom>
+          <a:noFill/>
+          <a:extLst>
+            <a:ext uri="{909E8E84-426E-40DD-AFC4-6F175D3DCCD1}">
+              <a14:hiddenFill xmlns:a14="http://schemas.microsoft.com/office/drawing/2010/main">
+                <a:solidFill>
+                  <a:srgbClr val="FFFFFF"/>
+                </a:solidFill>
+              </a14:hiddenFill>
+            </a:ext>
+          </a:extLst>
+        </p:spPr>
+      </p:pic>
     </p:spTree>
     <p:extLst>
       <p:ext uri="{BB962C8B-B14F-4D97-AF65-F5344CB8AC3E}">
-        <p14:creationId xmlns:p14="http://schemas.microsoft.com/office/powerpoint/2010/main" val="3319054251"/>
+        <p14:creationId xmlns:p14="http://schemas.microsoft.com/office/powerpoint/2010/main" val="1651339020"/>
       </p:ext>
     </p:extLst>
   </p:cSld>
@@ -3975,75 +4068,110 @@
             <p:ph type="title"/>
           </p:nvPr>
         </p:nvSpPr>
+        <p:spPr/>
+        <p:txBody>
+          <a:bodyPr>
+            <a:normAutofit/>
+          </a:bodyPr>
+          <a:lstStyle/>
+          <a:p>
+            <a:r>
+              <a:rPr lang="en-US" sz="6600" dirty="0"/>
+              <a:t>Why?</a:t>
+            </a:r>
+          </a:p>
+        </p:txBody>
+      </p:sp>
+      <p:sp>
+        <p:nvSpPr>
+          <p:cNvPr id="3" name="Text Placeholder 2"/>
+          <p:cNvSpPr>
+            <a:spLocks noGrp="1"/>
+          </p:cNvSpPr>
+          <p:nvPr>
+            <p:ph type="body" idx="1"/>
+          </p:nvPr>
+        </p:nvSpPr>
         <p:spPr>
           <a:xfrm>
-            <a:off x="609601" y="312540"/>
-            <a:ext cx="11059886" cy="1037290"/>
+            <a:off x="555171" y="1830584"/>
+            <a:ext cx="11364686" cy="5027416"/>
           </a:xfrm>
         </p:spPr>
         <p:txBody>
           <a:bodyPr>
-            <a:noAutofit/>
+            <a:normAutofit/>
           </a:bodyPr>
           <a:lstStyle/>
           <a:p>
             <a:r>
-              <a:rPr lang="en-US" sz="6600" dirty="0" err="1" smtClean="0"/>
-              <a:t>Kotlin</a:t>
-            </a:r>
-            <a:r>
-              <a:rPr lang="en-US" sz="6600" dirty="0" smtClean="0"/>
-              <a:t> Island (St. Petersburg)</a:t>
-            </a:r>
-            <a:endParaRPr lang="en-US" sz="6600" dirty="0"/>
+              <a:rPr lang="en-US" sz="3600" dirty="0"/>
+              <a:t>Java is a good, solid language, but is verbose and lacks many “modern” features, </a:t>
+            </a:r>
+            <a:r>
+              <a:rPr lang="en-US" sz="3600" dirty="0" err="1"/>
+              <a:t>eg</a:t>
+            </a:r>
+            <a:r>
+              <a:rPr lang="en-US" sz="3600" dirty="0"/>
+              <a:t> when compared to C#</a:t>
+            </a:r>
+          </a:p>
+          <a:p>
+            <a:pPr lvl="1"/>
+            <a:r>
+              <a:rPr lang="en-US" sz="2400" dirty="0"/>
+              <a:t>Things got bit better with Java 8, but that’s 2014</a:t>
+            </a:r>
+          </a:p>
+          <a:p>
+            <a:pPr lvl="1"/>
+            <a:r>
+              <a:rPr lang="en-US" sz="2400" dirty="0"/>
+              <a:t>Java still better than C# for enterprise development, but mainly due to its ecosystem (frameworks and libraries)</a:t>
+            </a:r>
+          </a:p>
+          <a:p>
+            <a:r>
+              <a:rPr lang="en-US" sz="3600" dirty="0"/>
+              <a:t>Due to Google vs Oracle legal fight, Android development was stagnating in a Java 6 </a:t>
+            </a:r>
+            <a:r>
+              <a:rPr lang="en-US" sz="3600" i="1" dirty="0"/>
+              <a:t>wasteland</a:t>
+            </a:r>
+            <a:r>
+              <a:rPr lang="en-US" sz="3600" dirty="0"/>
+              <a:t> </a:t>
+            </a:r>
+          </a:p>
+          <a:p>
+            <a:pPr lvl="1"/>
+            <a:r>
+              <a:rPr lang="en-US" sz="2400" dirty="0"/>
+              <a:t>Java 6 is from </a:t>
+            </a:r>
+            <a:r>
+              <a:rPr lang="en-US" sz="2400" b="1" dirty="0"/>
+              <a:t>2006, </a:t>
+            </a:r>
+            <a:r>
+              <a:rPr lang="en-US" sz="2400" dirty="0"/>
+              <a:t>eons in the software development world…</a:t>
+            </a:r>
+          </a:p>
+          <a:p>
+            <a:r>
+              <a:rPr lang="en-US" sz="3600" dirty="0"/>
+              <a:t>Goal: provide a modern language that can be 100% interoperable with Java </a:t>
+            </a:r>
           </a:p>
         </p:txBody>
       </p:sp>
-      <p:pic>
-        <p:nvPicPr>
-          <p:cNvPr id="1026" name="Picture 2" descr="Image result for kotlin island"/>
-          <p:cNvPicPr>
-            <a:picLocks noChangeAspect="1" noChangeArrowheads="1"/>
-          </p:cNvPicPr>
-          <p:nvPr/>
-        </p:nvPicPr>
-        <p:blipFill>
-          <a:blip r:embed="rId2">
-            <a:extLst>
-              <a:ext uri="{28A0092B-C50C-407E-A947-70E740481C1C}">
-                <a14:useLocalDpi xmlns:a14="http://schemas.microsoft.com/office/drawing/2010/main" val="0"/>
-              </a:ext>
-            </a:extLst>
-          </a:blip>
-          <a:srcRect/>
-          <a:stretch>
-            <a:fillRect/>
-          </a:stretch>
-        </p:blipFill>
-        <p:spPr bwMode="auto">
-          <a:xfrm>
-            <a:off x="2164705" y="1626320"/>
-            <a:ext cx="7719715" cy="5139126"/>
-          </a:xfrm>
-          <a:prstGeom prst="rect">
-            <a:avLst/>
-          </a:prstGeom>
-          <a:noFill/>
-          <a:extLst>
-            <a:ext uri="{909E8E84-426E-40DD-AFC4-6F175D3DCCD1}">
-              <a14:hiddenFill xmlns:a14="http://schemas.microsoft.com/office/drawing/2010/main">
-                <a:solidFill>
-                  <a:srgbClr val="FFFFFF"/>
-                </a:solidFill>
-              </a14:hiddenFill>
-            </a:ext>
-          </a:extLst>
-        </p:spPr>
-      </p:pic>
     </p:spTree>
     <p:extLst>
       <p:ext uri="{BB962C8B-B14F-4D97-AF65-F5344CB8AC3E}">
-        <p14:creationId xmlns:p14="http://schemas.microsoft.com/office/powerpoint/2010/main" val="1651339020"/>
+        <p14:creationId xmlns:p14="http://schemas.microsoft.com/office/powerpoint/2010/main" val="176345330"/>
       </p:ext>
     </p:extLst>
   </p:cSld>
@@ -4089,161 +4217,9 @@
           <a:lstStyle/>
           <a:p>
             <a:r>
-              <a:rPr lang="en-US" sz="6600" dirty="0" smtClean="0"/>
-              <a:t>Why?</a:t>
-            </a:r>
-            <a:endParaRPr lang="en-US" sz="6600" dirty="0"/>
-          </a:p>
-        </p:txBody>
-      </p:sp>
-      <p:sp>
-        <p:nvSpPr>
-          <p:cNvPr id="3" name="Text Placeholder 2"/>
-          <p:cNvSpPr>
-            <a:spLocks noGrp="1"/>
-          </p:cNvSpPr>
-          <p:nvPr>
-            <p:ph type="body" idx="1"/>
-          </p:nvPr>
-        </p:nvSpPr>
-        <p:spPr>
-          <a:xfrm>
-            <a:off x="555171" y="1830584"/>
-            <a:ext cx="11364686" cy="5027416"/>
-          </a:xfrm>
-        </p:spPr>
-        <p:txBody>
-          <a:bodyPr>
-            <a:normAutofit/>
-          </a:bodyPr>
-          <a:lstStyle/>
-          <a:p>
-            <a:r>
-              <a:rPr lang="en-US" sz="3600" dirty="0" smtClean="0"/>
-              <a:t>Java is a good, solid language, but is verbose and lacks many “modern” features, </a:t>
-            </a:r>
-            <a:r>
-              <a:rPr lang="en-US" sz="3600" dirty="0" err="1" smtClean="0"/>
-              <a:t>eg</a:t>
-            </a:r>
-            <a:r>
-              <a:rPr lang="en-US" sz="3600" dirty="0" smtClean="0"/>
-              <a:t> when compared to C#</a:t>
-            </a:r>
-          </a:p>
-          <a:p>
-            <a:pPr lvl="1"/>
-            <a:r>
-              <a:rPr lang="en-US" sz="2400" dirty="0" smtClean="0"/>
-              <a:t>Things got bit better with Java 8, but that’s 2014</a:t>
-            </a:r>
-          </a:p>
-          <a:p>
-            <a:pPr lvl="1"/>
-            <a:r>
-              <a:rPr lang="en-US" sz="2400" dirty="0" smtClean="0"/>
-              <a:t>Java still better than C# for enterprise development, but mainly due to its ecosystem (frameworks and libraries)</a:t>
-            </a:r>
-          </a:p>
-          <a:p>
-            <a:r>
-              <a:rPr lang="en-US" sz="3600" dirty="0" smtClean="0"/>
-              <a:t>Due to Google vs Oracle legal fight, Android development was stagnating in a Java </a:t>
-            </a:r>
-            <a:r>
-              <a:rPr lang="en-US" sz="3600" dirty="0"/>
-              <a:t>6</a:t>
-            </a:r>
-            <a:r>
-              <a:rPr lang="en-US" sz="3600" dirty="0" smtClean="0"/>
-              <a:t> </a:t>
-            </a:r>
-            <a:r>
-              <a:rPr lang="en-US" sz="3600" i="1" dirty="0" smtClean="0"/>
-              <a:t>wasteland</a:t>
-            </a:r>
-            <a:r>
-              <a:rPr lang="en-US" sz="3600" dirty="0" smtClean="0"/>
-              <a:t> </a:t>
-            </a:r>
-          </a:p>
-          <a:p>
-            <a:pPr lvl="1"/>
-            <a:r>
-              <a:rPr lang="en-US" sz="2400" dirty="0" smtClean="0"/>
-              <a:t>Java 6 is from </a:t>
-            </a:r>
-            <a:r>
-              <a:rPr lang="en-US" sz="2400" b="1" dirty="0" smtClean="0"/>
-              <a:t>2006, </a:t>
-            </a:r>
-            <a:r>
-              <a:rPr lang="en-US" sz="2400" dirty="0" smtClean="0"/>
-              <a:t>eons in the software development world…</a:t>
-            </a:r>
-          </a:p>
-          <a:p>
-            <a:r>
-              <a:rPr lang="en-US" sz="3600" dirty="0" smtClean="0"/>
-              <a:t>Goal: provide a modern language that can be 100% interoperable with Java </a:t>
-            </a:r>
-            <a:endParaRPr lang="en-US" sz="3600" dirty="0"/>
-          </a:p>
-        </p:txBody>
-      </p:sp>
-    </p:spTree>
-    <p:extLst>
-      <p:ext uri="{BB962C8B-B14F-4D97-AF65-F5344CB8AC3E}">
-        <p14:creationId xmlns:p14="http://schemas.microsoft.com/office/powerpoint/2010/main" val="176345330"/>
-      </p:ext>
-    </p:extLst>
-  </p:cSld>
-  <p:clrMapOvr>
-    <a:masterClrMapping/>
-  </p:clrMapOvr>
-  <p:transition spd="med"/>
-</p:sld>
-</file>
-
-<file path=ppt/slides/slide14.xml><?xml version="1.0" encoding="utf-8"?>
-<p:sld xmlns:a="http://schemas.openxmlformats.org/drawingml/2006/main" xmlns:r="http://schemas.openxmlformats.org/officeDocument/2006/relationships" xmlns:p="http://schemas.openxmlformats.org/presentationml/2006/main">
-  <p:cSld>
-    <p:spTree>
-      <p:nvGrpSpPr>
-        <p:cNvPr id="1" name=""/>
-        <p:cNvGrpSpPr/>
-        <p:nvPr/>
-      </p:nvGrpSpPr>
-      <p:grpSpPr>
-        <a:xfrm>
-          <a:off x="0" y="0"/>
-          <a:ext cx="0" cy="0"/>
-          <a:chOff x="0" y="0"/>
-          <a:chExt cx="0" cy="0"/>
-        </a:xfrm>
-      </p:grpSpPr>
-      <p:sp>
-        <p:nvSpPr>
-          <p:cNvPr id="2" name="Title 1"/>
-          <p:cNvSpPr>
-            <a:spLocks noGrp="1"/>
-          </p:cNvSpPr>
-          <p:nvPr>
-            <p:ph type="title"/>
-          </p:nvPr>
-        </p:nvSpPr>
-        <p:spPr/>
-        <p:txBody>
-          <a:bodyPr>
-            <a:normAutofit/>
-          </a:bodyPr>
-          <a:lstStyle/>
-          <a:p>
-            <a:r>
-              <a:rPr lang="en-US" sz="6600" dirty="0" smtClean="0"/>
+              <a:rPr lang="en-US" sz="6600" dirty="0"/>
               <a:t>Main Features</a:t>
             </a:r>
-            <a:endParaRPr lang="en-US" sz="6600" dirty="0"/>
           </a:p>
         </p:txBody>
       </p:sp>
@@ -4270,62 +4246,61 @@
           <a:lstStyle/>
           <a:p>
             <a:r>
-              <a:rPr lang="en-US" sz="3600" dirty="0" smtClean="0"/>
+              <a:rPr lang="en-US" sz="3600" dirty="0"/>
               <a:t>Null safety:</a:t>
             </a:r>
           </a:p>
           <a:p>
             <a:pPr lvl="1"/>
             <a:r>
-              <a:rPr lang="en-US" sz="2400" b="1" dirty="0" smtClean="0"/>
+              <a:rPr lang="en-US" sz="2400" b="1" dirty="0"/>
               <a:t>Compiler </a:t>
             </a:r>
             <a:r>
-              <a:rPr lang="en-US" sz="2400" dirty="0" smtClean="0"/>
+              <a:rPr lang="en-US" sz="2400" dirty="0"/>
               <a:t>does check if a call to “</a:t>
             </a:r>
             <a:r>
-              <a:rPr lang="en-US" sz="2400" dirty="0" err="1" smtClean="0"/>
+              <a:rPr lang="en-US" sz="2400" dirty="0" err="1"/>
               <a:t>foo.bar</a:t>
             </a:r>
             <a:r>
-              <a:rPr lang="en-US" sz="2400" dirty="0" smtClean="0"/>
+              <a:rPr lang="en-US" sz="2400" dirty="0"/>
               <a:t>()” might have “foo” null</a:t>
             </a:r>
           </a:p>
           <a:p>
             <a:pPr lvl="1"/>
             <a:r>
-              <a:rPr lang="en-US" sz="2400" dirty="0" smtClean="0"/>
+              <a:rPr lang="en-US" sz="2400" dirty="0"/>
               <a:t>If a variable can contain null, it has to be marked so </a:t>
             </a:r>
           </a:p>
           <a:p>
-            <a:endParaRPr lang="en-US" sz="3600" b="1" dirty="0" smtClean="0"/>
-          </a:p>
-          <a:p>
-            <a:r>
-              <a:rPr lang="en-US" sz="3600" b="1" dirty="0" smtClean="0"/>
+            <a:endParaRPr lang="en-US" sz="3600" b="1" dirty="0"/>
+          </a:p>
+          <a:p>
+            <a:r>
+              <a:rPr lang="en-US" sz="3600" b="1" dirty="0"/>
               <a:t>No F*KCING Checked Exceptions…</a:t>
             </a:r>
           </a:p>
           <a:p>
-            <a:endParaRPr lang="en-US" sz="3600" dirty="0" smtClean="0"/>
-          </a:p>
-          <a:p>
-            <a:r>
-              <a:rPr lang="en-US" sz="3600" dirty="0" smtClean="0"/>
+            <a:endParaRPr lang="en-US" sz="3600" dirty="0"/>
+          </a:p>
+          <a:p>
+            <a:r>
+              <a:rPr lang="en-US" sz="3600" dirty="0"/>
               <a:t>Removed a lot of </a:t>
             </a:r>
             <a:r>
-              <a:rPr lang="en-US" sz="3600" i="1" dirty="0" smtClean="0"/>
+              <a:rPr lang="en-US" sz="3600" i="1" dirty="0"/>
               <a:t>boilerplate</a:t>
             </a:r>
             <a:r>
-              <a:rPr lang="en-US" sz="3600" dirty="0" smtClean="0"/>
+              <a:rPr lang="en-US" sz="3600" dirty="0"/>
               <a:t>… code much shorter</a:t>
             </a:r>
-            <a:endParaRPr lang="en-US" sz="3600" dirty="0"/>
           </a:p>
         </p:txBody>
       </p:sp>
@@ -4343,7 +4318,7 @@
 </p:sld>
 </file>
 
-<file path=ppt/slides/slide15.xml><?xml version="1.0" encoding="utf-8"?>
+<file path=ppt/slides/slide14.xml><?xml version="1.0" encoding="utf-8"?>
 <p:sld xmlns:a="http://schemas.openxmlformats.org/drawingml/2006/main" xmlns:r="http://schemas.openxmlformats.org/officeDocument/2006/relationships" xmlns:p="http://schemas.openxmlformats.org/presentationml/2006/main">
   <p:cSld>
     <p:spTree>
@@ -4666,16 +4641,6 @@
                 <a:cs typeface="Courier New" panose="02070309020205020404" pitchFamily="49" charset="0"/>
               </a:rPr>
             </a:br>
-            <a:r>
-              <a:rPr lang="en-US" altLang="en-US" sz="2800" dirty="0">
-                <a:solidFill>
-                  <a:srgbClr val="000000"/>
-                </a:solidFill>
-                <a:latin typeface="Courier New" panose="02070309020205020404" pitchFamily="49" charset="0"/>
-                <a:cs typeface="Courier New" panose="02070309020205020404" pitchFamily="49" charset="0"/>
-              </a:rPr>
-              <a:t/>
-            </a:r>
             <a:br>
               <a:rPr lang="en-US" altLang="en-US" sz="2800" dirty="0">
                 <a:solidFill>
@@ -4724,16 +4689,6 @@
                 <a:cs typeface="Courier New" panose="02070309020205020404" pitchFamily="49" charset="0"/>
               </a:rPr>
             </a:br>
-            <a:r>
-              <a:rPr lang="en-US" altLang="en-US" sz="2800" dirty="0">
-                <a:solidFill>
-                  <a:srgbClr val="000000"/>
-                </a:solidFill>
-                <a:latin typeface="Courier New" panose="02070309020205020404" pitchFamily="49" charset="0"/>
-                <a:cs typeface="Courier New" panose="02070309020205020404" pitchFamily="49" charset="0"/>
-              </a:rPr>
-              <a:t/>
-            </a:r>
             <a:br>
               <a:rPr lang="en-US" altLang="en-US" sz="2800" dirty="0">
                 <a:solidFill>
@@ -4850,7 +4805,7 @@
 </p:sld>
 </file>
 
-<file path=ppt/slides/slide16.xml><?xml version="1.0" encoding="utf-8"?>
+<file path=ppt/slides/slide15.xml><?xml version="1.0" encoding="utf-8"?>
 <p:sld xmlns:a="http://schemas.openxmlformats.org/drawingml/2006/main" xmlns:r="http://schemas.openxmlformats.org/officeDocument/2006/relationships" xmlns:p="http://schemas.openxmlformats.org/presentationml/2006/main">
   <p:cSld>
     <p:spTree>
@@ -4987,16 +4942,6 @@
                 <a:cs typeface="Courier New" panose="02070309020205020404" pitchFamily="49" charset="0"/>
               </a:rPr>
             </a:br>
-            <a:r>
-              <a:rPr lang="en-US" altLang="en-US" dirty="0">
-                <a:solidFill>
-                  <a:srgbClr val="000000"/>
-                </a:solidFill>
-                <a:latin typeface="Courier New" panose="02070309020205020404" pitchFamily="49" charset="0"/>
-                <a:cs typeface="Courier New" panose="02070309020205020404" pitchFamily="49" charset="0"/>
-              </a:rPr>
-              <a:t/>
-            </a:r>
             <a:br>
               <a:rPr lang="en-US" altLang="en-US" dirty="0">
                 <a:solidFill>
@@ -5211,16 +5156,6 @@
                 <a:cs typeface="Courier New" panose="02070309020205020404" pitchFamily="49" charset="0"/>
               </a:rPr>
             </a:br>
-            <a:r>
-              <a:rPr lang="en-US" altLang="en-US" i="1" dirty="0">
-                <a:solidFill>
-                  <a:srgbClr val="808080"/>
-                </a:solidFill>
-                <a:latin typeface="Courier New" panose="02070309020205020404" pitchFamily="49" charset="0"/>
-                <a:cs typeface="Courier New" panose="02070309020205020404" pitchFamily="49" charset="0"/>
-              </a:rPr>
-              <a:t/>
-            </a:r>
             <a:br>
               <a:rPr lang="en-US" altLang="en-US" i="1" dirty="0">
                 <a:solidFill>
@@ -5327,16 +5262,6 @@
                 <a:cs typeface="Courier New" panose="02070309020205020404" pitchFamily="49" charset="0"/>
               </a:rPr>
             </a:br>
-            <a:r>
-              <a:rPr lang="en-US" altLang="en-US" i="1" dirty="0">
-                <a:solidFill>
-                  <a:srgbClr val="808080"/>
-                </a:solidFill>
-                <a:latin typeface="Courier New" panose="02070309020205020404" pitchFamily="49" charset="0"/>
-                <a:cs typeface="Courier New" panose="02070309020205020404" pitchFamily="49" charset="0"/>
-              </a:rPr>
-              <a:t/>
-            </a:r>
             <a:br>
               <a:rPr lang="en-US" altLang="en-US" i="1" dirty="0">
                 <a:solidFill>
@@ -5481,16 +5406,6 @@
                 <a:cs typeface="Courier New" panose="02070309020205020404" pitchFamily="49" charset="0"/>
               </a:rPr>
             </a:br>
-            <a:r>
-              <a:rPr lang="en-US" altLang="en-US" i="1" dirty="0">
-                <a:solidFill>
-                  <a:srgbClr val="808080"/>
-                </a:solidFill>
-                <a:latin typeface="Courier New" panose="02070309020205020404" pitchFamily="49" charset="0"/>
-                <a:cs typeface="Courier New" panose="02070309020205020404" pitchFamily="49" charset="0"/>
-              </a:rPr>
-              <a:t/>
-            </a:r>
             <a:br>
               <a:rPr lang="en-US" altLang="en-US" i="1" dirty="0">
                 <a:solidFill>
@@ -5598,6 +5513,136 @@
     <p:extLst>
       <p:ext uri="{BB962C8B-B14F-4D97-AF65-F5344CB8AC3E}">
         <p14:creationId xmlns:p14="http://schemas.microsoft.com/office/powerpoint/2010/main" val="1879536447"/>
+      </p:ext>
+    </p:extLst>
+  </p:cSld>
+  <p:clrMapOvr>
+    <a:masterClrMapping/>
+  </p:clrMapOvr>
+  <p:transition spd="med"/>
+</p:sld>
+</file>
+
+<file path=ppt/slides/slide16.xml><?xml version="1.0" encoding="utf-8"?>
+<p:sld xmlns:a="http://schemas.openxmlformats.org/drawingml/2006/main" xmlns:r="http://schemas.openxmlformats.org/officeDocument/2006/relationships" xmlns:p="http://schemas.openxmlformats.org/presentationml/2006/main">
+  <p:cSld>
+    <p:spTree>
+      <p:nvGrpSpPr>
+        <p:cNvPr id="1" name=""/>
+        <p:cNvGrpSpPr/>
+        <p:nvPr/>
+      </p:nvGrpSpPr>
+      <p:grpSpPr>
+        <a:xfrm>
+          <a:off x="0" y="0"/>
+          <a:ext cx="0" cy="0"/>
+          <a:chOff x="0" y="0"/>
+          <a:chExt cx="0" cy="0"/>
+        </a:xfrm>
+      </p:grpSpPr>
+      <p:sp>
+        <p:nvSpPr>
+          <p:cNvPr id="2" name="Title 1"/>
+          <p:cNvSpPr>
+            <a:spLocks noGrp="1"/>
+          </p:cNvSpPr>
+          <p:nvPr>
+            <p:ph type="title"/>
+          </p:nvPr>
+        </p:nvSpPr>
+        <p:spPr/>
+        <p:txBody>
+          <a:bodyPr>
+            <a:normAutofit/>
+          </a:bodyPr>
+          <a:lstStyle/>
+          <a:p>
+            <a:r>
+              <a:rPr lang="en-US" sz="6600" dirty="0"/>
+              <a:t>Types</a:t>
+            </a:r>
+          </a:p>
+        </p:txBody>
+      </p:sp>
+      <p:sp>
+        <p:nvSpPr>
+          <p:cNvPr id="3" name="Text Placeholder 2"/>
+          <p:cNvSpPr>
+            <a:spLocks noGrp="1"/>
+          </p:cNvSpPr>
+          <p:nvPr>
+            <p:ph type="body" idx="1"/>
+          </p:nvPr>
+        </p:nvSpPr>
+        <p:spPr>
+          <a:xfrm>
+            <a:off x="457200" y="1825624"/>
+            <a:ext cx="10896600" cy="4564289"/>
+          </a:xfrm>
+        </p:spPr>
+        <p:txBody>
+          <a:bodyPr>
+            <a:normAutofit/>
+          </a:bodyPr>
+          <a:lstStyle/>
+          <a:p>
+            <a:r>
+              <a:rPr lang="en-US" sz="3600" dirty="0"/>
+              <a:t>Specified after with “:”</a:t>
+            </a:r>
+          </a:p>
+          <a:p>
+            <a:endParaRPr lang="en-US" sz="3600" dirty="0"/>
+          </a:p>
+          <a:p>
+            <a:r>
+              <a:rPr lang="en-US" sz="3600" dirty="0"/>
+              <a:t>Can be left unspecified if compiler can infer them</a:t>
+            </a:r>
+          </a:p>
+          <a:p>
+            <a:pPr lvl="1"/>
+            <a:r>
+              <a:rPr lang="en-US" sz="2400" dirty="0" err="1"/>
+              <a:t>val</a:t>
+            </a:r>
+            <a:r>
+              <a:rPr lang="en-US" sz="2400" dirty="0"/>
+              <a:t> foo = “foo” </a:t>
+            </a:r>
+          </a:p>
+          <a:p>
+            <a:pPr lvl="1"/>
+            <a:endParaRPr lang="en-US" sz="2400" dirty="0"/>
+          </a:p>
+          <a:p>
+            <a:r>
+              <a:rPr lang="en-US" sz="3600" dirty="0"/>
+              <a:t>Note: </a:t>
+            </a:r>
+            <a:r>
+              <a:rPr lang="en-US" sz="3600" dirty="0" err="1"/>
+              <a:t>Kotlin</a:t>
+            </a:r>
+            <a:r>
+              <a:rPr lang="en-US" sz="3600" dirty="0"/>
+              <a:t> </a:t>
+            </a:r>
+            <a:r>
+              <a:rPr lang="en-US" sz="3600" b="1" dirty="0"/>
+              <a:t>IS</a:t>
+            </a:r>
+            <a:r>
+              <a:rPr lang="en-US" sz="3600" dirty="0"/>
+              <a:t> statically typed </a:t>
+            </a:r>
+          </a:p>
+        </p:txBody>
+      </p:sp>
+    </p:spTree>
+    <p:extLst>
+      <p:ext uri="{BB962C8B-B14F-4D97-AF65-F5344CB8AC3E}">
+        <p14:creationId xmlns:p14="http://schemas.microsoft.com/office/powerpoint/2010/main" val="1450106382"/>
       </p:ext>
     </p:extLst>
   </p:cSld>
@@ -5643,146 +5688,13 @@
           <a:lstStyle/>
           <a:p>
             <a:r>
-              <a:rPr lang="en-US" sz="6600" dirty="0" smtClean="0"/>
-              <a:t>Types</a:t>
-            </a:r>
-            <a:endParaRPr lang="en-US" sz="6600" dirty="0"/>
-          </a:p>
-        </p:txBody>
-      </p:sp>
-      <p:sp>
-        <p:nvSpPr>
-          <p:cNvPr id="3" name="Text Placeholder 2"/>
-          <p:cNvSpPr>
-            <a:spLocks noGrp="1"/>
-          </p:cNvSpPr>
-          <p:nvPr>
-            <p:ph type="body" idx="1"/>
-          </p:nvPr>
-        </p:nvSpPr>
-        <p:spPr>
-          <a:xfrm>
-            <a:off x="457200" y="1825624"/>
-            <a:ext cx="10896600" cy="4564289"/>
-          </a:xfrm>
-        </p:spPr>
-        <p:txBody>
-          <a:bodyPr>
-            <a:normAutofit/>
-          </a:bodyPr>
-          <a:lstStyle/>
-          <a:p>
-            <a:r>
-              <a:rPr lang="en-US" sz="3600" dirty="0" smtClean="0"/>
-              <a:t>Specified after with “:”</a:t>
-            </a:r>
-          </a:p>
-          <a:p>
-            <a:endParaRPr lang="en-US" sz="3600" dirty="0" smtClean="0"/>
-          </a:p>
-          <a:p>
-            <a:r>
-              <a:rPr lang="en-US" sz="3600" dirty="0" smtClean="0"/>
-              <a:t>Can be left unspecified if compiler can infer them</a:t>
-            </a:r>
-          </a:p>
-          <a:p>
-            <a:pPr lvl="1"/>
-            <a:r>
-              <a:rPr lang="en-US" sz="2400" dirty="0" err="1" smtClean="0"/>
-              <a:t>val</a:t>
-            </a:r>
-            <a:r>
-              <a:rPr lang="en-US" sz="2400" dirty="0" smtClean="0"/>
-              <a:t> foo = “foo” </a:t>
-            </a:r>
-          </a:p>
-          <a:p>
-            <a:pPr lvl="1"/>
-            <a:endParaRPr lang="en-US" sz="2400" dirty="0" smtClean="0"/>
-          </a:p>
-          <a:p>
-            <a:r>
-              <a:rPr lang="en-US" sz="3600" dirty="0" smtClean="0"/>
-              <a:t>Note: </a:t>
-            </a:r>
-            <a:r>
-              <a:rPr lang="en-US" sz="3600" dirty="0" err="1" smtClean="0"/>
-              <a:t>Kotlin</a:t>
-            </a:r>
-            <a:r>
-              <a:rPr lang="en-US" sz="3600" dirty="0" smtClean="0"/>
-              <a:t> </a:t>
-            </a:r>
-            <a:r>
-              <a:rPr lang="en-US" sz="3600" b="1" dirty="0" smtClean="0"/>
-              <a:t>IS</a:t>
-            </a:r>
-            <a:r>
-              <a:rPr lang="en-US" sz="3600" dirty="0" smtClean="0"/>
-              <a:t> statically typed </a:t>
-            </a:r>
-            <a:endParaRPr lang="en-US" sz="3600" dirty="0"/>
-          </a:p>
-        </p:txBody>
-      </p:sp>
-    </p:spTree>
-    <p:extLst>
-      <p:ext uri="{BB962C8B-B14F-4D97-AF65-F5344CB8AC3E}">
-        <p14:creationId xmlns:p14="http://schemas.microsoft.com/office/powerpoint/2010/main" val="1450106382"/>
-      </p:ext>
-    </p:extLst>
-  </p:cSld>
-  <p:clrMapOvr>
-    <a:masterClrMapping/>
-  </p:clrMapOvr>
-  <p:transition spd="med"/>
-</p:sld>
-</file>
-
-<file path=ppt/slides/slide18.xml><?xml version="1.0" encoding="utf-8"?>
-<p:sld xmlns:a="http://schemas.openxmlformats.org/drawingml/2006/main" xmlns:r="http://schemas.openxmlformats.org/officeDocument/2006/relationships" xmlns:p="http://schemas.openxmlformats.org/presentationml/2006/main">
-  <p:cSld>
-    <p:spTree>
-      <p:nvGrpSpPr>
-        <p:cNvPr id="1" name=""/>
-        <p:cNvGrpSpPr/>
-        <p:nvPr/>
-      </p:nvGrpSpPr>
-      <p:grpSpPr>
-        <a:xfrm>
-          <a:off x="0" y="0"/>
-          <a:ext cx="0" cy="0"/>
-          <a:chOff x="0" y="0"/>
-          <a:chExt cx="0" cy="0"/>
-        </a:xfrm>
-      </p:grpSpPr>
-      <p:sp>
-        <p:nvSpPr>
-          <p:cNvPr id="2" name="Title 1"/>
-          <p:cNvSpPr>
-            <a:spLocks noGrp="1"/>
-          </p:cNvSpPr>
-          <p:nvPr>
-            <p:ph type="title"/>
-          </p:nvPr>
-        </p:nvSpPr>
-        <p:spPr/>
-        <p:txBody>
-          <a:bodyPr>
-            <a:normAutofit/>
-          </a:bodyPr>
-          <a:lstStyle/>
-          <a:p>
-            <a:r>
-              <a:rPr lang="en-US" sz="6600" dirty="0" err="1" smtClean="0"/>
+              <a:rPr lang="en-US" sz="6600" dirty="0" err="1"/>
               <a:t>Var</a:t>
             </a:r>
             <a:r>
-              <a:rPr lang="en-US" sz="6600" dirty="0" smtClean="0"/>
+              <a:rPr lang="en-US" sz="6600" dirty="0"/>
               <a:t>/Val</a:t>
             </a:r>
-            <a:endParaRPr lang="en-US" sz="6600" dirty="0"/>
           </a:p>
         </p:txBody>
       </p:sp>
@@ -5803,46 +5715,45 @@
           </a:bodyPr>
           <a:lstStyle/>
           <a:p>
-            <a:endParaRPr lang="en-US" sz="3600" dirty="0" smtClean="0"/>
-          </a:p>
-          <a:p>
-            <a:r>
-              <a:rPr lang="en-US" sz="3600" dirty="0" smtClean="0"/>
+            <a:endParaRPr lang="en-US" sz="3600" dirty="0"/>
+          </a:p>
+          <a:p>
+            <a:r>
+              <a:rPr lang="en-US" sz="3600" dirty="0"/>
               <a:t>“</a:t>
             </a:r>
             <a:r>
-              <a:rPr lang="en-US" sz="3600" dirty="0" err="1" smtClean="0"/>
+              <a:rPr lang="en-US" sz="3600" dirty="0" err="1"/>
               <a:t>var</a:t>
             </a:r>
             <a:r>
-              <a:rPr lang="en-US" sz="3600" dirty="0" smtClean="0"/>
+              <a:rPr lang="en-US" sz="3600" dirty="0"/>
               <a:t>” is for variables that can be modified</a:t>
             </a:r>
           </a:p>
           <a:p>
-            <a:endParaRPr lang="en-US" sz="3600" dirty="0" smtClean="0"/>
-          </a:p>
-          <a:p>
-            <a:r>
-              <a:rPr lang="en-US" sz="3600" dirty="0" smtClean="0"/>
+            <a:endParaRPr lang="en-US" sz="3600" dirty="0"/>
+          </a:p>
+          <a:p>
+            <a:r>
+              <a:rPr lang="en-US" sz="3600" dirty="0"/>
               <a:t>“</a:t>
             </a:r>
             <a:r>
-              <a:rPr lang="en-US" sz="3600" dirty="0" err="1" smtClean="0"/>
+              <a:rPr lang="en-US" sz="3600" dirty="0" err="1"/>
               <a:t>val</a:t>
             </a:r>
             <a:r>
-              <a:rPr lang="en-US" sz="3600" dirty="0" smtClean="0"/>
+              <a:rPr lang="en-US" sz="3600" dirty="0"/>
               <a:t>” are values which are constant</a:t>
             </a:r>
           </a:p>
           <a:p>
             <a:pPr lvl="1"/>
             <a:r>
-              <a:rPr lang="en-US" sz="2400" dirty="0" smtClean="0"/>
+              <a:rPr lang="en-US" sz="2400" dirty="0"/>
               <a:t>equivalent to the use of “final” in Java</a:t>
             </a:r>
-            <a:endParaRPr lang="en-US" sz="2400" dirty="0"/>
           </a:p>
         </p:txBody>
       </p:sp>
@@ -5860,7 +5771,7 @@
 </p:sld>
 </file>
 
-<file path=ppt/slides/slide19.xml><?xml version="1.0" encoding="utf-8"?>
+<file path=ppt/slides/slide18.xml><?xml version="1.0" encoding="utf-8"?>
 <p:sld xmlns:a="http://schemas.openxmlformats.org/drawingml/2006/main" xmlns:r="http://schemas.openxmlformats.org/officeDocument/2006/relationships" xmlns:p="http://schemas.openxmlformats.org/presentationml/2006/main">
   <p:cSld>
     <p:spTree>
@@ -5968,16 +5879,6 @@
                 <a:cs typeface="Courier New" panose="02070309020205020404" pitchFamily="49" charset="0"/>
               </a:rPr>
             </a:br>
-            <a:r>
-              <a:rPr lang="en-US" altLang="en-US" sz="3600" dirty="0">
-                <a:solidFill>
-                  <a:srgbClr val="000000"/>
-                </a:solidFill>
-                <a:latin typeface="Courier New" panose="02070309020205020404" pitchFamily="49" charset="0"/>
-                <a:cs typeface="Courier New" panose="02070309020205020404" pitchFamily="49" charset="0"/>
-              </a:rPr>
-              <a:t/>
-            </a:r>
             <a:br>
               <a:rPr lang="en-US" altLang="en-US" sz="3600" dirty="0">
                 <a:solidFill>
@@ -6114,16 +6015,6 @@
                 <a:cs typeface="Courier New" panose="02070309020205020404" pitchFamily="49" charset="0"/>
               </a:rPr>
             </a:br>
-            <a:r>
-              <a:rPr lang="en-US" altLang="en-US" sz="3600" i="1" dirty="0">
-                <a:solidFill>
-                  <a:srgbClr val="808080"/>
-                </a:solidFill>
-                <a:latin typeface="Courier New" panose="02070309020205020404" pitchFamily="49" charset="0"/>
-                <a:cs typeface="Courier New" panose="02070309020205020404" pitchFamily="49" charset="0"/>
-              </a:rPr>
-              <a:t/>
-            </a:r>
             <a:br>
               <a:rPr lang="en-US" altLang="en-US" sz="3600" i="1" dirty="0">
                 <a:solidFill>
@@ -6270,6 +6161,387 @@
     <p:extLst>
       <p:ext uri="{BB962C8B-B14F-4D97-AF65-F5344CB8AC3E}">
         <p14:creationId xmlns:p14="http://schemas.microsoft.com/office/powerpoint/2010/main" val="3052887797"/>
+      </p:ext>
+    </p:extLst>
+  </p:cSld>
+  <p:clrMapOvr>
+    <a:masterClrMapping/>
+  </p:clrMapOvr>
+  <p:transition spd="med"/>
+</p:sld>
+</file>
+
+<file path=ppt/slides/slide19.xml><?xml version="1.0" encoding="utf-8"?>
+<p:sld xmlns:a="http://schemas.openxmlformats.org/drawingml/2006/main" xmlns:r="http://schemas.openxmlformats.org/officeDocument/2006/relationships" xmlns:p="http://schemas.openxmlformats.org/presentationml/2006/main">
+  <p:cSld>
+    <p:spTree>
+      <p:nvGrpSpPr>
+        <p:cNvPr id="1" name=""/>
+        <p:cNvGrpSpPr/>
+        <p:nvPr/>
+      </p:nvGrpSpPr>
+      <p:grpSpPr>
+        <a:xfrm>
+          <a:off x="0" y="0"/>
+          <a:ext cx="0" cy="0"/>
+          <a:chOff x="0" y="0"/>
+          <a:chExt cx="0" cy="0"/>
+        </a:xfrm>
+      </p:grpSpPr>
+      <p:sp>
+        <p:nvSpPr>
+          <p:cNvPr id="4" name="Rectangle 1"/>
+          <p:cNvSpPr>
+            <a:spLocks noChangeArrowheads="1"/>
+          </p:cNvSpPr>
+          <p:nvPr/>
+        </p:nvSpPr>
+        <p:spPr bwMode="auto">
+          <a:xfrm>
+            <a:off x="361567" y="402880"/>
+            <a:ext cx="10004342" cy="4496904"/>
+          </a:xfrm>
+          <a:prstGeom prst="rect">
+            <a:avLst/>
+          </a:prstGeom>
+          <a:solidFill>
+            <a:srgbClr val="FFFFFF"/>
+          </a:solidFill>
+          <a:ln>
+            <a:noFill/>
+          </a:ln>
+          <a:effectLst/>
+          <a:extLst>
+            <a:ext uri="{91240B29-F687-4F45-9708-019B960494DF}">
+              <a14:hiddenLine xmlns:a14="http://schemas.microsoft.com/office/drawing/2010/main" w="9525">
+                <a:solidFill>
+                  <a:schemeClr val="tx1"/>
+                </a:solidFill>
+                <a:miter lim="800000"/>
+                <a:headEnd/>
+                <a:tailEnd/>
+              </a14:hiddenLine>
+            </a:ext>
+            <a:ext uri="{AF507438-7753-43E0-B8FC-AC1667EBCBE1}">
+              <a14:hiddenEffects xmlns:a14="http://schemas.microsoft.com/office/drawing/2010/main">
+                <a:effectLst>
+                  <a:outerShdw dist="35921" dir="2700000" algn="ctr" rotWithShape="0">
+                    <a:schemeClr val="bg2"/>
+                  </a:outerShdw>
+                </a:effectLst>
+              </a14:hiddenEffects>
+            </a:ext>
+          </a:extLst>
+        </p:spPr>
+        <p:txBody>
+          <a:bodyPr vert="horz" wrap="none" lIns="64294" tIns="32147" rIns="64294" bIns="32147" numCol="1" anchor="ctr" anchorCtr="0" compatLnSpc="1">
+            <a:prstTxWarp prst="textNoShape">
+              <a:avLst/>
+            </a:prstTxWarp>
+            <a:spAutoFit/>
+          </a:bodyPr>
+          <a:lstStyle/>
+          <a:p>
+            <a:pPr defTabSz="642915" eaLnBrk="0" fontAlgn="base" hangingPunct="0">
+              <a:spcBef>
+                <a:spcPct val="0"/>
+              </a:spcBef>
+              <a:spcAft>
+                <a:spcPct val="0"/>
+              </a:spcAft>
+            </a:pPr>
+            <a:r>
+              <a:rPr lang="en-US" altLang="en-US" sz="3200" i="1" dirty="0">
+                <a:solidFill>
+                  <a:srgbClr val="808080"/>
+                </a:solidFill>
+                <a:latin typeface="Courier New" panose="02070309020205020404" pitchFamily="49" charset="0"/>
+                <a:cs typeface="Courier New" panose="02070309020205020404" pitchFamily="49" charset="0"/>
+              </a:rPr>
+              <a:t>// note the ?</a:t>
+            </a:r>
+            <a:br>
+              <a:rPr lang="en-US" altLang="en-US" sz="3200" i="1" dirty="0">
+                <a:solidFill>
+                  <a:srgbClr val="808080"/>
+                </a:solidFill>
+                <a:latin typeface="Courier New" panose="02070309020205020404" pitchFamily="49" charset="0"/>
+                <a:cs typeface="Courier New" panose="02070309020205020404" pitchFamily="49" charset="0"/>
+              </a:rPr>
+            </a:br>
+            <a:r>
+              <a:rPr lang="en-US" altLang="en-US" sz="3200" b="1" dirty="0">
+                <a:solidFill>
+                  <a:srgbClr val="000080"/>
+                </a:solidFill>
+                <a:latin typeface="Courier New" panose="02070309020205020404" pitchFamily="49" charset="0"/>
+                <a:cs typeface="Courier New" panose="02070309020205020404" pitchFamily="49" charset="0"/>
+              </a:rPr>
+              <a:t>fun </a:t>
+            </a:r>
+            <a:r>
+              <a:rPr lang="en-US" altLang="en-US" sz="3200" dirty="0" err="1">
+                <a:solidFill>
+                  <a:srgbClr val="000000"/>
+                </a:solidFill>
+                <a:latin typeface="Courier New" panose="02070309020205020404" pitchFamily="49" charset="0"/>
+                <a:cs typeface="Courier New" panose="02070309020205020404" pitchFamily="49" charset="0"/>
+              </a:rPr>
+              <a:t>startWithFoo</a:t>
+            </a:r>
+            <a:r>
+              <a:rPr lang="en-US" altLang="en-US" sz="3200" dirty="0">
+                <a:solidFill>
+                  <a:srgbClr val="000000"/>
+                </a:solidFill>
+                <a:latin typeface="Courier New" panose="02070309020205020404" pitchFamily="49" charset="0"/>
+                <a:cs typeface="Courier New" panose="02070309020205020404" pitchFamily="49" charset="0"/>
+              </a:rPr>
+              <a:t>(s: String?) : Boolean {</a:t>
+            </a:r>
+            <a:br>
+              <a:rPr lang="en-US" altLang="en-US" sz="3200" dirty="0">
+                <a:solidFill>
+                  <a:srgbClr val="000000"/>
+                </a:solidFill>
+                <a:latin typeface="Courier New" panose="02070309020205020404" pitchFamily="49" charset="0"/>
+                <a:cs typeface="Courier New" panose="02070309020205020404" pitchFamily="49" charset="0"/>
+              </a:rPr>
+            </a:br>
+            <a:br>
+              <a:rPr lang="en-US" altLang="en-US" sz="3200" dirty="0">
+                <a:solidFill>
+                  <a:srgbClr val="000000"/>
+                </a:solidFill>
+                <a:latin typeface="Courier New" panose="02070309020205020404" pitchFamily="49" charset="0"/>
+                <a:cs typeface="Courier New" panose="02070309020205020404" pitchFamily="49" charset="0"/>
+              </a:rPr>
+            </a:br>
+            <a:r>
+              <a:rPr lang="en-US" altLang="en-US" sz="3200" dirty="0">
+                <a:solidFill>
+                  <a:srgbClr val="000000"/>
+                </a:solidFill>
+                <a:latin typeface="Courier New" panose="02070309020205020404" pitchFamily="49" charset="0"/>
+                <a:cs typeface="Courier New" panose="02070309020205020404" pitchFamily="49" charset="0"/>
+              </a:rPr>
+              <a:t>    </a:t>
+            </a:r>
+            <a:r>
+              <a:rPr lang="en-US" altLang="en-US" sz="3200" i="1" dirty="0">
+                <a:solidFill>
+                  <a:srgbClr val="808080"/>
+                </a:solidFill>
+                <a:latin typeface="Courier New" panose="02070309020205020404" pitchFamily="49" charset="0"/>
+                <a:cs typeface="Courier New" panose="02070309020205020404" pitchFamily="49" charset="0"/>
+              </a:rPr>
+              <a:t>//doesn't compile</a:t>
+            </a:r>
+            <a:br>
+              <a:rPr lang="en-US" altLang="en-US" sz="3200" i="1" dirty="0">
+                <a:solidFill>
+                  <a:srgbClr val="808080"/>
+                </a:solidFill>
+                <a:latin typeface="Courier New" panose="02070309020205020404" pitchFamily="49" charset="0"/>
+                <a:cs typeface="Courier New" panose="02070309020205020404" pitchFamily="49" charset="0"/>
+              </a:rPr>
+            </a:br>
+            <a:r>
+              <a:rPr lang="en-US" altLang="en-US" sz="3200" i="1" dirty="0">
+                <a:solidFill>
+                  <a:srgbClr val="808080"/>
+                </a:solidFill>
+                <a:latin typeface="Courier New" panose="02070309020205020404" pitchFamily="49" charset="0"/>
+                <a:cs typeface="Courier New" panose="02070309020205020404" pitchFamily="49" charset="0"/>
+              </a:rPr>
+              <a:t>    //return </a:t>
+            </a:r>
+            <a:r>
+              <a:rPr lang="en-US" altLang="en-US" sz="3200" i="1" dirty="0" err="1">
+                <a:solidFill>
+                  <a:srgbClr val="808080"/>
+                </a:solidFill>
+                <a:latin typeface="Courier New" panose="02070309020205020404" pitchFamily="49" charset="0"/>
+                <a:cs typeface="Courier New" panose="02070309020205020404" pitchFamily="49" charset="0"/>
+              </a:rPr>
+              <a:t>s.startsWith</a:t>
+            </a:r>
+            <a:r>
+              <a:rPr lang="en-US" altLang="en-US" sz="3200" i="1" dirty="0">
+                <a:solidFill>
+                  <a:srgbClr val="808080"/>
+                </a:solidFill>
+                <a:latin typeface="Courier New" panose="02070309020205020404" pitchFamily="49" charset="0"/>
+                <a:cs typeface="Courier New" panose="02070309020205020404" pitchFamily="49" charset="0"/>
+              </a:rPr>
+              <a:t>("foo")</a:t>
+            </a:r>
+            <a:br>
+              <a:rPr lang="en-US" altLang="en-US" sz="3200" i="1" dirty="0">
+                <a:solidFill>
+                  <a:srgbClr val="808080"/>
+                </a:solidFill>
+                <a:latin typeface="Courier New" panose="02070309020205020404" pitchFamily="49" charset="0"/>
+                <a:cs typeface="Courier New" panose="02070309020205020404" pitchFamily="49" charset="0"/>
+              </a:rPr>
+            </a:br>
+            <a:br>
+              <a:rPr lang="en-US" altLang="en-US" sz="3200" i="1" dirty="0">
+                <a:solidFill>
+                  <a:srgbClr val="808080"/>
+                </a:solidFill>
+                <a:latin typeface="Courier New" panose="02070309020205020404" pitchFamily="49" charset="0"/>
+                <a:cs typeface="Courier New" panose="02070309020205020404" pitchFamily="49" charset="0"/>
+              </a:rPr>
+            </a:br>
+            <a:r>
+              <a:rPr lang="en-US" altLang="en-US" sz="3200" i="1" dirty="0">
+                <a:solidFill>
+                  <a:srgbClr val="808080"/>
+                </a:solidFill>
+                <a:latin typeface="Courier New" panose="02070309020205020404" pitchFamily="49" charset="0"/>
+                <a:cs typeface="Courier New" panose="02070309020205020404" pitchFamily="49" charset="0"/>
+              </a:rPr>
+              <a:t>    //</a:t>
+            </a:r>
+            <a:r>
+              <a:rPr lang="en-US" altLang="en-US" sz="3200" i="1" dirty="0" err="1">
+                <a:solidFill>
+                  <a:srgbClr val="808080"/>
+                </a:solidFill>
+                <a:latin typeface="Courier New" panose="02070309020205020404" pitchFamily="49" charset="0"/>
+                <a:cs typeface="Courier New" panose="02070309020205020404" pitchFamily="49" charset="0"/>
+              </a:rPr>
+              <a:t>elvis</a:t>
+            </a:r>
+            <a:r>
+              <a:rPr lang="en-US" altLang="en-US" sz="3200" i="1" dirty="0">
+                <a:solidFill>
+                  <a:srgbClr val="808080"/>
+                </a:solidFill>
+                <a:latin typeface="Courier New" panose="02070309020205020404" pitchFamily="49" charset="0"/>
+                <a:cs typeface="Courier New" panose="02070309020205020404" pitchFamily="49" charset="0"/>
+              </a:rPr>
+              <a:t> operator</a:t>
+            </a:r>
+            <a:br>
+              <a:rPr lang="en-US" altLang="en-US" sz="3200" i="1" dirty="0">
+                <a:solidFill>
+                  <a:srgbClr val="808080"/>
+                </a:solidFill>
+                <a:latin typeface="Courier New" panose="02070309020205020404" pitchFamily="49" charset="0"/>
+                <a:cs typeface="Courier New" panose="02070309020205020404" pitchFamily="49" charset="0"/>
+              </a:rPr>
+            </a:br>
+            <a:r>
+              <a:rPr lang="en-US" altLang="en-US" sz="3200" i="1" dirty="0">
+                <a:solidFill>
+                  <a:srgbClr val="808080"/>
+                </a:solidFill>
+                <a:latin typeface="Courier New" panose="02070309020205020404" pitchFamily="49" charset="0"/>
+                <a:cs typeface="Courier New" panose="02070309020205020404" pitchFamily="49" charset="0"/>
+              </a:rPr>
+              <a:t>    </a:t>
+            </a:r>
+            <a:r>
+              <a:rPr lang="en-US" altLang="en-US" sz="3200" b="1" dirty="0">
+                <a:solidFill>
+                  <a:srgbClr val="000080"/>
+                </a:solidFill>
+                <a:latin typeface="Courier New" panose="02070309020205020404" pitchFamily="49" charset="0"/>
+                <a:cs typeface="Courier New" panose="02070309020205020404" pitchFamily="49" charset="0"/>
+              </a:rPr>
+              <a:t>return </a:t>
+            </a:r>
+            <a:r>
+              <a:rPr lang="en-US" altLang="en-US" sz="3200" dirty="0">
+                <a:solidFill>
+                  <a:srgbClr val="000000"/>
+                </a:solidFill>
+                <a:latin typeface="Courier New" panose="02070309020205020404" pitchFamily="49" charset="0"/>
+                <a:cs typeface="Courier New" panose="02070309020205020404" pitchFamily="49" charset="0"/>
+              </a:rPr>
+              <a:t>s?.</a:t>
+            </a:r>
+            <a:r>
+              <a:rPr lang="en-US" altLang="en-US" sz="3200" i="1" dirty="0" err="1">
+                <a:solidFill>
+                  <a:srgbClr val="000000"/>
+                </a:solidFill>
+                <a:latin typeface="Courier New" panose="02070309020205020404" pitchFamily="49" charset="0"/>
+                <a:cs typeface="Courier New" panose="02070309020205020404" pitchFamily="49" charset="0"/>
+              </a:rPr>
+              <a:t>startsWith</a:t>
+            </a:r>
+            <a:r>
+              <a:rPr lang="en-US" altLang="en-US" sz="3200" dirty="0">
+                <a:solidFill>
+                  <a:srgbClr val="000000"/>
+                </a:solidFill>
+                <a:latin typeface="Courier New" panose="02070309020205020404" pitchFamily="49" charset="0"/>
+                <a:cs typeface="Courier New" panose="02070309020205020404" pitchFamily="49" charset="0"/>
+              </a:rPr>
+              <a:t>(</a:t>
+            </a:r>
+            <a:r>
+              <a:rPr lang="en-US" altLang="en-US" sz="3200" b="1" dirty="0">
+                <a:solidFill>
+                  <a:srgbClr val="008000"/>
+                </a:solidFill>
+                <a:latin typeface="Courier New" panose="02070309020205020404" pitchFamily="49" charset="0"/>
+                <a:cs typeface="Courier New" panose="02070309020205020404" pitchFamily="49" charset="0"/>
+              </a:rPr>
+              <a:t>"foo"</a:t>
+            </a:r>
+            <a:r>
+              <a:rPr lang="en-US" altLang="en-US" sz="3200" dirty="0">
+                <a:solidFill>
+                  <a:srgbClr val="000000"/>
+                </a:solidFill>
+                <a:latin typeface="Courier New" panose="02070309020205020404" pitchFamily="49" charset="0"/>
+                <a:cs typeface="Courier New" panose="02070309020205020404" pitchFamily="49" charset="0"/>
+              </a:rPr>
+              <a:t>) ?: </a:t>
+            </a:r>
+            <a:r>
+              <a:rPr lang="en-US" altLang="en-US" sz="3200" b="1" dirty="0">
+                <a:solidFill>
+                  <a:srgbClr val="000080"/>
+                </a:solidFill>
+                <a:latin typeface="Courier New" panose="02070309020205020404" pitchFamily="49" charset="0"/>
+                <a:cs typeface="Courier New" panose="02070309020205020404" pitchFamily="49" charset="0"/>
+              </a:rPr>
+              <a:t>false</a:t>
+            </a:r>
+            <a:br>
+              <a:rPr lang="en-US" altLang="en-US" sz="3200" b="1" dirty="0">
+                <a:solidFill>
+                  <a:srgbClr val="000080"/>
+                </a:solidFill>
+                <a:latin typeface="Courier New" panose="02070309020205020404" pitchFamily="49" charset="0"/>
+                <a:cs typeface="Courier New" panose="02070309020205020404" pitchFamily="49" charset="0"/>
+              </a:rPr>
+            </a:br>
+            <a:r>
+              <a:rPr lang="en-US" altLang="en-US" sz="3200" dirty="0">
+                <a:solidFill>
+                  <a:srgbClr val="000000"/>
+                </a:solidFill>
+                <a:latin typeface="Courier New" panose="02070309020205020404" pitchFamily="49" charset="0"/>
+                <a:cs typeface="Courier New" panose="02070309020205020404" pitchFamily="49" charset="0"/>
+              </a:rPr>
+              <a:t>}</a:t>
+            </a:r>
+            <a:endParaRPr lang="en-US" altLang="en-US" sz="3200" dirty="0">
+              <a:latin typeface="Arial" panose="020B0604020202020204" pitchFamily="34" charset="0"/>
+            </a:endParaRPr>
+          </a:p>
+        </p:txBody>
+      </p:sp>
+    </p:spTree>
+    <p:extLst>
+      <p:ext uri="{BB962C8B-B14F-4D97-AF65-F5344CB8AC3E}">
+        <p14:creationId xmlns:p14="http://schemas.microsoft.com/office/powerpoint/2010/main" val="208389139"/>
       </p:ext>
     </p:extLst>
   </p:cSld>
@@ -6313,10 +6585,9 @@
           <a:lstStyle/>
           <a:p>
             <a:r>
-              <a:rPr lang="en-US" dirty="0" smtClean="0"/>
+              <a:rPr lang="en-US" dirty="0"/>
               <a:t>Course Info</a:t>
             </a:r>
-            <a:endParaRPr lang="en-US" dirty="0"/>
           </a:p>
         </p:txBody>
       </p:sp>
@@ -6349,29 +6620,25 @@
           </a:p>
           <a:p>
             <a:r>
-              <a:rPr lang="en-US" dirty="0" smtClean="0"/>
+              <a:rPr lang="en-US" dirty="0"/>
               <a:t>12 lessons, once a week</a:t>
             </a:r>
           </a:p>
           <a:p>
-            <a:endParaRPr lang="en-US" dirty="0" smtClean="0"/>
-          </a:p>
-          <a:p>
-            <a:r>
-              <a:rPr lang="en-US" dirty="0" smtClean="0"/>
+            <a:endParaRPr lang="en-US" dirty="0"/>
+          </a:p>
+          <a:p>
+            <a:r>
+              <a:rPr lang="en-US" dirty="0"/>
               <a:t>Check </a:t>
             </a:r>
             <a:r>
-              <a:rPr lang="en-US" dirty="0" err="1" smtClean="0"/>
+              <a:rPr lang="en-US" dirty="0" err="1"/>
               <a:t>TimeEdit</a:t>
             </a:r>
             <a:r>
-              <a:rPr lang="en-US" dirty="0" smtClean="0"/>
-              <a:t> for possible changes of time and </a:t>
-            </a:r>
-            <a:r>
-              <a:rPr lang="en-US" dirty="0" smtClean="0"/>
-              <a:t>rooms</a:t>
+              <a:rPr lang="en-US" dirty="0"/>
+              <a:t> for possible changes of time and rooms</a:t>
             </a:r>
           </a:p>
           <a:p>
@@ -6379,18 +6646,17 @@
           </a:p>
           <a:p>
             <a:r>
-              <a:rPr lang="en-US" dirty="0" smtClean="0"/>
+              <a:rPr lang="en-US" dirty="0"/>
               <a:t>During the course, do </a:t>
             </a:r>
             <a:r>
-              <a:rPr lang="en-US" b="1" dirty="0" smtClean="0"/>
+              <a:rPr lang="en-US" b="1" dirty="0"/>
               <a:t>NOT</a:t>
             </a:r>
             <a:r>
-              <a:rPr lang="en-US" dirty="0" smtClean="0"/>
+              <a:rPr lang="en-US" dirty="0"/>
               <a:t> send me private messages, but rather use the discussion forum of the course</a:t>
             </a:r>
-            <a:endParaRPr lang="en-US" dirty="0" smtClean="0"/>
           </a:p>
         </p:txBody>
       </p:sp>
@@ -6434,8 +6700,8 @@
         </p:nvSpPr>
         <p:spPr bwMode="auto">
           <a:xfrm>
-            <a:off x="361567" y="402880"/>
-            <a:ext cx="10004342" cy="4496904"/>
+            <a:off x="363332" y="622195"/>
+            <a:ext cx="10498067" cy="4989347"/>
           </a:xfrm>
           <a:prstGeom prst="rect">
             <a:avLst/>
@@ -6487,25 +6753,6 @@
               </a:spcAft>
             </a:pPr>
             <a:r>
-              <a:rPr lang="en-US" altLang="en-US" sz="3200" i="1" dirty="0">
-                <a:solidFill>
-                  <a:srgbClr val="808080"/>
-                </a:solidFill>
-                <a:latin typeface="Courier New" panose="02070309020205020404" pitchFamily="49" charset="0"/>
-                <a:cs typeface="Courier New" panose="02070309020205020404" pitchFamily="49" charset="0"/>
-              </a:rPr>
-              <a:t>// note the ?</a:t>
-            </a:r>
-            <a:br>
-              <a:rPr lang="en-US" altLang="en-US" sz="3200" i="1" dirty="0">
-                <a:solidFill>
-                  <a:srgbClr val="808080"/>
-                </a:solidFill>
-                <a:latin typeface="Courier New" panose="02070309020205020404" pitchFamily="49" charset="0"/>
-                <a:cs typeface="Courier New" panose="02070309020205020404" pitchFamily="49" charset="0"/>
-              </a:rPr>
-            </a:br>
-            <a:r>
               <a:rPr lang="en-US" altLang="en-US" sz="3200" b="1" dirty="0">
                 <a:solidFill>
                   <a:srgbClr val="000080"/>
@@ -6523,7 +6770,7 @@
                 <a:latin typeface="Courier New" panose="02070309020205020404" pitchFamily="49" charset="0"/>
                 <a:cs typeface="Courier New" panose="02070309020205020404" pitchFamily="49" charset="0"/>
               </a:rPr>
-              <a:t>startWithFoo</a:t>
+              <a:t>fiveNextIsFoo</a:t>
             </a:r>
             <a:r>
               <a:rPr lang="en-US" altLang="en-US" sz="3200" dirty="0">
@@ -6533,7 +6780,7 @@
                 <a:latin typeface="Courier New" panose="02070309020205020404" pitchFamily="49" charset="0"/>
                 <a:cs typeface="Courier New" panose="02070309020205020404" pitchFamily="49" charset="0"/>
               </a:rPr>
-              <a:t>(s: String?) : Boolean {</a:t>
+              <a:t>(link : Link?) : Boolean{</a:t>
             </a:r>
             <a:br>
               <a:rPr lang="en-US" altLang="en-US" sz="3200" dirty="0">
@@ -6544,16 +6791,6 @@
                 <a:cs typeface="Courier New" panose="02070309020205020404" pitchFamily="49" charset="0"/>
               </a:rPr>
             </a:br>
-            <a:r>
-              <a:rPr lang="en-US" altLang="en-US" sz="3200" dirty="0">
-                <a:solidFill>
-                  <a:srgbClr val="000000"/>
-                </a:solidFill>
-                <a:latin typeface="Courier New" panose="02070309020205020404" pitchFamily="49" charset="0"/>
-                <a:cs typeface="Courier New" panose="02070309020205020404" pitchFamily="49" charset="0"/>
-              </a:rPr>
-              <a:t/>
-            </a:r>
             <a:br>
               <a:rPr lang="en-US" altLang="en-US" sz="3200" dirty="0">
                 <a:solidFill>
@@ -6574,132 +6811,6 @@
               <a:t>    </a:t>
             </a:r>
             <a:r>
-              <a:rPr lang="en-US" altLang="en-US" sz="3200" i="1" dirty="0">
-                <a:solidFill>
-                  <a:srgbClr val="808080"/>
-                </a:solidFill>
-                <a:latin typeface="Courier New" panose="02070309020205020404" pitchFamily="49" charset="0"/>
-                <a:cs typeface="Courier New" panose="02070309020205020404" pitchFamily="49" charset="0"/>
-              </a:rPr>
-              <a:t>//doesn't compile</a:t>
-            </a:r>
-            <a:br>
-              <a:rPr lang="en-US" altLang="en-US" sz="3200" i="1" dirty="0">
-                <a:solidFill>
-                  <a:srgbClr val="808080"/>
-                </a:solidFill>
-                <a:latin typeface="Courier New" panose="02070309020205020404" pitchFamily="49" charset="0"/>
-                <a:cs typeface="Courier New" panose="02070309020205020404" pitchFamily="49" charset="0"/>
-              </a:rPr>
-            </a:br>
-            <a:r>
-              <a:rPr lang="en-US" altLang="en-US" sz="3200" i="1" dirty="0">
-                <a:solidFill>
-                  <a:srgbClr val="808080"/>
-                </a:solidFill>
-                <a:latin typeface="Courier New" panose="02070309020205020404" pitchFamily="49" charset="0"/>
-                <a:cs typeface="Courier New" panose="02070309020205020404" pitchFamily="49" charset="0"/>
-              </a:rPr>
-              <a:t>    //return </a:t>
-            </a:r>
-            <a:r>
-              <a:rPr lang="en-US" altLang="en-US" sz="3200" i="1" dirty="0" err="1">
-                <a:solidFill>
-                  <a:srgbClr val="808080"/>
-                </a:solidFill>
-                <a:latin typeface="Courier New" panose="02070309020205020404" pitchFamily="49" charset="0"/>
-                <a:cs typeface="Courier New" panose="02070309020205020404" pitchFamily="49" charset="0"/>
-              </a:rPr>
-              <a:t>s.startsWith</a:t>
-            </a:r>
-            <a:r>
-              <a:rPr lang="en-US" altLang="en-US" sz="3200" i="1" dirty="0">
-                <a:solidFill>
-                  <a:srgbClr val="808080"/>
-                </a:solidFill>
-                <a:latin typeface="Courier New" panose="02070309020205020404" pitchFamily="49" charset="0"/>
-                <a:cs typeface="Courier New" panose="02070309020205020404" pitchFamily="49" charset="0"/>
-              </a:rPr>
-              <a:t>("foo")</a:t>
-            </a:r>
-            <a:br>
-              <a:rPr lang="en-US" altLang="en-US" sz="3200" i="1" dirty="0">
-                <a:solidFill>
-                  <a:srgbClr val="808080"/>
-                </a:solidFill>
-                <a:latin typeface="Courier New" panose="02070309020205020404" pitchFamily="49" charset="0"/>
-                <a:cs typeface="Courier New" panose="02070309020205020404" pitchFamily="49" charset="0"/>
-              </a:rPr>
-            </a:br>
-            <a:r>
-              <a:rPr lang="en-US" altLang="en-US" sz="3200" i="1" dirty="0">
-                <a:solidFill>
-                  <a:srgbClr val="808080"/>
-                </a:solidFill>
-                <a:latin typeface="Courier New" panose="02070309020205020404" pitchFamily="49" charset="0"/>
-                <a:cs typeface="Courier New" panose="02070309020205020404" pitchFamily="49" charset="0"/>
-              </a:rPr>
-              <a:t/>
-            </a:r>
-            <a:br>
-              <a:rPr lang="en-US" altLang="en-US" sz="3200" i="1" dirty="0">
-                <a:solidFill>
-                  <a:srgbClr val="808080"/>
-                </a:solidFill>
-                <a:latin typeface="Courier New" panose="02070309020205020404" pitchFamily="49" charset="0"/>
-                <a:cs typeface="Courier New" panose="02070309020205020404" pitchFamily="49" charset="0"/>
-              </a:rPr>
-            </a:br>
-            <a:r>
-              <a:rPr lang="en-US" altLang="en-US" sz="3200" i="1" dirty="0">
-                <a:solidFill>
-                  <a:srgbClr val="808080"/>
-                </a:solidFill>
-                <a:latin typeface="Courier New" panose="02070309020205020404" pitchFamily="49" charset="0"/>
-                <a:cs typeface="Courier New" panose="02070309020205020404" pitchFamily="49" charset="0"/>
-              </a:rPr>
-              <a:t>    //</a:t>
-            </a:r>
-            <a:r>
-              <a:rPr lang="en-US" altLang="en-US" sz="3200" i="1" dirty="0" err="1">
-                <a:solidFill>
-                  <a:srgbClr val="808080"/>
-                </a:solidFill>
-                <a:latin typeface="Courier New" panose="02070309020205020404" pitchFamily="49" charset="0"/>
-                <a:cs typeface="Courier New" panose="02070309020205020404" pitchFamily="49" charset="0"/>
-              </a:rPr>
-              <a:t>elvis</a:t>
-            </a:r>
-            <a:r>
-              <a:rPr lang="en-US" altLang="en-US" sz="3200" i="1" dirty="0">
-                <a:solidFill>
-                  <a:srgbClr val="808080"/>
-                </a:solidFill>
-                <a:latin typeface="Courier New" panose="02070309020205020404" pitchFamily="49" charset="0"/>
-                <a:cs typeface="Courier New" panose="02070309020205020404" pitchFamily="49" charset="0"/>
-              </a:rPr>
-              <a:t> operator</a:t>
-            </a:r>
-            <a:br>
-              <a:rPr lang="en-US" altLang="en-US" sz="3200" i="1" dirty="0">
-                <a:solidFill>
-                  <a:srgbClr val="808080"/>
-                </a:solidFill>
-                <a:latin typeface="Courier New" panose="02070309020205020404" pitchFamily="49" charset="0"/>
-                <a:cs typeface="Courier New" panose="02070309020205020404" pitchFamily="49" charset="0"/>
-              </a:rPr>
-            </a:br>
-            <a:r>
-              <a:rPr lang="en-US" altLang="en-US" sz="3200" i="1" dirty="0">
-                <a:solidFill>
-                  <a:srgbClr val="808080"/>
-                </a:solidFill>
-                <a:latin typeface="Courier New" panose="02070309020205020404" pitchFamily="49" charset="0"/>
-                <a:cs typeface="Courier New" panose="02070309020205020404" pitchFamily="49" charset="0"/>
-              </a:rPr>
-              <a:t>    </a:t>
-            </a:r>
-            <a:r>
               <a:rPr lang="en-US" altLang="en-US" sz="3200" b="1" dirty="0">
                 <a:solidFill>
                   <a:srgbClr val="000080"/>
@@ -6710,194 +6821,6 @@
               <a:t>return </a:t>
             </a:r>
             <a:r>
-              <a:rPr lang="en-US" altLang="en-US" sz="3200" dirty="0">
-                <a:solidFill>
-                  <a:srgbClr val="000000"/>
-                </a:solidFill>
-                <a:latin typeface="Courier New" panose="02070309020205020404" pitchFamily="49" charset="0"/>
-                <a:cs typeface="Courier New" panose="02070309020205020404" pitchFamily="49" charset="0"/>
-              </a:rPr>
-              <a:t>s?.</a:t>
-            </a:r>
-            <a:r>
-              <a:rPr lang="en-US" altLang="en-US" sz="3200" i="1" dirty="0" err="1">
-                <a:solidFill>
-                  <a:srgbClr val="000000"/>
-                </a:solidFill>
-                <a:latin typeface="Courier New" panose="02070309020205020404" pitchFamily="49" charset="0"/>
-                <a:cs typeface="Courier New" panose="02070309020205020404" pitchFamily="49" charset="0"/>
-              </a:rPr>
-              <a:t>startsWith</a:t>
-            </a:r>
-            <a:r>
-              <a:rPr lang="en-US" altLang="en-US" sz="3200" dirty="0">
-                <a:solidFill>
-                  <a:srgbClr val="000000"/>
-                </a:solidFill>
-                <a:latin typeface="Courier New" panose="02070309020205020404" pitchFamily="49" charset="0"/>
-                <a:cs typeface="Courier New" panose="02070309020205020404" pitchFamily="49" charset="0"/>
-              </a:rPr>
-              <a:t>(</a:t>
-            </a:r>
-            <a:r>
-              <a:rPr lang="en-US" altLang="en-US" sz="3200" b="1" dirty="0">
-                <a:solidFill>
-                  <a:srgbClr val="008000"/>
-                </a:solidFill>
-                <a:latin typeface="Courier New" panose="02070309020205020404" pitchFamily="49" charset="0"/>
-                <a:cs typeface="Courier New" panose="02070309020205020404" pitchFamily="49" charset="0"/>
-              </a:rPr>
-              <a:t>"foo"</a:t>
-            </a:r>
-            <a:r>
-              <a:rPr lang="en-US" altLang="en-US" sz="3200" dirty="0">
-                <a:solidFill>
-                  <a:srgbClr val="000000"/>
-                </a:solidFill>
-                <a:latin typeface="Courier New" panose="02070309020205020404" pitchFamily="49" charset="0"/>
-                <a:cs typeface="Courier New" panose="02070309020205020404" pitchFamily="49" charset="0"/>
-              </a:rPr>
-              <a:t>) ?: </a:t>
-            </a:r>
-            <a:r>
-              <a:rPr lang="en-US" altLang="en-US" sz="3200" b="1" dirty="0">
-                <a:solidFill>
-                  <a:srgbClr val="000080"/>
-                </a:solidFill>
-                <a:latin typeface="Courier New" panose="02070309020205020404" pitchFamily="49" charset="0"/>
-                <a:cs typeface="Courier New" panose="02070309020205020404" pitchFamily="49" charset="0"/>
-              </a:rPr>
-              <a:t>false</a:t>
-            </a:r>
-            <a:br>
-              <a:rPr lang="en-US" altLang="en-US" sz="3200" b="1" dirty="0">
-                <a:solidFill>
-                  <a:srgbClr val="000080"/>
-                </a:solidFill>
-                <a:latin typeface="Courier New" panose="02070309020205020404" pitchFamily="49" charset="0"/>
-                <a:cs typeface="Courier New" panose="02070309020205020404" pitchFamily="49" charset="0"/>
-              </a:rPr>
-            </a:br>
-            <a:r>
-              <a:rPr lang="en-US" altLang="en-US" sz="3200" dirty="0">
-                <a:solidFill>
-                  <a:srgbClr val="000000"/>
-                </a:solidFill>
-                <a:latin typeface="Courier New" panose="02070309020205020404" pitchFamily="49" charset="0"/>
-                <a:cs typeface="Courier New" panose="02070309020205020404" pitchFamily="49" charset="0"/>
-              </a:rPr>
-              <a:t>}</a:t>
-            </a:r>
-            <a:endParaRPr lang="en-US" altLang="en-US" sz="3200" dirty="0">
-              <a:latin typeface="Arial" panose="020B0604020202020204" pitchFamily="34" charset="0"/>
-            </a:endParaRPr>
-          </a:p>
-        </p:txBody>
-      </p:sp>
-    </p:spTree>
-    <p:extLst>
-      <p:ext uri="{BB962C8B-B14F-4D97-AF65-F5344CB8AC3E}">
-        <p14:creationId xmlns:p14="http://schemas.microsoft.com/office/powerpoint/2010/main" val="208389139"/>
-      </p:ext>
-    </p:extLst>
-  </p:cSld>
-  <p:clrMapOvr>
-    <a:masterClrMapping/>
-  </p:clrMapOvr>
-  <p:transition spd="med"/>
-</p:sld>
-</file>
-
-<file path=ppt/slides/slide21.xml><?xml version="1.0" encoding="utf-8"?>
-<p:sld xmlns:a="http://schemas.openxmlformats.org/drawingml/2006/main" xmlns:r="http://schemas.openxmlformats.org/officeDocument/2006/relationships" xmlns:p="http://schemas.openxmlformats.org/presentationml/2006/main">
-  <p:cSld>
-    <p:spTree>
-      <p:nvGrpSpPr>
-        <p:cNvPr id="1" name=""/>
-        <p:cNvGrpSpPr/>
-        <p:nvPr/>
-      </p:nvGrpSpPr>
-      <p:grpSpPr>
-        <a:xfrm>
-          <a:off x="0" y="0"/>
-          <a:ext cx="0" cy="0"/>
-          <a:chOff x="0" y="0"/>
-          <a:chExt cx="0" cy="0"/>
-        </a:xfrm>
-      </p:grpSpPr>
-      <p:sp>
-        <p:nvSpPr>
-          <p:cNvPr id="4" name="Rectangle 1"/>
-          <p:cNvSpPr>
-            <a:spLocks noChangeArrowheads="1"/>
-          </p:cNvSpPr>
-          <p:nvPr/>
-        </p:nvSpPr>
-        <p:spPr bwMode="auto">
-          <a:xfrm>
-            <a:off x="363332" y="622195"/>
-            <a:ext cx="10498067" cy="4989347"/>
-          </a:xfrm>
-          <a:prstGeom prst="rect">
-            <a:avLst/>
-          </a:prstGeom>
-          <a:solidFill>
-            <a:srgbClr val="FFFFFF"/>
-          </a:solidFill>
-          <a:ln>
-            <a:noFill/>
-          </a:ln>
-          <a:effectLst/>
-          <a:extLst>
-            <a:ext uri="{91240B29-F687-4F45-9708-019B960494DF}">
-              <a14:hiddenLine xmlns:a14="http://schemas.microsoft.com/office/drawing/2010/main" w="9525">
-                <a:solidFill>
-                  <a:schemeClr val="tx1"/>
-                </a:solidFill>
-                <a:miter lim="800000"/>
-                <a:headEnd/>
-                <a:tailEnd/>
-              </a14:hiddenLine>
-            </a:ext>
-            <a:ext uri="{AF507438-7753-43E0-B8FC-AC1667EBCBE1}">
-              <a14:hiddenEffects xmlns:a14="http://schemas.microsoft.com/office/drawing/2010/main">
-                <a:effectLst>
-                  <a:outerShdw dist="35921" dir="2700000" algn="ctr" rotWithShape="0">
-                    <a:schemeClr val="bg2"/>
-                  </a:outerShdw>
-                </a:effectLst>
-              </a14:hiddenEffects>
-            </a:ext>
-          </a:extLst>
-        </p:spPr>
-        <p:txBody>
-          <a:bodyPr vert="horz" wrap="none" lIns="64294" tIns="32147" rIns="64294" bIns="32147" numCol="1" anchor="ctr" anchorCtr="0" compatLnSpc="1">
-            <a:prstTxWarp prst="textNoShape">
-              <a:avLst/>
-            </a:prstTxWarp>
-            <a:spAutoFit/>
-          </a:bodyPr>
-          <a:lstStyle/>
-          <a:p>
-            <a:pPr defTabSz="642915" eaLnBrk="0" fontAlgn="base" hangingPunct="0">
-              <a:spcBef>
-                <a:spcPct val="0"/>
-              </a:spcBef>
-              <a:spcAft>
-                <a:spcPct val="0"/>
-              </a:spcAft>
-            </a:pPr>
-            <a:r>
-              <a:rPr lang="en-US" altLang="en-US" sz="3200" b="1" dirty="0">
-                <a:solidFill>
-                  <a:srgbClr val="000080"/>
-                </a:solidFill>
-                <a:latin typeface="Courier New" panose="02070309020205020404" pitchFamily="49" charset="0"/>
-                <a:cs typeface="Courier New" panose="02070309020205020404" pitchFamily="49" charset="0"/>
-              </a:rPr>
-              <a:t>fun </a:t>
-            </a:r>
-            <a:r>
               <a:rPr lang="en-US" altLang="en-US" sz="3200" dirty="0" err="1">
                 <a:solidFill>
                   <a:srgbClr val="000000"/>
@@ -6905,74 +6828,6 @@
                 <a:latin typeface="Courier New" panose="02070309020205020404" pitchFamily="49" charset="0"/>
                 <a:cs typeface="Courier New" panose="02070309020205020404" pitchFamily="49" charset="0"/>
               </a:rPr>
-              <a:t>fiveNextIsFoo</a:t>
-            </a:r>
-            <a:r>
-              <a:rPr lang="en-US" altLang="en-US" sz="3200" dirty="0">
-                <a:solidFill>
-                  <a:srgbClr val="000000"/>
-                </a:solidFill>
-                <a:latin typeface="Courier New" panose="02070309020205020404" pitchFamily="49" charset="0"/>
-                <a:cs typeface="Courier New" panose="02070309020205020404" pitchFamily="49" charset="0"/>
-              </a:rPr>
-              <a:t>(link : Link?) : Boolean{</a:t>
-            </a:r>
-            <a:br>
-              <a:rPr lang="en-US" altLang="en-US" sz="3200" dirty="0">
-                <a:solidFill>
-                  <a:srgbClr val="000000"/>
-                </a:solidFill>
-                <a:latin typeface="Courier New" panose="02070309020205020404" pitchFamily="49" charset="0"/>
-                <a:cs typeface="Courier New" panose="02070309020205020404" pitchFamily="49" charset="0"/>
-              </a:rPr>
-            </a:br>
-            <a:r>
-              <a:rPr lang="en-US" altLang="en-US" sz="3200" dirty="0">
-                <a:solidFill>
-                  <a:srgbClr val="000000"/>
-                </a:solidFill>
-                <a:latin typeface="Courier New" panose="02070309020205020404" pitchFamily="49" charset="0"/>
-                <a:cs typeface="Courier New" panose="02070309020205020404" pitchFamily="49" charset="0"/>
-              </a:rPr>
-              <a:t/>
-            </a:r>
-            <a:br>
-              <a:rPr lang="en-US" altLang="en-US" sz="3200" dirty="0">
-                <a:solidFill>
-                  <a:srgbClr val="000000"/>
-                </a:solidFill>
-                <a:latin typeface="Courier New" panose="02070309020205020404" pitchFamily="49" charset="0"/>
-                <a:cs typeface="Courier New" panose="02070309020205020404" pitchFamily="49" charset="0"/>
-              </a:rPr>
-            </a:br>
-            <a:r>
-              <a:rPr lang="en-US" altLang="en-US" sz="3200" dirty="0">
-                <a:solidFill>
-                  <a:srgbClr val="000000"/>
-                </a:solidFill>
-                <a:latin typeface="Courier New" panose="02070309020205020404" pitchFamily="49" charset="0"/>
-                <a:cs typeface="Courier New" panose="02070309020205020404" pitchFamily="49" charset="0"/>
-              </a:rPr>
-              <a:t>    </a:t>
-            </a:r>
-            <a:r>
-              <a:rPr lang="en-US" altLang="en-US" sz="3200" b="1" dirty="0">
-                <a:solidFill>
-                  <a:srgbClr val="000080"/>
-                </a:solidFill>
-                <a:latin typeface="Courier New" panose="02070309020205020404" pitchFamily="49" charset="0"/>
-                <a:cs typeface="Courier New" panose="02070309020205020404" pitchFamily="49" charset="0"/>
-              </a:rPr>
-              <a:t>return </a:t>
-            </a:r>
-            <a:r>
-              <a:rPr lang="en-US" altLang="en-US" sz="3200" dirty="0" err="1">
-                <a:solidFill>
-                  <a:srgbClr val="000000"/>
-                </a:solidFill>
-                <a:latin typeface="Courier New" panose="02070309020205020404" pitchFamily="49" charset="0"/>
-                <a:cs typeface="Courier New" panose="02070309020205020404" pitchFamily="49" charset="0"/>
-              </a:rPr>
               <a:t>link?.</a:t>
             </a:r>
             <a:r>
@@ -6984,16 +6839,6 @@
                 <a:cs typeface="Courier New" panose="02070309020205020404" pitchFamily="49" charset="0"/>
               </a:rPr>
               <a:t>next</a:t>
-            </a:r>
-            <a:r>
-              <a:rPr lang="en-US" altLang="en-US" sz="3200" b="1" dirty="0">
-                <a:solidFill>
-                  <a:srgbClr val="660E7A"/>
-                </a:solidFill>
-                <a:latin typeface="Courier New" panose="02070309020205020404" pitchFamily="49" charset="0"/>
-                <a:cs typeface="Courier New" panose="02070309020205020404" pitchFamily="49" charset="0"/>
-              </a:rPr>
-              <a:t/>
             </a:r>
             <a:br>
               <a:rPr lang="en-US" altLang="en-US" sz="3200" b="1" dirty="0">
@@ -7298,7 +7143,7 @@
 </p:sld>
 </file>
 
-<file path=ppt/slides/slide22.xml><?xml version="1.0" encoding="utf-8"?>
+<file path=ppt/slides/slide21.xml><?xml version="1.0" encoding="utf-8"?>
 <p:sld xmlns:a="http://schemas.openxmlformats.org/drawingml/2006/main" xmlns:r="http://schemas.openxmlformats.org/officeDocument/2006/relationships" xmlns:p="http://schemas.openxmlformats.org/presentationml/2006/main">
   <p:cSld>
     <p:spTree>
@@ -8327,16 +8172,6 @@
                 <a:cs typeface="Courier New" panose="02070309020205020404" pitchFamily="49" charset="0"/>
               </a:rPr>
             </a:br>
-            <a:r>
-              <a:rPr lang="en-US" altLang="en-US" sz="2400" dirty="0">
-                <a:solidFill>
-                  <a:srgbClr val="000000"/>
-                </a:solidFill>
-                <a:latin typeface="Courier New" panose="02070309020205020404" pitchFamily="49" charset="0"/>
-                <a:cs typeface="Courier New" panose="02070309020205020404" pitchFamily="49" charset="0"/>
-              </a:rPr>
-              <a:t/>
-            </a:r>
             <a:br>
               <a:rPr lang="en-US" altLang="en-US" sz="2400" dirty="0">
                 <a:solidFill>
@@ -8613,7 +8448,7 @@
 </p:sld>
 </file>
 
-<file path=ppt/slides/slide23.xml><?xml version="1.0" encoding="utf-8"?>
+<file path=ppt/slides/slide22.xml><?xml version="1.0" encoding="utf-8"?>
 <p:sld xmlns:a="http://schemas.openxmlformats.org/drawingml/2006/main" xmlns:r="http://schemas.openxmlformats.org/officeDocument/2006/relationships" xmlns:p="http://schemas.openxmlformats.org/presentationml/2006/main">
   <p:cSld>
     <p:spTree>
@@ -8751,16 +8586,6 @@
                 <a:cs typeface="Courier New" panose="02070309020205020404" pitchFamily="49" charset="0"/>
               </a:rPr>
             </a:br>
-            <a:r>
-              <a:rPr lang="en-US" altLang="en-US" sz="2400" dirty="0">
-                <a:solidFill>
-                  <a:srgbClr val="000000"/>
-                </a:solidFill>
-                <a:latin typeface="Courier New" panose="02070309020205020404" pitchFamily="49" charset="0"/>
-                <a:cs typeface="Courier New" panose="02070309020205020404" pitchFamily="49" charset="0"/>
-              </a:rPr>
-              <a:t/>
-            </a:r>
             <a:br>
               <a:rPr lang="en-US" altLang="en-US" sz="2400" dirty="0">
                 <a:solidFill>
@@ -9105,16 +8930,6 @@
                 <a:cs typeface="Courier New" panose="02070309020205020404" pitchFamily="49" charset="0"/>
               </a:rPr>
               <a:t>stacktrace</a:t>
-            </a:r>
-            <a:r>
-              <a:rPr lang="en-US" altLang="en-US" sz="2400" i="1" dirty="0">
-                <a:solidFill>
-                  <a:srgbClr val="808080"/>
-                </a:solidFill>
-                <a:latin typeface="Courier New" panose="02070309020205020404" pitchFamily="49" charset="0"/>
-                <a:cs typeface="Courier New" panose="02070309020205020404" pitchFamily="49" charset="0"/>
-              </a:rPr>
-              <a:t/>
             </a:r>
             <a:br>
               <a:rPr lang="en-US" altLang="en-US" sz="2400" i="1" dirty="0">
@@ -9213,7 +9028,7 @@
 </p:sld>
 </file>
 
-<file path=ppt/slides/slide24.xml><?xml version="1.0" encoding="utf-8"?>
+<file path=ppt/slides/slide23.xml><?xml version="1.0" encoding="utf-8"?>
 <p:sld xmlns:a="http://schemas.openxmlformats.org/drawingml/2006/main" xmlns:r="http://schemas.openxmlformats.org/officeDocument/2006/relationships" xmlns:p="http://schemas.openxmlformats.org/presentationml/2006/main">
   <p:cSld>
     <p:spTree>
@@ -9331,16 +9146,6 @@
                 <a:cs typeface="Courier New" panose="02070309020205020404" pitchFamily="49" charset="0"/>
               </a:rPr>
             </a:br>
-            <a:r>
-              <a:rPr lang="en-US" altLang="en-US" sz="2800" dirty="0">
-                <a:solidFill>
-                  <a:srgbClr val="000000"/>
-                </a:solidFill>
-                <a:latin typeface="Courier New" panose="02070309020205020404" pitchFamily="49" charset="0"/>
-                <a:cs typeface="Courier New" panose="02070309020205020404" pitchFamily="49" charset="0"/>
-              </a:rPr>
-              <a:t/>
-            </a:r>
             <a:br>
               <a:rPr lang="en-US" altLang="en-US" sz="2800" dirty="0">
                 <a:solidFill>
@@ -9495,16 +9300,6 @@
                 <a:cs typeface="Courier New" panose="02070309020205020404" pitchFamily="49" charset="0"/>
               </a:rPr>
             </a:br>
-            <a:r>
-              <a:rPr lang="en-US" altLang="en-US" sz="2800" b="1" dirty="0">
-                <a:solidFill>
-                  <a:srgbClr val="008000"/>
-                </a:solidFill>
-                <a:latin typeface="Courier New" panose="02070309020205020404" pitchFamily="49" charset="0"/>
-                <a:cs typeface="Courier New" panose="02070309020205020404" pitchFamily="49" charset="0"/>
-              </a:rPr>
-              <a:t/>
-            </a:r>
             <a:br>
               <a:rPr lang="en-US" altLang="en-US" sz="2800" b="1" dirty="0">
                 <a:solidFill>
@@ -9839,7 +9634,7 @@
 </p:sld>
 </file>
 
-<file path=ppt/slides/slide25.xml><?xml version="1.0" encoding="utf-8"?>
+<file path=ppt/slides/slide24.xml><?xml version="1.0" encoding="utf-8"?>
 <p:sld xmlns:a="http://schemas.openxmlformats.org/drawingml/2006/main" xmlns:r="http://schemas.openxmlformats.org/officeDocument/2006/relationships" xmlns:p="http://schemas.openxmlformats.org/presentationml/2006/main">
   <p:cSld>
     <p:spTree>
@@ -10175,7 +9970,7 @@
 </p:sld>
 </file>
 
-<file path=ppt/slides/slide26.xml><?xml version="1.0" encoding="utf-8"?>
+<file path=ppt/slides/slide25.xml><?xml version="1.0" encoding="utf-8"?>
 <p:sld xmlns:a="http://schemas.openxmlformats.org/drawingml/2006/main" xmlns:r="http://schemas.openxmlformats.org/officeDocument/2006/relationships" xmlns:p="http://schemas.openxmlformats.org/presentationml/2006/main">
   <p:cSld>
     <p:spTree>
@@ -10293,16 +10088,6 @@
                 <a:cs typeface="Courier New" panose="02070309020205020404" pitchFamily="49" charset="0"/>
               </a:rPr>
             </a:br>
-            <a:r>
-              <a:rPr lang="en-US" altLang="en-US" sz="1687" dirty="0">
-                <a:solidFill>
-                  <a:srgbClr val="000000"/>
-                </a:solidFill>
-                <a:latin typeface="Courier New" panose="02070309020205020404" pitchFamily="49" charset="0"/>
-                <a:cs typeface="Courier New" panose="02070309020205020404" pitchFamily="49" charset="0"/>
-              </a:rPr>
-              <a:t/>
-            </a:r>
             <a:br>
               <a:rPr lang="en-US" altLang="en-US" sz="1687" dirty="0">
                 <a:solidFill>
@@ -10440,16 +10225,6 @@
                 <a:cs typeface="Courier New" panose="02070309020205020404" pitchFamily="49" charset="0"/>
               </a:rPr>
             </a:br>
-            <a:r>
-              <a:rPr lang="en-US" altLang="en-US" sz="1687" dirty="0">
-                <a:solidFill>
-                  <a:srgbClr val="000000"/>
-                </a:solidFill>
-                <a:latin typeface="Courier New" panose="02070309020205020404" pitchFamily="49" charset="0"/>
-                <a:cs typeface="Courier New" panose="02070309020205020404" pitchFamily="49" charset="0"/>
-              </a:rPr>
-              <a:t/>
-            </a:r>
             <a:br>
               <a:rPr lang="en-US" altLang="en-US" sz="1687" dirty="0">
                 <a:solidFill>
@@ -10695,16 +10470,6 @@
                 <a:cs typeface="Courier New" panose="02070309020205020404" pitchFamily="49" charset="0"/>
               </a:rPr>
             </a:br>
-            <a:r>
-              <a:rPr lang="en-US" altLang="en-US" sz="1687" dirty="0">
-                <a:solidFill>
-                  <a:srgbClr val="000000"/>
-                </a:solidFill>
-                <a:latin typeface="Courier New" panose="02070309020205020404" pitchFamily="49" charset="0"/>
-                <a:cs typeface="Courier New" panose="02070309020205020404" pitchFamily="49" charset="0"/>
-              </a:rPr>
-              <a:t/>
-            </a:r>
             <a:br>
               <a:rPr lang="en-US" altLang="en-US" sz="1687" dirty="0">
                 <a:solidFill>
@@ -10841,16 +10606,6 @@
                 <a:cs typeface="Courier New" panose="02070309020205020404" pitchFamily="49" charset="0"/>
               </a:rPr>
             </a:br>
-            <a:r>
-              <a:rPr lang="en-US" altLang="en-US" sz="1687" dirty="0">
-                <a:solidFill>
-                  <a:srgbClr val="000000"/>
-                </a:solidFill>
-                <a:latin typeface="Courier New" panose="02070309020205020404" pitchFamily="49" charset="0"/>
-                <a:cs typeface="Courier New" panose="02070309020205020404" pitchFamily="49" charset="0"/>
-              </a:rPr>
-              <a:t/>
-            </a:r>
             <a:br>
               <a:rPr lang="en-US" altLang="en-US" sz="1687" dirty="0">
                 <a:solidFill>
@@ -10987,16 +10742,6 @@
                 <a:cs typeface="Courier New" panose="02070309020205020404" pitchFamily="49" charset="0"/>
               </a:rPr>
             </a:br>
-            <a:r>
-              <a:rPr lang="en-US" altLang="en-US" sz="1687" dirty="0">
-                <a:solidFill>
-                  <a:srgbClr val="000000"/>
-                </a:solidFill>
-                <a:latin typeface="Courier New" panose="02070309020205020404" pitchFamily="49" charset="0"/>
-                <a:cs typeface="Courier New" panose="02070309020205020404" pitchFamily="49" charset="0"/>
-              </a:rPr>
-              <a:t/>
-            </a:r>
             <a:br>
               <a:rPr lang="en-US" altLang="en-US" sz="1687" dirty="0">
                 <a:solidFill>
@@ -11143,16 +10888,6 @@
                 <a:cs typeface="Courier New" panose="02070309020205020404" pitchFamily="49" charset="0"/>
               </a:rPr>
             </a:br>
-            <a:r>
-              <a:rPr lang="en-US" altLang="en-US" sz="1687" dirty="0">
-                <a:solidFill>
-                  <a:srgbClr val="000000"/>
-                </a:solidFill>
-                <a:latin typeface="Courier New" panose="02070309020205020404" pitchFamily="49" charset="0"/>
-                <a:cs typeface="Courier New" panose="02070309020205020404" pitchFamily="49" charset="0"/>
-              </a:rPr>
-              <a:t/>
-            </a:r>
             <a:br>
               <a:rPr lang="en-US" altLang="en-US" sz="1687" dirty="0">
                 <a:solidFill>
@@ -11349,6 +11084,422 @@
     <p:extLst>
       <p:ext uri="{BB962C8B-B14F-4D97-AF65-F5344CB8AC3E}">
         <p14:creationId xmlns:p14="http://schemas.microsoft.com/office/powerpoint/2010/main" val="1976736946"/>
+      </p:ext>
+    </p:extLst>
+  </p:cSld>
+  <p:clrMapOvr>
+    <a:masterClrMapping/>
+  </p:clrMapOvr>
+  <p:transition spd="med"/>
+</p:sld>
+</file>
+
+<file path=ppt/slides/slide26.xml><?xml version="1.0" encoding="utf-8"?>
+<p:sld xmlns:a="http://schemas.openxmlformats.org/drawingml/2006/main" xmlns:r="http://schemas.openxmlformats.org/officeDocument/2006/relationships" xmlns:p="http://schemas.openxmlformats.org/presentationml/2006/main">
+  <p:cSld>
+    <p:spTree>
+      <p:nvGrpSpPr>
+        <p:cNvPr id="1" name=""/>
+        <p:cNvGrpSpPr/>
+        <p:nvPr/>
+      </p:nvGrpSpPr>
+      <p:grpSpPr>
+        <a:xfrm>
+          <a:off x="0" y="0"/>
+          <a:ext cx="0" cy="0"/>
+          <a:chOff x="0" y="0"/>
+          <a:chExt cx="0" cy="0"/>
+        </a:xfrm>
+      </p:grpSpPr>
+      <p:sp>
+        <p:nvSpPr>
+          <p:cNvPr id="2" name="Title 1">
+            <a:extLst>
+              <a:ext uri="{FF2B5EF4-FFF2-40B4-BE49-F238E27FC236}">
+                <a16:creationId xmlns:a16="http://schemas.microsoft.com/office/drawing/2014/main" id="{0AD17ECE-5F00-9642-9856-64BE22C0904F}"/>
+              </a:ext>
+            </a:extLst>
+          </p:cNvPr>
+          <p:cNvSpPr>
+            <a:spLocks noGrp="1"/>
+          </p:cNvSpPr>
+          <p:nvPr>
+            <p:ph type="title"/>
+          </p:nvPr>
+        </p:nvSpPr>
+        <p:spPr>
+          <a:xfrm>
+            <a:off x="704850" y="18255"/>
+            <a:ext cx="10515600" cy="1325563"/>
+          </a:xfrm>
+        </p:spPr>
+        <p:txBody>
+          <a:bodyPr/>
+          <a:lstStyle/>
+          <a:p>
+            <a:r>
+              <a:rPr lang="en-US" dirty="0"/>
+              <a:t>Properties</a:t>
+            </a:r>
+          </a:p>
+        </p:txBody>
+      </p:sp>
+      <p:sp>
+        <p:nvSpPr>
+          <p:cNvPr id="3" name="Text Placeholder 2">
+            <a:extLst>
+              <a:ext uri="{FF2B5EF4-FFF2-40B4-BE49-F238E27FC236}">
+                <a16:creationId xmlns:a16="http://schemas.microsoft.com/office/drawing/2014/main" id="{735F1931-04A6-D04D-ABD1-5A281DA5660E}"/>
+              </a:ext>
+            </a:extLst>
+          </p:cNvPr>
+          <p:cNvSpPr>
+            <a:spLocks noGrp="1"/>
+          </p:cNvSpPr>
+          <p:nvPr>
+            <p:ph type="body" idx="1"/>
+          </p:nvPr>
+        </p:nvSpPr>
+        <p:spPr>
+          <a:xfrm>
+            <a:off x="6905624" y="1825625"/>
+            <a:ext cx="4448175" cy="4351338"/>
+          </a:xfrm>
+        </p:spPr>
+        <p:txBody>
+          <a:bodyPr/>
+          <a:lstStyle/>
+          <a:p>
+            <a:r>
+              <a:rPr lang="en-US" dirty="0"/>
+              <a:t>Automatically create getters and setters for the fields</a:t>
+            </a:r>
+          </a:p>
+          <a:p>
+            <a:r>
+              <a:rPr lang="en-US" dirty="0"/>
+              <a:t>Can override the default behaviors of those getters/setters</a:t>
+            </a:r>
+          </a:p>
+          <a:p>
+            <a:r>
+              <a:rPr lang="en-US" dirty="0"/>
+              <a:t>In client code, do not need to write </a:t>
+            </a:r>
+            <a:r>
+              <a:rPr lang="en-US" i="1" dirty="0" err="1"/>
+              <a:t>foo.getY</a:t>
+            </a:r>
+            <a:r>
+              <a:rPr lang="en-US" i="1" dirty="0"/>
+              <a:t>()</a:t>
+            </a:r>
+            <a:r>
+              <a:rPr lang="en-US" dirty="0"/>
+              <a:t>, but just </a:t>
+            </a:r>
+            <a:r>
+              <a:rPr lang="en-US" i="1" dirty="0" err="1"/>
+              <a:t>foo.y</a:t>
+            </a:r>
+            <a:endParaRPr lang="en-US" i="1" dirty="0"/>
+          </a:p>
+        </p:txBody>
+      </p:sp>
+      <p:sp>
+        <p:nvSpPr>
+          <p:cNvPr id="4" name="Rectangle 3">
+            <a:extLst>
+              <a:ext uri="{FF2B5EF4-FFF2-40B4-BE49-F238E27FC236}">
+                <a16:creationId xmlns:a16="http://schemas.microsoft.com/office/drawing/2014/main" id="{B03C7BD0-4F47-A74A-8B29-0CD5F49E54CC}"/>
+              </a:ext>
+            </a:extLst>
+          </p:cNvPr>
+          <p:cNvSpPr/>
+          <p:nvPr/>
+        </p:nvSpPr>
+        <p:spPr>
+          <a:xfrm>
+            <a:off x="304800" y="1343817"/>
+            <a:ext cx="6600824" cy="5016758"/>
+          </a:xfrm>
+          <a:prstGeom prst="rect">
+            <a:avLst/>
+          </a:prstGeom>
+        </p:spPr>
+        <p:txBody>
+          <a:bodyPr wrap="square">
+            <a:spAutoFit/>
+          </a:bodyPr>
+          <a:lstStyle/>
+          <a:p>
+            <a:r>
+              <a:rPr lang="nb-NO" sz="3200" b="1" dirty="0" err="1">
+                <a:solidFill>
+                  <a:srgbClr val="000080"/>
+                </a:solidFill>
+              </a:rPr>
+              <a:t>class</a:t>
+            </a:r>
+            <a:r>
+              <a:rPr lang="nb-NO" sz="3200" b="1" dirty="0">
+                <a:solidFill>
+                  <a:srgbClr val="000080"/>
+                </a:solidFill>
+              </a:rPr>
+              <a:t> </a:t>
+            </a:r>
+            <a:r>
+              <a:rPr lang="nb-NO" sz="3200" dirty="0" err="1"/>
+              <a:t>KotlinProperty</a:t>
+            </a:r>
+            <a:r>
+              <a:rPr lang="nb-NO" sz="3200" dirty="0"/>
+              <a:t>(</a:t>
+            </a:r>
+            <a:br>
+              <a:rPr lang="nb-NO" sz="3200" dirty="0"/>
+            </a:br>
+            <a:r>
+              <a:rPr lang="nb-NO" sz="3200" dirty="0"/>
+              <a:t>        </a:t>
+            </a:r>
+            <a:r>
+              <a:rPr lang="nb-NO" sz="3200" b="1" dirty="0">
+                <a:solidFill>
+                  <a:srgbClr val="000080"/>
+                </a:solidFill>
+              </a:rPr>
+              <a:t>val </a:t>
+            </a:r>
+            <a:r>
+              <a:rPr lang="nb-NO" sz="3200" b="1" dirty="0">
+                <a:solidFill>
+                  <a:srgbClr val="1948A6"/>
+                </a:solidFill>
+              </a:rPr>
+              <a:t>x</a:t>
+            </a:r>
+            <a:r>
+              <a:rPr lang="nb-NO" sz="3200" dirty="0"/>
+              <a:t>: Int</a:t>
+            </a:r>
+            <a:br>
+              <a:rPr lang="nb-NO" sz="3200" dirty="0"/>
+            </a:br>
+            <a:r>
+              <a:rPr lang="nb-NO" sz="3200" dirty="0"/>
+              <a:t>) {</a:t>
+            </a:r>
+            <a:br>
+              <a:rPr lang="nb-NO" sz="3200" dirty="0"/>
+            </a:br>
+            <a:r>
+              <a:rPr lang="nb-NO" sz="3200" dirty="0"/>
+              <a:t>    </a:t>
+            </a:r>
+            <a:r>
+              <a:rPr lang="nb-NO" sz="3200" b="1" dirty="0">
+                <a:solidFill>
+                  <a:srgbClr val="000080"/>
+                </a:solidFill>
+              </a:rPr>
+              <a:t>var </a:t>
+            </a:r>
+            <a:r>
+              <a:rPr lang="nb-NO" sz="3200" b="1" dirty="0">
+                <a:solidFill>
+                  <a:srgbClr val="1948A6"/>
+                </a:solidFill>
+              </a:rPr>
+              <a:t>y</a:t>
+            </a:r>
+            <a:r>
+              <a:rPr lang="nb-NO" sz="3200" dirty="0"/>
+              <a:t>: Int = </a:t>
+            </a:r>
+            <a:r>
+              <a:rPr lang="nb-NO" sz="3200" dirty="0">
+                <a:solidFill>
+                  <a:srgbClr val="0000FF"/>
+                </a:solidFill>
+              </a:rPr>
+              <a:t>0</a:t>
+            </a:r>
+            <a:br>
+              <a:rPr lang="nb-NO" sz="3200" dirty="0">
+                <a:solidFill>
+                  <a:srgbClr val="0000FF"/>
+                </a:solidFill>
+              </a:rPr>
+            </a:br>
+            <a:r>
+              <a:rPr lang="nb-NO" sz="3200" dirty="0">
+                <a:solidFill>
+                  <a:srgbClr val="0000FF"/>
+                </a:solidFill>
+              </a:rPr>
+              <a:t>        </a:t>
+            </a:r>
+            <a:r>
+              <a:rPr lang="nb-NO" sz="3200" b="1" dirty="0">
+                <a:solidFill>
+                  <a:srgbClr val="000080"/>
+                </a:solidFill>
+              </a:rPr>
+              <a:t>private </a:t>
+            </a:r>
+            <a:r>
+              <a:rPr lang="nb-NO" sz="3200" b="1" dirty="0" err="1">
+                <a:solidFill>
+                  <a:srgbClr val="000080"/>
+                </a:solidFill>
+              </a:rPr>
+              <a:t>set</a:t>
+            </a:r>
+            <a:br>
+              <a:rPr lang="nb-NO" sz="3200" b="1" dirty="0">
+                <a:solidFill>
+                  <a:srgbClr val="000080"/>
+                </a:solidFill>
+              </a:rPr>
+            </a:br>
+            <a:br>
+              <a:rPr lang="nb-NO" sz="3200" b="1" dirty="0">
+                <a:solidFill>
+                  <a:srgbClr val="000080"/>
+                </a:solidFill>
+              </a:rPr>
+            </a:br>
+            <a:r>
+              <a:rPr lang="nb-NO" sz="3200" b="1" dirty="0">
+                <a:solidFill>
+                  <a:srgbClr val="000080"/>
+                </a:solidFill>
+              </a:rPr>
+              <a:t>    var </a:t>
+            </a:r>
+            <a:r>
+              <a:rPr lang="nb-NO" sz="3200" b="1" dirty="0">
+                <a:solidFill>
+                  <a:srgbClr val="1948A6"/>
+                </a:solidFill>
+              </a:rPr>
+              <a:t>z</a:t>
+            </a:r>
+            <a:r>
+              <a:rPr lang="nb-NO" sz="3200" dirty="0"/>
+              <a:t>: Int</a:t>
+            </a:r>
+            <a:br>
+              <a:rPr lang="nb-NO" sz="3200" dirty="0"/>
+            </a:br>
+            <a:r>
+              <a:rPr lang="nb-NO" sz="3200" dirty="0"/>
+              <a:t>        </a:t>
+            </a:r>
+            <a:r>
+              <a:rPr lang="nb-NO" sz="3200" b="1" dirty="0" err="1">
+                <a:solidFill>
+                  <a:srgbClr val="000080"/>
+                </a:solidFill>
+              </a:rPr>
+              <a:t>get</a:t>
+            </a:r>
+            <a:r>
+              <a:rPr lang="nb-NO" sz="3200" dirty="0"/>
+              <a:t>(){ </a:t>
+            </a:r>
+            <a:r>
+              <a:rPr lang="nb-NO" sz="3200" b="1" dirty="0" err="1">
+                <a:solidFill>
+                  <a:srgbClr val="000080"/>
+                </a:solidFill>
+              </a:rPr>
+              <a:t>return</a:t>
+            </a:r>
+            <a:r>
+              <a:rPr lang="nb-NO" sz="3200" b="1" dirty="0">
+                <a:solidFill>
+                  <a:srgbClr val="000080"/>
+                </a:solidFill>
+              </a:rPr>
+              <a:t> </a:t>
+            </a:r>
+            <a:r>
+              <a:rPr lang="nb-NO" sz="3200" b="1" dirty="0">
+                <a:solidFill>
+                  <a:srgbClr val="1948A6"/>
+                </a:solidFill>
+              </a:rPr>
+              <a:t>y</a:t>
+            </a:r>
+            <a:r>
+              <a:rPr lang="nb-NO" sz="3200" dirty="0"/>
+              <a:t>}</a:t>
+            </a:r>
+            <a:br>
+              <a:rPr lang="nb-NO" sz="3200" dirty="0"/>
+            </a:br>
+            <a:r>
+              <a:rPr lang="nb-NO" sz="3200" dirty="0"/>
+              <a:t>        </a:t>
+            </a:r>
+            <a:r>
+              <a:rPr lang="nb-NO" sz="3200" b="1" dirty="0" err="1">
+                <a:solidFill>
+                  <a:srgbClr val="000080"/>
+                </a:solidFill>
+              </a:rPr>
+              <a:t>set</a:t>
+            </a:r>
+            <a:r>
+              <a:rPr lang="nb-NO" sz="3200" dirty="0"/>
+              <a:t>(</a:t>
+            </a:r>
+            <a:r>
+              <a:rPr lang="nb-NO" sz="3200" dirty="0" err="1"/>
+              <a:t>value</a:t>
+            </a:r>
+            <a:r>
+              <a:rPr lang="nb-NO" sz="3200" dirty="0"/>
+              <a:t>) {</a:t>
+            </a:r>
+            <a:r>
+              <a:rPr lang="nb-NO" sz="3200" b="1" dirty="0">
+                <a:solidFill>
+                  <a:srgbClr val="1948A6"/>
+                </a:solidFill>
+              </a:rPr>
+              <a:t>y </a:t>
+            </a:r>
+            <a:r>
+              <a:rPr lang="nb-NO" sz="3200" dirty="0"/>
+              <a:t>= </a:t>
+            </a:r>
+            <a:r>
+              <a:rPr lang="nb-NO" sz="3200" dirty="0" err="1"/>
+              <a:t>value</a:t>
+            </a:r>
+            <a:r>
+              <a:rPr lang="nb-NO" sz="3200" dirty="0"/>
+              <a:t>}</a:t>
+            </a:r>
+            <a:br>
+              <a:rPr lang="nb-NO" sz="3200" dirty="0"/>
+            </a:br>
+            <a:r>
+              <a:rPr lang="nb-NO" sz="3200" dirty="0"/>
+              <a:t>}</a:t>
+            </a:r>
+            <a:endParaRPr lang="en-US" sz="3200" dirty="0"/>
+          </a:p>
+        </p:txBody>
+      </p:sp>
+    </p:spTree>
+    <p:extLst>
+      <p:ext uri="{BB962C8B-B14F-4D97-AF65-F5344CB8AC3E}">
+        <p14:creationId xmlns:p14="http://schemas.microsoft.com/office/powerpoint/2010/main" val="2647299808"/>
       </p:ext>
     </p:extLst>
   </p:cSld>
@@ -11394,10 +11545,9 @@
           <a:lstStyle/>
           <a:p>
             <a:r>
-              <a:rPr lang="en-US" sz="6600" dirty="0" smtClean="0"/>
+              <a:rPr lang="en-US" sz="6600" dirty="0"/>
               <a:t>Functional Programming</a:t>
             </a:r>
-            <a:endParaRPr lang="en-US" sz="6600" dirty="0"/>
           </a:p>
         </p:txBody>
       </p:sp>
@@ -11424,60 +11574,59 @@
           <a:lstStyle/>
           <a:p>
             <a:r>
-              <a:rPr lang="en-US" sz="3600" dirty="0" err="1" smtClean="0"/>
+              <a:rPr lang="en-US" sz="3600" dirty="0" err="1"/>
               <a:t>Kotlin</a:t>
             </a:r>
             <a:r>
-              <a:rPr lang="en-US" sz="3600" dirty="0" smtClean="0"/>
+              <a:rPr lang="en-US" sz="3600" dirty="0"/>
               <a:t> is not as good for FP as Scala, but provides more abstractions/utilities compared to Java </a:t>
             </a:r>
           </a:p>
           <a:p>
-            <a:endParaRPr lang="en-US" sz="3600" dirty="0" smtClean="0"/>
-          </a:p>
-          <a:p>
-            <a:r>
-              <a:rPr lang="en-US" sz="3600" dirty="0" smtClean="0"/>
+            <a:endParaRPr lang="en-US" sz="3600" dirty="0"/>
+          </a:p>
+          <a:p>
+            <a:r>
+              <a:rPr lang="en-US" sz="3600" dirty="0"/>
               <a:t>All objects have the methods: </a:t>
             </a:r>
             <a:r>
-              <a:rPr lang="en-US" sz="3600" b="1" dirty="0" smtClean="0"/>
+              <a:rPr lang="en-US" sz="3600" b="1" dirty="0"/>
               <a:t>let</a:t>
             </a:r>
             <a:r>
-              <a:rPr lang="en-US" sz="3600" dirty="0" smtClean="0"/>
+              <a:rPr lang="en-US" sz="3600" dirty="0"/>
               <a:t>, </a:t>
             </a:r>
             <a:r>
-              <a:rPr lang="en-US" sz="3600" b="1" dirty="0" smtClean="0"/>
+              <a:rPr lang="en-US" sz="3600" b="1" dirty="0"/>
               <a:t>apply</a:t>
             </a:r>
             <a:r>
-              <a:rPr lang="en-US" sz="3600" dirty="0" smtClean="0"/>
+              <a:rPr lang="en-US" sz="3600" dirty="0"/>
               <a:t>, </a:t>
             </a:r>
             <a:r>
-              <a:rPr lang="en-US" sz="3600" b="1" dirty="0" smtClean="0"/>
+              <a:rPr lang="en-US" sz="3600" b="1" dirty="0"/>
               <a:t>run</a:t>
             </a:r>
             <a:r>
-              <a:rPr lang="en-US" sz="3600" dirty="0" smtClean="0"/>
+              <a:rPr lang="en-US" sz="3600" dirty="0"/>
               <a:t>, </a:t>
             </a:r>
             <a:r>
-              <a:rPr lang="en-US" sz="3600" b="1" dirty="0" smtClean="0"/>
+              <a:rPr lang="en-US" sz="3600" b="1" dirty="0"/>
               <a:t>also</a:t>
             </a:r>
           </a:p>
           <a:p>
-            <a:endParaRPr lang="en-US" sz="3600" b="1" dirty="0" smtClean="0"/>
-          </a:p>
-          <a:p>
-            <a:r>
-              <a:rPr lang="en-US" sz="3600" dirty="0" smtClean="0"/>
+            <a:endParaRPr lang="en-US" sz="3600" b="1" dirty="0"/>
+          </a:p>
+          <a:p>
+            <a:r>
+              <a:rPr lang="en-US" sz="3600" dirty="0"/>
               <a:t>Useful when using streams or trying to avoid creating local variables</a:t>
             </a:r>
-            <a:endParaRPr lang="en-US" sz="3600" dirty="0"/>
           </a:p>
         </p:txBody>
       </p:sp>
@@ -11531,13 +11680,8 @@
           <a:p>
             <a:r>
               <a:rPr lang="en-US" sz="6600" dirty="0"/>
-              <a:t>l</a:t>
-            </a:r>
-            <a:r>
-              <a:rPr lang="en-US" sz="6600" dirty="0" smtClean="0"/>
-              <a:t>et, apply, run, also</a:t>
-            </a:r>
-            <a:endParaRPr lang="en-US" sz="6600" dirty="0"/>
+              <a:t>let, apply, run, also</a:t>
+            </a:r>
           </a:p>
         </p:txBody>
       </p:sp>
@@ -11564,59 +11708,58 @@
           <a:lstStyle/>
           <a:p>
             <a:r>
-              <a:rPr lang="en-US" sz="3600" dirty="0" smtClean="0"/>
+              <a:rPr lang="en-US" sz="3600" dirty="0"/>
               <a:t>They are functions that take a lambda as input</a:t>
             </a:r>
           </a:p>
           <a:p>
             <a:pPr lvl="1"/>
             <a:r>
-              <a:rPr lang="en-US" sz="2400" dirty="0" smtClean="0"/>
+              <a:rPr lang="en-US" sz="2400" dirty="0"/>
               <a:t>Note: in </a:t>
             </a:r>
             <a:r>
-              <a:rPr lang="en-US" sz="2400" dirty="0" err="1" smtClean="0"/>
+              <a:rPr lang="en-US" sz="2400" dirty="0" err="1"/>
               <a:t>Kotlin</a:t>
             </a:r>
             <a:r>
-              <a:rPr lang="en-US" sz="2400" dirty="0" smtClean="0"/>
+              <a:rPr lang="en-US" sz="2400" dirty="0"/>
               <a:t>, when input is a single lambda, no need for “()”</a:t>
             </a:r>
           </a:p>
           <a:p>
-            <a:endParaRPr lang="en-US" sz="3600" dirty="0" smtClean="0"/>
-          </a:p>
-          <a:p>
-            <a:r>
-              <a:rPr lang="en-US" sz="3600" dirty="0" smtClean="0"/>
+            <a:endParaRPr lang="en-US" sz="3600" dirty="0"/>
+          </a:p>
+          <a:p>
+            <a:r>
+              <a:rPr lang="en-US" sz="3600" dirty="0"/>
               <a:t>Return a value: caller itself, or result of the lambda expression</a:t>
             </a:r>
           </a:p>
           <a:p>
-            <a:endParaRPr lang="en-US" sz="3600" dirty="0" smtClean="0"/>
-          </a:p>
-          <a:p>
-            <a:r>
-              <a:rPr lang="en-US" sz="3600" dirty="0" smtClean="0"/>
+            <a:endParaRPr lang="en-US" sz="3600" dirty="0"/>
+          </a:p>
+          <a:p>
+            <a:r>
+              <a:rPr lang="en-US" sz="3600" dirty="0"/>
               <a:t>The meaning of “</a:t>
             </a:r>
             <a:r>
-              <a:rPr lang="en-US" sz="3600" i="1" dirty="0" smtClean="0"/>
+              <a:rPr lang="en-US" sz="3600" i="1" dirty="0"/>
               <a:t>this</a:t>
             </a:r>
             <a:r>
-              <a:rPr lang="en-US" sz="3600" dirty="0" smtClean="0"/>
+              <a:rPr lang="en-US" sz="3600" dirty="0"/>
               <a:t>” and “</a:t>
             </a:r>
             <a:r>
-              <a:rPr lang="en-US" sz="3600" i="1" dirty="0" smtClean="0"/>
+              <a:rPr lang="en-US" sz="3600" i="1" dirty="0"/>
               <a:t>it</a:t>
             </a:r>
             <a:r>
-              <a:rPr lang="en-US" sz="3600" dirty="0" smtClean="0"/>
+              <a:rPr lang="en-US" sz="3600" dirty="0"/>
               <a:t>” inside the lambda will vary based on the function</a:t>
             </a:r>
-            <a:endParaRPr lang="en-US" sz="3600" dirty="0"/>
           </a:p>
         </p:txBody>
       </p:sp>
@@ -11697,17 +11840,16 @@
                     <a:bodyPr/>
                     <a:lstStyle/>
                     <a:p>
-                      <a:endParaRPr lang="en-US" sz="1600" dirty="0" smtClean="0"/>
+                      <a:endParaRPr lang="en-US" sz="1600" dirty="0"/>
                     </a:p>
                     <a:p>
-                      <a:endParaRPr lang="en-US" sz="1600" dirty="0" smtClean="0"/>
+                      <a:endParaRPr lang="en-US" sz="1600" dirty="0"/>
                     </a:p>
                     <a:p>
                       <a:r>
-                        <a:rPr lang="en-US" sz="3600" b="1" dirty="0" smtClean="0"/>
+                        <a:rPr lang="en-US" sz="3600" b="1" dirty="0"/>
                         <a:t>also</a:t>
                       </a:r>
-                      <a:endParaRPr lang="en-US" sz="3600" b="1" dirty="0"/>
                     </a:p>
                   </a:txBody>
                   <a:tcPr marL="64294" marR="64294" marT="32147" marB="32147"/>
@@ -11717,20 +11859,20 @@
                     <a:bodyPr/>
                     <a:lstStyle/>
                     <a:p>
-                      <a:endParaRPr lang="en-US" sz="1600" dirty="0" smtClean="0"/>
+                      <a:endParaRPr lang="en-US" sz="1600" dirty="0"/>
                     </a:p>
                     <a:p>
-                      <a:endParaRPr lang="en-US" sz="1600" dirty="0" smtClean="0"/>
+                      <a:endParaRPr lang="en-US" sz="1600" dirty="0"/>
                     </a:p>
                     <a:p>
                       <a:r>
-                        <a:rPr lang="en-US" sz="3600" b="1" dirty="0" smtClean="0"/>
+                        <a:rPr lang="en-US" sz="3600" b="1" dirty="0"/>
                         <a:t>let</a:t>
                       </a:r>
-                      <a:endParaRPr lang="en-US" sz="3200" b="1" dirty="0" smtClean="0"/>
+                      <a:endParaRPr lang="en-US" sz="3200" b="1" dirty="0"/>
                     </a:p>
                     <a:p>
-                      <a:endParaRPr lang="en-US" sz="1600" dirty="0" smtClean="0"/>
+                      <a:endParaRPr lang="en-US" sz="1600" dirty="0"/>
                     </a:p>
                   </a:txBody>
                   <a:tcPr marL="64294" marR="64294" marT="32147" marB="32147"/>
@@ -11747,14 +11889,14 @@
                     <a:bodyPr/>
                     <a:lstStyle/>
                     <a:p>
-                      <a:endParaRPr lang="en-US" sz="1600" dirty="0" smtClean="0"/>
+                      <a:endParaRPr lang="en-US" sz="1600" dirty="0"/>
                     </a:p>
                     <a:p>
-                      <a:endParaRPr lang="en-US" sz="1600" dirty="0" smtClean="0"/>
+                      <a:endParaRPr lang="en-US" sz="1600" dirty="0"/>
                     </a:p>
                     <a:p>
                       <a:r>
-                        <a:rPr lang="en-US" sz="3600" b="1" dirty="0" smtClean="0"/>
+                        <a:rPr lang="en-US" sz="3600" b="1" dirty="0"/>
                         <a:t>apply</a:t>
                       </a:r>
                       <a:endParaRPr lang="en-US" sz="3200" b="1" dirty="0"/>
@@ -11767,17 +11909,16 @@
                     <a:bodyPr/>
                     <a:lstStyle/>
                     <a:p>
-                      <a:endParaRPr lang="en-US" sz="1600" dirty="0" smtClean="0"/>
+                      <a:endParaRPr lang="en-US" sz="1600" dirty="0"/>
                     </a:p>
                     <a:p>
-                      <a:endParaRPr lang="en-US" sz="1600" dirty="0" smtClean="0"/>
+                      <a:endParaRPr lang="en-US" sz="1600" dirty="0"/>
                     </a:p>
                     <a:p>
                       <a:r>
-                        <a:rPr lang="en-US" sz="3600" b="1" dirty="0" smtClean="0"/>
+                        <a:rPr lang="en-US" sz="3600" b="1" dirty="0"/>
                         <a:t>run</a:t>
                       </a:r>
-                      <a:endParaRPr lang="en-US" sz="3600" b="1" dirty="0"/>
                     </a:p>
                   </a:txBody>
                   <a:tcPr marL="64294" marR="64294" marT="32147" marB="32147"/>
@@ -12051,10 +12192,9 @@
           <a:lstStyle/>
           <a:p>
             <a:r>
-              <a:rPr lang="en-US" dirty="0" smtClean="0"/>
+              <a:rPr lang="en-US" dirty="0"/>
               <a:t>Class Structure</a:t>
             </a:r>
-            <a:endParaRPr lang="en-US" dirty="0"/>
           </a:p>
         </p:txBody>
       </p:sp>
@@ -12094,11 +12234,7 @@
             <a:pPr lvl="1"/>
             <a:r>
               <a:rPr lang="en-US" dirty="0"/>
-              <a:t>2 hours in which you should do exercises and get </a:t>
-            </a:r>
-            <a:r>
-              <a:rPr lang="en-US" dirty="0" smtClean="0"/>
-              <a:t>help</a:t>
+              <a:t>2 hours in which you should do exercises and get help</a:t>
             </a:r>
           </a:p>
           <a:p>
@@ -12457,16 +12593,6 @@
                 <a:cs typeface="Courier New" panose="02070309020205020404" pitchFamily="49" charset="0"/>
               </a:rPr>
             </a:br>
-            <a:r>
-              <a:rPr lang="en-US" altLang="en-US" sz="2800" dirty="0">
-                <a:solidFill>
-                  <a:srgbClr val="000000"/>
-                </a:solidFill>
-                <a:latin typeface="Courier New" panose="02070309020205020404" pitchFamily="49" charset="0"/>
-                <a:cs typeface="Courier New" panose="02070309020205020404" pitchFamily="49" charset="0"/>
-              </a:rPr>
-              <a:t/>
-            </a:r>
             <a:br>
               <a:rPr lang="en-US" altLang="en-US" sz="2800" dirty="0">
                 <a:solidFill>
@@ -12808,16 +12934,6 @@
                 <a:cs typeface="Courier New" panose="02070309020205020404" pitchFamily="49" charset="0"/>
               </a:rPr>
             </a:br>
-            <a:r>
-              <a:rPr lang="en-US" altLang="en-US" sz="2400" dirty="0">
-                <a:solidFill>
-                  <a:srgbClr val="000000"/>
-                </a:solidFill>
-                <a:latin typeface="Courier New" panose="02070309020205020404" pitchFamily="49" charset="0"/>
-                <a:cs typeface="Courier New" panose="02070309020205020404" pitchFamily="49" charset="0"/>
-              </a:rPr>
-              <a:t/>
-            </a:r>
             <a:br>
               <a:rPr lang="en-US" altLang="en-US" sz="2400" dirty="0">
                 <a:solidFill>
@@ -13132,16 +13248,6 @@
                 <a:cs typeface="Courier New" panose="02070309020205020404" pitchFamily="49" charset="0"/>
               </a:rPr>
             </a:br>
-            <a:r>
-              <a:rPr lang="en-US" altLang="en-US" sz="2400" dirty="0">
-                <a:solidFill>
-                  <a:srgbClr val="000000"/>
-                </a:solidFill>
-                <a:latin typeface="Courier New" panose="02070309020205020404" pitchFamily="49" charset="0"/>
-                <a:cs typeface="Courier New" panose="02070309020205020404" pitchFamily="49" charset="0"/>
-              </a:rPr>
-              <a:t/>
-            </a:r>
             <a:br>
               <a:rPr lang="en-US" altLang="en-US" sz="2400" dirty="0">
                 <a:solidFill>
@@ -13748,16 +13854,6 @@
                 <a:cs typeface="Courier New" panose="02070309020205020404" pitchFamily="49" charset="0"/>
               </a:rPr>
             </a:br>
-            <a:r>
-              <a:rPr lang="en-US" altLang="en-US" dirty="0">
-                <a:solidFill>
-                  <a:srgbClr val="000000"/>
-                </a:solidFill>
-                <a:latin typeface="Courier New" panose="02070309020205020404" pitchFamily="49" charset="0"/>
-                <a:cs typeface="Courier New" panose="02070309020205020404" pitchFamily="49" charset="0"/>
-              </a:rPr>
-              <a:t/>
-            </a:r>
             <a:br>
               <a:rPr lang="en-US" altLang="en-US" dirty="0">
                 <a:solidFill>
@@ -14199,16 +14295,6 @@
                 <a:cs typeface="Courier New" panose="02070309020205020404" pitchFamily="49" charset="0"/>
               </a:rPr>
               <a:t>indexOfFirst</a:t>
-            </a:r>
-            <a:r>
-              <a:rPr lang="en-US" altLang="en-US" i="1" dirty="0">
-                <a:solidFill>
-                  <a:srgbClr val="808080"/>
-                </a:solidFill>
-                <a:latin typeface="Courier New" panose="02070309020205020404" pitchFamily="49" charset="0"/>
-                <a:cs typeface="Courier New" panose="02070309020205020404" pitchFamily="49" charset="0"/>
-              </a:rPr>
-              <a:t/>
             </a:r>
             <a:br>
               <a:rPr lang="en-US" altLang="en-US" i="1" dirty="0">
@@ -14842,7 +14928,7 @@
           <a:lstStyle/>
           <a:p>
             <a:r>
-              <a:rPr lang="en-US" sz="6600" dirty="0" smtClean="0"/>
+              <a:rPr lang="en-US" sz="6600" dirty="0"/>
               <a:t>More</a:t>
             </a:r>
             <a:endParaRPr lang="en-US" dirty="0"/>
@@ -14872,38 +14958,37 @@
           <a:lstStyle/>
           <a:p>
             <a:r>
-              <a:rPr lang="en-US" sz="3600" dirty="0" smtClean="0"/>
+              <a:rPr lang="en-US" sz="3600" dirty="0"/>
               <a:t>There is more related to </a:t>
             </a:r>
             <a:r>
-              <a:rPr lang="en-US" sz="3600" dirty="0" err="1" smtClean="0"/>
+              <a:rPr lang="en-US" sz="3600" dirty="0" err="1"/>
               <a:t>Kotlin</a:t>
             </a:r>
-            <a:endParaRPr lang="en-US" sz="3600" dirty="0" smtClean="0"/>
-          </a:p>
-          <a:p>
-            <a:endParaRPr lang="en-US" sz="3600" dirty="0" smtClean="0"/>
-          </a:p>
-          <a:p>
-            <a:r>
-              <a:rPr lang="en-US" sz="3600" dirty="0" smtClean="0"/>
+            <a:endParaRPr lang="en-US" sz="3600" dirty="0"/>
+          </a:p>
+          <a:p>
+            <a:endParaRPr lang="en-US" sz="3600" dirty="0"/>
+          </a:p>
+          <a:p>
+            <a:r>
+              <a:rPr lang="en-US" sz="3600" dirty="0"/>
               <a:t>But you do not need to learn all details to be able to be productive in </a:t>
             </a:r>
             <a:r>
-              <a:rPr lang="en-US" sz="3600" dirty="0" err="1" smtClean="0"/>
+              <a:rPr lang="en-US" sz="3600" dirty="0" err="1"/>
               <a:t>Kotlin</a:t>
             </a:r>
-            <a:endParaRPr lang="en-US" sz="3600" dirty="0" smtClean="0"/>
-          </a:p>
-          <a:p>
-            <a:endParaRPr lang="en-US" sz="3600" dirty="0" smtClean="0"/>
-          </a:p>
-          <a:p>
-            <a:r>
-              <a:rPr lang="en-US" sz="3600" dirty="0" smtClean="0"/>
+            <a:endParaRPr lang="en-US" sz="3600" dirty="0"/>
+          </a:p>
+          <a:p>
+            <a:endParaRPr lang="en-US" sz="3600" dirty="0"/>
+          </a:p>
+          <a:p>
+            <a:r>
+              <a:rPr lang="en-US" sz="3600" dirty="0"/>
               <a:t>Throughout the course, I might introduce some more concepts based on the code examples I wrote</a:t>
             </a:r>
-            <a:endParaRPr lang="en-US" sz="3600" dirty="0"/>
           </a:p>
         </p:txBody>
       </p:sp>
@@ -14956,14 +15041,13 @@
           <a:lstStyle/>
           <a:p>
             <a:r>
-              <a:rPr lang="en-US" sz="6600" dirty="0" err="1" smtClean="0"/>
+              <a:rPr lang="en-US" sz="6600" dirty="0" err="1"/>
               <a:t>Kotlin</a:t>
             </a:r>
             <a:r>
-              <a:rPr lang="en-US" sz="6600" dirty="0" smtClean="0"/>
+              <a:rPr lang="en-US" sz="6600" dirty="0"/>
               <a:t> Negative Sides</a:t>
             </a:r>
-            <a:endParaRPr lang="en-US" sz="6600" dirty="0"/>
           </a:p>
         </p:txBody>
       </p:sp>
@@ -14990,113 +15074,113 @@
           <a:lstStyle/>
           <a:p>
             <a:r>
-              <a:rPr lang="en-US" sz="3600" dirty="0" smtClean="0"/>
+              <a:rPr lang="en-US" sz="3600" dirty="0"/>
               <a:t>Nothing is perfect, and you will always find different opinions</a:t>
             </a:r>
           </a:p>
           <a:p>
             <a:r>
-              <a:rPr lang="en-US" sz="3600" dirty="0" err="1" smtClean="0"/>
+              <a:rPr lang="en-US" sz="3600" dirty="0" err="1"/>
               <a:t>Eg</a:t>
             </a:r>
             <a:r>
-              <a:rPr lang="en-US" sz="3600" dirty="0" smtClean="0"/>
+              <a:rPr lang="en-US" sz="3600" dirty="0"/>
               <a:t>, </a:t>
             </a:r>
             <a:r>
-              <a:rPr lang="en-US" sz="3600" i="1" dirty="0" smtClean="0"/>
+              <a:rPr lang="en-US" sz="3600" i="1" dirty="0"/>
               <a:t>minor </a:t>
             </a:r>
             <a:r>
-              <a:rPr lang="en-US" sz="3600" dirty="0" smtClean="0"/>
+              <a:rPr lang="en-US" sz="3600" dirty="0"/>
               <a:t>things I do not like in </a:t>
             </a:r>
             <a:r>
-              <a:rPr lang="en-US" sz="3600" dirty="0" err="1" smtClean="0"/>
+              <a:rPr lang="en-US" sz="3600" dirty="0" err="1"/>
               <a:t>Kotlin</a:t>
             </a:r>
-            <a:endParaRPr lang="en-US" sz="3600" dirty="0" smtClean="0"/>
+            <a:endParaRPr lang="en-US" sz="3600" dirty="0"/>
           </a:p>
           <a:p>
             <a:pPr lvl="1"/>
             <a:r>
-              <a:rPr lang="en-US" sz="2400" dirty="0" smtClean="0"/>
+              <a:rPr lang="en-US" sz="2400" dirty="0"/>
               <a:t>No </a:t>
             </a:r>
             <a:r>
-              <a:rPr lang="en-US" sz="2400" i="1" dirty="0" smtClean="0"/>
+              <a:rPr lang="en-US" sz="2400" i="1" dirty="0"/>
               <a:t>ternary operator</a:t>
             </a:r>
             <a:r>
-              <a:rPr lang="en-US" sz="2400" dirty="0" smtClean="0"/>
+              <a:rPr lang="en-US" sz="2400" dirty="0"/>
               <a:t>, </a:t>
             </a:r>
             <a:r>
-              <a:rPr lang="en-US" sz="2400" dirty="0" err="1" smtClean="0"/>
+              <a:rPr lang="en-US" sz="2400" dirty="0" err="1"/>
               <a:t>eg</a:t>
             </a:r>
             <a:r>
-              <a:rPr lang="en-US" sz="2400" dirty="0" smtClean="0"/>
+              <a:rPr lang="en-US" sz="2400" dirty="0"/>
               <a:t>   “return x==5 ? 0 : 1 ”, although in </a:t>
             </a:r>
             <a:r>
-              <a:rPr lang="en-US" sz="2400" dirty="0" err="1" smtClean="0"/>
+              <a:rPr lang="en-US" sz="2400" dirty="0" err="1"/>
               <a:t>Kotlin</a:t>
             </a:r>
             <a:r>
-              <a:rPr lang="en-US" sz="2400" dirty="0" smtClean="0"/>
+              <a:rPr lang="en-US" sz="2400" dirty="0"/>
               <a:t> “if” is an expression, </a:t>
             </a:r>
             <a:r>
-              <a:rPr lang="en-US" sz="2400" dirty="0" err="1" smtClean="0"/>
+              <a:rPr lang="en-US" sz="2400" dirty="0" err="1"/>
               <a:t>eg</a:t>
             </a:r>
             <a:r>
-              <a:rPr lang="en-US" sz="2400" dirty="0" smtClean="0"/>
+              <a:rPr lang="en-US" sz="2400" dirty="0"/>
               <a:t> “return if(x==5) 0 else 1”</a:t>
             </a:r>
           </a:p>
           <a:p>
             <a:pPr lvl="1"/>
             <a:r>
-              <a:rPr lang="en-US" sz="2400" dirty="0" smtClean="0"/>
+              <a:rPr lang="en-US" sz="2400" dirty="0"/>
               <a:t>Poor handling of </a:t>
             </a:r>
             <a:r>
-              <a:rPr lang="en-US" sz="2400" i="1" dirty="0" smtClean="0"/>
+              <a:rPr lang="en-US" sz="2400" i="1" dirty="0"/>
               <a:t>static methods, </a:t>
             </a:r>
             <a:r>
-              <a:rPr lang="en-US" sz="2400" dirty="0" smtClean="0"/>
+              <a:rPr lang="en-US" sz="2400" dirty="0"/>
               <a:t>but that might change in future releases</a:t>
             </a:r>
           </a:p>
           <a:p>
             <a:pPr lvl="1"/>
             <a:r>
-              <a:rPr lang="en-US" sz="2400" dirty="0" smtClean="0"/>
+              <a:rPr lang="en-US" sz="2400" dirty="0"/>
               <a:t>Still rough edges regarding typing and generics</a:t>
             </a:r>
           </a:p>
           <a:p>
             <a:r>
-              <a:rPr lang="en-US" sz="3600" dirty="0" smtClean="0"/>
+              <a:rPr lang="en-US" sz="3600" dirty="0"/>
               <a:t>Lot of “magic” in </a:t>
             </a:r>
             <a:r>
-              <a:rPr lang="en-US" sz="3600" dirty="0" err="1" smtClean="0"/>
+              <a:rPr lang="en-US" sz="3600" dirty="0" err="1"/>
               <a:t>Kotlin</a:t>
             </a:r>
             <a:r>
-              <a:rPr lang="en-US" sz="3600" dirty="0" smtClean="0"/>
+              <a:rPr lang="en-US" sz="3600" dirty="0"/>
               <a:t>, so not recommended for total beginners (</a:t>
             </a:r>
             <a:r>
-              <a:rPr lang="en-US" sz="3600" dirty="0" err="1" smtClean="0"/>
+              <a:rPr lang="en-US" sz="3600" dirty="0" err="1"/>
               <a:t>ie</a:t>
             </a:r>
             <a:r>
-              <a:rPr lang="en-US" sz="3600" dirty="0" smtClean="0"/>
+              <a:rPr lang="en-US" sz="3600" dirty="0"/>
               <a:t> Java is a better introductory language)</a:t>
             </a:r>
           </a:p>
@@ -15154,14 +15238,13 @@
           <a:lstStyle/>
           <a:p>
             <a:r>
-              <a:rPr lang="en-US" sz="6600" dirty="0" err="1" smtClean="0"/>
+              <a:rPr lang="en-US" sz="6600" dirty="0" err="1"/>
               <a:t>Kotlin</a:t>
             </a:r>
             <a:r>
-              <a:rPr lang="en-US" sz="6600" dirty="0" smtClean="0"/>
+              <a:rPr lang="en-US" sz="6600" dirty="0"/>
               <a:t> Major Design Flaw</a:t>
             </a:r>
-            <a:endParaRPr lang="en-US" sz="6600" dirty="0"/>
           </a:p>
         </p:txBody>
       </p:sp>
@@ -15188,94 +15271,93 @@
           <a:lstStyle/>
           <a:p>
             <a:r>
-              <a:rPr lang="en-US" sz="3600" dirty="0" smtClean="0"/>
+              <a:rPr lang="en-US" sz="3600" dirty="0"/>
               <a:t>In </a:t>
             </a:r>
             <a:r>
-              <a:rPr lang="en-US" sz="3600" dirty="0" err="1" smtClean="0"/>
+              <a:rPr lang="en-US" sz="3600" dirty="0" err="1"/>
               <a:t>Kotlin</a:t>
             </a:r>
             <a:r>
-              <a:rPr lang="en-US" sz="3600" dirty="0" smtClean="0"/>
+              <a:rPr lang="en-US" sz="3600" dirty="0"/>
               <a:t>, classes and methods are </a:t>
             </a:r>
             <a:r>
-              <a:rPr lang="en-US" sz="3600" i="1" dirty="0" smtClean="0"/>
+              <a:rPr lang="en-US" sz="3600" i="1" dirty="0"/>
               <a:t>final</a:t>
             </a:r>
             <a:r>
-              <a:rPr lang="en-US" sz="3600" dirty="0" smtClean="0"/>
+              <a:rPr lang="en-US" sz="3600" dirty="0"/>
               <a:t> by default</a:t>
             </a:r>
           </a:p>
           <a:p>
             <a:pPr lvl="1"/>
             <a:r>
-              <a:rPr lang="en-US" sz="2400" dirty="0" smtClean="0"/>
+              <a:rPr lang="en-US" sz="2400" dirty="0"/>
               <a:t>You need to use keyword </a:t>
             </a:r>
             <a:r>
-              <a:rPr lang="en-US" sz="2400" i="1" dirty="0" smtClean="0"/>
+              <a:rPr lang="en-US" sz="2400" i="1" dirty="0"/>
               <a:t>open</a:t>
             </a:r>
             <a:r>
-              <a:rPr lang="en-US" sz="2400" dirty="0" smtClean="0"/>
+              <a:rPr lang="en-US" sz="2400" dirty="0"/>
               <a:t> to specify they can be overridden</a:t>
             </a:r>
           </a:p>
           <a:p>
             <a:r>
-              <a:rPr lang="en-US" sz="3600" i="1" dirty="0" smtClean="0"/>
+              <a:rPr lang="en-US" sz="3600" i="1" dirty="0"/>
               <a:t>Final by default is a solution to a near non-existent problem</a:t>
             </a:r>
           </a:p>
           <a:p>
             <a:r>
-              <a:rPr lang="en-US" sz="3600" dirty="0" smtClean="0"/>
+              <a:rPr lang="en-US" sz="3600" dirty="0"/>
               <a:t>And unfortunately it creates a lot, a lot of problems</a:t>
             </a:r>
           </a:p>
           <a:p>
             <a:pPr lvl="1"/>
             <a:r>
-              <a:rPr lang="en-US" sz="2769" dirty="0" err="1" smtClean="0"/>
+              <a:rPr lang="en-US" sz="2769" dirty="0" err="1"/>
               <a:t>eg</a:t>
             </a:r>
             <a:r>
-              <a:rPr lang="en-US" sz="2769" dirty="0" smtClean="0"/>
+              <a:rPr lang="en-US" sz="2769" dirty="0"/>
               <a:t>, when dealing with libraries like Spring and Hibernate</a:t>
             </a:r>
           </a:p>
           <a:p>
             <a:r>
-              <a:rPr lang="en-US" sz="3600" dirty="0" smtClean="0"/>
+              <a:rPr lang="en-US" sz="3600" dirty="0"/>
               <a:t>Corollary: do not use </a:t>
             </a:r>
             <a:r>
-              <a:rPr lang="en-US" sz="3600" dirty="0" err="1" smtClean="0"/>
+              <a:rPr lang="en-US" sz="3600" dirty="0" err="1"/>
               <a:t>Kotlin</a:t>
             </a:r>
             <a:r>
-              <a:rPr lang="en-US" sz="3600" dirty="0" smtClean="0"/>
+              <a:rPr lang="en-US" sz="3600" dirty="0"/>
               <a:t> to write </a:t>
             </a:r>
             <a:r>
-              <a:rPr lang="en-US" sz="3600" b="1" dirty="0" smtClean="0"/>
+              <a:rPr lang="en-US" sz="3600" b="1" dirty="0"/>
               <a:t>libraries</a:t>
             </a:r>
             <a:r>
-              <a:rPr lang="en-US" sz="3600" dirty="0" smtClean="0"/>
+              <a:rPr lang="en-US" sz="3600" dirty="0"/>
               <a:t>. If a library is written in </a:t>
             </a:r>
             <a:r>
-              <a:rPr lang="en-US" sz="3600" dirty="0" err="1" smtClean="0"/>
+              <a:rPr lang="en-US" sz="3600" dirty="0" err="1"/>
               <a:t>Kotlin</a:t>
             </a:r>
             <a:r>
-              <a:rPr lang="en-US" sz="3600" dirty="0" smtClean="0"/>
+              <a:rPr lang="en-US" sz="3600" dirty="0"/>
               <a:t>, avoid using it if another equivalent library exists in Java</a:t>
             </a:r>
-            <a:endParaRPr lang="en-US" sz="3600" dirty="0"/>
           </a:p>
         </p:txBody>
       </p:sp>
@@ -15328,14 +15410,13 @@
           <a:lstStyle/>
           <a:p>
             <a:r>
-              <a:rPr lang="en-US" sz="6600" dirty="0" err="1" smtClean="0"/>
+              <a:rPr lang="en-US" sz="6600" dirty="0" err="1"/>
               <a:t>Kotlin</a:t>
             </a:r>
             <a:r>
-              <a:rPr lang="en-US" sz="6600" dirty="0" smtClean="0"/>
+              <a:rPr lang="en-US" sz="6600" dirty="0"/>
               <a:t> and Maven</a:t>
             </a:r>
-            <a:endParaRPr lang="en-US" sz="6600" dirty="0"/>
           </a:p>
         </p:txBody>
       </p:sp>
@@ -15362,44 +15443,43 @@
           <a:lstStyle/>
           <a:p>
             <a:r>
-              <a:rPr lang="en-US" sz="3600" dirty="0" smtClean="0"/>
+              <a:rPr lang="en-US" sz="3600" dirty="0"/>
               <a:t>We will compile </a:t>
             </a:r>
             <a:r>
-              <a:rPr lang="en-US" sz="3600" dirty="0" err="1" smtClean="0"/>
+              <a:rPr lang="en-US" sz="3600" dirty="0" err="1"/>
               <a:t>Kotlin</a:t>
             </a:r>
             <a:r>
-              <a:rPr lang="en-US" sz="3600" dirty="0" smtClean="0"/>
+              <a:rPr lang="en-US" sz="3600" dirty="0"/>
               <a:t> to JDK bytecode</a:t>
             </a:r>
           </a:p>
           <a:p>
             <a:r>
-              <a:rPr lang="en-US" sz="3600" dirty="0" smtClean="0"/>
+              <a:rPr lang="en-US" sz="3600" dirty="0"/>
               <a:t>We will compile with Maven</a:t>
             </a:r>
           </a:p>
           <a:p>
             <a:r>
-              <a:rPr lang="en-US" sz="3600" dirty="0" smtClean="0"/>
+              <a:rPr lang="en-US" sz="3600" dirty="0"/>
               <a:t>Need special plugin to compile </a:t>
             </a:r>
             <a:r>
-              <a:rPr lang="en-US" sz="3600" dirty="0" err="1" smtClean="0"/>
+              <a:rPr lang="en-US" sz="3600" dirty="0" err="1"/>
               <a:t>Kotlin</a:t>
             </a:r>
             <a:r>
-              <a:rPr lang="en-US" sz="3600" dirty="0" smtClean="0"/>
+              <a:rPr lang="en-US" sz="3600" dirty="0"/>
               <a:t> code</a:t>
             </a:r>
           </a:p>
           <a:p>
             <a:r>
-              <a:rPr lang="en-US" sz="3600" dirty="0" smtClean="0"/>
+              <a:rPr lang="en-US" sz="3600" dirty="0"/>
               <a:t>This plugin will need special settings to handle libraries like Spring and Hibernate</a:t>
             </a:r>
-            <a:endParaRPr lang="en-US" sz="3600" dirty="0"/>
           </a:p>
         </p:txBody>
       </p:sp>
@@ -15436,7 +15516,7 @@
       </p:grpSpPr>
       <p:sp>
         <p:nvSpPr>
-          <p:cNvPr id="2" name="Title 1"/>
+          <p:cNvPr id="4" name="Title 3"/>
           <p:cNvSpPr>
             <a:spLocks noGrp="1"/>
           </p:cNvSpPr>
@@ -15450,68 +15530,22 @@
           <a:lstStyle/>
           <a:p>
             <a:r>
-              <a:rPr lang="en-US" sz="6600" dirty="0" smtClean="0"/>
-              <a:t>Links</a:t>
-            </a:r>
-            <a:endParaRPr lang="en-US" dirty="0"/>
-          </a:p>
-        </p:txBody>
-      </p:sp>
-      <p:sp>
-        <p:nvSpPr>
-          <p:cNvPr id="3" name="Text Placeholder 2"/>
-          <p:cNvSpPr>
-            <a:spLocks noGrp="1"/>
-          </p:cNvSpPr>
-          <p:nvPr>
-            <p:ph type="body" idx="1"/>
-          </p:nvPr>
-        </p:nvSpPr>
-        <p:spPr/>
-        <p:txBody>
-          <a:bodyPr>
-            <a:normAutofit/>
-          </a:bodyPr>
-          <a:lstStyle/>
-          <a:p>
-            <a:r>
-              <a:rPr lang="fi-FI" sz="3600" dirty="0" smtClean="0"/>
-              <a:t>Kotlin documentation: https</a:t>
-            </a:r>
-            <a:r>
-              <a:rPr lang="fi-FI" sz="3600" dirty="0"/>
-              <a:t>://kotlinlang.org/docs/kotlin-docs.pdf</a:t>
-            </a:r>
-          </a:p>
-          <a:p>
-            <a:endParaRPr lang="fi-FI" sz="3600" dirty="0" smtClean="0"/>
-          </a:p>
-          <a:p>
-            <a:r>
-              <a:rPr lang="fi-FI" sz="3600" dirty="0" smtClean="0"/>
-              <a:t>Kotlin Koans: https</a:t>
-            </a:r>
-            <a:r>
-              <a:rPr lang="fi-FI" sz="3600" dirty="0"/>
-              <a:t>://kotlinlang.org/docs/tutorials/koans.html</a:t>
-            </a:r>
-          </a:p>
-          <a:p>
-            <a:endParaRPr lang="en-US" sz="3600" dirty="0"/>
+              <a:rPr lang="en-US" dirty="0"/>
+              <a:t>Web Services</a:t>
+            </a:r>
           </a:p>
         </p:txBody>
       </p:sp>
     </p:spTree>
     <p:extLst>
       <p:ext uri="{BB962C8B-B14F-4D97-AF65-F5344CB8AC3E}">
-        <p14:creationId xmlns:p14="http://schemas.microsoft.com/office/powerpoint/2010/main" val="1246009171"/>
+        <p14:creationId xmlns:p14="http://schemas.microsoft.com/office/powerpoint/2010/main" val="911954581"/>
       </p:ext>
     </p:extLst>
   </p:cSld>
   <p:clrMapOvr>
     <a:masterClrMapping/>
   </p:clrMapOvr>
-  <p:transition spd="med"/>
 </p:sld>
 </file>
 
@@ -15534,7 +15568,7 @@
       </p:grpSpPr>
       <p:sp>
         <p:nvSpPr>
-          <p:cNvPr id="4" name="Title 3"/>
+          <p:cNvPr id="2" name="Title 1"/>
           <p:cNvSpPr>
             <a:spLocks noGrp="1"/>
           </p:cNvSpPr>
@@ -15542,56 +15576,80 @@
             <p:ph type="title"/>
           </p:nvPr>
         </p:nvSpPr>
-        <p:spPr/>
+        <p:spPr>
+          <a:xfrm>
+            <a:off x="337279" y="365125"/>
+            <a:ext cx="11512446" cy="1325563"/>
+          </a:xfrm>
+        </p:spPr>
         <p:txBody>
-          <a:bodyPr/>
+          <a:bodyPr>
+            <a:normAutofit/>
+          </a:bodyPr>
           <a:lstStyle/>
           <a:p>
             <a:r>
-              <a:rPr lang="en-US" dirty="0" smtClean="0"/>
-              <a:t>Data Formats</a:t>
-            </a:r>
-            <a:endParaRPr lang="en-US" dirty="0"/>
+              <a:rPr lang="en-US" dirty="0"/>
+              <a:t>Data/Operations Over Network</a:t>
+            </a:r>
           </a:p>
         </p:txBody>
       </p:sp>
       <p:sp>
         <p:nvSpPr>
-          <p:cNvPr id="5" name="Text Placeholder 4"/>
+          <p:cNvPr id="3" name="Content Placeholder 2"/>
           <p:cNvSpPr>
             <a:spLocks noGrp="1"/>
           </p:cNvSpPr>
           <p:nvPr>
-            <p:ph type="body" idx="1"/>
+            <p:ph idx="1"/>
           </p:nvPr>
         </p:nvSpPr>
-        <p:spPr/>
+        <p:spPr>
+          <a:xfrm>
+            <a:off x="337279" y="1825624"/>
+            <a:ext cx="11647357" cy="4807523"/>
+          </a:xfrm>
+        </p:spPr>
         <p:txBody>
           <a:bodyPr/>
           <a:lstStyle/>
           <a:p>
-            <a:endParaRPr lang="en-US"/>
+            <a:r>
+              <a:rPr lang="en-US" dirty="0"/>
+              <a:t>Provide APIs over network</a:t>
+            </a:r>
+          </a:p>
+          <a:p>
+            <a:r>
+              <a:rPr lang="en-US" dirty="0"/>
+              <a:t>Typically TCP connections</a:t>
+            </a:r>
+          </a:p>
+          <a:p>
+            <a:r>
+              <a:rPr lang="en-US" dirty="0"/>
+              <a:t>HTTP most common protocol</a:t>
+            </a:r>
+          </a:p>
+          <a:p>
+            <a:r>
+              <a:rPr lang="en-US" dirty="0"/>
+              <a:t>So, can see a Web Service as a process that opens a TCP port and responds to incoming requests</a:t>
+            </a:r>
           </a:p>
         </p:txBody>
       </p:sp>
     </p:spTree>
     <p:extLst>
       <p:ext uri="{BB962C8B-B14F-4D97-AF65-F5344CB8AC3E}">
-        <p14:creationId xmlns:p14="http://schemas.microsoft.com/office/powerpoint/2010/main" val="378971300"/>
+        <p14:creationId xmlns:p14="http://schemas.microsoft.com/office/powerpoint/2010/main" val="2716049172"/>
       </p:ext>
     </p:extLst>
   </p:cSld>
   <p:clrMapOvr>
     <a:masterClrMapping/>
   </p:clrMapOvr>
-  <mc:AlternateContent xmlns:mc="http://schemas.openxmlformats.org/markup-compatibility/2006" xmlns:p14="http://schemas.microsoft.com/office/powerpoint/2010/main">
-    <mc:Choice Requires="p14">
-      <p:transition spd="slow" p14:dur="2000"/>
-    </mc:Choice>
-    <mc:Fallback xmlns="">
-      <p:transition spd="slow"/>
-    </mc:Fallback>
-  </mc:AlternateContent>
 </p:sld>
 </file>
 
@@ -15628,10 +15686,9 @@
           <a:lstStyle/>
           <a:p>
             <a:r>
-              <a:rPr lang="en-US" dirty="0" smtClean="0"/>
-              <a:t>Data in Web Services</a:t>
-            </a:r>
-            <a:endParaRPr lang="en-US" dirty="0"/>
+              <a:rPr lang="en-US" dirty="0"/>
+              <a:t>Types of Web Services</a:t>
+            </a:r>
           </a:p>
         </p:txBody>
       </p:sp>
@@ -15647,45 +15704,92 @@
         </p:nvSpPr>
         <p:spPr>
           <a:xfrm>
-            <a:off x="344774" y="1825624"/>
-            <a:ext cx="11692328" cy="4882473"/>
+            <a:off x="329784" y="1825624"/>
+            <a:ext cx="11587396" cy="4785037"/>
           </a:xfrm>
         </p:spPr>
         <p:txBody>
-          <a:bodyPr/>
+          <a:bodyPr>
+            <a:normAutofit fontScale="92500" lnSpcReduction="10000"/>
+          </a:bodyPr>
           <a:lstStyle/>
           <a:p>
             <a:r>
-              <a:rPr lang="en-US" dirty="0" smtClean="0"/>
-              <a:t>Web Services will provide data and functionalities over the network</a:t>
-            </a:r>
-          </a:p>
-          <a:p>
-            <a:r>
-              <a:rPr lang="en-US" dirty="0" smtClean="0"/>
-              <a:t>Servers and clients can be written in different languages</a:t>
+              <a:rPr lang="en-US" dirty="0"/>
+              <a:t>REST</a:t>
             </a:r>
           </a:p>
           <a:p>
             <a:pPr lvl="1"/>
             <a:r>
-              <a:rPr lang="en-US" dirty="0" smtClean="0"/>
-              <a:t>Java, C#, JavaScript, </a:t>
-            </a:r>
-            <a:r>
-              <a:rPr lang="en-US" dirty="0" err="1" smtClean="0"/>
-              <a:t>Kotlin</a:t>
-            </a:r>
-            <a:r>
-              <a:rPr lang="en-US" dirty="0" smtClean="0"/>
-              <a:t>, Python, Go, PHP, etc.</a:t>
-            </a:r>
-          </a:p>
-          <a:p>
-            <a:r>
-              <a:rPr lang="en-US" dirty="0" smtClean="0"/>
-              <a:t>Data formats should be independent from the programming languages</a:t>
-            </a:r>
+              <a:rPr lang="en-US" dirty="0"/>
+              <a:t>most common nowadays</a:t>
+            </a:r>
+          </a:p>
+          <a:p>
+            <a:pPr lvl="1"/>
+            <a:r>
+              <a:rPr lang="en-US" dirty="0"/>
+              <a:t>usually strongly tied to HTTP protocol</a:t>
+            </a:r>
+          </a:p>
+          <a:p>
+            <a:pPr lvl="1"/>
+            <a:r>
+              <a:rPr lang="en-US" i="1" dirty="0"/>
+              <a:t>not a protocol, but set of architectural guidelines</a:t>
+            </a:r>
+          </a:p>
+          <a:p>
+            <a:pPr lvl="1"/>
+            <a:r>
+              <a:rPr lang="en-US" dirty="0"/>
+              <a:t>typically serving data in JSON</a:t>
+            </a:r>
+          </a:p>
+          <a:p>
+            <a:r>
+              <a:rPr lang="en-US" dirty="0"/>
+              <a:t>SOAP</a:t>
+            </a:r>
+          </a:p>
+          <a:p>
+            <a:pPr lvl="1"/>
+            <a:r>
+              <a:rPr lang="en-US" dirty="0"/>
+              <a:t>very common in the past, but disappearing nowadays</a:t>
+            </a:r>
+          </a:p>
+          <a:p>
+            <a:pPr lvl="1"/>
+            <a:r>
+              <a:rPr lang="en-US" dirty="0"/>
+              <a:t>actual protocol, usually over HTTP</a:t>
+            </a:r>
+          </a:p>
+          <a:p>
+            <a:pPr lvl="1"/>
+            <a:r>
+              <a:rPr lang="en-US" dirty="0"/>
+              <a:t>tied to XML</a:t>
+            </a:r>
+          </a:p>
+          <a:p>
+            <a:r>
+              <a:rPr lang="en-US" dirty="0" err="1"/>
+              <a:t>GraphQL</a:t>
+            </a:r>
+            <a:endParaRPr lang="en-US" dirty="0"/>
+          </a:p>
+          <a:p>
+            <a:pPr lvl="1"/>
+            <a:r>
+              <a:rPr lang="en-US" dirty="0"/>
+              <a:t>the new kid </a:t>
+            </a:r>
+          </a:p>
+          <a:p>
+            <a:pPr lvl="1"/>
             <a:endParaRPr lang="en-US" dirty="0"/>
           </a:p>
         </p:txBody>
@@ -15693,7 +15797,7 @@
     </p:spTree>
     <p:extLst>
       <p:ext uri="{BB962C8B-B14F-4D97-AF65-F5344CB8AC3E}">
-        <p14:creationId xmlns:p14="http://schemas.microsoft.com/office/powerpoint/2010/main" val="3442348102"/>
+        <p14:creationId xmlns:p14="http://schemas.microsoft.com/office/powerpoint/2010/main" val="2198651122"/>
       </p:ext>
     </p:extLst>
   </p:cSld>
@@ -15736,10 +15840,9 @@
           <a:lstStyle/>
           <a:p>
             <a:r>
-              <a:rPr lang="en-US" dirty="0" smtClean="0"/>
+              <a:rPr lang="en-US" dirty="0"/>
               <a:t>Necessary Tools</a:t>
             </a:r>
-            <a:endParaRPr lang="en-US" dirty="0"/>
           </a:p>
         </p:txBody>
       </p:sp>
@@ -15764,68 +15867,68 @@
           <a:lstStyle/>
           <a:p>
             <a:r>
-              <a:rPr lang="en-US" dirty="0" smtClean="0"/>
+              <a:rPr lang="en-US" dirty="0"/>
               <a:t>JDK </a:t>
             </a:r>
             <a:r>
-              <a:rPr lang="en-US" b="1" dirty="0" smtClean="0"/>
+              <a:rPr lang="en-US" b="1" dirty="0"/>
               <a:t>8</a:t>
             </a:r>
           </a:p>
           <a:p>
             <a:r>
-              <a:rPr lang="en-US" dirty="0" err="1" smtClean="0"/>
+              <a:rPr lang="en-US" dirty="0" err="1"/>
               <a:t>Git</a:t>
             </a:r>
-            <a:endParaRPr lang="en-US" dirty="0" smtClean="0"/>
-          </a:p>
-          <a:p>
-            <a:r>
-              <a:rPr lang="en-US" dirty="0" smtClean="0"/>
+            <a:endParaRPr lang="en-US" dirty="0"/>
+          </a:p>
+          <a:p>
+            <a:r>
+              <a:rPr lang="en-US" dirty="0"/>
               <a:t>Maven</a:t>
             </a:r>
           </a:p>
           <a:p>
             <a:r>
-              <a:rPr lang="en-US" dirty="0" smtClean="0"/>
+              <a:rPr lang="en-US" dirty="0"/>
               <a:t>An IDE (I </a:t>
             </a:r>
             <a:r>
-              <a:rPr lang="en-US" b="1" dirty="0" smtClean="0"/>
+              <a:rPr lang="en-US" b="1" dirty="0"/>
               <a:t>strongly</a:t>
             </a:r>
             <a:r>
-              <a:rPr lang="en-US" dirty="0" smtClean="0"/>
+              <a:rPr lang="en-US" dirty="0"/>
               <a:t> recommend IntelliJ IDEA Ultimate Edition)</a:t>
             </a:r>
           </a:p>
           <a:p>
             <a:r>
-              <a:rPr lang="en-US" dirty="0" smtClean="0"/>
+              <a:rPr lang="en-US" b="1" dirty="0"/>
               <a:t>Docker</a:t>
             </a:r>
           </a:p>
           <a:p>
             <a:r>
-              <a:rPr lang="en-US" dirty="0" smtClean="0"/>
+              <a:rPr lang="en-US" dirty="0"/>
               <a:t>A Bash command-line terminal </a:t>
             </a:r>
           </a:p>
           <a:p>
             <a:pPr lvl="1"/>
             <a:r>
-              <a:rPr lang="en-US" dirty="0" smtClean="0"/>
+              <a:rPr lang="en-US" dirty="0"/>
               <a:t>Mac/Linux: use the built-in one</a:t>
             </a:r>
           </a:p>
           <a:p>
             <a:pPr lvl="1"/>
             <a:r>
-              <a:rPr lang="en-US" dirty="0" smtClean="0"/>
+              <a:rPr lang="en-US" dirty="0"/>
               <a:t>Windows: I recommend </a:t>
             </a:r>
             <a:r>
-              <a:rPr lang="en-US" dirty="0" err="1" smtClean="0"/>
+              <a:rPr lang="en-US" dirty="0" err="1"/>
               <a:t>GitBash</a:t>
             </a:r>
             <a:endParaRPr lang="en-US" dirty="0"/>
@@ -15878,10 +15981,9 @@
           <a:lstStyle/>
           <a:p>
             <a:r>
-              <a:rPr lang="en-US" dirty="0" smtClean="0"/>
-              <a:t>XML</a:t>
-            </a:r>
-            <a:endParaRPr lang="en-US" dirty="0"/>
+              <a:rPr lang="en-US" dirty="0"/>
+              <a:t>Why?</a:t>
+            </a:r>
           </a:p>
         </p:txBody>
       </p:sp>
@@ -15897,8 +15999,8 @@
         </p:nvSpPr>
         <p:spPr>
           <a:xfrm>
-            <a:off x="254833" y="1825624"/>
-            <a:ext cx="11609882" cy="4770047"/>
+            <a:off x="247337" y="1825625"/>
+            <a:ext cx="11759783" cy="4874978"/>
           </a:xfrm>
         </p:spPr>
         <p:txBody>
@@ -15906,59 +16008,83 @@
           <a:lstStyle/>
           <a:p>
             <a:r>
-              <a:rPr lang="en-US" dirty="0" smtClean="0"/>
-              <a:t>Very popular in the </a:t>
-            </a:r>
-            <a:r>
-              <a:rPr lang="en-US" i="1" dirty="0" smtClean="0"/>
-              <a:t>past</a:t>
-            </a:r>
-          </a:p>
-          <a:p>
-            <a:r>
-              <a:rPr lang="en-US" dirty="0" err="1" smtClean="0"/>
-              <a:t>OKish</a:t>
-            </a:r>
-            <a:r>
-              <a:rPr lang="en-US" dirty="0" smtClean="0"/>
-              <a:t> for configuration files (</a:t>
-            </a:r>
-            <a:r>
-              <a:rPr lang="en-US" dirty="0" err="1" smtClean="0"/>
+              <a:rPr lang="en-US" dirty="0"/>
+              <a:t>When you want to provide programmable functionalities to your clients over the network</a:t>
+            </a:r>
+          </a:p>
+          <a:p>
+            <a:pPr lvl="1"/>
+            <a:r>
+              <a:rPr lang="en-US" dirty="0" err="1"/>
               <a:t>eg</a:t>
             </a:r>
             <a:r>
-              <a:rPr lang="en-US" dirty="0" smtClean="0"/>
-              <a:t>, Maven </a:t>
-            </a:r>
-            <a:r>
-              <a:rPr lang="en-US" i="1" dirty="0" smtClean="0"/>
-              <a:t>pom.xml</a:t>
-            </a:r>
-            <a:r>
-              <a:rPr lang="en-US" dirty="0" smtClean="0"/>
-              <a:t>)</a:t>
-            </a:r>
-          </a:p>
-          <a:p>
-            <a:r>
-              <a:rPr lang="en-US" dirty="0" smtClean="0"/>
-              <a:t>Quite verbose for data over the network</a:t>
-            </a:r>
-          </a:p>
-          <a:p>
-            <a:r>
-              <a:rPr lang="en-US" dirty="0" smtClean="0"/>
-              <a:t>Not so much used any more (apart from SOAP services)</a:t>
+              <a:rPr lang="en-US" dirty="0"/>
+              <a:t>, see public list at </a:t>
+            </a:r>
+            <a:r>
+              <a:rPr lang="en-US" dirty="0">
+                <a:hlinkClick r:id="rId3"/>
+              </a:rPr>
+              <a:t>http://www.programmableweb.com/</a:t>
             </a:r>
             <a:endParaRPr lang="en-US" dirty="0"/>
+          </a:p>
+          <a:p>
+            <a:r>
+              <a:rPr lang="en-US" dirty="0"/>
+              <a:t>Separation of </a:t>
+            </a:r>
+            <a:r>
+              <a:rPr lang="en-US" i="1" dirty="0"/>
+              <a:t>frontend</a:t>
+            </a:r>
+            <a:r>
+              <a:rPr lang="en-US" dirty="0"/>
+              <a:t> from </a:t>
+            </a:r>
+            <a:r>
+              <a:rPr lang="en-US" i="1" dirty="0"/>
+              <a:t>backend</a:t>
+            </a:r>
+          </a:p>
+          <a:p>
+            <a:pPr lvl="1"/>
+            <a:r>
+              <a:rPr lang="en-US" dirty="0"/>
+              <a:t>JavaScript doing client-side HTML rendering on browser, where backend is just a web service providing data</a:t>
+            </a:r>
+          </a:p>
+          <a:p>
+            <a:r>
+              <a:rPr lang="en-US" i="1" dirty="0" err="1"/>
+              <a:t>Microservice</a:t>
+            </a:r>
+            <a:r>
+              <a:rPr lang="en-US" dirty="0"/>
+              <a:t> Architecture</a:t>
+            </a:r>
+          </a:p>
+          <a:p>
+            <a:pPr lvl="1"/>
+            <a:r>
+              <a:rPr lang="en-US" dirty="0"/>
+              <a:t>large systems split into several web services of more manageable size </a:t>
+            </a:r>
+          </a:p>
+          <a:p>
+            <a:pPr lvl="1"/>
+            <a:r>
+              <a:rPr lang="en-US" dirty="0"/>
+              <a:t>extremely important for modern enterprise systems</a:t>
+            </a:r>
           </a:p>
         </p:txBody>
       </p:sp>
     </p:spTree>
     <p:extLst>
       <p:ext uri="{BB962C8B-B14F-4D97-AF65-F5344CB8AC3E}">
-        <p14:creationId xmlns:p14="http://schemas.microsoft.com/office/powerpoint/2010/main" val="3224163433"/>
+        <p14:creationId xmlns:p14="http://schemas.microsoft.com/office/powerpoint/2010/main" val="694813468"/>
       </p:ext>
     </p:extLst>
   </p:cSld>
@@ -16001,8 +16127,8 @@
           <a:lstStyle/>
           <a:p>
             <a:r>
-              <a:rPr lang="en-US" dirty="0" smtClean="0"/>
-              <a:t>JSON</a:t>
+              <a:rPr lang="en-US" dirty="0" err="1"/>
+              <a:t>SpringBoot</a:t>
             </a:r>
             <a:endParaRPr lang="en-US" dirty="0"/>
           </a:p>
@@ -16020,8 +16146,8 @@
         </p:nvSpPr>
         <p:spPr>
           <a:xfrm>
-            <a:off x="292308" y="1825624"/>
-            <a:ext cx="11662348" cy="4785037"/>
+            <a:off x="344773" y="1825624"/>
+            <a:ext cx="11579901" cy="4807523"/>
           </a:xfrm>
         </p:spPr>
         <p:txBody>
@@ -16029,67 +16155,57 @@
           <a:lstStyle/>
           <a:p>
             <a:r>
-              <a:rPr lang="en-US" b="1" dirty="0"/>
-              <a:t>J</a:t>
-            </a:r>
-            <a:r>
               <a:rPr lang="en-US" dirty="0"/>
-              <a:t>ava</a:t>
-            </a:r>
-            <a:r>
-              <a:rPr lang="en-US" b="1" dirty="0"/>
-              <a:t>S</a:t>
+              <a:t>We will write web services in </a:t>
+            </a:r>
+            <a:r>
+              <a:rPr lang="en-US" dirty="0" err="1"/>
+              <a:t>SpringBoot</a:t>
             </a:r>
             <a:r>
               <a:rPr lang="en-US" dirty="0"/>
-              <a:t>cript </a:t>
-            </a:r>
-            <a:r>
-              <a:rPr lang="en-US" b="1" dirty="0"/>
-              <a:t>O</a:t>
-            </a:r>
+              <a:t>, using </a:t>
+            </a:r>
+            <a:r>
+              <a:rPr lang="en-US" dirty="0" err="1"/>
+              <a:t>Kotlin</a:t>
+            </a:r>
+            <a:endParaRPr lang="en-US" dirty="0"/>
+          </a:p>
+          <a:p>
             <a:r>
               <a:rPr lang="en-US" dirty="0"/>
-              <a:t>bject </a:t>
-            </a:r>
-            <a:r>
-              <a:rPr lang="en-US" b="1" dirty="0" smtClean="0"/>
-              <a:t>N</a:t>
-            </a:r>
-            <a:r>
-              <a:rPr lang="en-US" dirty="0" smtClean="0"/>
-              <a:t>otation (JSON)</a:t>
-            </a:r>
-          </a:p>
-          <a:p>
-            <a:r>
-              <a:rPr lang="en-US" dirty="0" smtClean="0"/>
-              <a:t>Less verbose than XML</a:t>
-            </a:r>
-          </a:p>
-          <a:p>
-            <a:r>
-              <a:rPr lang="en-US" dirty="0" smtClean="0"/>
-              <a:t>Very poor for configuration files (e.g., no comments)</a:t>
+              <a:t>We start with REST</a:t>
             </a:r>
           </a:p>
           <a:p>
             <a:pPr lvl="1"/>
             <a:r>
-              <a:rPr lang="en-US" dirty="0" smtClean="0"/>
-              <a:t>YAML and XML are better</a:t>
-            </a:r>
-          </a:p>
-          <a:p>
-            <a:r>
-              <a:rPr lang="en-US" i="1" dirty="0" smtClean="0"/>
-              <a:t>Can be used directly by JavaScript running in the browser</a:t>
-            </a:r>
-          </a:p>
-          <a:p>
-            <a:r>
-              <a:rPr lang="en-US" dirty="0" smtClean="0"/>
-              <a:t>Practically the most common data format for web services nowadays</a:t>
+              <a:rPr lang="en-US" dirty="0"/>
+              <a:t>This will take roughly half of the course</a:t>
+            </a:r>
+          </a:p>
+          <a:p>
+            <a:r>
+              <a:rPr lang="en-US" dirty="0"/>
+              <a:t>To properly write REST, need to learn details of HTTP</a:t>
+            </a:r>
+          </a:p>
+          <a:p>
+            <a:r>
+              <a:rPr lang="en-US" dirty="0"/>
+              <a:t>Recall: REST is just a set of architectural guidelines, and NOT a formal protocol</a:t>
+            </a:r>
+          </a:p>
+          <a:p>
+            <a:pPr lvl="1"/>
+            <a:r>
+              <a:rPr lang="en-US" dirty="0"/>
+              <a:t>at the beginning, we will do some mistakes </a:t>
+            </a:r>
+            <a:r>
+              <a:rPr lang="en-US" i="1" dirty="0"/>
+              <a:t>on purpose</a:t>
             </a:r>
             <a:endParaRPr lang="en-US" dirty="0"/>
           </a:p>
@@ -16098,7 +16214,7 @@
     </p:spTree>
     <p:extLst>
       <p:ext uri="{BB962C8B-B14F-4D97-AF65-F5344CB8AC3E}">
-        <p14:creationId xmlns:p14="http://schemas.microsoft.com/office/powerpoint/2010/main" val="1702835875"/>
+        <p14:creationId xmlns:p14="http://schemas.microsoft.com/office/powerpoint/2010/main" val="2423111613"/>
       </p:ext>
     </p:extLst>
   </p:cSld>
@@ -16141,14 +16257,430 @@
           <a:lstStyle/>
           <a:p>
             <a:r>
-              <a:rPr lang="en-US" dirty="0" err="1" smtClean="0"/>
+              <a:rPr lang="en-US" dirty="0"/>
+              <a:t>Data Formats</a:t>
+            </a:r>
+          </a:p>
+        </p:txBody>
+      </p:sp>
+    </p:spTree>
+    <p:extLst>
+      <p:ext uri="{BB962C8B-B14F-4D97-AF65-F5344CB8AC3E}">
+        <p14:creationId xmlns:p14="http://schemas.microsoft.com/office/powerpoint/2010/main" val="378971300"/>
+      </p:ext>
+    </p:extLst>
+  </p:cSld>
+  <p:clrMapOvr>
+    <a:masterClrMapping/>
+  </p:clrMapOvr>
+</p:sld>
+</file>
+
+<file path=ppt/slides/slide43.xml><?xml version="1.0" encoding="utf-8"?>
+<p:sld xmlns:a="http://schemas.openxmlformats.org/drawingml/2006/main" xmlns:r="http://schemas.openxmlformats.org/officeDocument/2006/relationships" xmlns:p="http://schemas.openxmlformats.org/presentationml/2006/main">
+  <p:cSld>
+    <p:spTree>
+      <p:nvGrpSpPr>
+        <p:cNvPr id="1" name=""/>
+        <p:cNvGrpSpPr/>
+        <p:nvPr/>
+      </p:nvGrpSpPr>
+      <p:grpSpPr>
+        <a:xfrm>
+          <a:off x="0" y="0"/>
+          <a:ext cx="0" cy="0"/>
+          <a:chOff x="0" y="0"/>
+          <a:chExt cx="0" cy="0"/>
+        </a:xfrm>
+      </p:grpSpPr>
+      <p:sp>
+        <p:nvSpPr>
+          <p:cNvPr id="2" name="Title 1"/>
+          <p:cNvSpPr>
+            <a:spLocks noGrp="1"/>
+          </p:cNvSpPr>
+          <p:nvPr>
+            <p:ph type="title"/>
+          </p:nvPr>
+        </p:nvSpPr>
+        <p:spPr/>
+        <p:txBody>
+          <a:bodyPr/>
+          <a:lstStyle/>
+          <a:p>
+            <a:r>
+              <a:rPr lang="en-US" dirty="0"/>
+              <a:t>Data in Web Services</a:t>
+            </a:r>
+          </a:p>
+        </p:txBody>
+      </p:sp>
+      <p:sp>
+        <p:nvSpPr>
+          <p:cNvPr id="3" name="Content Placeholder 2"/>
+          <p:cNvSpPr>
+            <a:spLocks noGrp="1"/>
+          </p:cNvSpPr>
+          <p:nvPr>
+            <p:ph idx="1"/>
+          </p:nvPr>
+        </p:nvSpPr>
+        <p:spPr>
+          <a:xfrm>
+            <a:off x="344774" y="1825624"/>
+            <a:ext cx="11692328" cy="4882473"/>
+          </a:xfrm>
+        </p:spPr>
+        <p:txBody>
+          <a:bodyPr/>
+          <a:lstStyle/>
+          <a:p>
+            <a:r>
+              <a:rPr lang="en-US" dirty="0"/>
+              <a:t>Web Services will provide data and functionalities over the network</a:t>
+            </a:r>
+          </a:p>
+          <a:p>
+            <a:r>
+              <a:rPr lang="en-US" dirty="0"/>
+              <a:t>Servers and clients can be written in different languages</a:t>
+            </a:r>
+          </a:p>
+          <a:p>
+            <a:pPr lvl="1"/>
+            <a:r>
+              <a:rPr lang="en-US" dirty="0"/>
+              <a:t>Java, C#, JavaScript, </a:t>
+            </a:r>
+            <a:r>
+              <a:rPr lang="en-US" dirty="0" err="1"/>
+              <a:t>Kotlin</a:t>
+            </a:r>
+            <a:r>
+              <a:rPr lang="en-US" dirty="0"/>
+              <a:t>, Python, Go, PHP, etc.</a:t>
+            </a:r>
+          </a:p>
+          <a:p>
+            <a:r>
+              <a:rPr lang="en-US" i="1" dirty="0"/>
+              <a:t>Data formats should be independent from the programming languages</a:t>
+            </a:r>
+          </a:p>
+        </p:txBody>
+      </p:sp>
+    </p:spTree>
+    <p:extLst>
+      <p:ext uri="{BB962C8B-B14F-4D97-AF65-F5344CB8AC3E}">
+        <p14:creationId xmlns:p14="http://schemas.microsoft.com/office/powerpoint/2010/main" val="3442348102"/>
+      </p:ext>
+    </p:extLst>
+  </p:cSld>
+  <p:clrMapOvr>
+    <a:masterClrMapping/>
+  </p:clrMapOvr>
+</p:sld>
+</file>
+
+<file path=ppt/slides/slide44.xml><?xml version="1.0" encoding="utf-8"?>
+<p:sld xmlns:a="http://schemas.openxmlformats.org/drawingml/2006/main" xmlns:r="http://schemas.openxmlformats.org/officeDocument/2006/relationships" xmlns:p="http://schemas.openxmlformats.org/presentationml/2006/main">
+  <p:cSld>
+    <p:spTree>
+      <p:nvGrpSpPr>
+        <p:cNvPr id="1" name=""/>
+        <p:cNvGrpSpPr/>
+        <p:nvPr/>
+      </p:nvGrpSpPr>
+      <p:grpSpPr>
+        <a:xfrm>
+          <a:off x="0" y="0"/>
+          <a:ext cx="0" cy="0"/>
+          <a:chOff x="0" y="0"/>
+          <a:chExt cx="0" cy="0"/>
+        </a:xfrm>
+      </p:grpSpPr>
+      <p:sp>
+        <p:nvSpPr>
+          <p:cNvPr id="2" name="Title 1"/>
+          <p:cNvSpPr>
+            <a:spLocks noGrp="1"/>
+          </p:cNvSpPr>
+          <p:nvPr>
+            <p:ph type="title"/>
+          </p:nvPr>
+        </p:nvSpPr>
+        <p:spPr/>
+        <p:txBody>
+          <a:bodyPr/>
+          <a:lstStyle/>
+          <a:p>
+            <a:r>
+              <a:rPr lang="en-US" dirty="0"/>
+              <a:t>XML</a:t>
+            </a:r>
+          </a:p>
+        </p:txBody>
+      </p:sp>
+      <p:sp>
+        <p:nvSpPr>
+          <p:cNvPr id="3" name="Content Placeholder 2"/>
+          <p:cNvSpPr>
+            <a:spLocks noGrp="1"/>
+          </p:cNvSpPr>
+          <p:nvPr>
+            <p:ph idx="1"/>
+          </p:nvPr>
+        </p:nvSpPr>
+        <p:spPr>
+          <a:xfrm>
+            <a:off x="254833" y="1825624"/>
+            <a:ext cx="11609882" cy="4770047"/>
+          </a:xfrm>
+        </p:spPr>
+        <p:txBody>
+          <a:bodyPr/>
+          <a:lstStyle/>
+          <a:p>
+            <a:r>
+              <a:rPr lang="en-US" dirty="0"/>
+              <a:t>Very popular in the </a:t>
+            </a:r>
+            <a:r>
+              <a:rPr lang="en-US" i="1" dirty="0"/>
+              <a:t>past</a:t>
+            </a:r>
+          </a:p>
+          <a:p>
+            <a:r>
+              <a:rPr lang="en-US" dirty="0" err="1"/>
+              <a:t>OKish</a:t>
+            </a:r>
+            <a:r>
+              <a:rPr lang="en-US" dirty="0"/>
+              <a:t> for configuration files (</a:t>
+            </a:r>
+            <a:r>
+              <a:rPr lang="en-US" dirty="0" err="1"/>
+              <a:t>eg</a:t>
+            </a:r>
+            <a:r>
+              <a:rPr lang="en-US" dirty="0"/>
+              <a:t>, Maven </a:t>
+            </a:r>
+            <a:r>
+              <a:rPr lang="en-US" i="1" dirty="0"/>
+              <a:t>pom.xml</a:t>
+            </a:r>
+            <a:r>
+              <a:rPr lang="en-US" dirty="0"/>
+              <a:t>)</a:t>
+            </a:r>
+          </a:p>
+          <a:p>
+            <a:r>
+              <a:rPr lang="en-US" dirty="0"/>
+              <a:t>Quite verbose for data over the network</a:t>
+            </a:r>
+          </a:p>
+          <a:p>
+            <a:r>
+              <a:rPr lang="en-US" dirty="0"/>
+              <a:t>Not so much used any more (apart from SOAP services)</a:t>
+            </a:r>
+          </a:p>
+        </p:txBody>
+      </p:sp>
+    </p:spTree>
+    <p:extLst>
+      <p:ext uri="{BB962C8B-B14F-4D97-AF65-F5344CB8AC3E}">
+        <p14:creationId xmlns:p14="http://schemas.microsoft.com/office/powerpoint/2010/main" val="3224163433"/>
+      </p:ext>
+    </p:extLst>
+  </p:cSld>
+  <p:clrMapOvr>
+    <a:masterClrMapping/>
+  </p:clrMapOvr>
+</p:sld>
+</file>
+
+<file path=ppt/slides/slide45.xml><?xml version="1.0" encoding="utf-8"?>
+<p:sld xmlns:a="http://schemas.openxmlformats.org/drawingml/2006/main" xmlns:r="http://schemas.openxmlformats.org/officeDocument/2006/relationships" xmlns:p="http://schemas.openxmlformats.org/presentationml/2006/main">
+  <p:cSld>
+    <p:spTree>
+      <p:nvGrpSpPr>
+        <p:cNvPr id="1" name=""/>
+        <p:cNvGrpSpPr/>
+        <p:nvPr/>
+      </p:nvGrpSpPr>
+      <p:grpSpPr>
+        <a:xfrm>
+          <a:off x="0" y="0"/>
+          <a:ext cx="0" cy="0"/>
+          <a:chOff x="0" y="0"/>
+          <a:chExt cx="0" cy="0"/>
+        </a:xfrm>
+      </p:grpSpPr>
+      <p:sp>
+        <p:nvSpPr>
+          <p:cNvPr id="2" name="Title 1"/>
+          <p:cNvSpPr>
+            <a:spLocks noGrp="1"/>
+          </p:cNvSpPr>
+          <p:nvPr>
+            <p:ph type="title"/>
+          </p:nvPr>
+        </p:nvSpPr>
+        <p:spPr/>
+        <p:txBody>
+          <a:bodyPr/>
+          <a:lstStyle/>
+          <a:p>
+            <a:r>
+              <a:rPr lang="en-US" dirty="0"/>
+              <a:t>JSON</a:t>
+            </a:r>
+          </a:p>
+        </p:txBody>
+      </p:sp>
+      <p:sp>
+        <p:nvSpPr>
+          <p:cNvPr id="3" name="Content Placeholder 2"/>
+          <p:cNvSpPr>
+            <a:spLocks noGrp="1"/>
+          </p:cNvSpPr>
+          <p:nvPr>
+            <p:ph idx="1"/>
+          </p:nvPr>
+        </p:nvSpPr>
+        <p:spPr>
+          <a:xfrm>
+            <a:off x="292308" y="1825624"/>
+            <a:ext cx="11662348" cy="4785037"/>
+          </a:xfrm>
+        </p:spPr>
+        <p:txBody>
+          <a:bodyPr/>
+          <a:lstStyle/>
+          <a:p>
+            <a:r>
+              <a:rPr lang="en-US" b="1" dirty="0"/>
+              <a:t>J</a:t>
+            </a:r>
+            <a:r>
+              <a:rPr lang="en-US" dirty="0"/>
+              <a:t>ava</a:t>
+            </a:r>
+            <a:r>
+              <a:rPr lang="en-US" b="1" dirty="0"/>
+              <a:t>S</a:t>
+            </a:r>
+            <a:r>
+              <a:rPr lang="en-US" dirty="0"/>
+              <a:t>cript </a:t>
+            </a:r>
+            <a:r>
+              <a:rPr lang="en-US" b="1" dirty="0"/>
+              <a:t>O</a:t>
+            </a:r>
+            <a:r>
+              <a:rPr lang="en-US" dirty="0"/>
+              <a:t>bject </a:t>
+            </a:r>
+            <a:r>
+              <a:rPr lang="en-US" b="1" dirty="0"/>
+              <a:t>N</a:t>
+            </a:r>
+            <a:r>
+              <a:rPr lang="en-US" dirty="0"/>
+              <a:t>otation (JSON)</a:t>
+            </a:r>
+          </a:p>
+          <a:p>
+            <a:r>
+              <a:rPr lang="en-US" dirty="0"/>
+              <a:t>Less verbose than XML</a:t>
+            </a:r>
+          </a:p>
+          <a:p>
+            <a:r>
+              <a:rPr lang="en-US" dirty="0"/>
+              <a:t>Very poor for configuration files (e.g., no comments)</a:t>
+            </a:r>
+          </a:p>
+          <a:p>
+            <a:pPr lvl="1"/>
+            <a:r>
+              <a:rPr lang="en-US" dirty="0"/>
+              <a:t>YAML and XML are better</a:t>
+            </a:r>
+          </a:p>
+          <a:p>
+            <a:r>
+              <a:rPr lang="en-US" i="1" dirty="0"/>
+              <a:t>Can be used directly by JavaScript running in the browser</a:t>
+            </a:r>
+          </a:p>
+          <a:p>
+            <a:r>
+              <a:rPr lang="en-US" dirty="0"/>
+              <a:t>Practically the most common data format for web services nowadays</a:t>
+            </a:r>
+          </a:p>
+        </p:txBody>
+      </p:sp>
+    </p:spTree>
+    <p:extLst>
+      <p:ext uri="{BB962C8B-B14F-4D97-AF65-F5344CB8AC3E}">
+        <p14:creationId xmlns:p14="http://schemas.microsoft.com/office/powerpoint/2010/main" val="1702835875"/>
+      </p:ext>
+    </p:extLst>
+  </p:cSld>
+  <p:clrMapOvr>
+    <a:masterClrMapping/>
+  </p:clrMapOvr>
+</p:sld>
+</file>
+
+<file path=ppt/slides/slide46.xml><?xml version="1.0" encoding="utf-8"?>
+<p:sld xmlns:a="http://schemas.openxmlformats.org/drawingml/2006/main" xmlns:r="http://schemas.openxmlformats.org/officeDocument/2006/relationships" xmlns:p="http://schemas.openxmlformats.org/presentationml/2006/main">
+  <p:cSld>
+    <p:spTree>
+      <p:nvGrpSpPr>
+        <p:cNvPr id="1" name=""/>
+        <p:cNvGrpSpPr/>
+        <p:nvPr/>
+      </p:nvGrpSpPr>
+      <p:grpSpPr>
+        <a:xfrm>
+          <a:off x="0" y="0"/>
+          <a:ext cx="0" cy="0"/>
+          <a:chOff x="0" y="0"/>
+          <a:chExt cx="0" cy="0"/>
+        </a:xfrm>
+      </p:grpSpPr>
+      <p:sp>
+        <p:nvSpPr>
+          <p:cNvPr id="4" name="Title 3"/>
+          <p:cNvSpPr>
+            <a:spLocks noGrp="1"/>
+          </p:cNvSpPr>
+          <p:nvPr>
+            <p:ph type="title"/>
+          </p:nvPr>
+        </p:nvSpPr>
+        <p:spPr/>
+        <p:txBody>
+          <a:bodyPr/>
+          <a:lstStyle/>
+          <a:p>
+            <a:r>
+              <a:rPr lang="en-US" dirty="0" err="1"/>
               <a:t>Git</a:t>
             </a:r>
             <a:r>
-              <a:rPr lang="en-US" dirty="0" smtClean="0"/>
+              <a:rPr lang="en-US" dirty="0"/>
               <a:t> Repository Modules</a:t>
             </a:r>
-            <a:endParaRPr lang="en-US" dirty="0"/>
           </a:p>
         </p:txBody>
       </p:sp>
@@ -16175,32 +16707,38 @@
           <a:lstStyle/>
           <a:p>
             <a:r>
-              <a:rPr lang="en-US" i="1" dirty="0" smtClean="0"/>
+              <a:rPr lang="en-US" i="1" dirty="0"/>
               <a:t>NOTE: most of the explanations will be directly in the code as comments, and not here in the slides</a:t>
             </a:r>
           </a:p>
           <a:p>
-            <a:endParaRPr lang="en-US" b="1" dirty="0" smtClean="0"/>
-          </a:p>
-          <a:p>
-            <a:r>
-              <a:rPr lang="en-US" b="1" dirty="0" smtClean="0"/>
+            <a:endParaRPr lang="en-US" b="1" dirty="0"/>
+          </a:p>
+          <a:p>
+            <a:r>
+              <a:rPr lang="en-US" b="1" dirty="0"/>
               <a:t>advanced/</a:t>
             </a:r>
             <a:r>
-              <a:rPr lang="en-US" b="1" dirty="0" err="1" smtClean="0"/>
+              <a:rPr lang="en-US" b="1" dirty="0" err="1"/>
               <a:t>kotlin</a:t>
             </a:r>
-            <a:endParaRPr lang="en-US" b="1" dirty="0" smtClean="0"/>
-          </a:p>
-          <a:p>
-            <a:r>
-              <a:rPr lang="en-US" b="1" dirty="0" smtClean="0"/>
+            <a:endParaRPr lang="en-US" b="1" dirty="0"/>
+          </a:p>
+          <a:p>
+            <a:r>
+              <a:rPr lang="en-US" b="1" dirty="0"/>
               <a:t>advanced/data-format</a:t>
             </a:r>
           </a:p>
           <a:p>
-            <a:endParaRPr lang="en-US" dirty="0" smtClean="0"/>
+            <a:r>
+              <a:rPr lang="en-US" b="1" dirty="0"/>
+              <a:t>advanced/calling-webservice</a:t>
+            </a:r>
+          </a:p>
+          <a:p>
+            <a:endParaRPr lang="en-US" dirty="0"/>
           </a:p>
         </p:txBody>
       </p:sp>
@@ -16250,14 +16788,13 @@
           <a:lstStyle/>
           <a:p>
             <a:r>
-              <a:rPr lang="en-US" dirty="0" err="1" smtClean="0"/>
+              <a:rPr lang="en-US" dirty="0" err="1"/>
               <a:t>Git</a:t>
             </a:r>
             <a:r>
-              <a:rPr lang="en-US" dirty="0" smtClean="0"/>
+              <a:rPr lang="en-US" dirty="0"/>
               <a:t> Repository</a:t>
             </a:r>
-            <a:endParaRPr lang="en-US" dirty="0"/>
           </a:p>
         </p:txBody>
       </p:sp>
@@ -16290,45 +16827,29 @@
             <a:endParaRPr lang="en-US" u="sng" dirty="0"/>
           </a:p>
           <a:p>
-            <a:endParaRPr lang="en-US" dirty="0" smtClean="0"/>
-          </a:p>
-          <a:p>
-            <a:r>
-              <a:rPr lang="en-US" dirty="0" smtClean="0"/>
-              <a:t>Same </a:t>
-            </a:r>
+            <a:endParaRPr lang="en-US" dirty="0"/>
+          </a:p>
+          <a:p>
             <a:r>
               <a:rPr lang="en-US" dirty="0"/>
-              <a:t>as PG5100, but now look at the </a:t>
-            </a:r>
-            <a:r>
-              <a:rPr lang="en-US" b="1" dirty="0" smtClean="0"/>
-              <a:t>“</a:t>
-            </a:r>
-            <a:r>
-              <a:rPr lang="en-US" b="1" dirty="0" smtClean="0"/>
-              <a:t>advanced”</a:t>
-            </a:r>
-            <a:r>
-              <a:rPr lang="en-US" dirty="0" smtClean="0"/>
-              <a:t> </a:t>
+              <a:t>Same as PG5100, but now look at the </a:t>
+            </a:r>
+            <a:r>
+              <a:rPr lang="en-US" b="1" dirty="0"/>
+              <a:t>“advanced”</a:t>
             </a:r>
             <a:r>
               <a:rPr lang="en-US" dirty="0"/>
-              <a:t>folder</a:t>
-            </a:r>
-          </a:p>
-          <a:p>
-            <a:endParaRPr lang="en-US" dirty="0" smtClean="0"/>
-          </a:p>
-          <a:p>
-            <a:r>
-              <a:rPr lang="en-US" dirty="0" smtClean="0"/>
-              <a:t>Note</a:t>
-            </a:r>
+              <a:t> folder</a:t>
+            </a:r>
+          </a:p>
+          <a:p>
+            <a:endParaRPr lang="en-US" dirty="0"/>
+          </a:p>
+          <a:p>
             <a:r>
               <a:rPr lang="en-US" dirty="0"/>
-              <a:t>: pull often, as new material will be added during the course</a:t>
+              <a:t>Note: pull often, as new material might be added and updated during the course</a:t>
             </a:r>
           </a:p>
           <a:p>
@@ -16385,10 +16906,9 @@
           <a:lstStyle/>
           <a:p>
             <a:r>
-              <a:rPr lang="en-US" dirty="0" smtClean="0"/>
+              <a:rPr lang="en-US" dirty="0"/>
               <a:t>Goals/Topics</a:t>
             </a:r>
-            <a:endParaRPr lang="en-US" dirty="0"/>
           </a:p>
         </p:txBody>
       </p:sp>
@@ -16413,79 +16933,79 @@
           <a:lstStyle/>
           <a:p>
             <a:r>
-              <a:rPr lang="en-US" dirty="0" smtClean="0"/>
+              <a:rPr lang="en-US" dirty="0"/>
               <a:t>Full details of </a:t>
             </a:r>
             <a:r>
-              <a:rPr lang="en-US" b="1" dirty="0" smtClean="0"/>
+              <a:rPr lang="en-US" b="1" dirty="0"/>
               <a:t>REST</a:t>
             </a:r>
             <a:r>
-              <a:rPr lang="en-US" dirty="0" smtClean="0"/>
+              <a:rPr lang="en-US" dirty="0"/>
               <a:t>ful APIs and </a:t>
             </a:r>
             <a:r>
-              <a:rPr lang="en-US" b="1" dirty="0" smtClean="0"/>
+              <a:rPr lang="en-US" b="1" dirty="0"/>
               <a:t>HTTP</a:t>
             </a:r>
           </a:p>
           <a:p>
             <a:r>
-              <a:rPr lang="en-US" dirty="0" smtClean="0"/>
+              <a:rPr lang="en-US" dirty="0"/>
               <a:t>Knowledge of other kinds of Web Services: </a:t>
             </a:r>
             <a:r>
-              <a:rPr lang="en-US" b="1" dirty="0" smtClean="0"/>
+              <a:rPr lang="en-US" b="1" dirty="0"/>
               <a:t>SOAP</a:t>
             </a:r>
             <a:r>
-              <a:rPr lang="en-US" dirty="0" smtClean="0"/>
+              <a:rPr lang="en-US" dirty="0"/>
               <a:t> and </a:t>
             </a:r>
             <a:r>
-              <a:rPr lang="en-US" b="1" dirty="0" err="1" smtClean="0"/>
+              <a:rPr lang="en-US" b="1" dirty="0" err="1"/>
               <a:t>GraphQL</a:t>
             </a:r>
-            <a:endParaRPr lang="en-US" b="1" dirty="0" smtClean="0"/>
-          </a:p>
-          <a:p>
-            <a:r>
-              <a:rPr lang="en-US" b="1" dirty="0" err="1" smtClean="0"/>
+            <a:endParaRPr lang="en-US" b="1" dirty="0"/>
+          </a:p>
+          <a:p>
+            <a:r>
+              <a:rPr lang="en-US" b="1" dirty="0" err="1"/>
               <a:t>Microservice</a:t>
             </a:r>
             <a:r>
-              <a:rPr lang="en-US" dirty="0" smtClean="0"/>
+              <a:rPr lang="en-US" dirty="0"/>
               <a:t> Architecture</a:t>
             </a:r>
           </a:p>
           <a:p>
             <a:pPr lvl="1"/>
             <a:r>
-              <a:rPr lang="en-US" dirty="0" smtClean="0"/>
+              <a:rPr lang="en-US" dirty="0"/>
               <a:t>gateways, load balancers, etc.</a:t>
             </a:r>
           </a:p>
           <a:p>
             <a:r>
-              <a:rPr lang="en-US" b="1" dirty="0" smtClean="0"/>
+              <a:rPr lang="en-US" b="1" dirty="0"/>
               <a:t>Security</a:t>
             </a:r>
             <a:r>
-              <a:rPr lang="en-US" dirty="0" smtClean="0"/>
+              <a:rPr lang="en-US" dirty="0"/>
               <a:t> in distributed systems</a:t>
             </a:r>
           </a:p>
           <a:p>
             <a:r>
-              <a:rPr lang="en-US" dirty="0" smtClean="0"/>
+              <a:rPr lang="en-US" dirty="0"/>
               <a:t>Message Oriented Middleware (e.g., AMQP)</a:t>
             </a:r>
           </a:p>
           <a:p>
-            <a:endParaRPr lang="en-US" dirty="0" smtClean="0"/>
-          </a:p>
-          <a:p>
-            <a:endParaRPr lang="en-US" dirty="0" smtClean="0"/>
+            <a:endParaRPr lang="en-US" dirty="0"/>
+          </a:p>
+          <a:p>
+            <a:endParaRPr lang="en-US" dirty="0"/>
           </a:p>
         </p:txBody>
       </p:sp>
@@ -16535,11 +17055,11 @@
           <a:lstStyle/>
           <a:p>
             <a:r>
-              <a:rPr lang="en-US" dirty="0" smtClean="0"/>
+              <a:rPr lang="en-US" dirty="0"/>
               <a:t>If You Skip Class</a:t>
             </a:r>
             <a:r>
-              <a:rPr lang="mr-IN" dirty="0" smtClean="0"/>
+              <a:rPr lang="mr-IN" dirty="0"/>
               <a:t>…</a:t>
             </a:r>
             <a:endParaRPr lang="en-US" dirty="0"/>
@@ -16562,33 +17082,33 @@
           <a:lstStyle/>
           <a:p>
             <a:r>
-              <a:rPr lang="en-US" dirty="0" smtClean="0"/>
+              <a:rPr lang="en-US" dirty="0"/>
               <a:t>Usually acceptable that a student skips 1-2 classes</a:t>
             </a:r>
           </a:p>
           <a:p>
-            <a:endParaRPr lang="en-US" dirty="0" smtClean="0"/>
-          </a:p>
-          <a:p>
-            <a:r>
-              <a:rPr lang="en-US" dirty="0" smtClean="0"/>
+            <a:endParaRPr lang="en-US" dirty="0"/>
+          </a:p>
+          <a:p>
+            <a:r>
+              <a:rPr lang="en-US" dirty="0"/>
               <a:t>You are supposed to attend, although no strict checks</a:t>
             </a:r>
           </a:p>
           <a:p>
-            <a:endParaRPr lang="en-US" dirty="0" smtClean="0"/>
-          </a:p>
-          <a:p>
-            <a:r>
-              <a:rPr lang="en-US" dirty="0" smtClean="0"/>
+            <a:endParaRPr lang="en-US" dirty="0"/>
+          </a:p>
+          <a:p>
+            <a:r>
+              <a:rPr lang="en-US" dirty="0"/>
               <a:t>If you skip too many classes, it is </a:t>
             </a:r>
             <a:r>
-              <a:rPr lang="en-US" b="1" dirty="0" smtClean="0"/>
+              <a:rPr lang="en-US" b="1" dirty="0"/>
               <a:t>YOUR</a:t>
             </a:r>
             <a:r>
-              <a:rPr lang="en-US" dirty="0" smtClean="0"/>
+              <a:rPr lang="en-US" dirty="0"/>
               <a:t> responsibility to catch up and find out what done in class</a:t>
             </a:r>
           </a:p>
@@ -16643,10 +17163,9 @@
           <a:lstStyle/>
           <a:p>
             <a:r>
-              <a:rPr lang="en-US" dirty="0" smtClean="0"/>
+              <a:rPr lang="en-US" dirty="0"/>
               <a:t>Exam</a:t>
             </a:r>
-            <a:endParaRPr lang="en-US" dirty="0"/>
           </a:p>
         </p:txBody>
       </p:sp>
@@ -16671,12 +17190,8 @@
           <a:lstStyle/>
           <a:p>
             <a:r>
-              <a:rPr lang="en-US" dirty="0" smtClean="0"/>
-              <a:t>40% </a:t>
-            </a:r>
-            <a:r>
               <a:rPr lang="en-US" dirty="0"/>
-              <a:t>written exam</a:t>
+              <a:t>Written exam (40% of grade)</a:t>
             </a:r>
           </a:p>
           <a:p>
@@ -16697,11 +17212,7 @@
             <a:pPr lvl="1"/>
             <a:r>
               <a:rPr lang="en-US" dirty="0"/>
-              <a:t>Not required to write code, but might be asked about what some code snippets </a:t>
-            </a:r>
-            <a:r>
-              <a:rPr lang="en-US" dirty="0" smtClean="0"/>
-              <a:t>do</a:t>
+              <a:t>Not required to write code, but might be asked about what some code snippets do</a:t>
             </a:r>
           </a:p>
           <a:p>
@@ -16710,32 +17221,23 @@
           </a:p>
           <a:p>
             <a:r>
-              <a:rPr lang="en-US" dirty="0" smtClean="0"/>
-              <a:t>60% </a:t>
-            </a:r>
-            <a:r>
               <a:rPr lang="en-US" dirty="0"/>
-              <a:t>group project</a:t>
+              <a:t>Project (60% of grade)</a:t>
             </a:r>
           </a:p>
           <a:p>
             <a:pPr lvl="1"/>
             <a:r>
               <a:rPr lang="en-US" dirty="0"/>
-              <a:t>2 months</a:t>
+              <a:t>72 hours</a:t>
             </a:r>
           </a:p>
           <a:p>
             <a:pPr lvl="1"/>
             <a:r>
               <a:rPr lang="en-US" dirty="0"/>
-              <a:t>3 students per </a:t>
-            </a:r>
-            <a:r>
-              <a:rPr lang="en-US" dirty="0" smtClean="0"/>
-              <a:t>group</a:t>
-            </a:r>
-            <a:endParaRPr lang="en-US" dirty="0"/>
+              <a:t>done individually, not in a group</a:t>
+            </a:r>
           </a:p>
         </p:txBody>
       </p:sp>
@@ -16771,7 +17273,7 @@
       </p:grpSpPr>
       <p:sp>
         <p:nvSpPr>
-          <p:cNvPr id="2" name="Title 1"/>
+          <p:cNvPr id="4" name="Title 3"/>
           <p:cNvSpPr>
             <a:spLocks noGrp="1"/>
           </p:cNvSpPr>
@@ -16785,99 +17287,9 @@
           <a:lstStyle/>
           <a:p>
             <a:r>
-              <a:rPr lang="en-US" dirty="0" smtClean="0"/>
-              <a:t>About Group Project</a:t>
-            </a:r>
-            <a:endParaRPr lang="en-US" dirty="0"/>
-          </a:p>
-        </p:txBody>
-      </p:sp>
-      <p:sp>
-        <p:nvSpPr>
-          <p:cNvPr id="3" name="Content Placeholder 2"/>
-          <p:cNvSpPr>
-            <a:spLocks noGrp="1"/>
-          </p:cNvSpPr>
-          <p:nvPr>
-            <p:ph idx="1"/>
-          </p:nvPr>
-        </p:nvSpPr>
-        <p:spPr>
-          <a:xfrm>
-            <a:off x="304799" y="1825625"/>
-            <a:ext cx="11691257" cy="4901746"/>
-          </a:xfrm>
-        </p:spPr>
-        <p:txBody>
-          <a:bodyPr>
-            <a:normAutofit/>
-          </a:bodyPr>
-          <a:lstStyle/>
-          <a:p>
-            <a:r>
-              <a:rPr lang="en-US" dirty="0"/>
-              <a:t>Build an enterprise application using </a:t>
-            </a:r>
-            <a:r>
               <a:rPr lang="en-US" dirty="0" err="1"/>
-              <a:t>microservices</a:t>
-            </a:r>
-            <a:endParaRPr lang="en-US" dirty="0"/>
-          </a:p>
-          <a:p>
-            <a:r>
-              <a:rPr lang="en-US" dirty="0"/>
-              <a:t>Each student responsible to write </a:t>
-            </a:r>
-            <a:r>
-              <a:rPr lang="en-US" i="1" dirty="0"/>
-              <a:t>at least </a:t>
-            </a:r>
-            <a:r>
-              <a:rPr lang="en-US" dirty="0"/>
-              <a:t>one full web service</a:t>
-            </a:r>
-          </a:p>
-          <a:p>
-            <a:r>
-              <a:rPr lang="en-US" i="1" dirty="0"/>
-              <a:t>Choose your team mates wisely…</a:t>
-            </a:r>
-          </a:p>
-          <a:p>
-            <a:r>
-              <a:rPr lang="en-US" dirty="0"/>
-              <a:t>I will look at </a:t>
-            </a:r>
-            <a:r>
-              <a:rPr lang="en-US" dirty="0" err="1"/>
-              <a:t>Git</a:t>
-            </a:r>
-            <a:r>
-              <a:rPr lang="en-US" dirty="0"/>
-              <a:t> history… when I see significant differences, students in same group can get different grades</a:t>
-            </a:r>
-          </a:p>
-          <a:p>
-            <a:pPr lvl="1"/>
-            <a:r>
-              <a:rPr lang="en-US" dirty="0"/>
-              <a:t>Example: student that only writes documentation and not a single line of code will get an </a:t>
-            </a:r>
-            <a:r>
-              <a:rPr lang="en-US" b="1" dirty="0"/>
-              <a:t>F</a:t>
-            </a:r>
-            <a:r>
-              <a:rPr lang="en-US" dirty="0"/>
-              <a:t> even if others in same group may get an </a:t>
-            </a:r>
-            <a:r>
-              <a:rPr lang="en-US" b="1" dirty="0"/>
-              <a:t>A</a:t>
-            </a:r>
-          </a:p>
-          <a:p>
+              <a:t>Kotlin</a:t>
+            </a:r>
             <a:endParaRPr lang="en-US" dirty="0"/>
           </a:p>
         </p:txBody>
@@ -16885,7 +17297,7 @@
     </p:spTree>
     <p:extLst>
       <p:ext uri="{BB962C8B-B14F-4D97-AF65-F5344CB8AC3E}">
-        <p14:creationId xmlns:p14="http://schemas.microsoft.com/office/powerpoint/2010/main" val="2639626767"/>
+        <p14:creationId xmlns:p14="http://schemas.microsoft.com/office/powerpoint/2010/main" val="686580739"/>
       </p:ext>
     </p:extLst>
   </p:cSld>

--- a/doc/advanced/slides/lesson_01.pptx
+++ b/doc/advanced/slides/lesson_01.pptx
@@ -242,7 +242,7 @@
           <a:p>
             <a:fld id="{9B5B52BA-3295-0343-9E28-A260A811DD10}" type="datetimeFigureOut">
               <a:rPr lang="en-US" smtClean="0"/>
-              <a:t>8/2/19</a:t>
+              <a:t>06-Aug-19</a:t>
             </a:fld>
             <a:endParaRPr lang="en-US"/>
           </a:p>
@@ -806,7 +806,7 @@
           <a:p>
             <a:fld id="{04F1D4A2-813C-F741-B481-C92B3A596030}" type="datetimeFigureOut">
               <a:rPr lang="en-US" smtClean="0"/>
-              <a:t>8/2/19</a:t>
+              <a:t>06-Aug-19</a:t>
             </a:fld>
             <a:endParaRPr lang="en-US"/>
           </a:p>
@@ -974,7 +974,7 @@
           <a:p>
             <a:fld id="{04F1D4A2-813C-F741-B481-C92B3A596030}" type="datetimeFigureOut">
               <a:rPr lang="en-US" smtClean="0"/>
-              <a:t>8/2/19</a:t>
+              <a:t>06-Aug-19</a:t>
             </a:fld>
             <a:endParaRPr lang="en-US"/>
           </a:p>
@@ -1152,7 +1152,7 @@
           <a:p>
             <a:fld id="{04F1D4A2-813C-F741-B481-C92B3A596030}" type="datetimeFigureOut">
               <a:rPr lang="en-US" smtClean="0"/>
-              <a:t>8/2/19</a:t>
+              <a:t>06-Aug-19</a:t>
             </a:fld>
             <a:endParaRPr lang="en-US"/>
           </a:p>
@@ -1489,7 +1489,7 @@
           <a:p>
             <a:fld id="{04F1D4A2-813C-F741-B481-C92B3A596030}" type="datetimeFigureOut">
               <a:rPr lang="en-US" smtClean="0"/>
-              <a:t>8/2/19</a:t>
+              <a:t>06-Aug-19</a:t>
             </a:fld>
             <a:endParaRPr lang="en-US"/>
           </a:p>
@@ -1734,7 +1734,7 @@
           <a:p>
             <a:fld id="{04F1D4A2-813C-F741-B481-C92B3A596030}" type="datetimeFigureOut">
               <a:rPr lang="en-US" smtClean="0"/>
-              <a:t>8/2/19</a:t>
+              <a:t>06-Aug-19</a:t>
             </a:fld>
             <a:endParaRPr lang="en-US"/>
           </a:p>
@@ -1963,7 +1963,7 @@
           <a:p>
             <a:fld id="{04F1D4A2-813C-F741-B481-C92B3A596030}" type="datetimeFigureOut">
               <a:rPr lang="en-US" smtClean="0"/>
-              <a:t>8/2/19</a:t>
+              <a:t>06-Aug-19</a:t>
             </a:fld>
             <a:endParaRPr lang="en-US"/>
           </a:p>
@@ -2327,7 +2327,7 @@
           <a:p>
             <a:fld id="{04F1D4A2-813C-F741-B481-C92B3A596030}" type="datetimeFigureOut">
               <a:rPr lang="en-US" smtClean="0"/>
-              <a:t>8/2/19</a:t>
+              <a:t>06-Aug-19</a:t>
             </a:fld>
             <a:endParaRPr lang="en-US"/>
           </a:p>
@@ -2444,7 +2444,7 @@
           <a:p>
             <a:fld id="{04F1D4A2-813C-F741-B481-C92B3A596030}" type="datetimeFigureOut">
               <a:rPr lang="en-US" smtClean="0"/>
-              <a:t>8/2/19</a:t>
+              <a:t>06-Aug-19</a:t>
             </a:fld>
             <a:endParaRPr lang="en-US"/>
           </a:p>
@@ -2539,7 +2539,7 @@
           <a:p>
             <a:fld id="{04F1D4A2-813C-F741-B481-C92B3A596030}" type="datetimeFigureOut">
               <a:rPr lang="en-US" smtClean="0"/>
-              <a:t>8/2/19</a:t>
+              <a:t>06-Aug-19</a:t>
             </a:fld>
             <a:endParaRPr lang="en-US"/>
           </a:p>
@@ -2814,7 +2814,7 @@
           <a:p>
             <a:fld id="{04F1D4A2-813C-F741-B481-C92B3A596030}" type="datetimeFigureOut">
               <a:rPr lang="en-US" smtClean="0"/>
-              <a:t>8/2/19</a:t>
+              <a:t>06-Aug-19</a:t>
             </a:fld>
             <a:endParaRPr lang="en-US"/>
           </a:p>
@@ -3066,7 +3066,7 @@
           <a:p>
             <a:fld id="{04F1D4A2-813C-F741-B481-C92B3A596030}" type="datetimeFigureOut">
               <a:rPr lang="en-US" smtClean="0"/>
-              <a:t>8/2/19</a:t>
+              <a:t>06-Aug-19</a:t>
             </a:fld>
             <a:endParaRPr lang="en-US"/>
           </a:p>
@@ -3277,7 +3277,7 @@
           <a:p>
             <a:fld id="{04F1D4A2-813C-F741-B481-C92B3A596030}" type="datetimeFigureOut">
               <a:rPr lang="en-US" smtClean="0"/>
-              <a:t>8/2/19</a:t>
+              <a:t>06-Aug-19</a:t>
             </a:fld>
             <a:endParaRPr lang="en-US"/>
           </a:p>
@@ -3721,6 +3721,10 @@
             <a:br>
               <a:rPr lang="en-US" dirty="0"/>
             </a:br>
+            <a:r>
+              <a:rPr lang="en-US" dirty="0"/>
+              <a:t/>
+            </a:r>
             <a:br>
               <a:rPr lang="en-US" dirty="0"/>
             </a:br>
@@ -4641,6 +4645,16 @@
                 <a:cs typeface="Courier New" panose="02070309020205020404" pitchFamily="49" charset="0"/>
               </a:rPr>
             </a:br>
+            <a:r>
+              <a:rPr lang="en-US" altLang="en-US" sz="2800" dirty="0">
+                <a:solidFill>
+                  <a:srgbClr val="000000"/>
+                </a:solidFill>
+                <a:latin typeface="Courier New" panose="02070309020205020404" pitchFamily="49" charset="0"/>
+                <a:cs typeface="Courier New" panose="02070309020205020404" pitchFamily="49" charset="0"/>
+              </a:rPr>
+              <a:t/>
+            </a:r>
             <a:br>
               <a:rPr lang="en-US" altLang="en-US" sz="2800" dirty="0">
                 <a:solidFill>
@@ -4689,6 +4703,16 @@
                 <a:cs typeface="Courier New" panose="02070309020205020404" pitchFamily="49" charset="0"/>
               </a:rPr>
             </a:br>
+            <a:r>
+              <a:rPr lang="en-US" altLang="en-US" sz="2800" dirty="0">
+                <a:solidFill>
+                  <a:srgbClr val="000000"/>
+                </a:solidFill>
+                <a:latin typeface="Courier New" panose="02070309020205020404" pitchFamily="49" charset="0"/>
+                <a:cs typeface="Courier New" panose="02070309020205020404" pitchFamily="49" charset="0"/>
+              </a:rPr>
+              <a:t/>
+            </a:r>
             <a:br>
               <a:rPr lang="en-US" altLang="en-US" sz="2800" dirty="0">
                 <a:solidFill>
@@ -4942,6 +4966,16 @@
                 <a:cs typeface="Courier New" panose="02070309020205020404" pitchFamily="49" charset="0"/>
               </a:rPr>
             </a:br>
+            <a:r>
+              <a:rPr lang="en-US" altLang="en-US" dirty="0">
+                <a:solidFill>
+                  <a:srgbClr val="000000"/>
+                </a:solidFill>
+                <a:latin typeface="Courier New" panose="02070309020205020404" pitchFamily="49" charset="0"/>
+                <a:cs typeface="Courier New" panose="02070309020205020404" pitchFamily="49" charset="0"/>
+              </a:rPr>
+              <a:t/>
+            </a:r>
             <a:br>
               <a:rPr lang="en-US" altLang="en-US" dirty="0">
                 <a:solidFill>
@@ -5156,6 +5190,16 @@
                 <a:cs typeface="Courier New" panose="02070309020205020404" pitchFamily="49" charset="0"/>
               </a:rPr>
             </a:br>
+            <a:r>
+              <a:rPr lang="en-US" altLang="en-US" i="1" dirty="0">
+                <a:solidFill>
+                  <a:srgbClr val="808080"/>
+                </a:solidFill>
+                <a:latin typeface="Courier New" panose="02070309020205020404" pitchFamily="49" charset="0"/>
+                <a:cs typeface="Courier New" panose="02070309020205020404" pitchFamily="49" charset="0"/>
+              </a:rPr>
+              <a:t/>
+            </a:r>
             <a:br>
               <a:rPr lang="en-US" altLang="en-US" i="1" dirty="0">
                 <a:solidFill>
@@ -5262,6 +5306,16 @@
                 <a:cs typeface="Courier New" panose="02070309020205020404" pitchFamily="49" charset="0"/>
               </a:rPr>
             </a:br>
+            <a:r>
+              <a:rPr lang="en-US" altLang="en-US" i="1" dirty="0">
+                <a:solidFill>
+                  <a:srgbClr val="808080"/>
+                </a:solidFill>
+                <a:latin typeface="Courier New" panose="02070309020205020404" pitchFamily="49" charset="0"/>
+                <a:cs typeface="Courier New" panose="02070309020205020404" pitchFamily="49" charset="0"/>
+              </a:rPr>
+              <a:t/>
+            </a:r>
             <a:br>
               <a:rPr lang="en-US" altLang="en-US" i="1" dirty="0">
                 <a:solidFill>
@@ -5406,6 +5460,16 @@
                 <a:cs typeface="Courier New" panose="02070309020205020404" pitchFamily="49" charset="0"/>
               </a:rPr>
             </a:br>
+            <a:r>
+              <a:rPr lang="en-US" altLang="en-US" i="1" dirty="0">
+                <a:solidFill>
+                  <a:srgbClr val="808080"/>
+                </a:solidFill>
+                <a:latin typeface="Courier New" panose="02070309020205020404" pitchFamily="49" charset="0"/>
+                <a:cs typeface="Courier New" panose="02070309020205020404" pitchFamily="49" charset="0"/>
+              </a:rPr>
+              <a:t/>
+            </a:r>
             <a:br>
               <a:rPr lang="en-US" altLang="en-US" i="1" dirty="0">
                 <a:solidFill>
@@ -5879,6 +5943,16 @@
                 <a:cs typeface="Courier New" panose="02070309020205020404" pitchFamily="49" charset="0"/>
               </a:rPr>
             </a:br>
+            <a:r>
+              <a:rPr lang="en-US" altLang="en-US" sz="3600" dirty="0">
+                <a:solidFill>
+                  <a:srgbClr val="000000"/>
+                </a:solidFill>
+                <a:latin typeface="Courier New" panose="02070309020205020404" pitchFamily="49" charset="0"/>
+                <a:cs typeface="Courier New" panose="02070309020205020404" pitchFamily="49" charset="0"/>
+              </a:rPr>
+              <a:t/>
+            </a:r>
             <a:br>
               <a:rPr lang="en-US" altLang="en-US" sz="3600" dirty="0">
                 <a:solidFill>
@@ -6015,6 +6089,16 @@
                 <a:cs typeface="Courier New" panose="02070309020205020404" pitchFamily="49" charset="0"/>
               </a:rPr>
             </a:br>
+            <a:r>
+              <a:rPr lang="en-US" altLang="en-US" sz="3600" i="1" dirty="0">
+                <a:solidFill>
+                  <a:srgbClr val="808080"/>
+                </a:solidFill>
+                <a:latin typeface="Courier New" panose="02070309020205020404" pitchFamily="49" charset="0"/>
+                <a:cs typeface="Courier New" panose="02070309020205020404" pitchFamily="49" charset="0"/>
+              </a:rPr>
+              <a:t/>
+            </a:r>
             <a:br>
               <a:rPr lang="en-US" altLang="en-US" sz="3600" i="1" dirty="0">
                 <a:solidFill>
@@ -6308,6 +6392,16 @@
                 <a:cs typeface="Courier New" panose="02070309020205020404" pitchFamily="49" charset="0"/>
               </a:rPr>
             </a:br>
+            <a:r>
+              <a:rPr lang="en-US" altLang="en-US" sz="3200" dirty="0">
+                <a:solidFill>
+                  <a:srgbClr val="000000"/>
+                </a:solidFill>
+                <a:latin typeface="Courier New" panose="02070309020205020404" pitchFamily="49" charset="0"/>
+                <a:cs typeface="Courier New" panose="02070309020205020404" pitchFamily="49" charset="0"/>
+              </a:rPr>
+              <a:t/>
+            </a:r>
             <a:br>
               <a:rPr lang="en-US" altLang="en-US" sz="3200" dirty="0">
                 <a:solidFill>
@@ -6385,6 +6479,16 @@
                 <a:cs typeface="Courier New" panose="02070309020205020404" pitchFamily="49" charset="0"/>
               </a:rPr>
             </a:br>
+            <a:r>
+              <a:rPr lang="en-US" altLang="en-US" sz="3200" i="1" dirty="0">
+                <a:solidFill>
+                  <a:srgbClr val="808080"/>
+                </a:solidFill>
+                <a:latin typeface="Courier New" panose="02070309020205020404" pitchFamily="49" charset="0"/>
+                <a:cs typeface="Courier New" panose="02070309020205020404" pitchFamily="49" charset="0"/>
+              </a:rPr>
+              <a:t/>
+            </a:r>
             <a:br>
               <a:rPr lang="en-US" altLang="en-US" sz="3200" i="1" dirty="0">
                 <a:solidFill>
@@ -6791,6 +6895,16 @@
                 <a:cs typeface="Courier New" panose="02070309020205020404" pitchFamily="49" charset="0"/>
               </a:rPr>
             </a:br>
+            <a:r>
+              <a:rPr lang="en-US" altLang="en-US" sz="3200" dirty="0">
+                <a:solidFill>
+                  <a:srgbClr val="000000"/>
+                </a:solidFill>
+                <a:latin typeface="Courier New" panose="02070309020205020404" pitchFamily="49" charset="0"/>
+                <a:cs typeface="Courier New" panose="02070309020205020404" pitchFamily="49" charset="0"/>
+              </a:rPr>
+              <a:t/>
+            </a:r>
             <a:br>
               <a:rPr lang="en-US" altLang="en-US" sz="3200" dirty="0">
                 <a:solidFill>
@@ -6839,6 +6953,16 @@
                 <a:cs typeface="Courier New" panose="02070309020205020404" pitchFamily="49" charset="0"/>
               </a:rPr>
               <a:t>next</a:t>
+            </a:r>
+            <a:r>
+              <a:rPr lang="en-US" altLang="en-US" sz="3200" b="1" dirty="0">
+                <a:solidFill>
+                  <a:srgbClr val="660E7A"/>
+                </a:solidFill>
+                <a:latin typeface="Courier New" panose="02070309020205020404" pitchFamily="49" charset="0"/>
+                <a:cs typeface="Courier New" panose="02070309020205020404" pitchFamily="49" charset="0"/>
+              </a:rPr>
+              <a:t/>
             </a:r>
             <a:br>
               <a:rPr lang="en-US" altLang="en-US" sz="3200" b="1" dirty="0">
@@ -8172,6 +8296,16 @@
                 <a:cs typeface="Courier New" panose="02070309020205020404" pitchFamily="49" charset="0"/>
               </a:rPr>
             </a:br>
+            <a:r>
+              <a:rPr lang="en-US" altLang="en-US" sz="2400" dirty="0">
+                <a:solidFill>
+                  <a:srgbClr val="000000"/>
+                </a:solidFill>
+                <a:latin typeface="Courier New" panose="02070309020205020404" pitchFamily="49" charset="0"/>
+                <a:cs typeface="Courier New" panose="02070309020205020404" pitchFamily="49" charset="0"/>
+              </a:rPr>
+              <a:t/>
+            </a:r>
             <a:br>
               <a:rPr lang="en-US" altLang="en-US" sz="2400" dirty="0">
                 <a:solidFill>
@@ -8586,6 +8720,16 @@
                 <a:cs typeface="Courier New" panose="02070309020205020404" pitchFamily="49" charset="0"/>
               </a:rPr>
             </a:br>
+            <a:r>
+              <a:rPr lang="en-US" altLang="en-US" sz="2400" dirty="0">
+                <a:solidFill>
+                  <a:srgbClr val="000000"/>
+                </a:solidFill>
+                <a:latin typeface="Courier New" panose="02070309020205020404" pitchFamily="49" charset="0"/>
+                <a:cs typeface="Courier New" panose="02070309020205020404" pitchFamily="49" charset="0"/>
+              </a:rPr>
+              <a:t/>
+            </a:r>
             <a:br>
               <a:rPr lang="en-US" altLang="en-US" sz="2400" dirty="0">
                 <a:solidFill>
@@ -8930,6 +9074,16 @@
                 <a:cs typeface="Courier New" panose="02070309020205020404" pitchFamily="49" charset="0"/>
               </a:rPr>
               <a:t>stacktrace</a:t>
+            </a:r>
+            <a:r>
+              <a:rPr lang="en-US" altLang="en-US" sz="2400" i="1" dirty="0">
+                <a:solidFill>
+                  <a:srgbClr val="808080"/>
+                </a:solidFill>
+                <a:latin typeface="Courier New" panose="02070309020205020404" pitchFamily="49" charset="0"/>
+                <a:cs typeface="Courier New" panose="02070309020205020404" pitchFamily="49" charset="0"/>
+              </a:rPr>
+              <a:t/>
             </a:r>
             <a:br>
               <a:rPr lang="en-US" altLang="en-US" sz="2400" i="1" dirty="0">
@@ -9146,6 +9300,16 @@
                 <a:cs typeface="Courier New" panose="02070309020205020404" pitchFamily="49" charset="0"/>
               </a:rPr>
             </a:br>
+            <a:r>
+              <a:rPr lang="en-US" altLang="en-US" sz="2800" dirty="0">
+                <a:solidFill>
+                  <a:srgbClr val="000000"/>
+                </a:solidFill>
+                <a:latin typeface="Courier New" panose="02070309020205020404" pitchFamily="49" charset="0"/>
+                <a:cs typeface="Courier New" panose="02070309020205020404" pitchFamily="49" charset="0"/>
+              </a:rPr>
+              <a:t/>
+            </a:r>
             <a:br>
               <a:rPr lang="en-US" altLang="en-US" sz="2800" dirty="0">
                 <a:solidFill>
@@ -9300,6 +9464,16 @@
                 <a:cs typeface="Courier New" panose="02070309020205020404" pitchFamily="49" charset="0"/>
               </a:rPr>
             </a:br>
+            <a:r>
+              <a:rPr lang="en-US" altLang="en-US" sz="2800" b="1" dirty="0">
+                <a:solidFill>
+                  <a:srgbClr val="008000"/>
+                </a:solidFill>
+                <a:latin typeface="Courier New" panose="02070309020205020404" pitchFamily="49" charset="0"/>
+                <a:cs typeface="Courier New" panose="02070309020205020404" pitchFamily="49" charset="0"/>
+              </a:rPr>
+              <a:t/>
+            </a:r>
             <a:br>
               <a:rPr lang="en-US" altLang="en-US" sz="2800" b="1" dirty="0">
                 <a:solidFill>
@@ -10088,6 +10262,16 @@
                 <a:cs typeface="Courier New" panose="02070309020205020404" pitchFamily="49" charset="0"/>
               </a:rPr>
             </a:br>
+            <a:r>
+              <a:rPr lang="en-US" altLang="en-US" sz="1687" dirty="0">
+                <a:solidFill>
+                  <a:srgbClr val="000000"/>
+                </a:solidFill>
+                <a:latin typeface="Courier New" panose="02070309020205020404" pitchFamily="49" charset="0"/>
+                <a:cs typeface="Courier New" panose="02070309020205020404" pitchFamily="49" charset="0"/>
+              </a:rPr>
+              <a:t/>
+            </a:r>
             <a:br>
               <a:rPr lang="en-US" altLang="en-US" sz="1687" dirty="0">
                 <a:solidFill>
@@ -10225,6 +10409,16 @@
                 <a:cs typeface="Courier New" panose="02070309020205020404" pitchFamily="49" charset="0"/>
               </a:rPr>
             </a:br>
+            <a:r>
+              <a:rPr lang="en-US" altLang="en-US" sz="1687" dirty="0">
+                <a:solidFill>
+                  <a:srgbClr val="000000"/>
+                </a:solidFill>
+                <a:latin typeface="Courier New" panose="02070309020205020404" pitchFamily="49" charset="0"/>
+                <a:cs typeface="Courier New" panose="02070309020205020404" pitchFamily="49" charset="0"/>
+              </a:rPr>
+              <a:t/>
+            </a:r>
             <a:br>
               <a:rPr lang="en-US" altLang="en-US" sz="1687" dirty="0">
                 <a:solidFill>
@@ -10470,6 +10664,16 @@
                 <a:cs typeface="Courier New" panose="02070309020205020404" pitchFamily="49" charset="0"/>
               </a:rPr>
             </a:br>
+            <a:r>
+              <a:rPr lang="en-US" altLang="en-US" sz="1687" dirty="0">
+                <a:solidFill>
+                  <a:srgbClr val="000000"/>
+                </a:solidFill>
+                <a:latin typeface="Courier New" panose="02070309020205020404" pitchFamily="49" charset="0"/>
+                <a:cs typeface="Courier New" panose="02070309020205020404" pitchFamily="49" charset="0"/>
+              </a:rPr>
+              <a:t/>
+            </a:r>
             <a:br>
               <a:rPr lang="en-US" altLang="en-US" sz="1687" dirty="0">
                 <a:solidFill>
@@ -10606,6 +10810,16 @@
                 <a:cs typeface="Courier New" panose="02070309020205020404" pitchFamily="49" charset="0"/>
               </a:rPr>
             </a:br>
+            <a:r>
+              <a:rPr lang="en-US" altLang="en-US" sz="1687" dirty="0">
+                <a:solidFill>
+                  <a:srgbClr val="000000"/>
+                </a:solidFill>
+                <a:latin typeface="Courier New" panose="02070309020205020404" pitchFamily="49" charset="0"/>
+                <a:cs typeface="Courier New" panose="02070309020205020404" pitchFamily="49" charset="0"/>
+              </a:rPr>
+              <a:t/>
+            </a:r>
             <a:br>
               <a:rPr lang="en-US" altLang="en-US" sz="1687" dirty="0">
                 <a:solidFill>
@@ -10742,6 +10956,16 @@
                 <a:cs typeface="Courier New" panose="02070309020205020404" pitchFamily="49" charset="0"/>
               </a:rPr>
             </a:br>
+            <a:r>
+              <a:rPr lang="en-US" altLang="en-US" sz="1687" dirty="0">
+                <a:solidFill>
+                  <a:srgbClr val="000000"/>
+                </a:solidFill>
+                <a:latin typeface="Courier New" panose="02070309020205020404" pitchFamily="49" charset="0"/>
+                <a:cs typeface="Courier New" panose="02070309020205020404" pitchFamily="49" charset="0"/>
+              </a:rPr>
+              <a:t/>
+            </a:r>
             <a:br>
               <a:rPr lang="en-US" altLang="en-US" sz="1687" dirty="0">
                 <a:solidFill>
@@ -10888,6 +11112,16 @@
                 <a:cs typeface="Courier New" panose="02070309020205020404" pitchFamily="49" charset="0"/>
               </a:rPr>
             </a:br>
+            <a:r>
+              <a:rPr lang="en-US" altLang="en-US" sz="1687" dirty="0">
+                <a:solidFill>
+                  <a:srgbClr val="000000"/>
+                </a:solidFill>
+                <a:latin typeface="Courier New" panose="02070309020205020404" pitchFamily="49" charset="0"/>
+                <a:cs typeface="Courier New" panose="02070309020205020404" pitchFamily="49" charset="0"/>
+              </a:rPr>
+              <a:t/>
+            </a:r>
             <a:br>
               <a:rPr lang="en-US" altLang="en-US" sz="1687" dirty="0">
                 <a:solidFill>
@@ -11357,6 +11591,14 @@
               </a:rPr>
               <a:t>set</a:t>
             </a:r>
+            <a:r>
+              <a:rPr lang="nb-NO" sz="3200" b="1" dirty="0">
+                <a:solidFill>
+                  <a:srgbClr val="000080"/>
+                </a:solidFill>
+              </a:rPr>
+              <a:t/>
+            </a:r>
             <a:br>
               <a:rPr lang="nb-NO" sz="3200" b="1" dirty="0">
                 <a:solidFill>
@@ -11364,6 +11606,14 @@
                 </a:solidFill>
               </a:rPr>
             </a:br>
+            <a:r>
+              <a:rPr lang="nb-NO" sz="3200" b="1" dirty="0">
+                <a:solidFill>
+                  <a:srgbClr val="000080"/>
+                </a:solidFill>
+              </a:rPr>
+              <a:t/>
+            </a:r>
             <a:br>
               <a:rPr lang="nb-NO" sz="3200" b="1" dirty="0">
                 <a:solidFill>
@@ -12593,6 +12843,16 @@
                 <a:cs typeface="Courier New" panose="02070309020205020404" pitchFamily="49" charset="0"/>
               </a:rPr>
             </a:br>
+            <a:r>
+              <a:rPr lang="en-US" altLang="en-US" sz="2800" dirty="0">
+                <a:solidFill>
+                  <a:srgbClr val="000000"/>
+                </a:solidFill>
+                <a:latin typeface="Courier New" panose="02070309020205020404" pitchFamily="49" charset="0"/>
+                <a:cs typeface="Courier New" panose="02070309020205020404" pitchFamily="49" charset="0"/>
+              </a:rPr>
+              <a:t/>
+            </a:r>
             <a:br>
               <a:rPr lang="en-US" altLang="en-US" sz="2800" dirty="0">
                 <a:solidFill>
@@ -12934,6 +13194,16 @@
                 <a:cs typeface="Courier New" panose="02070309020205020404" pitchFamily="49" charset="0"/>
               </a:rPr>
             </a:br>
+            <a:r>
+              <a:rPr lang="en-US" altLang="en-US" sz="2400" dirty="0">
+                <a:solidFill>
+                  <a:srgbClr val="000000"/>
+                </a:solidFill>
+                <a:latin typeface="Courier New" panose="02070309020205020404" pitchFamily="49" charset="0"/>
+                <a:cs typeface="Courier New" panose="02070309020205020404" pitchFamily="49" charset="0"/>
+              </a:rPr>
+              <a:t/>
+            </a:r>
             <a:br>
               <a:rPr lang="en-US" altLang="en-US" sz="2400" dirty="0">
                 <a:solidFill>
@@ -13248,6 +13518,16 @@
                 <a:cs typeface="Courier New" panose="02070309020205020404" pitchFamily="49" charset="0"/>
               </a:rPr>
             </a:br>
+            <a:r>
+              <a:rPr lang="en-US" altLang="en-US" sz="2400" dirty="0">
+                <a:solidFill>
+                  <a:srgbClr val="000000"/>
+                </a:solidFill>
+                <a:latin typeface="Courier New" panose="02070309020205020404" pitchFamily="49" charset="0"/>
+                <a:cs typeface="Courier New" panose="02070309020205020404" pitchFamily="49" charset="0"/>
+              </a:rPr>
+              <a:t/>
+            </a:r>
             <a:br>
               <a:rPr lang="en-US" altLang="en-US" sz="2400" dirty="0">
                 <a:solidFill>
@@ -13854,6 +14134,16 @@
                 <a:cs typeface="Courier New" panose="02070309020205020404" pitchFamily="49" charset="0"/>
               </a:rPr>
             </a:br>
+            <a:r>
+              <a:rPr lang="en-US" altLang="en-US" dirty="0">
+                <a:solidFill>
+                  <a:srgbClr val="000000"/>
+                </a:solidFill>
+                <a:latin typeface="Courier New" panose="02070309020205020404" pitchFamily="49" charset="0"/>
+                <a:cs typeface="Courier New" panose="02070309020205020404" pitchFamily="49" charset="0"/>
+              </a:rPr>
+              <a:t/>
+            </a:r>
             <a:br>
               <a:rPr lang="en-US" altLang="en-US" dirty="0">
                 <a:solidFill>
@@ -14295,6 +14585,16 @@
                 <a:cs typeface="Courier New" panose="02070309020205020404" pitchFamily="49" charset="0"/>
               </a:rPr>
               <a:t>indexOfFirst</a:t>
+            </a:r>
+            <a:r>
+              <a:rPr lang="en-US" altLang="en-US" i="1" dirty="0">
+                <a:solidFill>
+                  <a:srgbClr val="808080"/>
+                </a:solidFill>
+                <a:latin typeface="Courier New" panose="02070309020205020404" pitchFamily="49" charset="0"/>
+                <a:cs typeface="Courier New" panose="02070309020205020404" pitchFamily="49" charset="0"/>
+              </a:rPr>
+              <a:t/>
             </a:r>
             <a:br>
               <a:rPr lang="en-US" altLang="en-US" i="1" dirty="0">
@@ -15863,7 +16163,9 @@
           </a:xfrm>
         </p:spPr>
         <p:txBody>
-          <a:bodyPr/>
+          <a:bodyPr>
+            <a:normAutofit fontScale="92500" lnSpcReduction="10000"/>
+          </a:bodyPr>
           <a:lstStyle/>
           <a:p>
             <a:r>
@@ -15884,9 +16186,20 @@
           </a:p>
           <a:p>
             <a:r>
-              <a:rPr lang="en-US" dirty="0"/>
+              <a:rPr lang="en-US" dirty="0" smtClean="0"/>
               <a:t>Maven</a:t>
             </a:r>
+          </a:p>
+          <a:p>
+            <a:r>
+              <a:rPr lang="en-US" dirty="0" smtClean="0"/>
+              <a:t>YARN and </a:t>
+            </a:r>
+            <a:r>
+              <a:rPr lang="en-US" dirty="0" err="1" smtClean="0"/>
+              <a:t>NodeJS</a:t>
+            </a:r>
+            <a:endParaRPr lang="en-US" dirty="0"/>
           </a:p>
           <a:p>
             <a:r>

--- a/doc/advanced/slides/lesson_01.pptx
+++ b/doc/advanced/slides/lesson_01.pptx
@@ -5,55 +5,56 @@
     <p:sldMasterId id="2147483648" r:id="rId1"/>
   </p:sldMasterIdLst>
   <p:notesMasterIdLst>
-    <p:notesMasterId r:id="rId48"/>
+    <p:notesMasterId r:id="rId49"/>
   </p:notesMasterIdLst>
   <p:sldIdLst>
     <p:sldId id="256" r:id="rId2"/>
-    <p:sldId id="257" r:id="rId3"/>
-    <p:sldId id="305" r:id="rId4"/>
-    <p:sldId id="266" r:id="rId5"/>
-    <p:sldId id="306" r:id="rId6"/>
-    <p:sldId id="258" r:id="rId7"/>
-    <p:sldId id="267" r:id="rId8"/>
-    <p:sldId id="307" r:id="rId9"/>
-    <p:sldId id="309" r:id="rId10"/>
-    <p:sldId id="311" r:id="rId11"/>
-    <p:sldId id="312" r:id="rId12"/>
-    <p:sldId id="313" r:id="rId13"/>
-    <p:sldId id="314" r:id="rId14"/>
-    <p:sldId id="315" r:id="rId15"/>
-    <p:sldId id="316" r:id="rId16"/>
-    <p:sldId id="317" r:id="rId17"/>
-    <p:sldId id="318" r:id="rId18"/>
-    <p:sldId id="319" r:id="rId19"/>
-    <p:sldId id="320" r:id="rId20"/>
-    <p:sldId id="321" r:id="rId21"/>
-    <p:sldId id="322" r:id="rId22"/>
-    <p:sldId id="323" r:id="rId23"/>
-    <p:sldId id="324" r:id="rId24"/>
-    <p:sldId id="325" r:id="rId25"/>
-    <p:sldId id="326" r:id="rId26"/>
-    <p:sldId id="349" r:id="rId27"/>
-    <p:sldId id="327" r:id="rId28"/>
-    <p:sldId id="328" r:id="rId29"/>
-    <p:sldId id="329" r:id="rId30"/>
-    <p:sldId id="330" r:id="rId31"/>
-    <p:sldId id="331" r:id="rId32"/>
-    <p:sldId id="332" r:id="rId33"/>
-    <p:sldId id="333" r:id="rId34"/>
-    <p:sldId id="334" r:id="rId35"/>
-    <p:sldId id="335" r:id="rId36"/>
-    <p:sldId id="340" r:id="rId37"/>
-    <p:sldId id="273" r:id="rId38"/>
-    <p:sldId id="341" r:id="rId39"/>
-    <p:sldId id="342" r:id="rId40"/>
-    <p:sldId id="343" r:id="rId41"/>
-    <p:sldId id="348" r:id="rId42"/>
-    <p:sldId id="337" r:id="rId43"/>
-    <p:sldId id="310" r:id="rId44"/>
-    <p:sldId id="338" r:id="rId45"/>
-    <p:sldId id="339" r:id="rId46"/>
-    <p:sldId id="271" r:id="rId47"/>
+    <p:sldId id="350" r:id="rId3"/>
+    <p:sldId id="257" r:id="rId4"/>
+    <p:sldId id="305" r:id="rId5"/>
+    <p:sldId id="266" r:id="rId6"/>
+    <p:sldId id="306" r:id="rId7"/>
+    <p:sldId id="258" r:id="rId8"/>
+    <p:sldId id="267" r:id="rId9"/>
+    <p:sldId id="307" r:id="rId10"/>
+    <p:sldId id="309" r:id="rId11"/>
+    <p:sldId id="311" r:id="rId12"/>
+    <p:sldId id="312" r:id="rId13"/>
+    <p:sldId id="313" r:id="rId14"/>
+    <p:sldId id="314" r:id="rId15"/>
+    <p:sldId id="315" r:id="rId16"/>
+    <p:sldId id="316" r:id="rId17"/>
+    <p:sldId id="317" r:id="rId18"/>
+    <p:sldId id="318" r:id="rId19"/>
+    <p:sldId id="319" r:id="rId20"/>
+    <p:sldId id="320" r:id="rId21"/>
+    <p:sldId id="321" r:id="rId22"/>
+    <p:sldId id="322" r:id="rId23"/>
+    <p:sldId id="323" r:id="rId24"/>
+    <p:sldId id="324" r:id="rId25"/>
+    <p:sldId id="325" r:id="rId26"/>
+    <p:sldId id="326" r:id="rId27"/>
+    <p:sldId id="349" r:id="rId28"/>
+    <p:sldId id="327" r:id="rId29"/>
+    <p:sldId id="328" r:id="rId30"/>
+    <p:sldId id="329" r:id="rId31"/>
+    <p:sldId id="330" r:id="rId32"/>
+    <p:sldId id="331" r:id="rId33"/>
+    <p:sldId id="332" r:id="rId34"/>
+    <p:sldId id="333" r:id="rId35"/>
+    <p:sldId id="334" r:id="rId36"/>
+    <p:sldId id="335" r:id="rId37"/>
+    <p:sldId id="340" r:id="rId38"/>
+    <p:sldId id="273" r:id="rId39"/>
+    <p:sldId id="341" r:id="rId40"/>
+    <p:sldId id="342" r:id="rId41"/>
+    <p:sldId id="343" r:id="rId42"/>
+    <p:sldId id="348" r:id="rId43"/>
+    <p:sldId id="337" r:id="rId44"/>
+    <p:sldId id="310" r:id="rId45"/>
+    <p:sldId id="338" r:id="rId46"/>
+    <p:sldId id="339" r:id="rId47"/>
+    <p:sldId id="271" r:id="rId48"/>
   </p:sldIdLst>
   <p:sldSz cx="12192000" cy="6858000"/>
   <p:notesSz cx="6858000" cy="9144000"/>
@@ -574,7 +575,7 @@
           <a:p>
             <a:fld id="{D6FB5A5B-CC88-B64A-8F56-0DBE0ACA83DE}" type="slidenum">
               <a:rPr lang="en-US" smtClean="0"/>
-              <a:t>5</a:t>
+              <a:t>6</a:t>
             </a:fld>
             <a:endParaRPr lang="en-US"/>
           </a:p>
@@ -658,7 +659,7 @@
           <a:p>
             <a:fld id="{D6FB5A5B-CC88-B64A-8F56-0DBE0ACA83DE}" type="slidenum">
               <a:rPr lang="en-US" smtClean="0"/>
-              <a:t>40</a:t>
+              <a:t>41</a:t>
             </a:fld>
             <a:endParaRPr lang="en-US"/>
           </a:p>
@@ -3802,6 +3803,59 @@
       </p:grpSpPr>
       <p:sp>
         <p:nvSpPr>
+          <p:cNvPr id="4" name="Title 3"/>
+          <p:cNvSpPr>
+            <a:spLocks noGrp="1"/>
+          </p:cNvSpPr>
+          <p:nvPr>
+            <p:ph type="title"/>
+          </p:nvPr>
+        </p:nvSpPr>
+        <p:spPr/>
+        <p:txBody>
+          <a:bodyPr/>
+          <a:lstStyle/>
+          <a:p>
+            <a:r>
+              <a:rPr lang="en-US" dirty="0" err="1"/>
+              <a:t>Kotlin</a:t>
+            </a:r>
+            <a:endParaRPr lang="en-US" dirty="0"/>
+          </a:p>
+        </p:txBody>
+      </p:sp>
+    </p:spTree>
+    <p:extLst>
+      <p:ext uri="{BB962C8B-B14F-4D97-AF65-F5344CB8AC3E}">
+        <p14:creationId xmlns:p14="http://schemas.microsoft.com/office/powerpoint/2010/main" val="686580739"/>
+      </p:ext>
+    </p:extLst>
+  </p:cSld>
+  <p:clrMapOvr>
+    <a:masterClrMapping/>
+  </p:clrMapOvr>
+</p:sld>
+</file>
+
+<file path=ppt/slides/slide11.xml><?xml version="1.0" encoding="utf-8"?>
+<p:sld xmlns:a="http://schemas.openxmlformats.org/drawingml/2006/main" xmlns:r="http://schemas.openxmlformats.org/officeDocument/2006/relationships" xmlns:p="http://schemas.openxmlformats.org/presentationml/2006/main">
+  <p:cSld>
+    <p:spTree>
+      <p:nvGrpSpPr>
+        <p:cNvPr id="1" name=""/>
+        <p:cNvGrpSpPr/>
+        <p:nvPr/>
+      </p:nvGrpSpPr>
+      <p:grpSpPr>
+        <a:xfrm>
+          <a:off x="0" y="0"/>
+          <a:ext cx="0" cy="0"/>
+          <a:chOff x="0" y="0"/>
+          <a:chExt cx="0" cy="0"/>
+        </a:xfrm>
+      </p:grpSpPr>
+      <p:sp>
+        <p:nvSpPr>
           <p:cNvPr id="2" name="Title 1"/>
           <p:cNvSpPr>
             <a:spLocks noGrp="1"/>
@@ -3940,7 +3994,7 @@
 </p:sld>
 </file>
 
-<file path=ppt/slides/slide11.xml><?xml version="1.0" encoding="utf-8"?>
+<file path=ppt/slides/slide12.xml><?xml version="1.0" encoding="utf-8"?>
 <p:sld xmlns:a="http://schemas.openxmlformats.org/drawingml/2006/main" xmlns:r="http://schemas.openxmlformats.org/officeDocument/2006/relationships" xmlns:p="http://schemas.openxmlformats.org/presentationml/2006/main">
   <p:cSld>
     <p:spTree>
@@ -4035,147 +4089,6 @@
     <p:extLst>
       <p:ext uri="{BB962C8B-B14F-4D97-AF65-F5344CB8AC3E}">
         <p14:creationId xmlns:p14="http://schemas.microsoft.com/office/powerpoint/2010/main" val="1651339020"/>
-      </p:ext>
-    </p:extLst>
-  </p:cSld>
-  <p:clrMapOvr>
-    <a:masterClrMapping/>
-  </p:clrMapOvr>
-  <p:transition spd="med"/>
-</p:sld>
-</file>
-
-<file path=ppt/slides/slide12.xml><?xml version="1.0" encoding="utf-8"?>
-<p:sld xmlns:a="http://schemas.openxmlformats.org/drawingml/2006/main" xmlns:r="http://schemas.openxmlformats.org/officeDocument/2006/relationships" xmlns:p="http://schemas.openxmlformats.org/presentationml/2006/main">
-  <p:cSld>
-    <p:spTree>
-      <p:nvGrpSpPr>
-        <p:cNvPr id="1" name=""/>
-        <p:cNvGrpSpPr/>
-        <p:nvPr/>
-      </p:nvGrpSpPr>
-      <p:grpSpPr>
-        <a:xfrm>
-          <a:off x="0" y="0"/>
-          <a:ext cx="0" cy="0"/>
-          <a:chOff x="0" y="0"/>
-          <a:chExt cx="0" cy="0"/>
-        </a:xfrm>
-      </p:grpSpPr>
-      <p:sp>
-        <p:nvSpPr>
-          <p:cNvPr id="2" name="Title 1"/>
-          <p:cNvSpPr>
-            <a:spLocks noGrp="1"/>
-          </p:cNvSpPr>
-          <p:nvPr>
-            <p:ph type="title"/>
-          </p:nvPr>
-        </p:nvSpPr>
-        <p:spPr/>
-        <p:txBody>
-          <a:bodyPr>
-            <a:normAutofit/>
-          </a:bodyPr>
-          <a:lstStyle/>
-          <a:p>
-            <a:r>
-              <a:rPr lang="en-US" sz="6600" dirty="0"/>
-              <a:t>Why?</a:t>
-            </a:r>
-          </a:p>
-        </p:txBody>
-      </p:sp>
-      <p:sp>
-        <p:nvSpPr>
-          <p:cNvPr id="3" name="Text Placeholder 2"/>
-          <p:cNvSpPr>
-            <a:spLocks noGrp="1"/>
-          </p:cNvSpPr>
-          <p:nvPr>
-            <p:ph type="body" idx="1"/>
-          </p:nvPr>
-        </p:nvSpPr>
-        <p:spPr>
-          <a:xfrm>
-            <a:off x="555171" y="1830584"/>
-            <a:ext cx="11364686" cy="5027416"/>
-          </a:xfrm>
-        </p:spPr>
-        <p:txBody>
-          <a:bodyPr>
-            <a:normAutofit/>
-          </a:bodyPr>
-          <a:lstStyle/>
-          <a:p>
-            <a:r>
-              <a:rPr lang="en-US" sz="3600" dirty="0"/>
-              <a:t>Java is a good, solid language, but is verbose and lacks many “modern” features, </a:t>
-            </a:r>
-            <a:r>
-              <a:rPr lang="en-US" sz="3600" dirty="0" err="1"/>
-              <a:t>eg</a:t>
-            </a:r>
-            <a:r>
-              <a:rPr lang="en-US" sz="3600" dirty="0"/>
-              <a:t> when compared to C#</a:t>
-            </a:r>
-          </a:p>
-          <a:p>
-            <a:pPr lvl="1"/>
-            <a:r>
-              <a:rPr lang="en-US" sz="2400" dirty="0"/>
-              <a:t>Things got bit better with Java 8, but that’s 2014</a:t>
-            </a:r>
-          </a:p>
-          <a:p>
-            <a:pPr lvl="1"/>
-            <a:r>
-              <a:rPr lang="en-US" sz="2400" dirty="0"/>
-              <a:t>Java still better than C# for enterprise development, but mainly due to its ecosystem (frameworks and libraries)</a:t>
-            </a:r>
-          </a:p>
-          <a:p>
-            <a:r>
-              <a:rPr lang="en-US" sz="3600" dirty="0"/>
-              <a:t>Due to Google vs Oracle legal fight, Android development was stagnating in a Java 6 </a:t>
-            </a:r>
-            <a:r>
-              <a:rPr lang="en-US" sz="3600" i="1" dirty="0"/>
-              <a:t>wasteland</a:t>
-            </a:r>
-            <a:r>
-              <a:rPr lang="en-US" sz="3600" dirty="0"/>
-              <a:t> </a:t>
-            </a:r>
-          </a:p>
-          <a:p>
-            <a:pPr lvl="1"/>
-            <a:r>
-              <a:rPr lang="en-US" sz="2400" dirty="0"/>
-              <a:t>Java 6 is from </a:t>
-            </a:r>
-            <a:r>
-              <a:rPr lang="en-US" sz="2400" b="1" dirty="0"/>
-              <a:t>2006, </a:t>
-            </a:r>
-            <a:r>
-              <a:rPr lang="en-US" sz="2400" dirty="0"/>
-              <a:t>eons in the software development world…</a:t>
-            </a:r>
-          </a:p>
-          <a:p>
-            <a:r>
-              <a:rPr lang="en-US" sz="3600" dirty="0"/>
-              <a:t>Goal: provide a modern language that can be 100% interoperable with Java </a:t>
-            </a:r>
-          </a:p>
-        </p:txBody>
-      </p:sp>
-    </p:spTree>
-    <p:extLst>
-      <p:ext uri="{BB962C8B-B14F-4D97-AF65-F5344CB8AC3E}">
-        <p14:creationId xmlns:p14="http://schemas.microsoft.com/office/powerpoint/2010/main" val="176345330"/>
       </p:ext>
     </p:extLst>
   </p:cSld>
@@ -4222,6 +4135,147 @@
           <a:p>
             <a:r>
               <a:rPr lang="en-US" sz="6600" dirty="0"/>
+              <a:t>Why?</a:t>
+            </a:r>
+          </a:p>
+        </p:txBody>
+      </p:sp>
+      <p:sp>
+        <p:nvSpPr>
+          <p:cNvPr id="3" name="Text Placeholder 2"/>
+          <p:cNvSpPr>
+            <a:spLocks noGrp="1"/>
+          </p:cNvSpPr>
+          <p:nvPr>
+            <p:ph type="body" idx="1"/>
+          </p:nvPr>
+        </p:nvSpPr>
+        <p:spPr>
+          <a:xfrm>
+            <a:off x="555171" y="1830584"/>
+            <a:ext cx="11364686" cy="5027416"/>
+          </a:xfrm>
+        </p:spPr>
+        <p:txBody>
+          <a:bodyPr>
+            <a:normAutofit/>
+          </a:bodyPr>
+          <a:lstStyle/>
+          <a:p>
+            <a:r>
+              <a:rPr lang="en-US" sz="3600" dirty="0"/>
+              <a:t>Java is a good, solid language, but is verbose and lacks many “modern” features, </a:t>
+            </a:r>
+            <a:r>
+              <a:rPr lang="en-US" sz="3600" dirty="0" err="1"/>
+              <a:t>eg</a:t>
+            </a:r>
+            <a:r>
+              <a:rPr lang="en-US" sz="3600" dirty="0"/>
+              <a:t> when compared to C#</a:t>
+            </a:r>
+          </a:p>
+          <a:p>
+            <a:pPr lvl="1"/>
+            <a:r>
+              <a:rPr lang="en-US" sz="2400" dirty="0"/>
+              <a:t>Things got bit better with Java 8, but that’s 2014</a:t>
+            </a:r>
+          </a:p>
+          <a:p>
+            <a:pPr lvl="1"/>
+            <a:r>
+              <a:rPr lang="en-US" sz="2400" dirty="0"/>
+              <a:t>Java still better than C# for enterprise development, but mainly due to its ecosystem (frameworks and libraries)</a:t>
+            </a:r>
+          </a:p>
+          <a:p>
+            <a:r>
+              <a:rPr lang="en-US" sz="3600" dirty="0"/>
+              <a:t>Due to Google vs Oracle legal fight, Android development was stagnating in a Java 6 </a:t>
+            </a:r>
+            <a:r>
+              <a:rPr lang="en-US" sz="3600" i="1" dirty="0"/>
+              <a:t>wasteland</a:t>
+            </a:r>
+            <a:r>
+              <a:rPr lang="en-US" sz="3600" dirty="0"/>
+              <a:t> </a:t>
+            </a:r>
+          </a:p>
+          <a:p>
+            <a:pPr lvl="1"/>
+            <a:r>
+              <a:rPr lang="en-US" sz="2400" dirty="0"/>
+              <a:t>Java 6 is from </a:t>
+            </a:r>
+            <a:r>
+              <a:rPr lang="en-US" sz="2400" b="1" dirty="0"/>
+              <a:t>2006, </a:t>
+            </a:r>
+            <a:r>
+              <a:rPr lang="en-US" sz="2400" dirty="0"/>
+              <a:t>eons in the software development world…</a:t>
+            </a:r>
+          </a:p>
+          <a:p>
+            <a:r>
+              <a:rPr lang="en-US" sz="3600" dirty="0"/>
+              <a:t>Goal: provide a modern language that can be 100% interoperable with Java </a:t>
+            </a:r>
+          </a:p>
+        </p:txBody>
+      </p:sp>
+    </p:spTree>
+    <p:extLst>
+      <p:ext uri="{BB962C8B-B14F-4D97-AF65-F5344CB8AC3E}">
+        <p14:creationId xmlns:p14="http://schemas.microsoft.com/office/powerpoint/2010/main" val="176345330"/>
+      </p:ext>
+    </p:extLst>
+  </p:cSld>
+  <p:clrMapOvr>
+    <a:masterClrMapping/>
+  </p:clrMapOvr>
+  <p:transition spd="med"/>
+</p:sld>
+</file>
+
+<file path=ppt/slides/slide14.xml><?xml version="1.0" encoding="utf-8"?>
+<p:sld xmlns:a="http://schemas.openxmlformats.org/drawingml/2006/main" xmlns:r="http://schemas.openxmlformats.org/officeDocument/2006/relationships" xmlns:p="http://schemas.openxmlformats.org/presentationml/2006/main">
+  <p:cSld>
+    <p:spTree>
+      <p:nvGrpSpPr>
+        <p:cNvPr id="1" name=""/>
+        <p:cNvGrpSpPr/>
+        <p:nvPr/>
+      </p:nvGrpSpPr>
+      <p:grpSpPr>
+        <a:xfrm>
+          <a:off x="0" y="0"/>
+          <a:ext cx="0" cy="0"/>
+          <a:chOff x="0" y="0"/>
+          <a:chExt cx="0" cy="0"/>
+        </a:xfrm>
+      </p:grpSpPr>
+      <p:sp>
+        <p:nvSpPr>
+          <p:cNvPr id="2" name="Title 1"/>
+          <p:cNvSpPr>
+            <a:spLocks noGrp="1"/>
+          </p:cNvSpPr>
+          <p:nvPr>
+            <p:ph type="title"/>
+          </p:nvPr>
+        </p:nvSpPr>
+        <p:spPr/>
+        <p:txBody>
+          <a:bodyPr>
+            <a:normAutofit/>
+          </a:bodyPr>
+          <a:lstStyle/>
+          <a:p>
+            <a:r>
+              <a:rPr lang="en-US" sz="6600" dirty="0"/>
               <a:t>Main Features</a:t>
             </a:r>
           </a:p>
@@ -4322,7 +4376,7 @@
 </p:sld>
 </file>
 
-<file path=ppt/slides/slide14.xml><?xml version="1.0" encoding="utf-8"?>
+<file path=ppt/slides/slide15.xml><?xml version="1.0" encoding="utf-8"?>
 <p:sld xmlns:a="http://schemas.openxmlformats.org/drawingml/2006/main" xmlns:r="http://schemas.openxmlformats.org/officeDocument/2006/relationships" xmlns:p="http://schemas.openxmlformats.org/presentationml/2006/main">
   <p:cSld>
     <p:spTree>
@@ -4829,7 +4883,7 @@
 </p:sld>
 </file>
 
-<file path=ppt/slides/slide15.xml><?xml version="1.0" encoding="utf-8"?>
+<file path=ppt/slides/slide16.xml><?xml version="1.0" encoding="utf-8"?>
 <p:sld xmlns:a="http://schemas.openxmlformats.org/drawingml/2006/main" xmlns:r="http://schemas.openxmlformats.org/officeDocument/2006/relationships" xmlns:p="http://schemas.openxmlformats.org/presentationml/2006/main">
   <p:cSld>
     <p:spTree>
@@ -5577,136 +5631,6 @@
     <p:extLst>
       <p:ext uri="{BB962C8B-B14F-4D97-AF65-F5344CB8AC3E}">
         <p14:creationId xmlns:p14="http://schemas.microsoft.com/office/powerpoint/2010/main" val="1879536447"/>
-      </p:ext>
-    </p:extLst>
-  </p:cSld>
-  <p:clrMapOvr>
-    <a:masterClrMapping/>
-  </p:clrMapOvr>
-  <p:transition spd="med"/>
-</p:sld>
-</file>
-
-<file path=ppt/slides/slide16.xml><?xml version="1.0" encoding="utf-8"?>
-<p:sld xmlns:a="http://schemas.openxmlformats.org/drawingml/2006/main" xmlns:r="http://schemas.openxmlformats.org/officeDocument/2006/relationships" xmlns:p="http://schemas.openxmlformats.org/presentationml/2006/main">
-  <p:cSld>
-    <p:spTree>
-      <p:nvGrpSpPr>
-        <p:cNvPr id="1" name=""/>
-        <p:cNvGrpSpPr/>
-        <p:nvPr/>
-      </p:nvGrpSpPr>
-      <p:grpSpPr>
-        <a:xfrm>
-          <a:off x="0" y="0"/>
-          <a:ext cx="0" cy="0"/>
-          <a:chOff x="0" y="0"/>
-          <a:chExt cx="0" cy="0"/>
-        </a:xfrm>
-      </p:grpSpPr>
-      <p:sp>
-        <p:nvSpPr>
-          <p:cNvPr id="2" name="Title 1"/>
-          <p:cNvSpPr>
-            <a:spLocks noGrp="1"/>
-          </p:cNvSpPr>
-          <p:nvPr>
-            <p:ph type="title"/>
-          </p:nvPr>
-        </p:nvSpPr>
-        <p:spPr/>
-        <p:txBody>
-          <a:bodyPr>
-            <a:normAutofit/>
-          </a:bodyPr>
-          <a:lstStyle/>
-          <a:p>
-            <a:r>
-              <a:rPr lang="en-US" sz="6600" dirty="0"/>
-              <a:t>Types</a:t>
-            </a:r>
-          </a:p>
-        </p:txBody>
-      </p:sp>
-      <p:sp>
-        <p:nvSpPr>
-          <p:cNvPr id="3" name="Text Placeholder 2"/>
-          <p:cNvSpPr>
-            <a:spLocks noGrp="1"/>
-          </p:cNvSpPr>
-          <p:nvPr>
-            <p:ph type="body" idx="1"/>
-          </p:nvPr>
-        </p:nvSpPr>
-        <p:spPr>
-          <a:xfrm>
-            <a:off x="457200" y="1825624"/>
-            <a:ext cx="10896600" cy="4564289"/>
-          </a:xfrm>
-        </p:spPr>
-        <p:txBody>
-          <a:bodyPr>
-            <a:normAutofit/>
-          </a:bodyPr>
-          <a:lstStyle/>
-          <a:p>
-            <a:r>
-              <a:rPr lang="en-US" sz="3600" dirty="0"/>
-              <a:t>Specified after with “:”</a:t>
-            </a:r>
-          </a:p>
-          <a:p>
-            <a:endParaRPr lang="en-US" sz="3600" dirty="0"/>
-          </a:p>
-          <a:p>
-            <a:r>
-              <a:rPr lang="en-US" sz="3600" dirty="0"/>
-              <a:t>Can be left unspecified if compiler can infer them</a:t>
-            </a:r>
-          </a:p>
-          <a:p>
-            <a:pPr lvl="1"/>
-            <a:r>
-              <a:rPr lang="en-US" sz="2400" dirty="0" err="1"/>
-              <a:t>val</a:t>
-            </a:r>
-            <a:r>
-              <a:rPr lang="en-US" sz="2400" dirty="0"/>
-              <a:t> foo = “foo” </a:t>
-            </a:r>
-          </a:p>
-          <a:p>
-            <a:pPr lvl="1"/>
-            <a:endParaRPr lang="en-US" sz="2400" dirty="0"/>
-          </a:p>
-          <a:p>
-            <a:r>
-              <a:rPr lang="en-US" sz="3600" dirty="0"/>
-              <a:t>Note: </a:t>
-            </a:r>
-            <a:r>
-              <a:rPr lang="en-US" sz="3600" dirty="0" err="1"/>
-              <a:t>Kotlin</a:t>
-            </a:r>
-            <a:r>
-              <a:rPr lang="en-US" sz="3600" dirty="0"/>
-              <a:t> </a:t>
-            </a:r>
-            <a:r>
-              <a:rPr lang="en-US" sz="3600" b="1" dirty="0"/>
-              <a:t>IS</a:t>
-            </a:r>
-            <a:r>
-              <a:rPr lang="en-US" sz="3600" dirty="0"/>
-              <a:t> statically typed </a:t>
-            </a:r>
-          </a:p>
-        </p:txBody>
-      </p:sp>
-    </p:spTree>
-    <p:extLst>
-      <p:ext uri="{BB962C8B-B14F-4D97-AF65-F5344CB8AC3E}">
-        <p14:creationId xmlns:p14="http://schemas.microsoft.com/office/powerpoint/2010/main" val="1450106382"/>
       </p:ext>
     </p:extLst>
   </p:cSld>
@@ -5752,6 +5676,136 @@
           <a:lstStyle/>
           <a:p>
             <a:r>
+              <a:rPr lang="en-US" sz="6600" dirty="0"/>
+              <a:t>Types</a:t>
+            </a:r>
+          </a:p>
+        </p:txBody>
+      </p:sp>
+      <p:sp>
+        <p:nvSpPr>
+          <p:cNvPr id="3" name="Text Placeholder 2"/>
+          <p:cNvSpPr>
+            <a:spLocks noGrp="1"/>
+          </p:cNvSpPr>
+          <p:nvPr>
+            <p:ph type="body" idx="1"/>
+          </p:nvPr>
+        </p:nvSpPr>
+        <p:spPr>
+          <a:xfrm>
+            <a:off x="457200" y="1825624"/>
+            <a:ext cx="10896600" cy="4564289"/>
+          </a:xfrm>
+        </p:spPr>
+        <p:txBody>
+          <a:bodyPr>
+            <a:normAutofit/>
+          </a:bodyPr>
+          <a:lstStyle/>
+          <a:p>
+            <a:r>
+              <a:rPr lang="en-US" sz="3600" dirty="0"/>
+              <a:t>Specified after with “:”</a:t>
+            </a:r>
+          </a:p>
+          <a:p>
+            <a:endParaRPr lang="en-US" sz="3600" dirty="0"/>
+          </a:p>
+          <a:p>
+            <a:r>
+              <a:rPr lang="en-US" sz="3600" dirty="0"/>
+              <a:t>Can be left unspecified if compiler can infer them</a:t>
+            </a:r>
+          </a:p>
+          <a:p>
+            <a:pPr lvl="1"/>
+            <a:r>
+              <a:rPr lang="en-US" sz="2400" dirty="0" err="1"/>
+              <a:t>val</a:t>
+            </a:r>
+            <a:r>
+              <a:rPr lang="en-US" sz="2400" dirty="0"/>
+              <a:t> foo = “foo” </a:t>
+            </a:r>
+          </a:p>
+          <a:p>
+            <a:pPr lvl="1"/>
+            <a:endParaRPr lang="en-US" sz="2400" dirty="0"/>
+          </a:p>
+          <a:p>
+            <a:r>
+              <a:rPr lang="en-US" sz="3600" dirty="0"/>
+              <a:t>Note: </a:t>
+            </a:r>
+            <a:r>
+              <a:rPr lang="en-US" sz="3600" dirty="0" err="1"/>
+              <a:t>Kotlin</a:t>
+            </a:r>
+            <a:r>
+              <a:rPr lang="en-US" sz="3600" dirty="0"/>
+              <a:t> </a:t>
+            </a:r>
+            <a:r>
+              <a:rPr lang="en-US" sz="3600" b="1" dirty="0"/>
+              <a:t>IS</a:t>
+            </a:r>
+            <a:r>
+              <a:rPr lang="en-US" sz="3600" dirty="0"/>
+              <a:t> statically typed </a:t>
+            </a:r>
+          </a:p>
+        </p:txBody>
+      </p:sp>
+    </p:spTree>
+    <p:extLst>
+      <p:ext uri="{BB962C8B-B14F-4D97-AF65-F5344CB8AC3E}">
+        <p14:creationId xmlns:p14="http://schemas.microsoft.com/office/powerpoint/2010/main" val="1450106382"/>
+      </p:ext>
+    </p:extLst>
+  </p:cSld>
+  <p:clrMapOvr>
+    <a:masterClrMapping/>
+  </p:clrMapOvr>
+  <p:transition spd="med"/>
+</p:sld>
+</file>
+
+<file path=ppt/slides/slide18.xml><?xml version="1.0" encoding="utf-8"?>
+<p:sld xmlns:a="http://schemas.openxmlformats.org/drawingml/2006/main" xmlns:r="http://schemas.openxmlformats.org/officeDocument/2006/relationships" xmlns:p="http://schemas.openxmlformats.org/presentationml/2006/main">
+  <p:cSld>
+    <p:spTree>
+      <p:nvGrpSpPr>
+        <p:cNvPr id="1" name=""/>
+        <p:cNvGrpSpPr/>
+        <p:nvPr/>
+      </p:nvGrpSpPr>
+      <p:grpSpPr>
+        <a:xfrm>
+          <a:off x="0" y="0"/>
+          <a:ext cx="0" cy="0"/>
+          <a:chOff x="0" y="0"/>
+          <a:chExt cx="0" cy="0"/>
+        </a:xfrm>
+      </p:grpSpPr>
+      <p:sp>
+        <p:nvSpPr>
+          <p:cNvPr id="2" name="Title 1"/>
+          <p:cNvSpPr>
+            <a:spLocks noGrp="1"/>
+          </p:cNvSpPr>
+          <p:nvPr>
+            <p:ph type="title"/>
+          </p:nvPr>
+        </p:nvSpPr>
+        <p:spPr/>
+        <p:txBody>
+          <a:bodyPr>
+            <a:normAutofit/>
+          </a:bodyPr>
+          <a:lstStyle/>
+          <a:p>
+            <a:r>
               <a:rPr lang="en-US" sz="6600" dirty="0" err="1"/>
               <a:t>Var</a:t>
             </a:r>
@@ -5835,7 +5889,7 @@
 </p:sld>
 </file>
 
-<file path=ppt/slides/slide18.xml><?xml version="1.0" encoding="utf-8"?>
+<file path=ppt/slides/slide19.xml><?xml version="1.0" encoding="utf-8"?>
 <p:sld xmlns:a="http://schemas.openxmlformats.org/drawingml/2006/main" xmlns:r="http://schemas.openxmlformats.org/officeDocument/2006/relationships" xmlns:p="http://schemas.openxmlformats.org/presentationml/2006/main">
   <p:cSld>
     <p:spTree>
@@ -6255,7 +6309,126 @@
 </p:sld>
 </file>
 
-<file path=ppt/slides/slide19.xml><?xml version="1.0" encoding="utf-8"?>
+<file path=ppt/slides/slide2.xml><?xml version="1.0" encoding="utf-8"?>
+<p:sld xmlns:a="http://schemas.openxmlformats.org/drawingml/2006/main" xmlns:r="http://schemas.openxmlformats.org/officeDocument/2006/relationships" xmlns:p="http://schemas.openxmlformats.org/presentationml/2006/main">
+  <p:cSld>
+    <p:spTree>
+      <p:nvGrpSpPr>
+        <p:cNvPr id="1" name=""/>
+        <p:cNvGrpSpPr/>
+        <p:nvPr/>
+      </p:nvGrpSpPr>
+      <p:grpSpPr>
+        <a:xfrm>
+          <a:off x="0" y="0"/>
+          <a:ext cx="0" cy="0"/>
+          <a:chOff x="0" y="0"/>
+          <a:chExt cx="0" cy="0"/>
+        </a:xfrm>
+      </p:grpSpPr>
+      <p:sp>
+        <p:nvSpPr>
+          <p:cNvPr id="2" name="Title 1"/>
+          <p:cNvSpPr>
+            <a:spLocks noGrp="1"/>
+          </p:cNvSpPr>
+          <p:nvPr>
+            <p:ph type="title"/>
+          </p:nvPr>
+        </p:nvSpPr>
+        <p:spPr/>
+        <p:txBody>
+          <a:bodyPr/>
+          <a:lstStyle/>
+          <a:p>
+            <a:r>
+              <a:rPr lang="en-US" dirty="0" smtClean="0"/>
+              <a:t>Enterprise </a:t>
+            </a:r>
+            <a:r>
+              <a:rPr lang="en-US" b="1" dirty="0" smtClean="0"/>
+              <a:t>2</a:t>
+            </a:r>
+            <a:endParaRPr lang="en-US" b="1" dirty="0"/>
+          </a:p>
+        </p:txBody>
+      </p:sp>
+      <p:sp>
+        <p:nvSpPr>
+          <p:cNvPr id="3" name="Content Placeholder 2"/>
+          <p:cNvSpPr>
+            <a:spLocks noGrp="1"/>
+          </p:cNvSpPr>
+          <p:nvPr>
+            <p:ph idx="1"/>
+          </p:nvPr>
+        </p:nvSpPr>
+        <p:spPr/>
+        <p:txBody>
+          <a:bodyPr/>
+          <a:lstStyle/>
+          <a:p>
+            <a:r>
+              <a:rPr lang="en-US" dirty="0" smtClean="0"/>
+              <a:t>also known as the “</a:t>
+            </a:r>
+            <a:r>
+              <a:rPr lang="en-US" i="1" dirty="0" smtClean="0"/>
+              <a:t>Next Generation</a:t>
+            </a:r>
+            <a:r>
+              <a:rPr lang="en-US" dirty="0" smtClean="0"/>
+              <a:t>”</a:t>
+            </a:r>
+          </a:p>
+          <a:p>
+            <a:pPr lvl="1"/>
+            <a:r>
+              <a:rPr lang="en-US" dirty="0" smtClean="0"/>
+              <a:t>sorry, couldn’t stop myself…</a:t>
+            </a:r>
+            <a:endParaRPr lang="en-US" dirty="0"/>
+          </a:p>
+        </p:txBody>
+      </p:sp>
+      <p:pic>
+        <p:nvPicPr>
+          <p:cNvPr id="4" name="Picture 3"/>
+          <p:cNvPicPr>
+            <a:picLocks noChangeAspect="1"/>
+          </p:cNvPicPr>
+          <p:nvPr/>
+        </p:nvPicPr>
+        <p:blipFill>
+          <a:blip r:embed="rId2"/>
+          <a:stretch>
+            <a:fillRect/>
+          </a:stretch>
+        </p:blipFill>
+        <p:spPr>
+          <a:xfrm>
+            <a:off x="7622974" y="3528917"/>
+            <a:ext cx="4238369" cy="3174686"/>
+          </a:xfrm>
+          <a:prstGeom prst="rect">
+            <a:avLst/>
+          </a:prstGeom>
+        </p:spPr>
+      </p:pic>
+    </p:spTree>
+    <p:extLst>
+      <p:ext uri="{BB962C8B-B14F-4D97-AF65-F5344CB8AC3E}">
+        <p14:creationId xmlns:p14="http://schemas.microsoft.com/office/powerpoint/2010/main" val="2258621196"/>
+      </p:ext>
+    </p:extLst>
+  </p:cSld>
+  <p:clrMapOvr>
+    <a:masterClrMapping/>
+  </p:clrMapOvr>
+</p:sld>
+</file>
+
+<file path=ppt/slides/slide20.xml><?xml version="1.0" encoding="utf-8"?>
 <p:sld xmlns:a="http://schemas.openxmlformats.org/drawingml/2006/main" xmlns:r="http://schemas.openxmlformats.org/officeDocument/2006/relationships" xmlns:p="http://schemas.openxmlformats.org/presentationml/2006/main">
   <p:cSld>
     <p:spTree>
@@ -6656,128 +6829,7 @@
 </p:sld>
 </file>
 
-<file path=ppt/slides/slide2.xml><?xml version="1.0" encoding="utf-8"?>
-<p:sld xmlns:a="http://schemas.openxmlformats.org/drawingml/2006/main" xmlns:r="http://schemas.openxmlformats.org/officeDocument/2006/relationships" xmlns:p="http://schemas.openxmlformats.org/presentationml/2006/main">
-  <p:cSld>
-    <p:spTree>
-      <p:nvGrpSpPr>
-        <p:cNvPr id="1" name=""/>
-        <p:cNvGrpSpPr/>
-        <p:nvPr/>
-      </p:nvGrpSpPr>
-      <p:grpSpPr>
-        <a:xfrm>
-          <a:off x="0" y="0"/>
-          <a:ext cx="0" cy="0"/>
-          <a:chOff x="0" y="0"/>
-          <a:chExt cx="0" cy="0"/>
-        </a:xfrm>
-      </p:grpSpPr>
-      <p:sp>
-        <p:nvSpPr>
-          <p:cNvPr id="2" name="Title 1"/>
-          <p:cNvSpPr>
-            <a:spLocks noGrp="1"/>
-          </p:cNvSpPr>
-          <p:nvPr>
-            <p:ph type="title"/>
-          </p:nvPr>
-        </p:nvSpPr>
-        <p:spPr/>
-        <p:txBody>
-          <a:bodyPr/>
-          <a:lstStyle/>
-          <a:p>
-            <a:r>
-              <a:rPr lang="en-US" dirty="0"/>
-              <a:t>Course Info</a:t>
-            </a:r>
-          </a:p>
-        </p:txBody>
-      </p:sp>
-      <p:sp>
-        <p:nvSpPr>
-          <p:cNvPr id="3" name="Content Placeholder 2"/>
-          <p:cNvSpPr>
-            <a:spLocks noGrp="1"/>
-          </p:cNvSpPr>
-          <p:nvPr>
-            <p:ph idx="1"/>
-          </p:nvPr>
-        </p:nvSpPr>
-        <p:spPr>
-          <a:xfrm>
-            <a:off x="373380" y="1825625"/>
-            <a:ext cx="11590020" cy="4351338"/>
-          </a:xfrm>
-        </p:spPr>
-        <p:txBody>
-          <a:bodyPr>
-            <a:normAutofit/>
-          </a:bodyPr>
-          <a:lstStyle/>
-          <a:p>
-            <a:pPr marL="0" indent="0">
-              <a:buNone/>
-            </a:pPr>
-            <a:endParaRPr lang="en-US" dirty="0"/>
-          </a:p>
-          <a:p>
-            <a:r>
-              <a:rPr lang="en-US" dirty="0"/>
-              <a:t>12 lessons, once a week</a:t>
-            </a:r>
-          </a:p>
-          <a:p>
-            <a:endParaRPr lang="en-US" dirty="0"/>
-          </a:p>
-          <a:p>
-            <a:r>
-              <a:rPr lang="en-US" dirty="0"/>
-              <a:t>Check </a:t>
-            </a:r>
-            <a:r>
-              <a:rPr lang="en-US" dirty="0" err="1"/>
-              <a:t>TimeEdit</a:t>
-            </a:r>
-            <a:r>
-              <a:rPr lang="en-US" dirty="0"/>
-              <a:t> for possible changes of time and rooms</a:t>
-            </a:r>
-          </a:p>
-          <a:p>
-            <a:endParaRPr lang="en-US" dirty="0"/>
-          </a:p>
-          <a:p>
-            <a:r>
-              <a:rPr lang="en-US" dirty="0"/>
-              <a:t>During the course, do </a:t>
-            </a:r>
-            <a:r>
-              <a:rPr lang="en-US" b="1" dirty="0"/>
-              <a:t>NOT</a:t>
-            </a:r>
-            <a:r>
-              <a:rPr lang="en-US" dirty="0"/>
-              <a:t> send me private messages, but rather use the discussion forum of the course</a:t>
-            </a:r>
-          </a:p>
-        </p:txBody>
-      </p:sp>
-    </p:spTree>
-    <p:extLst>
-      <p:ext uri="{BB962C8B-B14F-4D97-AF65-F5344CB8AC3E}">
-        <p14:creationId xmlns:p14="http://schemas.microsoft.com/office/powerpoint/2010/main" val="772506603"/>
-      </p:ext>
-    </p:extLst>
-  </p:cSld>
-  <p:clrMapOvr>
-    <a:masterClrMapping/>
-  </p:clrMapOvr>
-</p:sld>
-</file>
-
-<file path=ppt/slides/slide20.xml><?xml version="1.0" encoding="utf-8"?>
+<file path=ppt/slides/slide21.xml><?xml version="1.0" encoding="utf-8"?>
 <p:sld xmlns:a="http://schemas.openxmlformats.org/drawingml/2006/main" xmlns:r="http://schemas.openxmlformats.org/officeDocument/2006/relationships" xmlns:p="http://schemas.openxmlformats.org/presentationml/2006/main">
   <p:cSld>
     <p:spTree>
@@ -7267,7 +7319,7 @@
 </p:sld>
 </file>
 
-<file path=ppt/slides/slide21.xml><?xml version="1.0" encoding="utf-8"?>
+<file path=ppt/slides/slide22.xml><?xml version="1.0" encoding="utf-8"?>
 <p:sld xmlns:a="http://schemas.openxmlformats.org/drawingml/2006/main" xmlns:r="http://schemas.openxmlformats.org/officeDocument/2006/relationships" xmlns:p="http://schemas.openxmlformats.org/presentationml/2006/main">
   <p:cSld>
     <p:spTree>
@@ -8582,7 +8634,7 @@
 </p:sld>
 </file>
 
-<file path=ppt/slides/slide22.xml><?xml version="1.0" encoding="utf-8"?>
+<file path=ppt/slides/slide23.xml><?xml version="1.0" encoding="utf-8"?>
 <p:sld xmlns:a="http://schemas.openxmlformats.org/drawingml/2006/main" xmlns:r="http://schemas.openxmlformats.org/officeDocument/2006/relationships" xmlns:p="http://schemas.openxmlformats.org/presentationml/2006/main">
   <p:cSld>
     <p:spTree>
@@ -9182,7 +9234,7 @@
 </p:sld>
 </file>
 
-<file path=ppt/slides/slide23.xml><?xml version="1.0" encoding="utf-8"?>
+<file path=ppt/slides/slide24.xml><?xml version="1.0" encoding="utf-8"?>
 <p:sld xmlns:a="http://schemas.openxmlformats.org/drawingml/2006/main" xmlns:r="http://schemas.openxmlformats.org/officeDocument/2006/relationships" xmlns:p="http://schemas.openxmlformats.org/presentationml/2006/main">
   <p:cSld>
     <p:spTree>
@@ -9808,7 +9860,7 @@
 </p:sld>
 </file>
 
-<file path=ppt/slides/slide24.xml><?xml version="1.0" encoding="utf-8"?>
+<file path=ppt/slides/slide25.xml><?xml version="1.0" encoding="utf-8"?>
 <p:sld xmlns:a="http://schemas.openxmlformats.org/drawingml/2006/main" xmlns:r="http://schemas.openxmlformats.org/officeDocument/2006/relationships" xmlns:p="http://schemas.openxmlformats.org/presentationml/2006/main">
   <p:cSld>
     <p:spTree>
@@ -10144,7 +10196,7 @@
 </p:sld>
 </file>
 
-<file path=ppt/slides/slide25.xml><?xml version="1.0" encoding="utf-8"?>
+<file path=ppt/slides/slide26.xml><?xml version="1.0" encoding="utf-8"?>
 <p:sld xmlns:a="http://schemas.openxmlformats.org/drawingml/2006/main" xmlns:r="http://schemas.openxmlformats.org/officeDocument/2006/relationships" xmlns:p="http://schemas.openxmlformats.org/presentationml/2006/main">
   <p:cSld>
     <p:spTree>
@@ -11328,7 +11380,7 @@
 </p:sld>
 </file>
 
-<file path=ppt/slides/slide26.xml><?xml version="1.0" encoding="utf-8"?>
+<file path=ppt/slides/slide27.xml><?xml version="1.0" encoding="utf-8"?>
 <p:sld xmlns:a="http://schemas.openxmlformats.org/drawingml/2006/main" xmlns:r="http://schemas.openxmlformats.org/officeDocument/2006/relationships" xmlns:p="http://schemas.openxmlformats.org/presentationml/2006/main">
   <p:cSld>
     <p:spTree>
@@ -11750,140 +11802,6 @@
     <p:extLst>
       <p:ext uri="{BB962C8B-B14F-4D97-AF65-F5344CB8AC3E}">
         <p14:creationId xmlns:p14="http://schemas.microsoft.com/office/powerpoint/2010/main" val="2647299808"/>
-      </p:ext>
-    </p:extLst>
-  </p:cSld>
-  <p:clrMapOvr>
-    <a:masterClrMapping/>
-  </p:clrMapOvr>
-  <p:transition spd="med"/>
-</p:sld>
-</file>
-
-<file path=ppt/slides/slide27.xml><?xml version="1.0" encoding="utf-8"?>
-<p:sld xmlns:a="http://schemas.openxmlformats.org/drawingml/2006/main" xmlns:r="http://schemas.openxmlformats.org/officeDocument/2006/relationships" xmlns:p="http://schemas.openxmlformats.org/presentationml/2006/main">
-  <p:cSld>
-    <p:spTree>
-      <p:nvGrpSpPr>
-        <p:cNvPr id="1" name=""/>
-        <p:cNvGrpSpPr/>
-        <p:nvPr/>
-      </p:nvGrpSpPr>
-      <p:grpSpPr>
-        <a:xfrm>
-          <a:off x="0" y="0"/>
-          <a:ext cx="0" cy="0"/>
-          <a:chOff x="0" y="0"/>
-          <a:chExt cx="0" cy="0"/>
-        </a:xfrm>
-      </p:grpSpPr>
-      <p:sp>
-        <p:nvSpPr>
-          <p:cNvPr id="2" name="Title 1"/>
-          <p:cNvSpPr>
-            <a:spLocks noGrp="1"/>
-          </p:cNvSpPr>
-          <p:nvPr>
-            <p:ph type="title"/>
-          </p:nvPr>
-        </p:nvSpPr>
-        <p:spPr/>
-        <p:txBody>
-          <a:bodyPr>
-            <a:normAutofit/>
-          </a:bodyPr>
-          <a:lstStyle/>
-          <a:p>
-            <a:r>
-              <a:rPr lang="en-US" sz="6600" dirty="0"/>
-              <a:t>Functional Programming</a:t>
-            </a:r>
-          </a:p>
-        </p:txBody>
-      </p:sp>
-      <p:sp>
-        <p:nvSpPr>
-          <p:cNvPr id="3" name="Text Placeholder 2"/>
-          <p:cNvSpPr>
-            <a:spLocks noGrp="1"/>
-          </p:cNvSpPr>
-          <p:nvPr>
-            <p:ph type="body" idx="1"/>
-          </p:nvPr>
-        </p:nvSpPr>
-        <p:spPr>
-          <a:xfrm>
-            <a:off x="228599" y="1825625"/>
-            <a:ext cx="11615057" cy="4782004"/>
-          </a:xfrm>
-        </p:spPr>
-        <p:txBody>
-          <a:bodyPr>
-            <a:normAutofit/>
-          </a:bodyPr>
-          <a:lstStyle/>
-          <a:p>
-            <a:r>
-              <a:rPr lang="en-US" sz="3600" dirty="0" err="1"/>
-              <a:t>Kotlin</a:t>
-            </a:r>
-            <a:r>
-              <a:rPr lang="en-US" sz="3600" dirty="0"/>
-              <a:t> is not as good for FP as Scala, but provides more abstractions/utilities compared to Java </a:t>
-            </a:r>
-          </a:p>
-          <a:p>
-            <a:endParaRPr lang="en-US" sz="3600" dirty="0"/>
-          </a:p>
-          <a:p>
-            <a:r>
-              <a:rPr lang="en-US" sz="3600" dirty="0"/>
-              <a:t>All objects have the methods: </a:t>
-            </a:r>
-            <a:r>
-              <a:rPr lang="en-US" sz="3600" b="1" dirty="0"/>
-              <a:t>let</a:t>
-            </a:r>
-            <a:r>
-              <a:rPr lang="en-US" sz="3600" dirty="0"/>
-              <a:t>, </a:t>
-            </a:r>
-            <a:r>
-              <a:rPr lang="en-US" sz="3600" b="1" dirty="0"/>
-              <a:t>apply</a:t>
-            </a:r>
-            <a:r>
-              <a:rPr lang="en-US" sz="3600" dirty="0"/>
-              <a:t>, </a:t>
-            </a:r>
-            <a:r>
-              <a:rPr lang="en-US" sz="3600" b="1" dirty="0"/>
-              <a:t>run</a:t>
-            </a:r>
-            <a:r>
-              <a:rPr lang="en-US" sz="3600" dirty="0"/>
-              <a:t>, </a:t>
-            </a:r>
-            <a:r>
-              <a:rPr lang="en-US" sz="3600" b="1" dirty="0"/>
-              <a:t>also</a:t>
-            </a:r>
-          </a:p>
-          <a:p>
-            <a:endParaRPr lang="en-US" sz="3600" b="1" dirty="0"/>
-          </a:p>
-          <a:p>
-            <a:r>
-              <a:rPr lang="en-US" sz="3600" dirty="0"/>
-              <a:t>Useful when using streams or trying to avoid creating local variables</a:t>
-            </a:r>
-          </a:p>
-        </p:txBody>
-      </p:sp>
-    </p:spTree>
-    <p:extLst>
-      <p:ext uri="{BB962C8B-B14F-4D97-AF65-F5344CB8AC3E}">
-        <p14:creationId xmlns:p14="http://schemas.microsoft.com/office/powerpoint/2010/main" val="3714007962"/>
       </p:ext>
     </p:extLst>
   </p:cSld>
@@ -11930,6 +11848,140 @@
           <a:p>
             <a:r>
               <a:rPr lang="en-US" sz="6600" dirty="0"/>
+              <a:t>Functional Programming</a:t>
+            </a:r>
+          </a:p>
+        </p:txBody>
+      </p:sp>
+      <p:sp>
+        <p:nvSpPr>
+          <p:cNvPr id="3" name="Text Placeholder 2"/>
+          <p:cNvSpPr>
+            <a:spLocks noGrp="1"/>
+          </p:cNvSpPr>
+          <p:nvPr>
+            <p:ph type="body" idx="1"/>
+          </p:nvPr>
+        </p:nvSpPr>
+        <p:spPr>
+          <a:xfrm>
+            <a:off x="228599" y="1825625"/>
+            <a:ext cx="11615057" cy="4782004"/>
+          </a:xfrm>
+        </p:spPr>
+        <p:txBody>
+          <a:bodyPr>
+            <a:normAutofit/>
+          </a:bodyPr>
+          <a:lstStyle/>
+          <a:p>
+            <a:r>
+              <a:rPr lang="en-US" sz="3600" dirty="0" err="1"/>
+              <a:t>Kotlin</a:t>
+            </a:r>
+            <a:r>
+              <a:rPr lang="en-US" sz="3600" dirty="0"/>
+              <a:t> is not as good for FP as Scala, but provides more abstractions/utilities compared to Java </a:t>
+            </a:r>
+          </a:p>
+          <a:p>
+            <a:endParaRPr lang="en-US" sz="3600" dirty="0"/>
+          </a:p>
+          <a:p>
+            <a:r>
+              <a:rPr lang="en-US" sz="3600" dirty="0"/>
+              <a:t>All objects have the methods: </a:t>
+            </a:r>
+            <a:r>
+              <a:rPr lang="en-US" sz="3600" b="1" dirty="0"/>
+              <a:t>let</a:t>
+            </a:r>
+            <a:r>
+              <a:rPr lang="en-US" sz="3600" dirty="0"/>
+              <a:t>, </a:t>
+            </a:r>
+            <a:r>
+              <a:rPr lang="en-US" sz="3600" b="1" dirty="0"/>
+              <a:t>apply</a:t>
+            </a:r>
+            <a:r>
+              <a:rPr lang="en-US" sz="3600" dirty="0"/>
+              <a:t>, </a:t>
+            </a:r>
+            <a:r>
+              <a:rPr lang="en-US" sz="3600" b="1" dirty="0"/>
+              <a:t>run</a:t>
+            </a:r>
+            <a:r>
+              <a:rPr lang="en-US" sz="3600" dirty="0"/>
+              <a:t>, </a:t>
+            </a:r>
+            <a:r>
+              <a:rPr lang="en-US" sz="3600" b="1" dirty="0"/>
+              <a:t>also</a:t>
+            </a:r>
+          </a:p>
+          <a:p>
+            <a:endParaRPr lang="en-US" sz="3600" b="1" dirty="0"/>
+          </a:p>
+          <a:p>
+            <a:r>
+              <a:rPr lang="en-US" sz="3600" dirty="0"/>
+              <a:t>Useful when using streams or trying to avoid creating local variables</a:t>
+            </a:r>
+          </a:p>
+        </p:txBody>
+      </p:sp>
+    </p:spTree>
+    <p:extLst>
+      <p:ext uri="{BB962C8B-B14F-4D97-AF65-F5344CB8AC3E}">
+        <p14:creationId xmlns:p14="http://schemas.microsoft.com/office/powerpoint/2010/main" val="3714007962"/>
+      </p:ext>
+    </p:extLst>
+  </p:cSld>
+  <p:clrMapOvr>
+    <a:masterClrMapping/>
+  </p:clrMapOvr>
+  <p:transition spd="med"/>
+</p:sld>
+</file>
+
+<file path=ppt/slides/slide29.xml><?xml version="1.0" encoding="utf-8"?>
+<p:sld xmlns:a="http://schemas.openxmlformats.org/drawingml/2006/main" xmlns:r="http://schemas.openxmlformats.org/officeDocument/2006/relationships" xmlns:p="http://schemas.openxmlformats.org/presentationml/2006/main">
+  <p:cSld>
+    <p:spTree>
+      <p:nvGrpSpPr>
+        <p:cNvPr id="1" name=""/>
+        <p:cNvGrpSpPr/>
+        <p:nvPr/>
+      </p:nvGrpSpPr>
+      <p:grpSpPr>
+        <a:xfrm>
+          <a:off x="0" y="0"/>
+          <a:ext cx="0" cy="0"/>
+          <a:chOff x="0" y="0"/>
+          <a:chExt cx="0" cy="0"/>
+        </a:xfrm>
+      </p:grpSpPr>
+      <p:sp>
+        <p:nvSpPr>
+          <p:cNvPr id="2" name="Title 1"/>
+          <p:cNvSpPr>
+            <a:spLocks noGrp="1"/>
+          </p:cNvSpPr>
+          <p:nvPr>
+            <p:ph type="title"/>
+          </p:nvPr>
+        </p:nvSpPr>
+        <p:spPr/>
+        <p:txBody>
+          <a:bodyPr>
+            <a:normAutofit/>
+          </a:bodyPr>
+          <a:lstStyle/>
+          <a:p>
+            <a:r>
+              <a:rPr lang="en-US" sz="6600" dirty="0"/>
               <a:t>let, apply, run, also</a:t>
             </a:r>
           </a:p>
@@ -12027,7 +12079,128 @@
 </p:sld>
 </file>
 
-<file path=ppt/slides/slide29.xml><?xml version="1.0" encoding="utf-8"?>
+<file path=ppt/slides/slide3.xml><?xml version="1.0" encoding="utf-8"?>
+<p:sld xmlns:a="http://schemas.openxmlformats.org/drawingml/2006/main" xmlns:r="http://schemas.openxmlformats.org/officeDocument/2006/relationships" xmlns:p="http://schemas.openxmlformats.org/presentationml/2006/main">
+  <p:cSld>
+    <p:spTree>
+      <p:nvGrpSpPr>
+        <p:cNvPr id="1" name=""/>
+        <p:cNvGrpSpPr/>
+        <p:nvPr/>
+      </p:nvGrpSpPr>
+      <p:grpSpPr>
+        <a:xfrm>
+          <a:off x="0" y="0"/>
+          <a:ext cx="0" cy="0"/>
+          <a:chOff x="0" y="0"/>
+          <a:chExt cx="0" cy="0"/>
+        </a:xfrm>
+      </p:grpSpPr>
+      <p:sp>
+        <p:nvSpPr>
+          <p:cNvPr id="2" name="Title 1"/>
+          <p:cNvSpPr>
+            <a:spLocks noGrp="1"/>
+          </p:cNvSpPr>
+          <p:nvPr>
+            <p:ph type="title"/>
+          </p:nvPr>
+        </p:nvSpPr>
+        <p:spPr/>
+        <p:txBody>
+          <a:bodyPr/>
+          <a:lstStyle/>
+          <a:p>
+            <a:r>
+              <a:rPr lang="en-US" dirty="0"/>
+              <a:t>Course Info</a:t>
+            </a:r>
+          </a:p>
+        </p:txBody>
+      </p:sp>
+      <p:sp>
+        <p:nvSpPr>
+          <p:cNvPr id="3" name="Content Placeholder 2"/>
+          <p:cNvSpPr>
+            <a:spLocks noGrp="1"/>
+          </p:cNvSpPr>
+          <p:nvPr>
+            <p:ph idx="1"/>
+          </p:nvPr>
+        </p:nvSpPr>
+        <p:spPr>
+          <a:xfrm>
+            <a:off x="373380" y="1825625"/>
+            <a:ext cx="11590020" cy="4351338"/>
+          </a:xfrm>
+        </p:spPr>
+        <p:txBody>
+          <a:bodyPr>
+            <a:normAutofit/>
+          </a:bodyPr>
+          <a:lstStyle/>
+          <a:p>
+            <a:pPr marL="0" indent="0">
+              <a:buNone/>
+            </a:pPr>
+            <a:endParaRPr lang="en-US" dirty="0"/>
+          </a:p>
+          <a:p>
+            <a:r>
+              <a:rPr lang="en-US" dirty="0"/>
+              <a:t>12 lessons, once a week</a:t>
+            </a:r>
+          </a:p>
+          <a:p>
+            <a:endParaRPr lang="en-US" dirty="0"/>
+          </a:p>
+          <a:p>
+            <a:r>
+              <a:rPr lang="en-US" dirty="0"/>
+              <a:t>Check </a:t>
+            </a:r>
+            <a:r>
+              <a:rPr lang="en-US" dirty="0" err="1"/>
+              <a:t>TimeEdit</a:t>
+            </a:r>
+            <a:r>
+              <a:rPr lang="en-US" dirty="0"/>
+              <a:t> for possible changes of time and rooms</a:t>
+            </a:r>
+          </a:p>
+          <a:p>
+            <a:endParaRPr lang="en-US" dirty="0"/>
+          </a:p>
+          <a:p>
+            <a:r>
+              <a:rPr lang="en-US" dirty="0"/>
+              <a:t>During the course, do </a:t>
+            </a:r>
+            <a:r>
+              <a:rPr lang="en-US" b="1" dirty="0"/>
+              <a:t>NOT</a:t>
+            </a:r>
+            <a:r>
+              <a:rPr lang="en-US" dirty="0"/>
+              <a:t> send me private messages, but rather use the discussion forum of the course</a:t>
+            </a:r>
+          </a:p>
+        </p:txBody>
+      </p:sp>
+    </p:spTree>
+    <p:extLst>
+      <p:ext uri="{BB962C8B-B14F-4D97-AF65-F5344CB8AC3E}">
+        <p14:creationId xmlns:p14="http://schemas.microsoft.com/office/powerpoint/2010/main" val="772506603"/>
+      </p:ext>
+    </p:extLst>
+  </p:cSld>
+  <p:clrMapOvr>
+    <a:masterClrMapping/>
+  </p:clrMapOvr>
+</p:sld>
+</file>
+
+<file path=ppt/slides/slide30.xml><?xml version="1.0" encoding="utf-8"?>
 <p:sld xmlns:a="http://schemas.openxmlformats.org/drawingml/2006/main" xmlns:r="http://schemas.openxmlformats.org/officeDocument/2006/relationships" xmlns:p="http://schemas.openxmlformats.org/presentationml/2006/main">
   <p:cSld>
     <p:spTree>
@@ -12409,119 +12582,7 @@
 </p:sld>
 </file>
 
-<file path=ppt/slides/slide3.xml><?xml version="1.0" encoding="utf-8"?>
-<p:sld xmlns:a="http://schemas.openxmlformats.org/drawingml/2006/main" xmlns:r="http://schemas.openxmlformats.org/officeDocument/2006/relationships" xmlns:p="http://schemas.openxmlformats.org/presentationml/2006/main">
-  <p:cSld>
-    <p:spTree>
-      <p:nvGrpSpPr>
-        <p:cNvPr id="1" name=""/>
-        <p:cNvGrpSpPr/>
-        <p:nvPr/>
-      </p:nvGrpSpPr>
-      <p:grpSpPr>
-        <a:xfrm>
-          <a:off x="0" y="0"/>
-          <a:ext cx="0" cy="0"/>
-          <a:chOff x="0" y="0"/>
-          <a:chExt cx="0" cy="0"/>
-        </a:xfrm>
-      </p:grpSpPr>
-      <p:sp>
-        <p:nvSpPr>
-          <p:cNvPr id="2" name="Title 1"/>
-          <p:cNvSpPr>
-            <a:spLocks noGrp="1"/>
-          </p:cNvSpPr>
-          <p:nvPr>
-            <p:ph type="title"/>
-          </p:nvPr>
-        </p:nvSpPr>
-        <p:spPr/>
-        <p:txBody>
-          <a:bodyPr/>
-          <a:lstStyle/>
-          <a:p>
-            <a:r>
-              <a:rPr lang="en-US" dirty="0"/>
-              <a:t>Class Structure</a:t>
-            </a:r>
-          </a:p>
-        </p:txBody>
-      </p:sp>
-      <p:sp>
-        <p:nvSpPr>
-          <p:cNvPr id="3" name="Content Placeholder 2"/>
-          <p:cNvSpPr>
-            <a:spLocks noGrp="1"/>
-          </p:cNvSpPr>
-          <p:nvPr>
-            <p:ph idx="1"/>
-          </p:nvPr>
-        </p:nvSpPr>
-        <p:spPr>
-          <a:xfrm>
-            <a:off x="391885" y="1825625"/>
-            <a:ext cx="11538857" cy="4760232"/>
-          </a:xfrm>
-        </p:spPr>
-        <p:txBody>
-          <a:bodyPr/>
-          <a:lstStyle/>
-          <a:p>
-            <a:r>
-              <a:rPr lang="en-US" dirty="0"/>
-              <a:t>“Usually”  2+2</a:t>
-            </a:r>
-          </a:p>
-          <a:p>
-            <a:pPr lvl="1"/>
-            <a:r>
-              <a:rPr lang="en-US" dirty="0"/>
-              <a:t>2 hours of lecture: code (and very few slides…)</a:t>
-            </a:r>
-          </a:p>
-          <a:p>
-            <a:pPr lvl="1"/>
-            <a:r>
-              <a:rPr lang="en-US" dirty="0"/>
-              <a:t>2 hours in which you should do exercises and get help</a:t>
-            </a:r>
-          </a:p>
-          <a:p>
-            <a:pPr marL="457200" lvl="1" indent="0">
-              <a:buNone/>
-            </a:pPr>
-            <a:endParaRPr lang="en-US" dirty="0"/>
-          </a:p>
-          <a:p>
-            <a:r>
-              <a:rPr lang="en-US" b="1" dirty="0"/>
-              <a:t>IMPORTANT</a:t>
-            </a:r>
-            <a:r>
-              <a:rPr lang="en-US" dirty="0"/>
-              <a:t>: the 2 hours after lecture is not only for exercises. If you are falling behind, or you need some more revision, you can ask for my help on anything related to coding</a:t>
-            </a:r>
-          </a:p>
-          <a:p>
-            <a:endParaRPr lang="en-US" dirty="0"/>
-          </a:p>
-        </p:txBody>
-      </p:sp>
-    </p:spTree>
-    <p:extLst>
-      <p:ext uri="{BB962C8B-B14F-4D97-AF65-F5344CB8AC3E}">
-        <p14:creationId xmlns:p14="http://schemas.microsoft.com/office/powerpoint/2010/main" val="2293593486"/>
-      </p:ext>
-    </p:extLst>
-  </p:cSld>
-  <p:clrMapOvr>
-    <a:masterClrMapping/>
-  </p:clrMapOvr>
-</p:sld>
-</file>
-
-<file path=ppt/slides/slide30.xml><?xml version="1.0" encoding="utf-8"?>
+<file path=ppt/slides/slide31.xml><?xml version="1.0" encoding="utf-8"?>
 <p:sld xmlns:a="http://schemas.openxmlformats.org/drawingml/2006/main" xmlns:r="http://schemas.openxmlformats.org/officeDocument/2006/relationships" xmlns:p="http://schemas.openxmlformats.org/presentationml/2006/main">
   <p:cSld>
     <p:spTree>
@@ -13076,7 +13137,7 @@
 </p:sld>
 </file>
 
-<file path=ppt/slides/slide31.xml><?xml version="1.0" encoding="utf-8"?>
+<file path=ppt/slides/slide32.xml><?xml version="1.0" encoding="utf-8"?>
 <p:sld xmlns:a="http://schemas.openxmlformats.org/drawingml/2006/main" xmlns:r="http://schemas.openxmlformats.org/officeDocument/2006/relationships" xmlns:p="http://schemas.openxmlformats.org/presentationml/2006/main">
   <p:cSld>
     <p:spTree>
@@ -14016,7 +14077,7 @@
 </p:sld>
 </file>
 
-<file path=ppt/slides/slide32.xml><?xml version="1.0" encoding="utf-8"?>
+<file path=ppt/slides/slide33.xml><?xml version="1.0" encoding="utf-8"?>
 <p:sld xmlns:a="http://schemas.openxmlformats.org/drawingml/2006/main" xmlns:r="http://schemas.openxmlformats.org/officeDocument/2006/relationships" xmlns:p="http://schemas.openxmlformats.org/presentationml/2006/main">
   <p:cSld>
     <p:spTree>
@@ -15195,7 +15256,7 @@
 </p:sld>
 </file>
 
-<file path=ppt/slides/slide33.xml><?xml version="1.0" encoding="utf-8"?>
+<file path=ppt/slides/slide34.xml><?xml version="1.0" encoding="utf-8"?>
 <p:sld xmlns:a="http://schemas.openxmlformats.org/drawingml/2006/main" xmlns:r="http://schemas.openxmlformats.org/officeDocument/2006/relationships" xmlns:p="http://schemas.openxmlformats.org/presentationml/2006/main">
   <p:cSld>
     <p:spTree>
@@ -15296,203 +15357,6 @@
     <p:extLst>
       <p:ext uri="{BB962C8B-B14F-4D97-AF65-F5344CB8AC3E}">
         <p14:creationId xmlns:p14="http://schemas.microsoft.com/office/powerpoint/2010/main" val="1865981250"/>
-      </p:ext>
-    </p:extLst>
-  </p:cSld>
-  <p:clrMapOvr>
-    <a:masterClrMapping/>
-  </p:clrMapOvr>
-  <p:transition spd="med"/>
-</p:sld>
-</file>
-
-<file path=ppt/slides/slide34.xml><?xml version="1.0" encoding="utf-8"?>
-<p:sld xmlns:a="http://schemas.openxmlformats.org/drawingml/2006/main" xmlns:r="http://schemas.openxmlformats.org/officeDocument/2006/relationships" xmlns:p="http://schemas.openxmlformats.org/presentationml/2006/main">
-  <p:cSld>
-    <p:spTree>
-      <p:nvGrpSpPr>
-        <p:cNvPr id="1" name=""/>
-        <p:cNvGrpSpPr/>
-        <p:nvPr/>
-      </p:nvGrpSpPr>
-      <p:grpSpPr>
-        <a:xfrm>
-          <a:off x="0" y="0"/>
-          <a:ext cx="0" cy="0"/>
-          <a:chOff x="0" y="0"/>
-          <a:chExt cx="0" cy="0"/>
-        </a:xfrm>
-      </p:grpSpPr>
-      <p:sp>
-        <p:nvSpPr>
-          <p:cNvPr id="2" name="Title 1"/>
-          <p:cNvSpPr>
-            <a:spLocks noGrp="1"/>
-          </p:cNvSpPr>
-          <p:nvPr>
-            <p:ph type="title"/>
-          </p:nvPr>
-        </p:nvSpPr>
-        <p:spPr/>
-        <p:txBody>
-          <a:bodyPr>
-            <a:normAutofit/>
-          </a:bodyPr>
-          <a:lstStyle/>
-          <a:p>
-            <a:r>
-              <a:rPr lang="en-US" sz="6600" dirty="0" err="1"/>
-              <a:t>Kotlin</a:t>
-            </a:r>
-            <a:r>
-              <a:rPr lang="en-US" sz="6600" dirty="0"/>
-              <a:t> Negative Sides</a:t>
-            </a:r>
-          </a:p>
-        </p:txBody>
-      </p:sp>
-      <p:sp>
-        <p:nvSpPr>
-          <p:cNvPr id="3" name="Text Placeholder 2"/>
-          <p:cNvSpPr>
-            <a:spLocks noGrp="1"/>
-          </p:cNvSpPr>
-          <p:nvPr>
-            <p:ph type="body" idx="1"/>
-          </p:nvPr>
-        </p:nvSpPr>
-        <p:spPr>
-          <a:xfrm>
-            <a:off x="261257" y="1991320"/>
-            <a:ext cx="11647713" cy="4420195"/>
-          </a:xfrm>
-        </p:spPr>
-        <p:txBody>
-          <a:bodyPr>
-            <a:noAutofit/>
-          </a:bodyPr>
-          <a:lstStyle/>
-          <a:p>
-            <a:r>
-              <a:rPr lang="en-US" sz="3600" dirty="0"/>
-              <a:t>Nothing is perfect, and you will always find different opinions</a:t>
-            </a:r>
-          </a:p>
-          <a:p>
-            <a:r>
-              <a:rPr lang="en-US" sz="3600" dirty="0" err="1"/>
-              <a:t>Eg</a:t>
-            </a:r>
-            <a:r>
-              <a:rPr lang="en-US" sz="3600" dirty="0"/>
-              <a:t>, </a:t>
-            </a:r>
-            <a:r>
-              <a:rPr lang="en-US" sz="3600" i="1" dirty="0"/>
-              <a:t>minor </a:t>
-            </a:r>
-            <a:r>
-              <a:rPr lang="en-US" sz="3600" dirty="0"/>
-              <a:t>things I do not like in </a:t>
-            </a:r>
-            <a:r>
-              <a:rPr lang="en-US" sz="3600" dirty="0" err="1"/>
-              <a:t>Kotlin</a:t>
-            </a:r>
-            <a:endParaRPr lang="en-US" sz="3600" dirty="0"/>
-          </a:p>
-          <a:p>
-            <a:pPr lvl="1"/>
-            <a:r>
-              <a:rPr lang="en-US" sz="2400" dirty="0"/>
-              <a:t>No </a:t>
-            </a:r>
-            <a:r>
-              <a:rPr lang="en-US" sz="2400" i="1" dirty="0"/>
-              <a:t>ternary operator</a:t>
-            </a:r>
-            <a:r>
-              <a:rPr lang="en-US" sz="2400" dirty="0"/>
-              <a:t>, </a:t>
-            </a:r>
-            <a:r>
-              <a:rPr lang="en-US" sz="2400" dirty="0" err="1"/>
-              <a:t>eg</a:t>
-            </a:r>
-            <a:r>
-              <a:rPr lang="en-US" sz="2400" dirty="0"/>
-              <a:t>   “return x==5 ? 0 : 1 ”, although in </a:t>
-            </a:r>
-            <a:r>
-              <a:rPr lang="en-US" sz="2400" dirty="0" err="1"/>
-              <a:t>Kotlin</a:t>
-            </a:r>
-            <a:r>
-              <a:rPr lang="en-US" sz="2400" dirty="0"/>
-              <a:t> “if” is an expression, </a:t>
-            </a:r>
-            <a:r>
-              <a:rPr lang="en-US" sz="2400" dirty="0" err="1"/>
-              <a:t>eg</a:t>
-            </a:r>
-            <a:r>
-              <a:rPr lang="en-US" sz="2400" dirty="0"/>
-              <a:t> “return if(x==5) 0 else 1”</a:t>
-            </a:r>
-          </a:p>
-          <a:p>
-            <a:pPr lvl="1"/>
-            <a:r>
-              <a:rPr lang="en-US" sz="2400" dirty="0"/>
-              <a:t>Poor handling of </a:t>
-            </a:r>
-            <a:r>
-              <a:rPr lang="en-US" sz="2400" i="1" dirty="0"/>
-              <a:t>static methods, </a:t>
-            </a:r>
-            <a:r>
-              <a:rPr lang="en-US" sz="2400" dirty="0"/>
-              <a:t>but that might change in future releases</a:t>
-            </a:r>
-          </a:p>
-          <a:p>
-            <a:pPr lvl="1"/>
-            <a:r>
-              <a:rPr lang="en-US" sz="2400" dirty="0"/>
-              <a:t>Still rough edges regarding typing and generics</a:t>
-            </a:r>
-          </a:p>
-          <a:p>
-            <a:r>
-              <a:rPr lang="en-US" sz="3600" dirty="0"/>
-              <a:t>Lot of “magic” in </a:t>
-            </a:r>
-            <a:r>
-              <a:rPr lang="en-US" sz="3600" dirty="0" err="1"/>
-              <a:t>Kotlin</a:t>
-            </a:r>
-            <a:r>
-              <a:rPr lang="en-US" sz="3600" dirty="0"/>
-              <a:t>, so not recommended for total beginners (</a:t>
-            </a:r>
-            <a:r>
-              <a:rPr lang="en-US" sz="3600" dirty="0" err="1"/>
-              <a:t>ie</a:t>
-            </a:r>
-            <a:r>
-              <a:rPr lang="en-US" sz="3600" dirty="0"/>
-              <a:t> Java is a better introductory language)</a:t>
-            </a:r>
-          </a:p>
-          <a:p>
-            <a:endParaRPr lang="en-US" sz="3600" dirty="0"/>
-          </a:p>
-        </p:txBody>
-      </p:sp>
-    </p:spTree>
-    <p:extLst>
-      <p:ext uri="{BB962C8B-B14F-4D97-AF65-F5344CB8AC3E}">
-        <p14:creationId xmlns:p14="http://schemas.microsoft.com/office/powerpoint/2010/main" val="789895180"/>
       </p:ext>
     </p:extLst>
   </p:cSld>
@@ -15543,7 +15407,7 @@
             </a:r>
             <a:r>
               <a:rPr lang="en-US" sz="6600" dirty="0"/>
-              <a:t> Major Design Flaw</a:t>
+              <a:t> Negative Sides</a:t>
             </a:r>
           </a:p>
         </p:txBody>
@@ -15560,8 +15424,8 @@
         </p:nvSpPr>
         <p:spPr>
           <a:xfrm>
-            <a:off x="185057" y="1830586"/>
-            <a:ext cx="11745686" cy="4787928"/>
+            <a:off x="261257" y="1991320"/>
+            <a:ext cx="11647713" cy="4420195"/>
           </a:xfrm>
         </p:spPr>
         <p:txBody>
@@ -15572,67 +15436,97 @@
           <a:p>
             <a:r>
               <a:rPr lang="en-US" sz="3600" dirty="0"/>
-              <a:t>In </a:t>
+              <a:t>Nothing is perfect, and you will always find different opinions</a:t>
+            </a:r>
+          </a:p>
+          <a:p>
+            <a:r>
+              <a:rPr lang="en-US" sz="3600" dirty="0" err="1"/>
+              <a:t>Eg</a:t>
+            </a:r>
+            <a:r>
+              <a:rPr lang="en-US" sz="3600" dirty="0"/>
+              <a:t>, </a:t>
+            </a:r>
+            <a:r>
+              <a:rPr lang="en-US" sz="3600" i="1" dirty="0"/>
+              <a:t>minor </a:t>
+            </a:r>
+            <a:r>
+              <a:rPr lang="en-US" sz="3600" dirty="0"/>
+              <a:t>things I do not like in </a:t>
             </a:r>
             <a:r>
               <a:rPr lang="en-US" sz="3600" dirty="0" err="1"/>
               <a:t>Kotlin</a:t>
             </a:r>
+            <a:endParaRPr lang="en-US" sz="3600" dirty="0"/>
+          </a:p>
+          <a:p>
+            <a:pPr lvl="1"/>
+            <a:r>
+              <a:rPr lang="en-US" sz="2400" dirty="0"/>
+              <a:t>No </a:t>
+            </a:r>
+            <a:r>
+              <a:rPr lang="en-US" sz="2400" i="1" dirty="0"/>
+              <a:t>ternary operator</a:t>
+            </a:r>
+            <a:r>
+              <a:rPr lang="en-US" sz="2400" dirty="0"/>
+              <a:t>, </a:t>
+            </a:r>
+            <a:r>
+              <a:rPr lang="en-US" sz="2400" dirty="0" err="1"/>
+              <a:t>eg</a:t>
+            </a:r>
+            <a:r>
+              <a:rPr lang="en-US" sz="2400" dirty="0"/>
+              <a:t>   “return x==5 ? 0 : 1 ”, although in </a:t>
+            </a:r>
+            <a:r>
+              <a:rPr lang="en-US" sz="2400" dirty="0" err="1"/>
+              <a:t>Kotlin</a:t>
+            </a:r>
+            <a:r>
+              <a:rPr lang="en-US" sz="2400" dirty="0"/>
+              <a:t> “if” is an expression, </a:t>
+            </a:r>
+            <a:r>
+              <a:rPr lang="en-US" sz="2400" dirty="0" err="1"/>
+              <a:t>eg</a:t>
+            </a:r>
+            <a:r>
+              <a:rPr lang="en-US" sz="2400" dirty="0"/>
+              <a:t> “return if(x==5) 0 else 1”</a:t>
+            </a:r>
+          </a:p>
+          <a:p>
+            <a:pPr lvl="1"/>
+            <a:r>
+              <a:rPr lang="en-US" sz="2400" dirty="0"/>
+              <a:t>Poor handling of </a:t>
+            </a:r>
+            <a:r>
+              <a:rPr lang="en-US" sz="2400" i="1" dirty="0"/>
+              <a:t>static methods, </a:t>
+            </a:r>
+            <a:r>
+              <a:rPr lang="en-US" sz="2400" dirty="0"/>
+              <a:t>but that might change in future releases</a:t>
+            </a:r>
+          </a:p>
+          <a:p>
+            <a:pPr lvl="1"/>
+            <a:r>
+              <a:rPr lang="en-US" sz="2400" dirty="0"/>
+              <a:t>Still rough edges regarding typing and generics</a:t>
+            </a:r>
+          </a:p>
+          <a:p>
             <a:r>
               <a:rPr lang="en-US" sz="3600" dirty="0"/>
-              <a:t>, classes and methods are </a:t>
-            </a:r>
-            <a:r>
-              <a:rPr lang="en-US" sz="3600" i="1" dirty="0"/>
-              <a:t>final</a:t>
-            </a:r>
-            <a:r>
-              <a:rPr lang="en-US" sz="3600" dirty="0"/>
-              <a:t> by default</a:t>
-            </a:r>
-          </a:p>
-          <a:p>
-            <a:pPr lvl="1"/>
-            <a:r>
-              <a:rPr lang="en-US" sz="2400" dirty="0"/>
-              <a:t>You need to use keyword </a:t>
-            </a:r>
-            <a:r>
-              <a:rPr lang="en-US" sz="2400" i="1" dirty="0"/>
-              <a:t>open</a:t>
-            </a:r>
-            <a:r>
-              <a:rPr lang="en-US" sz="2400" dirty="0"/>
-              <a:t> to specify they can be overridden</a:t>
-            </a:r>
-          </a:p>
-          <a:p>
-            <a:r>
-              <a:rPr lang="en-US" sz="3600" i="1" dirty="0"/>
-              <a:t>Final by default is a solution to a near non-existent problem</a:t>
-            </a:r>
-          </a:p>
-          <a:p>
-            <a:r>
-              <a:rPr lang="en-US" sz="3600" dirty="0"/>
-              <a:t>And unfortunately it creates a lot, a lot of problems</a:t>
-            </a:r>
-          </a:p>
-          <a:p>
-            <a:pPr lvl="1"/>
-            <a:r>
-              <a:rPr lang="en-US" sz="2769" dirty="0" err="1"/>
-              <a:t>eg</a:t>
-            </a:r>
-            <a:r>
-              <a:rPr lang="en-US" sz="2769" dirty="0"/>
-              <a:t>, when dealing with libraries like Spring and Hibernate</a:t>
-            </a:r>
-          </a:p>
-          <a:p>
-            <a:r>
-              <a:rPr lang="en-US" sz="3600" dirty="0"/>
-              <a:t>Corollary: do not use </a:t>
+              <a:t>Lot of “magic” in </a:t>
             </a:r>
             <a:r>
               <a:rPr lang="en-US" sz="3600" dirty="0" err="1"/>
@@ -15640,31 +15534,26 @@
             </a:r>
             <a:r>
               <a:rPr lang="en-US" sz="3600" dirty="0"/>
-              <a:t> to write </a:t>
-            </a:r>
-            <a:r>
-              <a:rPr lang="en-US" sz="3600" b="1" dirty="0"/>
-              <a:t>libraries</a:t>
+              <a:t>, so not recommended for total beginners (</a:t>
+            </a:r>
+            <a:r>
+              <a:rPr lang="en-US" sz="3600" dirty="0" err="1"/>
+              <a:t>ie</a:t>
             </a:r>
             <a:r>
               <a:rPr lang="en-US" sz="3600" dirty="0"/>
-              <a:t>. If a library is written in </a:t>
-            </a:r>
-            <a:r>
-              <a:rPr lang="en-US" sz="3600" dirty="0" err="1"/>
-              <a:t>Kotlin</a:t>
-            </a:r>
-            <a:r>
-              <a:rPr lang="en-US" sz="3600" dirty="0"/>
-              <a:t>, avoid using it if another equivalent library exists in Java</a:t>
-            </a:r>
+              <a:t> Java is a better introductory language)</a:t>
+            </a:r>
+          </a:p>
+          <a:p>
+            <a:endParaRPr lang="en-US" sz="3600" dirty="0"/>
           </a:p>
         </p:txBody>
       </p:sp>
     </p:spTree>
     <p:extLst>
       <p:ext uri="{BB962C8B-B14F-4D97-AF65-F5344CB8AC3E}">
-        <p14:creationId xmlns:p14="http://schemas.microsoft.com/office/powerpoint/2010/main" val="3573066714"/>
+        <p14:creationId xmlns:p14="http://schemas.microsoft.com/office/powerpoint/2010/main" val="789895180"/>
       </p:ext>
     </p:extLst>
   </p:cSld>
@@ -15715,6 +15604,178 @@
             </a:r>
             <a:r>
               <a:rPr lang="en-US" sz="6600" dirty="0"/>
+              <a:t> Major Design Flaw</a:t>
+            </a:r>
+          </a:p>
+        </p:txBody>
+      </p:sp>
+      <p:sp>
+        <p:nvSpPr>
+          <p:cNvPr id="3" name="Text Placeholder 2"/>
+          <p:cNvSpPr>
+            <a:spLocks noGrp="1"/>
+          </p:cNvSpPr>
+          <p:nvPr>
+            <p:ph type="body" idx="1"/>
+          </p:nvPr>
+        </p:nvSpPr>
+        <p:spPr>
+          <a:xfrm>
+            <a:off x="185057" y="1830586"/>
+            <a:ext cx="11745686" cy="4787928"/>
+          </a:xfrm>
+        </p:spPr>
+        <p:txBody>
+          <a:bodyPr>
+            <a:noAutofit/>
+          </a:bodyPr>
+          <a:lstStyle/>
+          <a:p>
+            <a:r>
+              <a:rPr lang="en-US" sz="3600" dirty="0"/>
+              <a:t>In </a:t>
+            </a:r>
+            <a:r>
+              <a:rPr lang="en-US" sz="3600" dirty="0" err="1"/>
+              <a:t>Kotlin</a:t>
+            </a:r>
+            <a:r>
+              <a:rPr lang="en-US" sz="3600" dirty="0"/>
+              <a:t>, classes and methods are </a:t>
+            </a:r>
+            <a:r>
+              <a:rPr lang="en-US" sz="3600" i="1" dirty="0"/>
+              <a:t>final</a:t>
+            </a:r>
+            <a:r>
+              <a:rPr lang="en-US" sz="3600" dirty="0"/>
+              <a:t> by default</a:t>
+            </a:r>
+          </a:p>
+          <a:p>
+            <a:pPr lvl="1"/>
+            <a:r>
+              <a:rPr lang="en-US" sz="2400" dirty="0"/>
+              <a:t>You need to use keyword </a:t>
+            </a:r>
+            <a:r>
+              <a:rPr lang="en-US" sz="2400" i="1" dirty="0"/>
+              <a:t>open</a:t>
+            </a:r>
+            <a:r>
+              <a:rPr lang="en-US" sz="2400" dirty="0"/>
+              <a:t> to specify they can be overridden</a:t>
+            </a:r>
+          </a:p>
+          <a:p>
+            <a:r>
+              <a:rPr lang="en-US" sz="3600" i="1" dirty="0"/>
+              <a:t>Final by default is a solution to a near non-existent problem</a:t>
+            </a:r>
+          </a:p>
+          <a:p>
+            <a:r>
+              <a:rPr lang="en-US" sz="3600" dirty="0"/>
+              <a:t>And unfortunately it creates a lot, a lot of problems</a:t>
+            </a:r>
+          </a:p>
+          <a:p>
+            <a:pPr lvl="1"/>
+            <a:r>
+              <a:rPr lang="en-US" sz="2769" dirty="0" err="1"/>
+              <a:t>eg</a:t>
+            </a:r>
+            <a:r>
+              <a:rPr lang="en-US" sz="2769" dirty="0"/>
+              <a:t>, when dealing with libraries like Spring and Hibernate</a:t>
+            </a:r>
+          </a:p>
+          <a:p>
+            <a:r>
+              <a:rPr lang="en-US" sz="3600" dirty="0"/>
+              <a:t>Corollary: do not use </a:t>
+            </a:r>
+            <a:r>
+              <a:rPr lang="en-US" sz="3600" dirty="0" err="1"/>
+              <a:t>Kotlin</a:t>
+            </a:r>
+            <a:r>
+              <a:rPr lang="en-US" sz="3600" dirty="0"/>
+              <a:t> to write </a:t>
+            </a:r>
+            <a:r>
+              <a:rPr lang="en-US" sz="3600" b="1" dirty="0"/>
+              <a:t>libraries</a:t>
+            </a:r>
+            <a:r>
+              <a:rPr lang="en-US" sz="3600" dirty="0"/>
+              <a:t>. If a library is written in </a:t>
+            </a:r>
+            <a:r>
+              <a:rPr lang="en-US" sz="3600" dirty="0" err="1"/>
+              <a:t>Kotlin</a:t>
+            </a:r>
+            <a:r>
+              <a:rPr lang="en-US" sz="3600" dirty="0"/>
+              <a:t>, avoid using it if another equivalent library exists in Java</a:t>
+            </a:r>
+          </a:p>
+        </p:txBody>
+      </p:sp>
+    </p:spTree>
+    <p:extLst>
+      <p:ext uri="{BB962C8B-B14F-4D97-AF65-F5344CB8AC3E}">
+        <p14:creationId xmlns:p14="http://schemas.microsoft.com/office/powerpoint/2010/main" val="3573066714"/>
+      </p:ext>
+    </p:extLst>
+  </p:cSld>
+  <p:clrMapOvr>
+    <a:masterClrMapping/>
+  </p:clrMapOvr>
+  <p:transition spd="med"/>
+</p:sld>
+</file>
+
+<file path=ppt/slides/slide37.xml><?xml version="1.0" encoding="utf-8"?>
+<p:sld xmlns:a="http://schemas.openxmlformats.org/drawingml/2006/main" xmlns:r="http://schemas.openxmlformats.org/officeDocument/2006/relationships" xmlns:p="http://schemas.openxmlformats.org/presentationml/2006/main">
+  <p:cSld>
+    <p:spTree>
+      <p:nvGrpSpPr>
+        <p:cNvPr id="1" name=""/>
+        <p:cNvGrpSpPr/>
+        <p:nvPr/>
+      </p:nvGrpSpPr>
+      <p:grpSpPr>
+        <a:xfrm>
+          <a:off x="0" y="0"/>
+          <a:ext cx="0" cy="0"/>
+          <a:chOff x="0" y="0"/>
+          <a:chExt cx="0" cy="0"/>
+        </a:xfrm>
+      </p:grpSpPr>
+      <p:sp>
+        <p:nvSpPr>
+          <p:cNvPr id="2" name="Title 1"/>
+          <p:cNvSpPr>
+            <a:spLocks noGrp="1"/>
+          </p:cNvSpPr>
+          <p:nvPr>
+            <p:ph type="title"/>
+          </p:nvPr>
+        </p:nvSpPr>
+        <p:spPr/>
+        <p:txBody>
+          <a:bodyPr>
+            <a:normAutofit/>
+          </a:bodyPr>
+          <a:lstStyle/>
+          <a:p>
+            <a:r>
+              <a:rPr lang="en-US" sz="6600" dirty="0" err="1"/>
+              <a:t>Kotlin</a:t>
+            </a:r>
+            <a:r>
+              <a:rPr lang="en-US" sz="6600" dirty="0"/>
               <a:t> and Maven</a:t>
             </a:r>
           </a:p>
@@ -15797,7 +15858,7 @@
 </p:sld>
 </file>
 
-<file path=ppt/slides/slide37.xml><?xml version="1.0" encoding="utf-8"?>
+<file path=ppt/slides/slide38.xml><?xml version="1.0" encoding="utf-8"?>
 <p:sld xmlns:a="http://schemas.openxmlformats.org/drawingml/2006/main" xmlns:r="http://schemas.openxmlformats.org/officeDocument/2006/relationships" xmlns:p="http://schemas.openxmlformats.org/presentationml/2006/main">
   <p:cSld>
     <p:spTree>
@@ -15849,7 +15910,7 @@
 </p:sld>
 </file>
 
-<file path=ppt/slides/slide38.xml><?xml version="1.0" encoding="utf-8"?>
+<file path=ppt/slides/slide39.xml><?xml version="1.0" encoding="utf-8"?>
 <p:sld xmlns:a="http://schemas.openxmlformats.org/drawingml/2006/main" xmlns:r="http://schemas.openxmlformats.org/officeDocument/2006/relationships" xmlns:p="http://schemas.openxmlformats.org/presentationml/2006/main">
   <p:cSld>
     <p:spTree>
@@ -15944,160 +16005,6 @@
     <p:extLst>
       <p:ext uri="{BB962C8B-B14F-4D97-AF65-F5344CB8AC3E}">
         <p14:creationId xmlns:p14="http://schemas.microsoft.com/office/powerpoint/2010/main" val="2716049172"/>
-      </p:ext>
-    </p:extLst>
-  </p:cSld>
-  <p:clrMapOvr>
-    <a:masterClrMapping/>
-  </p:clrMapOvr>
-</p:sld>
-</file>
-
-<file path=ppt/slides/slide39.xml><?xml version="1.0" encoding="utf-8"?>
-<p:sld xmlns:a="http://schemas.openxmlformats.org/drawingml/2006/main" xmlns:r="http://schemas.openxmlformats.org/officeDocument/2006/relationships" xmlns:p="http://schemas.openxmlformats.org/presentationml/2006/main">
-  <p:cSld>
-    <p:spTree>
-      <p:nvGrpSpPr>
-        <p:cNvPr id="1" name=""/>
-        <p:cNvGrpSpPr/>
-        <p:nvPr/>
-      </p:nvGrpSpPr>
-      <p:grpSpPr>
-        <a:xfrm>
-          <a:off x="0" y="0"/>
-          <a:ext cx="0" cy="0"/>
-          <a:chOff x="0" y="0"/>
-          <a:chExt cx="0" cy="0"/>
-        </a:xfrm>
-      </p:grpSpPr>
-      <p:sp>
-        <p:nvSpPr>
-          <p:cNvPr id="2" name="Title 1"/>
-          <p:cNvSpPr>
-            <a:spLocks noGrp="1"/>
-          </p:cNvSpPr>
-          <p:nvPr>
-            <p:ph type="title"/>
-          </p:nvPr>
-        </p:nvSpPr>
-        <p:spPr/>
-        <p:txBody>
-          <a:bodyPr/>
-          <a:lstStyle/>
-          <a:p>
-            <a:r>
-              <a:rPr lang="en-US" dirty="0"/>
-              <a:t>Types of Web Services</a:t>
-            </a:r>
-          </a:p>
-        </p:txBody>
-      </p:sp>
-      <p:sp>
-        <p:nvSpPr>
-          <p:cNvPr id="3" name="Content Placeholder 2"/>
-          <p:cNvSpPr>
-            <a:spLocks noGrp="1"/>
-          </p:cNvSpPr>
-          <p:nvPr>
-            <p:ph idx="1"/>
-          </p:nvPr>
-        </p:nvSpPr>
-        <p:spPr>
-          <a:xfrm>
-            <a:off x="329784" y="1825624"/>
-            <a:ext cx="11587396" cy="4785037"/>
-          </a:xfrm>
-        </p:spPr>
-        <p:txBody>
-          <a:bodyPr>
-            <a:normAutofit fontScale="92500" lnSpcReduction="10000"/>
-          </a:bodyPr>
-          <a:lstStyle/>
-          <a:p>
-            <a:r>
-              <a:rPr lang="en-US" dirty="0"/>
-              <a:t>REST</a:t>
-            </a:r>
-          </a:p>
-          <a:p>
-            <a:pPr lvl="1"/>
-            <a:r>
-              <a:rPr lang="en-US" dirty="0"/>
-              <a:t>most common nowadays</a:t>
-            </a:r>
-          </a:p>
-          <a:p>
-            <a:pPr lvl="1"/>
-            <a:r>
-              <a:rPr lang="en-US" dirty="0"/>
-              <a:t>usually strongly tied to HTTP protocol</a:t>
-            </a:r>
-          </a:p>
-          <a:p>
-            <a:pPr lvl="1"/>
-            <a:r>
-              <a:rPr lang="en-US" i="1" dirty="0"/>
-              <a:t>not a protocol, but set of architectural guidelines</a:t>
-            </a:r>
-          </a:p>
-          <a:p>
-            <a:pPr lvl="1"/>
-            <a:r>
-              <a:rPr lang="en-US" dirty="0"/>
-              <a:t>typically serving data in JSON</a:t>
-            </a:r>
-          </a:p>
-          <a:p>
-            <a:r>
-              <a:rPr lang="en-US" dirty="0"/>
-              <a:t>SOAP</a:t>
-            </a:r>
-          </a:p>
-          <a:p>
-            <a:pPr lvl="1"/>
-            <a:r>
-              <a:rPr lang="en-US" dirty="0"/>
-              <a:t>very common in the past, but disappearing nowadays</a:t>
-            </a:r>
-          </a:p>
-          <a:p>
-            <a:pPr lvl="1"/>
-            <a:r>
-              <a:rPr lang="en-US" dirty="0"/>
-              <a:t>actual protocol, usually over HTTP</a:t>
-            </a:r>
-          </a:p>
-          <a:p>
-            <a:pPr lvl="1"/>
-            <a:r>
-              <a:rPr lang="en-US" dirty="0"/>
-              <a:t>tied to XML</a:t>
-            </a:r>
-          </a:p>
-          <a:p>
-            <a:r>
-              <a:rPr lang="en-US" dirty="0" err="1"/>
-              <a:t>GraphQL</a:t>
-            </a:r>
-            <a:endParaRPr lang="en-US" dirty="0"/>
-          </a:p>
-          <a:p>
-            <a:pPr lvl="1"/>
-            <a:r>
-              <a:rPr lang="en-US" dirty="0"/>
-              <a:t>the new kid </a:t>
-            </a:r>
-          </a:p>
-          <a:p>
-            <a:pPr lvl="1"/>
-            <a:endParaRPr lang="en-US" dirty="0"/>
-          </a:p>
-        </p:txBody>
-      </p:sp>
-    </p:spTree>
-    <p:extLst>
-      <p:ext uri="{BB962C8B-B14F-4D97-AF65-F5344CB8AC3E}">
-        <p14:creationId xmlns:p14="http://schemas.microsoft.com/office/powerpoint/2010/main" val="2198651122"/>
       </p:ext>
     </p:extLst>
   </p:cSld>
@@ -16141,7 +16048,7 @@
           <a:p>
             <a:r>
               <a:rPr lang="en-US" dirty="0"/>
-              <a:t>Necessary Tools</a:t>
+              <a:t>Class Structure</a:t>
             </a:r>
           </a:p>
         </p:txBody>
@@ -16158,92 +16065,50 @@
         </p:nvSpPr>
         <p:spPr>
           <a:xfrm>
-            <a:off x="359229" y="1825624"/>
-            <a:ext cx="11593285" cy="4666615"/>
+            <a:off x="391885" y="1825625"/>
+            <a:ext cx="11538857" cy="4760232"/>
           </a:xfrm>
         </p:spPr>
         <p:txBody>
-          <a:bodyPr>
-            <a:normAutofit fontScale="92500" lnSpcReduction="10000"/>
-          </a:bodyPr>
+          <a:bodyPr/>
           <a:lstStyle/>
           <a:p>
             <a:r>
               <a:rPr lang="en-US" dirty="0"/>
-              <a:t>JDK </a:t>
-            </a:r>
+              <a:t>“Usually”  2+2</a:t>
+            </a:r>
+          </a:p>
+          <a:p>
+            <a:pPr lvl="1"/>
+            <a:r>
+              <a:rPr lang="en-US" dirty="0"/>
+              <a:t>2 hours of lecture: code (and very few slides…)</a:t>
+            </a:r>
+          </a:p>
+          <a:p>
+            <a:pPr lvl="1"/>
+            <a:r>
+              <a:rPr lang="en-US" dirty="0"/>
+              <a:t>2 hours in which you should do exercises and get help</a:t>
+            </a:r>
+          </a:p>
+          <a:p>
+            <a:pPr marL="457200" lvl="1" indent="0">
+              <a:buNone/>
+            </a:pPr>
+            <a:endParaRPr lang="en-US" dirty="0"/>
+          </a:p>
+          <a:p>
             <a:r>
               <a:rPr lang="en-US" b="1" dirty="0"/>
-              <a:t>8</a:t>
-            </a:r>
-          </a:p>
-          <a:p>
-            <a:r>
-              <a:rPr lang="en-US" dirty="0" err="1"/>
-              <a:t>Git</a:t>
-            </a:r>
-            <a:endParaRPr lang="en-US" dirty="0"/>
-          </a:p>
-          <a:p>
-            <a:r>
-              <a:rPr lang="en-US" dirty="0" smtClean="0"/>
-              <a:t>Maven</a:t>
-            </a:r>
-          </a:p>
-          <a:p>
-            <a:r>
-              <a:rPr lang="en-US" dirty="0" smtClean="0"/>
-              <a:t>YARN and </a:t>
-            </a:r>
-            <a:r>
-              <a:rPr lang="en-US" dirty="0" err="1" smtClean="0"/>
-              <a:t>NodeJS</a:t>
-            </a:r>
-            <a:endParaRPr lang="en-US" dirty="0"/>
-          </a:p>
-          <a:p>
+              <a:t>IMPORTANT</a:t>
+            </a:r>
             <a:r>
               <a:rPr lang="en-US" dirty="0"/>
-              <a:t>An IDE (I </a:t>
-            </a:r>
-            <a:r>
-              <a:rPr lang="en-US" b="1" dirty="0"/>
-              <a:t>strongly</a:t>
-            </a:r>
-            <a:r>
-              <a:rPr lang="en-US" dirty="0"/>
-              <a:t> recommend IntelliJ IDEA Ultimate Edition)</a:t>
-            </a:r>
-          </a:p>
-          <a:p>
-            <a:r>
-              <a:rPr lang="en-US" b="1" dirty="0"/>
-              <a:t>Docker</a:t>
-            </a:r>
-          </a:p>
-          <a:p>
-            <a:r>
-              <a:rPr lang="en-US" dirty="0"/>
-              <a:t>A Bash command-line terminal </a:t>
-            </a:r>
-          </a:p>
-          <a:p>
-            <a:pPr lvl="1"/>
-            <a:r>
-              <a:rPr lang="en-US" dirty="0"/>
-              <a:t>Mac/Linux: use the built-in one</a:t>
-            </a:r>
-          </a:p>
-          <a:p>
-            <a:pPr lvl="1"/>
-            <a:r>
-              <a:rPr lang="en-US" dirty="0"/>
-              <a:t>Windows: I recommend </a:t>
-            </a:r>
-            <a:r>
-              <a:rPr lang="en-US" dirty="0" err="1"/>
-              <a:t>GitBash</a:t>
-            </a:r>
+              <a:t>: the 2 hours after lecture is not only for exercises. If you are falling behind, or you need some more revision, you can ask for my help on anything related to coding</a:t>
+            </a:r>
+          </a:p>
+          <a:p>
             <a:endParaRPr lang="en-US" dirty="0"/>
           </a:p>
         </p:txBody>
@@ -16251,7 +16116,7 @@
     </p:spTree>
     <p:extLst>
       <p:ext uri="{BB962C8B-B14F-4D97-AF65-F5344CB8AC3E}">
-        <p14:creationId xmlns:p14="http://schemas.microsoft.com/office/powerpoint/2010/main" val="1850424314"/>
+        <p14:creationId xmlns:p14="http://schemas.microsoft.com/office/powerpoint/2010/main" val="2293593486"/>
       </p:ext>
     </p:extLst>
   </p:cSld>
@@ -16295,7 +16160,7 @@
           <a:p>
             <a:r>
               <a:rPr lang="en-US" dirty="0"/>
-              <a:t>Why?</a:t>
+              <a:t>Types of Web Services</a:t>
             </a:r>
           </a:p>
         </p:txBody>
@@ -16312,92 +16177,100 @@
         </p:nvSpPr>
         <p:spPr>
           <a:xfrm>
-            <a:off x="247337" y="1825625"/>
-            <a:ext cx="11759783" cy="4874978"/>
+            <a:off x="329784" y="1825624"/>
+            <a:ext cx="11587396" cy="4785037"/>
           </a:xfrm>
         </p:spPr>
         <p:txBody>
-          <a:bodyPr/>
+          <a:bodyPr>
+            <a:normAutofit fontScale="92500" lnSpcReduction="10000"/>
+          </a:bodyPr>
           <a:lstStyle/>
           <a:p>
             <a:r>
               <a:rPr lang="en-US" dirty="0"/>
-              <a:t>When you want to provide programmable functionalities to your clients over the network</a:t>
+              <a:t>REST</a:t>
             </a:r>
           </a:p>
           <a:p>
             <a:pPr lvl="1"/>
             <a:r>
+              <a:rPr lang="en-US" dirty="0"/>
+              <a:t>most common nowadays</a:t>
+            </a:r>
+          </a:p>
+          <a:p>
+            <a:pPr lvl="1"/>
+            <a:r>
+              <a:rPr lang="en-US" dirty="0"/>
+              <a:t>usually strongly tied to HTTP protocol</a:t>
+            </a:r>
+          </a:p>
+          <a:p>
+            <a:pPr lvl="1"/>
+            <a:r>
+              <a:rPr lang="en-US" i="1" dirty="0"/>
+              <a:t>not a protocol, but set of architectural guidelines</a:t>
+            </a:r>
+          </a:p>
+          <a:p>
+            <a:pPr lvl="1"/>
+            <a:r>
+              <a:rPr lang="en-US" dirty="0"/>
+              <a:t>typically serving data in JSON</a:t>
+            </a:r>
+          </a:p>
+          <a:p>
+            <a:r>
+              <a:rPr lang="en-US" dirty="0"/>
+              <a:t>SOAP</a:t>
+            </a:r>
+          </a:p>
+          <a:p>
+            <a:pPr lvl="1"/>
+            <a:r>
+              <a:rPr lang="en-US" dirty="0"/>
+              <a:t>very common in the past, but disappearing nowadays</a:t>
+            </a:r>
+          </a:p>
+          <a:p>
+            <a:pPr lvl="1"/>
+            <a:r>
+              <a:rPr lang="en-US" dirty="0"/>
+              <a:t>actual protocol, usually over HTTP</a:t>
+            </a:r>
+          </a:p>
+          <a:p>
+            <a:pPr lvl="1"/>
+            <a:r>
+              <a:rPr lang="en-US" dirty="0"/>
+              <a:t>tied to XML</a:t>
+            </a:r>
+          </a:p>
+          <a:p>
+            <a:r>
               <a:rPr lang="en-US" dirty="0" err="1"/>
-              <a:t>eg</a:t>
-            </a:r>
+              <a:t>GraphQL</a:t>
+            </a:r>
+            <a:endParaRPr lang="en-US" dirty="0"/>
+          </a:p>
+          <a:p>
+            <a:pPr lvl="1"/>
             <a:r>
               <a:rPr lang="en-US" dirty="0"/>
-              <a:t>, see public list at </a:t>
-            </a:r>
-            <a:r>
-              <a:rPr lang="en-US" dirty="0">
-                <a:hlinkClick r:id="rId3"/>
-              </a:rPr>
-              <a:t>http://www.programmableweb.com/</a:t>
-            </a:r>
+              <a:t>the new kid </a:t>
+            </a:r>
+          </a:p>
+          <a:p>
+            <a:pPr lvl="1"/>
             <a:endParaRPr lang="en-US" dirty="0"/>
-          </a:p>
-          <a:p>
-            <a:r>
-              <a:rPr lang="en-US" dirty="0"/>
-              <a:t>Separation of </a:t>
-            </a:r>
-            <a:r>
-              <a:rPr lang="en-US" i="1" dirty="0"/>
-              <a:t>frontend</a:t>
-            </a:r>
-            <a:r>
-              <a:rPr lang="en-US" dirty="0"/>
-              <a:t> from </a:t>
-            </a:r>
-            <a:r>
-              <a:rPr lang="en-US" i="1" dirty="0"/>
-              <a:t>backend</a:t>
-            </a:r>
-          </a:p>
-          <a:p>
-            <a:pPr lvl="1"/>
-            <a:r>
-              <a:rPr lang="en-US" dirty="0"/>
-              <a:t>JavaScript doing client-side HTML rendering on browser, where backend is just a web service providing data</a:t>
-            </a:r>
-          </a:p>
-          <a:p>
-            <a:r>
-              <a:rPr lang="en-US" i="1" dirty="0" err="1"/>
-              <a:t>Microservice</a:t>
-            </a:r>
-            <a:r>
-              <a:rPr lang="en-US" dirty="0"/>
-              <a:t> Architecture</a:t>
-            </a:r>
-          </a:p>
-          <a:p>
-            <a:pPr lvl="1"/>
-            <a:r>
-              <a:rPr lang="en-US" dirty="0"/>
-              <a:t>large systems split into several web services of more manageable size </a:t>
-            </a:r>
-          </a:p>
-          <a:p>
-            <a:pPr lvl="1"/>
-            <a:r>
-              <a:rPr lang="en-US" dirty="0"/>
-              <a:t>extremely important for modern enterprise systems</a:t>
-            </a:r>
           </a:p>
         </p:txBody>
       </p:sp>
     </p:spTree>
     <p:extLst>
       <p:ext uri="{BB962C8B-B14F-4D97-AF65-F5344CB8AC3E}">
-        <p14:creationId xmlns:p14="http://schemas.microsoft.com/office/powerpoint/2010/main" val="694813468"/>
+        <p14:creationId xmlns:p14="http://schemas.microsoft.com/office/powerpoint/2010/main" val="2198651122"/>
       </p:ext>
     </p:extLst>
   </p:cSld>
@@ -16440,6 +16313,152 @@
           <a:lstStyle/>
           <a:p>
             <a:r>
+              <a:rPr lang="en-US" dirty="0"/>
+              <a:t>Why?</a:t>
+            </a:r>
+          </a:p>
+        </p:txBody>
+      </p:sp>
+      <p:sp>
+        <p:nvSpPr>
+          <p:cNvPr id="3" name="Content Placeholder 2"/>
+          <p:cNvSpPr>
+            <a:spLocks noGrp="1"/>
+          </p:cNvSpPr>
+          <p:nvPr>
+            <p:ph idx="1"/>
+          </p:nvPr>
+        </p:nvSpPr>
+        <p:spPr>
+          <a:xfrm>
+            <a:off x="247337" y="1825625"/>
+            <a:ext cx="11759783" cy="4874978"/>
+          </a:xfrm>
+        </p:spPr>
+        <p:txBody>
+          <a:bodyPr/>
+          <a:lstStyle/>
+          <a:p>
+            <a:r>
+              <a:rPr lang="en-US" dirty="0"/>
+              <a:t>When you want to provide programmable functionalities to your clients over the network</a:t>
+            </a:r>
+          </a:p>
+          <a:p>
+            <a:pPr lvl="1"/>
+            <a:r>
+              <a:rPr lang="en-US" dirty="0" err="1"/>
+              <a:t>eg</a:t>
+            </a:r>
+            <a:r>
+              <a:rPr lang="en-US" dirty="0"/>
+              <a:t>, see public list at </a:t>
+            </a:r>
+            <a:r>
+              <a:rPr lang="en-US" dirty="0">
+                <a:hlinkClick r:id="rId3"/>
+              </a:rPr>
+              <a:t>http://www.programmableweb.com/</a:t>
+            </a:r>
+            <a:endParaRPr lang="en-US" dirty="0"/>
+          </a:p>
+          <a:p>
+            <a:r>
+              <a:rPr lang="en-US" dirty="0"/>
+              <a:t>Separation of </a:t>
+            </a:r>
+            <a:r>
+              <a:rPr lang="en-US" i="1" dirty="0"/>
+              <a:t>frontend</a:t>
+            </a:r>
+            <a:r>
+              <a:rPr lang="en-US" dirty="0"/>
+              <a:t> from </a:t>
+            </a:r>
+            <a:r>
+              <a:rPr lang="en-US" i="1" dirty="0"/>
+              <a:t>backend</a:t>
+            </a:r>
+          </a:p>
+          <a:p>
+            <a:pPr lvl="1"/>
+            <a:r>
+              <a:rPr lang="en-US" dirty="0"/>
+              <a:t>JavaScript doing client-side HTML rendering on browser, where backend is just a web service providing data</a:t>
+            </a:r>
+          </a:p>
+          <a:p>
+            <a:r>
+              <a:rPr lang="en-US" i="1" dirty="0" err="1"/>
+              <a:t>Microservice</a:t>
+            </a:r>
+            <a:r>
+              <a:rPr lang="en-US" dirty="0"/>
+              <a:t> Architecture</a:t>
+            </a:r>
+          </a:p>
+          <a:p>
+            <a:pPr lvl="1"/>
+            <a:r>
+              <a:rPr lang="en-US" dirty="0"/>
+              <a:t>large systems split into several web services of more manageable size </a:t>
+            </a:r>
+          </a:p>
+          <a:p>
+            <a:pPr lvl="1"/>
+            <a:r>
+              <a:rPr lang="en-US" dirty="0"/>
+              <a:t>extremely important for modern enterprise systems</a:t>
+            </a:r>
+          </a:p>
+        </p:txBody>
+      </p:sp>
+    </p:spTree>
+    <p:extLst>
+      <p:ext uri="{BB962C8B-B14F-4D97-AF65-F5344CB8AC3E}">
+        <p14:creationId xmlns:p14="http://schemas.microsoft.com/office/powerpoint/2010/main" val="694813468"/>
+      </p:ext>
+    </p:extLst>
+  </p:cSld>
+  <p:clrMapOvr>
+    <a:masterClrMapping/>
+  </p:clrMapOvr>
+</p:sld>
+</file>
+
+<file path=ppt/slides/slide42.xml><?xml version="1.0" encoding="utf-8"?>
+<p:sld xmlns:a="http://schemas.openxmlformats.org/drawingml/2006/main" xmlns:r="http://schemas.openxmlformats.org/officeDocument/2006/relationships" xmlns:p="http://schemas.openxmlformats.org/presentationml/2006/main">
+  <p:cSld>
+    <p:spTree>
+      <p:nvGrpSpPr>
+        <p:cNvPr id="1" name=""/>
+        <p:cNvGrpSpPr/>
+        <p:nvPr/>
+      </p:nvGrpSpPr>
+      <p:grpSpPr>
+        <a:xfrm>
+          <a:off x="0" y="0"/>
+          <a:ext cx="0" cy="0"/>
+          <a:chOff x="0" y="0"/>
+          <a:chExt cx="0" cy="0"/>
+        </a:xfrm>
+      </p:grpSpPr>
+      <p:sp>
+        <p:nvSpPr>
+          <p:cNvPr id="2" name="Title 1"/>
+          <p:cNvSpPr>
+            <a:spLocks noGrp="1"/>
+          </p:cNvSpPr>
+          <p:nvPr>
+            <p:ph type="title"/>
+          </p:nvPr>
+        </p:nvSpPr>
+        <p:spPr/>
+        <p:txBody>
+          <a:bodyPr/>
+          <a:lstStyle/>
+          <a:p>
+            <a:r>
               <a:rPr lang="en-US" dirty="0" err="1"/>
               <a:t>SpringBoot</a:t>
             </a:r>
@@ -16537,7 +16556,7 @@
 </p:sld>
 </file>
 
-<file path=ppt/slides/slide42.xml><?xml version="1.0" encoding="utf-8"?>
+<file path=ppt/slides/slide43.xml><?xml version="1.0" encoding="utf-8"?>
 <p:sld xmlns:a="http://schemas.openxmlformats.org/drawingml/2006/main" xmlns:r="http://schemas.openxmlformats.org/officeDocument/2006/relationships" xmlns:p="http://schemas.openxmlformats.org/presentationml/2006/main">
   <p:cSld>
     <p:spTree>
@@ -16580,112 +16599,6 @@
     <p:extLst>
       <p:ext uri="{BB962C8B-B14F-4D97-AF65-F5344CB8AC3E}">
         <p14:creationId xmlns:p14="http://schemas.microsoft.com/office/powerpoint/2010/main" val="378971300"/>
-      </p:ext>
-    </p:extLst>
-  </p:cSld>
-  <p:clrMapOvr>
-    <a:masterClrMapping/>
-  </p:clrMapOvr>
-</p:sld>
-</file>
-
-<file path=ppt/slides/slide43.xml><?xml version="1.0" encoding="utf-8"?>
-<p:sld xmlns:a="http://schemas.openxmlformats.org/drawingml/2006/main" xmlns:r="http://schemas.openxmlformats.org/officeDocument/2006/relationships" xmlns:p="http://schemas.openxmlformats.org/presentationml/2006/main">
-  <p:cSld>
-    <p:spTree>
-      <p:nvGrpSpPr>
-        <p:cNvPr id="1" name=""/>
-        <p:cNvGrpSpPr/>
-        <p:nvPr/>
-      </p:nvGrpSpPr>
-      <p:grpSpPr>
-        <a:xfrm>
-          <a:off x="0" y="0"/>
-          <a:ext cx="0" cy="0"/>
-          <a:chOff x="0" y="0"/>
-          <a:chExt cx="0" cy="0"/>
-        </a:xfrm>
-      </p:grpSpPr>
-      <p:sp>
-        <p:nvSpPr>
-          <p:cNvPr id="2" name="Title 1"/>
-          <p:cNvSpPr>
-            <a:spLocks noGrp="1"/>
-          </p:cNvSpPr>
-          <p:nvPr>
-            <p:ph type="title"/>
-          </p:nvPr>
-        </p:nvSpPr>
-        <p:spPr/>
-        <p:txBody>
-          <a:bodyPr/>
-          <a:lstStyle/>
-          <a:p>
-            <a:r>
-              <a:rPr lang="en-US" dirty="0"/>
-              <a:t>Data in Web Services</a:t>
-            </a:r>
-          </a:p>
-        </p:txBody>
-      </p:sp>
-      <p:sp>
-        <p:nvSpPr>
-          <p:cNvPr id="3" name="Content Placeholder 2"/>
-          <p:cNvSpPr>
-            <a:spLocks noGrp="1"/>
-          </p:cNvSpPr>
-          <p:nvPr>
-            <p:ph idx="1"/>
-          </p:nvPr>
-        </p:nvSpPr>
-        <p:spPr>
-          <a:xfrm>
-            <a:off x="344774" y="1825624"/>
-            <a:ext cx="11692328" cy="4882473"/>
-          </a:xfrm>
-        </p:spPr>
-        <p:txBody>
-          <a:bodyPr/>
-          <a:lstStyle/>
-          <a:p>
-            <a:r>
-              <a:rPr lang="en-US" dirty="0"/>
-              <a:t>Web Services will provide data and functionalities over the network</a:t>
-            </a:r>
-          </a:p>
-          <a:p>
-            <a:r>
-              <a:rPr lang="en-US" dirty="0"/>
-              <a:t>Servers and clients can be written in different languages</a:t>
-            </a:r>
-          </a:p>
-          <a:p>
-            <a:pPr lvl="1"/>
-            <a:r>
-              <a:rPr lang="en-US" dirty="0"/>
-              <a:t>Java, C#, JavaScript, </a:t>
-            </a:r>
-            <a:r>
-              <a:rPr lang="en-US" dirty="0" err="1"/>
-              <a:t>Kotlin</a:t>
-            </a:r>
-            <a:r>
-              <a:rPr lang="en-US" dirty="0"/>
-              <a:t>, Python, Go, PHP, etc.</a:t>
-            </a:r>
-          </a:p>
-          <a:p>
-            <a:r>
-              <a:rPr lang="en-US" i="1" dirty="0"/>
-              <a:t>Data formats should be independent from the programming languages</a:t>
-            </a:r>
-          </a:p>
-        </p:txBody>
-      </p:sp>
-    </p:spTree>
-    <p:extLst>
-      <p:ext uri="{BB962C8B-B14F-4D97-AF65-F5344CB8AC3E}">
-        <p14:creationId xmlns:p14="http://schemas.microsoft.com/office/powerpoint/2010/main" val="3442348102"/>
       </p:ext>
     </p:extLst>
   </p:cSld>
@@ -16729,7 +16642,7 @@
           <a:p>
             <a:r>
               <a:rPr lang="en-US" dirty="0"/>
-              <a:t>XML</a:t>
+              <a:t>Data in Web Services</a:t>
             </a:r>
           </a:p>
         </p:txBody>
@@ -16746,8 +16659,8 @@
         </p:nvSpPr>
         <p:spPr>
           <a:xfrm>
-            <a:off x="254833" y="1825624"/>
-            <a:ext cx="11609882" cy="4770047"/>
+            <a:off x="344774" y="1825624"/>
+            <a:ext cx="11692328" cy="4882473"/>
           </a:xfrm>
         </p:spPr>
         <p:txBody>
@@ -16756,49 +16669,34 @@
           <a:p>
             <a:r>
               <a:rPr lang="en-US" dirty="0"/>
-              <a:t>Very popular in the </a:t>
-            </a:r>
+              <a:t>Web Services will provide data and functionalities over the network</a:t>
+            </a:r>
+          </a:p>
+          <a:p>
+            <a:r>
+              <a:rPr lang="en-US" dirty="0"/>
+              <a:t>Servers and clients can be written in different languages</a:t>
+            </a:r>
+          </a:p>
+          <a:p>
+            <a:pPr lvl="1"/>
+            <a:r>
+              <a:rPr lang="en-US" dirty="0"/>
+              <a:t>Java, C#, JavaScript, </a:t>
+            </a:r>
+            <a:r>
+              <a:rPr lang="en-US" dirty="0" err="1"/>
+              <a:t>Kotlin</a:t>
+            </a:r>
+            <a:r>
+              <a:rPr lang="en-US" dirty="0"/>
+              <a:t>, Python, Go, PHP, etc.</a:t>
+            </a:r>
+          </a:p>
+          <a:p>
             <a:r>
               <a:rPr lang="en-US" i="1" dirty="0"/>
-              <a:t>past</a:t>
-            </a:r>
-          </a:p>
-          <a:p>
-            <a:r>
-              <a:rPr lang="en-US" dirty="0" err="1"/>
-              <a:t>OKish</a:t>
-            </a:r>
-            <a:r>
-              <a:rPr lang="en-US" dirty="0"/>
-              <a:t> for configuration files (</a:t>
-            </a:r>
-            <a:r>
-              <a:rPr lang="en-US" dirty="0" err="1"/>
-              <a:t>eg</a:t>
-            </a:r>
-            <a:r>
-              <a:rPr lang="en-US" dirty="0"/>
-              <a:t>, Maven </a:t>
-            </a:r>
-            <a:r>
-              <a:rPr lang="en-US" i="1" dirty="0"/>
-              <a:t>pom.xml</a:t>
-            </a:r>
-            <a:r>
-              <a:rPr lang="en-US" dirty="0"/>
-              <a:t>)</a:t>
-            </a:r>
-          </a:p>
-          <a:p>
-            <a:r>
-              <a:rPr lang="en-US" dirty="0"/>
-              <a:t>Quite verbose for data over the network</a:t>
-            </a:r>
-          </a:p>
-          <a:p>
-            <a:r>
-              <a:rPr lang="en-US" dirty="0"/>
-              <a:t>Not so much used any more (apart from SOAP services)</a:t>
+              <a:t>Data formats should be independent from the programming languages</a:t>
             </a:r>
           </a:p>
         </p:txBody>
@@ -16806,7 +16704,7 @@
     </p:spTree>
     <p:extLst>
       <p:ext uri="{BB962C8B-B14F-4D97-AF65-F5344CB8AC3E}">
-        <p14:creationId xmlns:p14="http://schemas.microsoft.com/office/powerpoint/2010/main" val="3224163433"/>
+        <p14:creationId xmlns:p14="http://schemas.microsoft.com/office/powerpoint/2010/main" val="3442348102"/>
       </p:ext>
     </p:extLst>
   </p:cSld>
@@ -16850,6 +16748,127 @@
           <a:p>
             <a:r>
               <a:rPr lang="en-US" dirty="0"/>
+              <a:t>XML</a:t>
+            </a:r>
+          </a:p>
+        </p:txBody>
+      </p:sp>
+      <p:sp>
+        <p:nvSpPr>
+          <p:cNvPr id="3" name="Content Placeholder 2"/>
+          <p:cNvSpPr>
+            <a:spLocks noGrp="1"/>
+          </p:cNvSpPr>
+          <p:nvPr>
+            <p:ph idx="1"/>
+          </p:nvPr>
+        </p:nvSpPr>
+        <p:spPr>
+          <a:xfrm>
+            <a:off x="254833" y="1825624"/>
+            <a:ext cx="11609882" cy="4770047"/>
+          </a:xfrm>
+        </p:spPr>
+        <p:txBody>
+          <a:bodyPr/>
+          <a:lstStyle/>
+          <a:p>
+            <a:r>
+              <a:rPr lang="en-US" dirty="0"/>
+              <a:t>Very popular in the </a:t>
+            </a:r>
+            <a:r>
+              <a:rPr lang="en-US" i="1" dirty="0"/>
+              <a:t>past</a:t>
+            </a:r>
+          </a:p>
+          <a:p>
+            <a:r>
+              <a:rPr lang="en-US" dirty="0" err="1"/>
+              <a:t>OKish</a:t>
+            </a:r>
+            <a:r>
+              <a:rPr lang="en-US" dirty="0"/>
+              <a:t> for configuration files (</a:t>
+            </a:r>
+            <a:r>
+              <a:rPr lang="en-US" dirty="0" err="1"/>
+              <a:t>eg</a:t>
+            </a:r>
+            <a:r>
+              <a:rPr lang="en-US" dirty="0"/>
+              <a:t>, Maven </a:t>
+            </a:r>
+            <a:r>
+              <a:rPr lang="en-US" i="1" dirty="0"/>
+              <a:t>pom.xml</a:t>
+            </a:r>
+            <a:r>
+              <a:rPr lang="en-US" dirty="0"/>
+              <a:t>)</a:t>
+            </a:r>
+          </a:p>
+          <a:p>
+            <a:r>
+              <a:rPr lang="en-US" dirty="0"/>
+              <a:t>Quite verbose for data over the network</a:t>
+            </a:r>
+          </a:p>
+          <a:p>
+            <a:r>
+              <a:rPr lang="en-US" dirty="0"/>
+              <a:t>Not so much used any more (apart from SOAP services)</a:t>
+            </a:r>
+          </a:p>
+        </p:txBody>
+      </p:sp>
+    </p:spTree>
+    <p:extLst>
+      <p:ext uri="{BB962C8B-B14F-4D97-AF65-F5344CB8AC3E}">
+        <p14:creationId xmlns:p14="http://schemas.microsoft.com/office/powerpoint/2010/main" val="3224163433"/>
+      </p:ext>
+    </p:extLst>
+  </p:cSld>
+  <p:clrMapOvr>
+    <a:masterClrMapping/>
+  </p:clrMapOvr>
+</p:sld>
+</file>
+
+<file path=ppt/slides/slide46.xml><?xml version="1.0" encoding="utf-8"?>
+<p:sld xmlns:a="http://schemas.openxmlformats.org/drawingml/2006/main" xmlns:r="http://schemas.openxmlformats.org/officeDocument/2006/relationships" xmlns:p="http://schemas.openxmlformats.org/presentationml/2006/main">
+  <p:cSld>
+    <p:spTree>
+      <p:nvGrpSpPr>
+        <p:cNvPr id="1" name=""/>
+        <p:cNvGrpSpPr/>
+        <p:nvPr/>
+      </p:nvGrpSpPr>
+      <p:grpSpPr>
+        <a:xfrm>
+          <a:off x="0" y="0"/>
+          <a:ext cx="0" cy="0"/>
+          <a:chOff x="0" y="0"/>
+          <a:chExt cx="0" cy="0"/>
+        </a:xfrm>
+      </p:grpSpPr>
+      <p:sp>
+        <p:nvSpPr>
+          <p:cNvPr id="2" name="Title 1"/>
+          <p:cNvSpPr>
+            <a:spLocks noGrp="1"/>
+          </p:cNvSpPr>
+          <p:nvPr>
+            <p:ph type="title"/>
+          </p:nvPr>
+        </p:nvSpPr>
+        <p:spPr/>
+        <p:txBody>
+          <a:bodyPr/>
+          <a:lstStyle/>
+          <a:p>
+            <a:r>
+              <a:rPr lang="en-US" dirty="0"/>
               <a:t>JSON</a:t>
             </a:r>
           </a:p>
@@ -16954,7 +16973,7 @@
 </p:sld>
 </file>
 
-<file path=ppt/slides/slide46.xml><?xml version="1.0" encoding="utf-8"?>
+<file path=ppt/slides/slide47.xml><?xml version="1.0" encoding="utf-8"?>
 <p:sld xmlns:a="http://schemas.openxmlformats.org/drawingml/2006/main" xmlns:r="http://schemas.openxmlformats.org/officeDocument/2006/relationships" xmlns:p="http://schemas.openxmlformats.org/presentationml/2006/main">
   <p:cSld>
     <p:spTree>
@@ -17101,12 +17120,8 @@
           <a:lstStyle/>
           <a:p>
             <a:r>
-              <a:rPr lang="en-US" dirty="0" err="1"/>
-              <a:t>Git</a:t>
-            </a:r>
-            <a:r>
               <a:rPr lang="en-US" dirty="0"/>
-              <a:t> Repository</a:t>
+              <a:t>Necessary Tools</a:t>
             </a:r>
           </a:p>
         </p:txBody>
@@ -17123,52 +17138,92 @@
         </p:nvSpPr>
         <p:spPr>
           <a:xfrm>
-            <a:off x="315686" y="1825624"/>
-            <a:ext cx="11636828" cy="4912633"/>
+            <a:off x="359229" y="1825624"/>
+            <a:ext cx="11593285" cy="4666615"/>
           </a:xfrm>
         </p:spPr>
         <p:txBody>
-          <a:bodyPr/>
+          <a:bodyPr>
+            <a:normAutofit fontScale="92500" lnSpcReduction="10000"/>
+          </a:bodyPr>
           <a:lstStyle/>
           <a:p>
             <a:r>
-              <a:rPr lang="en-US" u="sng" dirty="0">
-                <a:hlinkClick r:id="rId3"/>
-              </a:rPr>
-              <a:t>https://github.com/arcuri82/testing_security_development_enterprise_systems</a:t>
-            </a:r>
-            <a:endParaRPr lang="en-US" u="sng" dirty="0"/>
-          </a:p>
-          <a:p>
+              <a:rPr lang="en-US" dirty="0"/>
+              <a:t>JDK </a:t>
+            </a:r>
+            <a:r>
+              <a:rPr lang="en-US" b="1" dirty="0"/>
+              <a:t>8</a:t>
+            </a:r>
+          </a:p>
+          <a:p>
+            <a:r>
+              <a:rPr lang="en-US" dirty="0" err="1"/>
+              <a:t>Git</a:t>
+            </a:r>
             <a:endParaRPr lang="en-US" dirty="0"/>
           </a:p>
           <a:p>
             <a:r>
+              <a:rPr lang="en-US" dirty="0" smtClean="0"/>
+              <a:t>Maven</a:t>
+            </a:r>
+          </a:p>
+          <a:p>
+            <a:r>
+              <a:rPr lang="en-US" dirty="0" smtClean="0"/>
+              <a:t>YARN and </a:t>
+            </a:r>
+            <a:r>
+              <a:rPr lang="en-US" dirty="0" err="1" smtClean="0"/>
+              <a:t>NodeJS</a:t>
+            </a:r>
+            <a:endParaRPr lang="en-US" dirty="0"/>
+          </a:p>
+          <a:p>
+            <a:r>
               <a:rPr lang="en-US" dirty="0"/>
-              <a:t>Same as PG5100, but now look at the </a:t>
+              <a:t>An IDE (I </a:t>
             </a:r>
             <a:r>
               <a:rPr lang="en-US" b="1" dirty="0"/>
-              <a:t>“advanced”</a:t>
+              <a:t>strongly</a:t>
             </a:r>
             <a:r>
               <a:rPr lang="en-US" dirty="0"/>
-              <a:t> folder</a:t>
-            </a:r>
-          </a:p>
-          <a:p>
-            <a:endParaRPr lang="en-US" dirty="0"/>
+              <a:t> recommend IntelliJ IDEA Ultimate Edition)</a:t>
+            </a:r>
+          </a:p>
+          <a:p>
+            <a:r>
+              <a:rPr lang="en-US" b="1" dirty="0"/>
+              <a:t>Docker</a:t>
+            </a:r>
           </a:p>
           <a:p>
             <a:r>
               <a:rPr lang="en-US" dirty="0"/>
-              <a:t>Note: pull often, as new material might be added and updated during the course</a:t>
-            </a:r>
-          </a:p>
-          <a:p>
-            <a:pPr marL="0" indent="0">
-              <a:buNone/>
-            </a:pPr>
+              <a:t>A Bash command-line terminal </a:t>
+            </a:r>
+          </a:p>
+          <a:p>
+            <a:pPr lvl="1"/>
+            <a:r>
+              <a:rPr lang="en-US" dirty="0"/>
+              <a:t>Mac/Linux: use the built-in one</a:t>
+            </a:r>
+          </a:p>
+          <a:p>
+            <a:pPr lvl="1"/>
+            <a:r>
+              <a:rPr lang="en-US" dirty="0"/>
+              <a:t>Windows: I recommend </a:t>
+            </a:r>
+            <a:r>
+              <a:rPr lang="en-US" dirty="0" err="1"/>
+              <a:t>GitBash</a:t>
+            </a:r>
             <a:endParaRPr lang="en-US" dirty="0"/>
           </a:p>
         </p:txBody>
@@ -17176,7 +17231,7 @@
     </p:spTree>
     <p:extLst>
       <p:ext uri="{BB962C8B-B14F-4D97-AF65-F5344CB8AC3E}">
-        <p14:creationId xmlns:p14="http://schemas.microsoft.com/office/powerpoint/2010/main" val="2136904090"/>
+        <p14:creationId xmlns:p14="http://schemas.microsoft.com/office/powerpoint/2010/main" val="1850424314"/>
       </p:ext>
     </p:extLst>
   </p:cSld>
@@ -17219,8 +17274,12 @@
           <a:lstStyle/>
           <a:p>
             <a:r>
+              <a:rPr lang="en-US" dirty="0" err="1"/>
+              <a:t>Git</a:t>
+            </a:r>
+            <a:r>
               <a:rPr lang="en-US" dirty="0"/>
-              <a:t>Goals/Topics</a:t>
+              <a:t> Repository</a:t>
             </a:r>
           </a:p>
         </p:txBody>
@@ -17237,8 +17296,8 @@
         </p:nvSpPr>
         <p:spPr>
           <a:xfrm>
-            <a:off x="348343" y="1825625"/>
-            <a:ext cx="11506200" cy="4684032"/>
+            <a:off x="315686" y="1825624"/>
+            <a:ext cx="11636828" cy="4912633"/>
           </a:xfrm>
         </p:spPr>
         <p:txBody>
@@ -17246,78 +17305,43 @@
           <a:lstStyle/>
           <a:p>
             <a:r>
+              <a:rPr lang="en-US" u="sng" dirty="0">
+                <a:hlinkClick r:id="rId3"/>
+              </a:rPr>
+              <a:t>https://github.com/arcuri82/testing_security_development_enterprise_systems</a:t>
+            </a:r>
+            <a:endParaRPr lang="en-US" u="sng" dirty="0"/>
+          </a:p>
+          <a:p>
+            <a:endParaRPr lang="en-US" dirty="0"/>
+          </a:p>
+          <a:p>
+            <a:r>
               <a:rPr lang="en-US" dirty="0"/>
-              <a:t>Full details of </a:t>
+              <a:t>Same as PG5100, but now look at the </a:t>
             </a:r>
             <a:r>
               <a:rPr lang="en-US" b="1" dirty="0"/>
-              <a:t>REST</a:t>
+              <a:t>“advanced”</a:t>
             </a:r>
             <a:r>
               <a:rPr lang="en-US" dirty="0"/>
-              <a:t>ful APIs and </a:t>
-            </a:r>
-            <a:r>
-              <a:rPr lang="en-US" b="1" dirty="0"/>
-              <a:t>HTTP</a:t>
-            </a:r>
+              <a:t> folder</a:t>
+            </a:r>
+          </a:p>
+          <a:p>
+            <a:endParaRPr lang="en-US" dirty="0"/>
           </a:p>
           <a:p>
             <a:r>
               <a:rPr lang="en-US" dirty="0"/>
-              <a:t>Knowledge of other kinds of Web Services: </a:t>
-            </a:r>
-            <a:r>
-              <a:rPr lang="en-US" b="1" dirty="0"/>
-              <a:t>SOAP</a:t>
-            </a:r>
-            <a:r>
-              <a:rPr lang="en-US" dirty="0"/>
-              <a:t> and </a:t>
-            </a:r>
-            <a:r>
-              <a:rPr lang="en-US" b="1" dirty="0" err="1"/>
-              <a:t>GraphQL</a:t>
-            </a:r>
-            <a:endParaRPr lang="en-US" b="1" dirty="0"/>
-          </a:p>
-          <a:p>
-            <a:r>
-              <a:rPr lang="en-US" b="1" dirty="0" err="1"/>
-              <a:t>Microservice</a:t>
-            </a:r>
-            <a:r>
-              <a:rPr lang="en-US" dirty="0"/>
-              <a:t> Architecture</a:t>
-            </a:r>
-          </a:p>
-          <a:p>
-            <a:pPr lvl="1"/>
-            <a:r>
-              <a:rPr lang="en-US" dirty="0"/>
-              <a:t>gateways, load balancers, etc.</a:t>
-            </a:r>
-          </a:p>
-          <a:p>
-            <a:r>
-              <a:rPr lang="en-US" b="1" dirty="0"/>
-              <a:t>Security</a:t>
-            </a:r>
-            <a:r>
-              <a:rPr lang="en-US" dirty="0"/>
-              <a:t> in distributed systems</a:t>
-            </a:r>
-          </a:p>
-          <a:p>
-            <a:r>
-              <a:rPr lang="en-US" dirty="0"/>
-              <a:t>Message Oriented Middleware (e.g., AMQP)</a:t>
-            </a:r>
-          </a:p>
-          <a:p>
-            <a:endParaRPr lang="en-US" dirty="0"/>
-          </a:p>
-          <a:p>
+              <a:t>Note: pull often, as new material might be added and updated during the course</a:t>
+            </a:r>
+          </a:p>
+          <a:p>
+            <a:pPr marL="0" indent="0">
+              <a:buNone/>
+            </a:pPr>
             <a:endParaRPr lang="en-US" dirty="0"/>
           </a:p>
         </p:txBody>
@@ -17325,7 +17349,7 @@
     </p:spTree>
     <p:extLst>
       <p:ext uri="{BB962C8B-B14F-4D97-AF65-F5344CB8AC3E}">
-        <p14:creationId xmlns:p14="http://schemas.microsoft.com/office/powerpoint/2010/main" val="405335165"/>
+        <p14:creationId xmlns:p14="http://schemas.microsoft.com/office/powerpoint/2010/main" val="2136904090"/>
       </p:ext>
     </p:extLst>
   </p:cSld>
@@ -17369,13 +17393,8 @@
           <a:p>
             <a:r>
               <a:rPr lang="en-US" dirty="0"/>
-              <a:t>If You Skip Class</a:t>
-            </a:r>
-            <a:r>
-              <a:rPr lang="mr-IN" dirty="0"/>
-              <a:t>…</a:t>
-            </a:r>
-            <a:endParaRPr lang="en-US" dirty="0"/>
+              <a:t>Goals/Topics</a:t>
+            </a:r>
           </a:p>
         </p:txBody>
       </p:sp>
@@ -17389,41 +17408,87 @@
             <p:ph idx="1"/>
           </p:nvPr>
         </p:nvSpPr>
-        <p:spPr/>
+        <p:spPr>
+          <a:xfrm>
+            <a:off x="348343" y="1825625"/>
+            <a:ext cx="11506200" cy="4684032"/>
+          </a:xfrm>
+        </p:spPr>
         <p:txBody>
           <a:bodyPr/>
           <a:lstStyle/>
           <a:p>
             <a:r>
               <a:rPr lang="en-US" dirty="0"/>
-              <a:t>Usually acceptable that a student skips 1-2 classes</a:t>
+              <a:t>Full details of </a:t>
+            </a:r>
+            <a:r>
+              <a:rPr lang="en-US" b="1" dirty="0"/>
+              <a:t>REST</a:t>
+            </a:r>
+            <a:r>
+              <a:rPr lang="en-US" dirty="0"/>
+              <a:t>ful APIs and </a:t>
+            </a:r>
+            <a:r>
+              <a:rPr lang="en-US" b="1" dirty="0"/>
+              <a:t>HTTP</a:t>
+            </a:r>
+          </a:p>
+          <a:p>
+            <a:r>
+              <a:rPr lang="en-US" dirty="0"/>
+              <a:t>Knowledge of other kinds of Web Services: </a:t>
+            </a:r>
+            <a:r>
+              <a:rPr lang="en-US" b="1" dirty="0"/>
+              <a:t>SOAP</a:t>
+            </a:r>
+            <a:r>
+              <a:rPr lang="en-US" dirty="0"/>
+              <a:t> and </a:t>
+            </a:r>
+            <a:r>
+              <a:rPr lang="en-US" b="1" dirty="0" err="1"/>
+              <a:t>GraphQL</a:t>
+            </a:r>
+            <a:endParaRPr lang="en-US" b="1" dirty="0"/>
+          </a:p>
+          <a:p>
+            <a:r>
+              <a:rPr lang="en-US" b="1" dirty="0" err="1"/>
+              <a:t>Microservice</a:t>
+            </a:r>
+            <a:r>
+              <a:rPr lang="en-US" dirty="0"/>
+              <a:t> Architecture</a:t>
+            </a:r>
+          </a:p>
+          <a:p>
+            <a:pPr lvl="1"/>
+            <a:r>
+              <a:rPr lang="en-US" dirty="0"/>
+              <a:t>gateways, load balancers, etc.</a:t>
+            </a:r>
+          </a:p>
+          <a:p>
+            <a:r>
+              <a:rPr lang="en-US" b="1" dirty="0"/>
+              <a:t>Security</a:t>
+            </a:r>
+            <a:r>
+              <a:rPr lang="en-US" dirty="0"/>
+              <a:t> in distributed systems</a:t>
+            </a:r>
+          </a:p>
+          <a:p>
+            <a:r>
+              <a:rPr lang="en-US" dirty="0"/>
+              <a:t>Message Oriented Middleware (e.g., AMQP)</a:t>
             </a:r>
           </a:p>
           <a:p>
             <a:endParaRPr lang="en-US" dirty="0"/>
-          </a:p>
-          <a:p>
-            <a:r>
-              <a:rPr lang="en-US" dirty="0"/>
-              <a:t>You are supposed to attend, although no strict checks</a:t>
-            </a:r>
-          </a:p>
-          <a:p>
-            <a:endParaRPr lang="en-US" dirty="0"/>
-          </a:p>
-          <a:p>
-            <a:r>
-              <a:rPr lang="en-US" dirty="0"/>
-              <a:t>If you skip too many classes, it is </a:t>
-            </a:r>
-            <a:r>
-              <a:rPr lang="en-US" b="1" dirty="0"/>
-              <a:t>YOUR</a:t>
-            </a:r>
-            <a:r>
-              <a:rPr lang="en-US" dirty="0"/>
-              <a:t> responsibility to catch up and find out what done in class</a:t>
-            </a:r>
           </a:p>
           <a:p>
             <a:endParaRPr lang="en-US" dirty="0"/>
@@ -17433,7 +17498,7 @@
     </p:spTree>
     <p:extLst>
       <p:ext uri="{BB962C8B-B14F-4D97-AF65-F5344CB8AC3E}">
-        <p14:creationId xmlns:p14="http://schemas.microsoft.com/office/powerpoint/2010/main" val="415180965"/>
+        <p14:creationId xmlns:p14="http://schemas.microsoft.com/office/powerpoint/2010/main" val="405335165"/>
       </p:ext>
     </p:extLst>
   </p:cSld>
@@ -17477,8 +17542,13 @@
           <a:p>
             <a:r>
               <a:rPr lang="en-US" dirty="0"/>
-              <a:t>Exam</a:t>
-            </a:r>
+              <a:t>If You Skip Class</a:t>
+            </a:r>
+            <a:r>
+              <a:rPr lang="mr-IN" dirty="0"/>
+              <a:t>…</a:t>
+            </a:r>
+            <a:endParaRPr lang="en-US" dirty="0"/>
           </a:p>
         </p:txBody>
       </p:sp>
@@ -17492,72 +17562,51 @@
             <p:ph idx="1"/>
           </p:nvPr>
         </p:nvSpPr>
-        <p:spPr>
-          <a:xfrm>
-            <a:off x="326571" y="1825625"/>
-            <a:ext cx="11527972" cy="4858204"/>
-          </a:xfrm>
-        </p:spPr>
+        <p:spPr/>
         <p:txBody>
           <a:bodyPr/>
           <a:lstStyle/>
           <a:p>
             <a:r>
               <a:rPr lang="en-US" dirty="0"/>
-              <a:t>Written exam (40% of grade)</a:t>
-            </a:r>
-          </a:p>
-          <a:p>
-            <a:pPr lvl="1"/>
+              <a:t>Usually acceptable that a student skips 1-2 classes</a:t>
+            </a:r>
+          </a:p>
+          <a:p>
+            <a:endParaRPr lang="en-US" dirty="0"/>
+          </a:p>
+          <a:p>
             <a:r>
               <a:rPr lang="en-US" dirty="0"/>
-              <a:t>3 hours</a:t>
-            </a:r>
-          </a:p>
-          <a:p>
-            <a:pPr lvl="1"/>
+              <a:t>You are supposed to attend, although no strict checks</a:t>
+            </a:r>
+          </a:p>
+          <a:p>
+            <a:endParaRPr lang="en-US" dirty="0"/>
+          </a:p>
+          <a:p>
             <a:r>
               <a:rPr lang="en-US" dirty="0"/>
-              <a:t>Theory questions</a:t>
-            </a:r>
-          </a:p>
-          <a:p>
-            <a:pPr lvl="1"/>
+              <a:t>If you skip too many classes, it is </a:t>
+            </a:r>
+            <a:r>
+              <a:rPr lang="en-US" b="1" dirty="0"/>
+              <a:t>YOUR</a:t>
+            </a:r>
             <a:r>
               <a:rPr lang="en-US" dirty="0"/>
-              <a:t>Not required to write code, but might be asked about what some code snippets do</a:t>
-            </a:r>
-          </a:p>
-          <a:p>
-            <a:pPr lvl="1"/>
+              <a:t> responsibility to catch up and find out what done in class</a:t>
+            </a:r>
+          </a:p>
+          <a:p>
             <a:endParaRPr lang="en-US" dirty="0"/>
-          </a:p>
-          <a:p>
-            <a:r>
-              <a:rPr lang="en-US" dirty="0"/>
-              <a:t>Project (60% of grade)</a:t>
-            </a:r>
-          </a:p>
-          <a:p>
-            <a:pPr lvl="1"/>
-            <a:r>
-              <a:rPr lang="en-US" dirty="0"/>
-              <a:t>72 hours</a:t>
-            </a:r>
-          </a:p>
-          <a:p>
-            <a:pPr lvl="1"/>
-            <a:r>
-              <a:rPr lang="en-US" dirty="0"/>
-              <a:t>done individually, not in a group</a:t>
-            </a:r>
           </a:p>
         </p:txBody>
       </p:sp>
     </p:spTree>
     <p:extLst>
       <p:ext uri="{BB962C8B-B14F-4D97-AF65-F5344CB8AC3E}">
-        <p14:creationId xmlns:p14="http://schemas.microsoft.com/office/powerpoint/2010/main" val="3603439350"/>
+        <p14:creationId xmlns:p14="http://schemas.microsoft.com/office/powerpoint/2010/main" val="415180965"/>
       </p:ext>
     </p:extLst>
   </p:cSld>
@@ -17586,7 +17635,7 @@
       </p:grpSpPr>
       <p:sp>
         <p:nvSpPr>
-          <p:cNvPr id="4" name="Title 3"/>
+          <p:cNvPr id="2" name="Title 1"/>
           <p:cNvSpPr>
             <a:spLocks noGrp="1"/>
           </p:cNvSpPr>
@@ -17600,17 +17649,88 @@
           <a:lstStyle/>
           <a:p>
             <a:r>
-              <a:rPr lang="en-US" dirty="0" err="1"/>
-              <a:t>Kotlin</a:t>
-            </a:r>
+              <a:rPr lang="en-US" dirty="0"/>
+              <a:t>Exam</a:t>
+            </a:r>
+          </a:p>
+        </p:txBody>
+      </p:sp>
+      <p:sp>
+        <p:nvSpPr>
+          <p:cNvPr id="3" name="Content Placeholder 2"/>
+          <p:cNvSpPr>
+            <a:spLocks noGrp="1"/>
+          </p:cNvSpPr>
+          <p:nvPr>
+            <p:ph idx="1"/>
+          </p:nvPr>
+        </p:nvSpPr>
+        <p:spPr>
+          <a:xfrm>
+            <a:off x="326571" y="1825625"/>
+            <a:ext cx="11527972" cy="4858204"/>
+          </a:xfrm>
+        </p:spPr>
+        <p:txBody>
+          <a:bodyPr/>
+          <a:lstStyle/>
+          <a:p>
+            <a:r>
+              <a:rPr lang="en-US" dirty="0"/>
+              <a:t>Written exam (40% of grade)</a:t>
+            </a:r>
+          </a:p>
+          <a:p>
+            <a:pPr lvl="1"/>
+            <a:r>
+              <a:rPr lang="en-US" dirty="0"/>
+              <a:t>3 hours</a:t>
+            </a:r>
+          </a:p>
+          <a:p>
+            <a:pPr lvl="1"/>
+            <a:r>
+              <a:rPr lang="en-US" dirty="0"/>
+              <a:t>Theory questions</a:t>
+            </a:r>
+          </a:p>
+          <a:p>
+            <a:pPr lvl="1"/>
+            <a:r>
+              <a:rPr lang="en-US" dirty="0"/>
+              <a:t>Not required to write code, but might be asked about what some code snippets do</a:t>
+            </a:r>
+          </a:p>
+          <a:p>
+            <a:pPr lvl="1"/>
             <a:endParaRPr lang="en-US" dirty="0"/>
+          </a:p>
+          <a:p>
+            <a:r>
+              <a:rPr lang="en-US" dirty="0"/>
+              <a:t>Project (60% of grade)</a:t>
+            </a:r>
+          </a:p>
+          <a:p>
+            <a:pPr lvl="1"/>
+            <a:r>
+              <a:rPr lang="en-US" dirty="0"/>
+              <a:t>72 hours</a:t>
+            </a:r>
+          </a:p>
+          <a:p>
+            <a:pPr lvl="1"/>
+            <a:r>
+              <a:rPr lang="en-US" dirty="0"/>
+              <a:t>done individually, not in a group</a:t>
+            </a:r>
           </a:p>
         </p:txBody>
       </p:sp>
     </p:spTree>
     <p:extLst>
       <p:ext uri="{BB962C8B-B14F-4D97-AF65-F5344CB8AC3E}">
-        <p14:creationId xmlns:p14="http://schemas.microsoft.com/office/powerpoint/2010/main" val="686580739"/>
+        <p14:creationId xmlns:p14="http://schemas.microsoft.com/office/powerpoint/2010/main" val="3603439350"/>
       </p:ext>
     </p:extLst>
   </p:cSld>

--- a/doc/advanced/slides/lesson_01.pptx
+++ b/doc/advanced/slides/lesson_01.pptx
@@ -243,7 +243,7 @@
           <a:p>
             <a:fld id="{9B5B52BA-3295-0343-9E28-A260A811DD10}" type="datetimeFigureOut">
               <a:rPr lang="en-US" smtClean="0"/>
-              <a:t>06-Aug-19</a:t>
+              <a:t>7/27/20</a:t>
             </a:fld>
             <a:endParaRPr lang="en-US"/>
           </a:p>
@@ -807,7 +807,7 @@
           <a:p>
             <a:fld id="{04F1D4A2-813C-F741-B481-C92B3A596030}" type="datetimeFigureOut">
               <a:rPr lang="en-US" smtClean="0"/>
-              <a:t>06-Aug-19</a:t>
+              <a:t>7/27/20</a:t>
             </a:fld>
             <a:endParaRPr lang="en-US"/>
           </a:p>
@@ -975,7 +975,7 @@
           <a:p>
             <a:fld id="{04F1D4A2-813C-F741-B481-C92B3A596030}" type="datetimeFigureOut">
               <a:rPr lang="en-US" smtClean="0"/>
-              <a:t>06-Aug-19</a:t>
+              <a:t>7/27/20</a:t>
             </a:fld>
             <a:endParaRPr lang="en-US"/>
           </a:p>
@@ -1153,7 +1153,7 @@
           <a:p>
             <a:fld id="{04F1D4A2-813C-F741-B481-C92B3A596030}" type="datetimeFigureOut">
               <a:rPr lang="en-US" smtClean="0"/>
-              <a:t>06-Aug-19</a:t>
+              <a:t>7/27/20</a:t>
             </a:fld>
             <a:endParaRPr lang="en-US"/>
           </a:p>
@@ -1490,7 +1490,7 @@
           <a:p>
             <a:fld id="{04F1D4A2-813C-F741-B481-C92B3A596030}" type="datetimeFigureOut">
               <a:rPr lang="en-US" smtClean="0"/>
-              <a:t>06-Aug-19</a:t>
+              <a:t>7/27/20</a:t>
             </a:fld>
             <a:endParaRPr lang="en-US"/>
           </a:p>
@@ -1735,7 +1735,7 @@
           <a:p>
             <a:fld id="{04F1D4A2-813C-F741-B481-C92B3A596030}" type="datetimeFigureOut">
               <a:rPr lang="en-US" smtClean="0"/>
-              <a:t>06-Aug-19</a:t>
+              <a:t>7/27/20</a:t>
             </a:fld>
             <a:endParaRPr lang="en-US"/>
           </a:p>
@@ -1964,7 +1964,7 @@
           <a:p>
             <a:fld id="{04F1D4A2-813C-F741-B481-C92B3A596030}" type="datetimeFigureOut">
               <a:rPr lang="en-US" smtClean="0"/>
-              <a:t>06-Aug-19</a:t>
+              <a:t>7/27/20</a:t>
             </a:fld>
             <a:endParaRPr lang="en-US"/>
           </a:p>
@@ -2328,7 +2328,7 @@
           <a:p>
             <a:fld id="{04F1D4A2-813C-F741-B481-C92B3A596030}" type="datetimeFigureOut">
               <a:rPr lang="en-US" smtClean="0"/>
-              <a:t>06-Aug-19</a:t>
+              <a:t>7/27/20</a:t>
             </a:fld>
             <a:endParaRPr lang="en-US"/>
           </a:p>
@@ -2445,7 +2445,7 @@
           <a:p>
             <a:fld id="{04F1D4A2-813C-F741-B481-C92B3A596030}" type="datetimeFigureOut">
               <a:rPr lang="en-US" smtClean="0"/>
-              <a:t>06-Aug-19</a:t>
+              <a:t>7/27/20</a:t>
             </a:fld>
             <a:endParaRPr lang="en-US"/>
           </a:p>
@@ -2540,7 +2540,7 @@
           <a:p>
             <a:fld id="{04F1D4A2-813C-F741-B481-C92B3A596030}" type="datetimeFigureOut">
               <a:rPr lang="en-US" smtClean="0"/>
-              <a:t>06-Aug-19</a:t>
+              <a:t>7/27/20</a:t>
             </a:fld>
             <a:endParaRPr lang="en-US"/>
           </a:p>
@@ -2815,7 +2815,7 @@
           <a:p>
             <a:fld id="{04F1D4A2-813C-F741-B481-C92B3A596030}" type="datetimeFigureOut">
               <a:rPr lang="en-US" smtClean="0"/>
-              <a:t>06-Aug-19</a:t>
+              <a:t>7/27/20</a:t>
             </a:fld>
             <a:endParaRPr lang="en-US"/>
           </a:p>
@@ -3067,7 +3067,7 @@
           <a:p>
             <a:fld id="{04F1D4A2-813C-F741-B481-C92B3A596030}" type="datetimeFigureOut">
               <a:rPr lang="en-US" smtClean="0"/>
-              <a:t>06-Aug-19</a:t>
+              <a:t>7/27/20</a:t>
             </a:fld>
             <a:endParaRPr lang="en-US"/>
           </a:p>
@@ -3278,7 +3278,7 @@
           <a:p>
             <a:fld id="{04F1D4A2-813C-F741-B481-C92B3A596030}" type="datetimeFigureOut">
               <a:rPr lang="en-US" smtClean="0"/>
-              <a:t>06-Aug-19</a:t>
+              <a:t>7/27/20</a:t>
             </a:fld>
             <a:endParaRPr lang="en-US"/>
           </a:p>
@@ -3722,10 +3722,6 @@
             <a:br>
               <a:rPr lang="en-US" dirty="0"/>
             </a:br>
-            <a:r>
-              <a:rPr lang="en-US" dirty="0"/>
-              <a:t/>
-            </a:r>
             <a:br>
               <a:rPr lang="en-US" dirty="0"/>
             </a:br>
@@ -4153,7 +4149,7 @@
         <p:spPr>
           <a:xfrm>
             <a:off x="555171" y="1830584"/>
-            <a:ext cx="11364686" cy="5027416"/>
+            <a:ext cx="11364686" cy="4697538"/>
           </a:xfrm>
         </p:spPr>
         <p:txBody>
@@ -4180,13 +4176,6 @@
             <a:r>
               <a:rPr lang="en-US" sz="2400" dirty="0"/>
               <a:t>Things got bit better with Java 8, but that’s 2014</a:t>
-            </a:r>
-          </a:p>
-          <a:p>
-            <a:pPr lvl="1"/>
-            <a:r>
-              <a:rPr lang="en-US" sz="2400" dirty="0"/>
-              <a:t>Java still better than C# for enterprise development, but mainly due to its ecosystem (frameworks and libraries)</a:t>
             </a:r>
           </a:p>
           <a:p>
@@ -4319,12 +4308,24 @@
               <a:t>does check if a call to “</a:t>
             </a:r>
             <a:r>
-              <a:rPr lang="en-US" sz="2400" dirty="0" err="1"/>
+              <a:rPr lang="en-US" sz="2400" i="1" dirty="0" err="1"/>
               <a:t>foo.bar</a:t>
             </a:r>
             <a:r>
+              <a:rPr lang="en-US" sz="2400" i="1" dirty="0"/>
+              <a:t>()</a:t>
+            </a:r>
+            <a:r>
               <a:rPr lang="en-US" sz="2400" dirty="0"/>
-              <a:t>()” might have “foo” null</a:t>
+              <a:t>” might have “</a:t>
+            </a:r>
+            <a:r>
+              <a:rPr lang="en-US" sz="2400" i="1" dirty="0"/>
+              <a:t>foo</a:t>
+            </a:r>
+            <a:r>
+              <a:rPr lang="en-US" sz="2400" dirty="0"/>
+              <a:t>” null</a:t>
             </a:r>
           </a:p>
           <a:p>
@@ -4699,16 +4700,6 @@
                 <a:cs typeface="Courier New" panose="02070309020205020404" pitchFamily="49" charset="0"/>
               </a:rPr>
             </a:br>
-            <a:r>
-              <a:rPr lang="en-US" altLang="en-US" sz="2800" dirty="0">
-                <a:solidFill>
-                  <a:srgbClr val="000000"/>
-                </a:solidFill>
-                <a:latin typeface="Courier New" panose="02070309020205020404" pitchFamily="49" charset="0"/>
-                <a:cs typeface="Courier New" panose="02070309020205020404" pitchFamily="49" charset="0"/>
-              </a:rPr>
-              <a:t/>
-            </a:r>
             <a:br>
               <a:rPr lang="en-US" altLang="en-US" sz="2800" dirty="0">
                 <a:solidFill>
@@ -4757,16 +4748,6 @@
                 <a:cs typeface="Courier New" panose="02070309020205020404" pitchFamily="49" charset="0"/>
               </a:rPr>
             </a:br>
-            <a:r>
-              <a:rPr lang="en-US" altLang="en-US" sz="2800" dirty="0">
-                <a:solidFill>
-                  <a:srgbClr val="000000"/>
-                </a:solidFill>
-                <a:latin typeface="Courier New" panose="02070309020205020404" pitchFamily="49" charset="0"/>
-                <a:cs typeface="Courier New" panose="02070309020205020404" pitchFamily="49" charset="0"/>
-              </a:rPr>
-              <a:t/>
-            </a:r>
             <a:br>
               <a:rPr lang="en-US" altLang="en-US" sz="2800" dirty="0">
                 <a:solidFill>
@@ -5020,16 +5001,6 @@
                 <a:cs typeface="Courier New" panose="02070309020205020404" pitchFamily="49" charset="0"/>
               </a:rPr>
             </a:br>
-            <a:r>
-              <a:rPr lang="en-US" altLang="en-US" dirty="0">
-                <a:solidFill>
-                  <a:srgbClr val="000000"/>
-                </a:solidFill>
-                <a:latin typeface="Courier New" panose="02070309020205020404" pitchFamily="49" charset="0"/>
-                <a:cs typeface="Courier New" panose="02070309020205020404" pitchFamily="49" charset="0"/>
-              </a:rPr>
-              <a:t/>
-            </a:r>
             <a:br>
               <a:rPr lang="en-US" altLang="en-US" dirty="0">
                 <a:solidFill>
@@ -5244,16 +5215,6 @@
                 <a:cs typeface="Courier New" panose="02070309020205020404" pitchFamily="49" charset="0"/>
               </a:rPr>
             </a:br>
-            <a:r>
-              <a:rPr lang="en-US" altLang="en-US" i="1" dirty="0">
-                <a:solidFill>
-                  <a:srgbClr val="808080"/>
-                </a:solidFill>
-                <a:latin typeface="Courier New" panose="02070309020205020404" pitchFamily="49" charset="0"/>
-                <a:cs typeface="Courier New" panose="02070309020205020404" pitchFamily="49" charset="0"/>
-              </a:rPr>
-              <a:t/>
-            </a:r>
             <a:br>
               <a:rPr lang="en-US" altLang="en-US" i="1" dirty="0">
                 <a:solidFill>
@@ -5360,16 +5321,6 @@
                 <a:cs typeface="Courier New" panose="02070309020205020404" pitchFamily="49" charset="0"/>
               </a:rPr>
             </a:br>
-            <a:r>
-              <a:rPr lang="en-US" altLang="en-US" i="1" dirty="0">
-                <a:solidFill>
-                  <a:srgbClr val="808080"/>
-                </a:solidFill>
-                <a:latin typeface="Courier New" panose="02070309020205020404" pitchFamily="49" charset="0"/>
-                <a:cs typeface="Courier New" panose="02070309020205020404" pitchFamily="49" charset="0"/>
-              </a:rPr>
-              <a:t/>
-            </a:r>
             <a:br>
               <a:rPr lang="en-US" altLang="en-US" i="1" dirty="0">
                 <a:solidFill>
@@ -5514,16 +5465,6 @@
                 <a:cs typeface="Courier New" panose="02070309020205020404" pitchFamily="49" charset="0"/>
               </a:rPr>
             </a:br>
-            <a:r>
-              <a:rPr lang="en-US" altLang="en-US" i="1" dirty="0">
-                <a:solidFill>
-                  <a:srgbClr val="808080"/>
-                </a:solidFill>
-                <a:latin typeface="Courier New" panose="02070309020205020404" pitchFamily="49" charset="0"/>
-                <a:cs typeface="Courier New" panose="02070309020205020404" pitchFamily="49" charset="0"/>
-              </a:rPr>
-              <a:t/>
-            </a:r>
             <a:br>
               <a:rPr lang="en-US" altLang="en-US" i="1" dirty="0">
                 <a:solidFill>
@@ -5841,7 +5782,7 @@
               <a:t>“</a:t>
             </a:r>
             <a:r>
-              <a:rPr lang="en-US" sz="3600" dirty="0" err="1"/>
+              <a:rPr lang="en-US" sz="3600" i="1" dirty="0" err="1"/>
               <a:t>var</a:t>
             </a:r>
             <a:r>
@@ -5858,7 +5799,7 @@
               <a:t>“</a:t>
             </a:r>
             <a:r>
-              <a:rPr lang="en-US" sz="3600" dirty="0" err="1"/>
+              <a:rPr lang="en-US" sz="3600" i="1" dirty="0" err="1"/>
               <a:t>val</a:t>
             </a:r>
             <a:r>
@@ -5997,16 +5938,6 @@
                 <a:cs typeface="Courier New" panose="02070309020205020404" pitchFamily="49" charset="0"/>
               </a:rPr>
             </a:br>
-            <a:r>
-              <a:rPr lang="en-US" altLang="en-US" sz="3600" dirty="0">
-                <a:solidFill>
-                  <a:srgbClr val="000000"/>
-                </a:solidFill>
-                <a:latin typeface="Courier New" panose="02070309020205020404" pitchFamily="49" charset="0"/>
-                <a:cs typeface="Courier New" panose="02070309020205020404" pitchFamily="49" charset="0"/>
-              </a:rPr>
-              <a:t/>
-            </a:r>
             <a:br>
               <a:rPr lang="en-US" altLang="en-US" sz="3600" dirty="0">
                 <a:solidFill>
@@ -6143,16 +6074,6 @@
                 <a:cs typeface="Courier New" panose="02070309020205020404" pitchFamily="49" charset="0"/>
               </a:rPr>
             </a:br>
-            <a:r>
-              <a:rPr lang="en-US" altLang="en-US" sz="3600" i="1" dirty="0">
-                <a:solidFill>
-                  <a:srgbClr val="808080"/>
-                </a:solidFill>
-                <a:latin typeface="Courier New" panose="02070309020205020404" pitchFamily="49" charset="0"/>
-                <a:cs typeface="Courier New" panose="02070309020205020404" pitchFamily="49" charset="0"/>
-              </a:rPr>
-              <a:t/>
-            </a:r>
             <a:br>
               <a:rPr lang="en-US" altLang="en-US" sz="3600" i="1" dirty="0">
                 <a:solidFill>
@@ -6342,14 +6263,13 @@
           <a:lstStyle/>
           <a:p>
             <a:r>
-              <a:rPr lang="en-US" dirty="0" smtClean="0"/>
+              <a:rPr lang="en-US" dirty="0"/>
               <a:t>Enterprise </a:t>
             </a:r>
             <a:r>
-              <a:rPr lang="en-US" b="1" dirty="0" smtClean="0"/>
+              <a:rPr lang="en-US" b="1" dirty="0"/>
               <a:t>2</a:t>
             </a:r>
-            <a:endParaRPr lang="en-US" b="1" dirty="0"/>
           </a:p>
         </p:txBody>
       </p:sp>
@@ -6369,25 +6289,24 @@
           <a:lstStyle/>
           <a:p>
             <a:r>
-              <a:rPr lang="en-US" dirty="0" smtClean="0"/>
+              <a:rPr lang="en-US" dirty="0"/>
               <a:t>also known as the “</a:t>
             </a:r>
             <a:r>
-              <a:rPr lang="en-US" i="1" dirty="0" smtClean="0"/>
+              <a:rPr lang="en-US" i="1" dirty="0"/>
               <a:t>Next Generation</a:t>
             </a:r>
             <a:r>
-              <a:rPr lang="en-US" dirty="0" smtClean="0"/>
+              <a:rPr lang="en-US" dirty="0"/>
               <a:t>”</a:t>
             </a:r>
           </a:p>
           <a:p>
             <a:pPr lvl="1"/>
             <a:r>
-              <a:rPr lang="en-US" dirty="0" smtClean="0"/>
+              <a:rPr lang="en-US" dirty="0"/>
               <a:t>sorry, couldn’t stop myself…</a:t>
             </a:r>
-            <a:endParaRPr lang="en-US" dirty="0"/>
           </a:p>
         </p:txBody>
       </p:sp>
@@ -6565,16 +6484,6 @@
                 <a:cs typeface="Courier New" panose="02070309020205020404" pitchFamily="49" charset="0"/>
               </a:rPr>
             </a:br>
-            <a:r>
-              <a:rPr lang="en-US" altLang="en-US" sz="3200" dirty="0">
-                <a:solidFill>
-                  <a:srgbClr val="000000"/>
-                </a:solidFill>
-                <a:latin typeface="Courier New" panose="02070309020205020404" pitchFamily="49" charset="0"/>
-                <a:cs typeface="Courier New" panose="02070309020205020404" pitchFamily="49" charset="0"/>
-              </a:rPr>
-              <a:t/>
-            </a:r>
             <a:br>
               <a:rPr lang="en-US" altLang="en-US" sz="3200" dirty="0">
                 <a:solidFill>
@@ -6652,16 +6561,6 @@
                 <a:cs typeface="Courier New" panose="02070309020205020404" pitchFamily="49" charset="0"/>
               </a:rPr>
             </a:br>
-            <a:r>
-              <a:rPr lang="en-US" altLang="en-US" sz="3200" i="1" dirty="0">
-                <a:solidFill>
-                  <a:srgbClr val="808080"/>
-                </a:solidFill>
-                <a:latin typeface="Courier New" panose="02070309020205020404" pitchFamily="49" charset="0"/>
-                <a:cs typeface="Courier New" panose="02070309020205020404" pitchFamily="49" charset="0"/>
-              </a:rPr>
-              <a:t/>
-            </a:r>
             <a:br>
               <a:rPr lang="en-US" altLang="en-US" sz="3200" i="1" dirty="0">
                 <a:solidFill>
@@ -6947,16 +6846,6 @@
                 <a:cs typeface="Courier New" panose="02070309020205020404" pitchFamily="49" charset="0"/>
               </a:rPr>
             </a:br>
-            <a:r>
-              <a:rPr lang="en-US" altLang="en-US" sz="3200" dirty="0">
-                <a:solidFill>
-                  <a:srgbClr val="000000"/>
-                </a:solidFill>
-                <a:latin typeface="Courier New" panose="02070309020205020404" pitchFamily="49" charset="0"/>
-                <a:cs typeface="Courier New" panose="02070309020205020404" pitchFamily="49" charset="0"/>
-              </a:rPr>
-              <a:t/>
-            </a:r>
             <a:br>
               <a:rPr lang="en-US" altLang="en-US" sz="3200" dirty="0">
                 <a:solidFill>
@@ -7005,16 +6894,6 @@
                 <a:cs typeface="Courier New" panose="02070309020205020404" pitchFamily="49" charset="0"/>
               </a:rPr>
               <a:t>next</a:t>
-            </a:r>
-            <a:r>
-              <a:rPr lang="en-US" altLang="en-US" sz="3200" b="1" dirty="0">
-                <a:solidFill>
-                  <a:srgbClr val="660E7A"/>
-                </a:solidFill>
-                <a:latin typeface="Courier New" panose="02070309020205020404" pitchFamily="49" charset="0"/>
-                <a:cs typeface="Courier New" panose="02070309020205020404" pitchFamily="49" charset="0"/>
-              </a:rPr>
-              <a:t/>
             </a:r>
             <a:br>
               <a:rPr lang="en-US" altLang="en-US" sz="3200" b="1" dirty="0">
@@ -8348,16 +8227,6 @@
                 <a:cs typeface="Courier New" panose="02070309020205020404" pitchFamily="49" charset="0"/>
               </a:rPr>
             </a:br>
-            <a:r>
-              <a:rPr lang="en-US" altLang="en-US" sz="2400" dirty="0">
-                <a:solidFill>
-                  <a:srgbClr val="000000"/>
-                </a:solidFill>
-                <a:latin typeface="Courier New" panose="02070309020205020404" pitchFamily="49" charset="0"/>
-                <a:cs typeface="Courier New" panose="02070309020205020404" pitchFamily="49" charset="0"/>
-              </a:rPr>
-              <a:t/>
-            </a:r>
             <a:br>
               <a:rPr lang="en-US" altLang="en-US" sz="2400" dirty="0">
                 <a:solidFill>
@@ -8772,16 +8641,6 @@
                 <a:cs typeface="Courier New" panose="02070309020205020404" pitchFamily="49" charset="0"/>
               </a:rPr>
             </a:br>
-            <a:r>
-              <a:rPr lang="en-US" altLang="en-US" sz="2400" dirty="0">
-                <a:solidFill>
-                  <a:srgbClr val="000000"/>
-                </a:solidFill>
-                <a:latin typeface="Courier New" panose="02070309020205020404" pitchFamily="49" charset="0"/>
-                <a:cs typeface="Courier New" panose="02070309020205020404" pitchFamily="49" charset="0"/>
-              </a:rPr>
-              <a:t/>
-            </a:r>
             <a:br>
               <a:rPr lang="en-US" altLang="en-US" sz="2400" dirty="0">
                 <a:solidFill>
@@ -9126,16 +8985,6 @@
                 <a:cs typeface="Courier New" panose="02070309020205020404" pitchFamily="49" charset="0"/>
               </a:rPr>
               <a:t>stacktrace</a:t>
-            </a:r>
-            <a:r>
-              <a:rPr lang="en-US" altLang="en-US" sz="2400" i="1" dirty="0">
-                <a:solidFill>
-                  <a:srgbClr val="808080"/>
-                </a:solidFill>
-                <a:latin typeface="Courier New" panose="02070309020205020404" pitchFamily="49" charset="0"/>
-                <a:cs typeface="Courier New" panose="02070309020205020404" pitchFamily="49" charset="0"/>
-              </a:rPr>
-              <a:t/>
             </a:r>
             <a:br>
               <a:rPr lang="en-US" altLang="en-US" sz="2400" i="1" dirty="0">
@@ -9352,16 +9201,6 @@
                 <a:cs typeface="Courier New" panose="02070309020205020404" pitchFamily="49" charset="0"/>
               </a:rPr>
             </a:br>
-            <a:r>
-              <a:rPr lang="en-US" altLang="en-US" sz="2800" dirty="0">
-                <a:solidFill>
-                  <a:srgbClr val="000000"/>
-                </a:solidFill>
-                <a:latin typeface="Courier New" panose="02070309020205020404" pitchFamily="49" charset="0"/>
-                <a:cs typeface="Courier New" panose="02070309020205020404" pitchFamily="49" charset="0"/>
-              </a:rPr>
-              <a:t/>
-            </a:r>
             <a:br>
               <a:rPr lang="en-US" altLang="en-US" sz="2800" dirty="0">
                 <a:solidFill>
@@ -9516,16 +9355,6 @@
                 <a:cs typeface="Courier New" panose="02070309020205020404" pitchFamily="49" charset="0"/>
               </a:rPr>
             </a:br>
-            <a:r>
-              <a:rPr lang="en-US" altLang="en-US" sz="2800" b="1" dirty="0">
-                <a:solidFill>
-                  <a:srgbClr val="008000"/>
-                </a:solidFill>
-                <a:latin typeface="Courier New" panose="02070309020205020404" pitchFamily="49" charset="0"/>
-                <a:cs typeface="Courier New" panose="02070309020205020404" pitchFamily="49" charset="0"/>
-              </a:rPr>
-              <a:t/>
-            </a:r>
             <a:br>
               <a:rPr lang="en-US" altLang="en-US" sz="2800" b="1" dirty="0">
                 <a:solidFill>
@@ -10314,16 +10143,6 @@
                 <a:cs typeface="Courier New" panose="02070309020205020404" pitchFamily="49" charset="0"/>
               </a:rPr>
             </a:br>
-            <a:r>
-              <a:rPr lang="en-US" altLang="en-US" sz="1687" dirty="0">
-                <a:solidFill>
-                  <a:srgbClr val="000000"/>
-                </a:solidFill>
-                <a:latin typeface="Courier New" panose="02070309020205020404" pitchFamily="49" charset="0"/>
-                <a:cs typeface="Courier New" panose="02070309020205020404" pitchFamily="49" charset="0"/>
-              </a:rPr>
-              <a:t/>
-            </a:r>
             <a:br>
               <a:rPr lang="en-US" altLang="en-US" sz="1687" dirty="0">
                 <a:solidFill>
@@ -10461,16 +10280,6 @@
                 <a:cs typeface="Courier New" panose="02070309020205020404" pitchFamily="49" charset="0"/>
               </a:rPr>
             </a:br>
-            <a:r>
-              <a:rPr lang="en-US" altLang="en-US" sz="1687" dirty="0">
-                <a:solidFill>
-                  <a:srgbClr val="000000"/>
-                </a:solidFill>
-                <a:latin typeface="Courier New" panose="02070309020205020404" pitchFamily="49" charset="0"/>
-                <a:cs typeface="Courier New" panose="02070309020205020404" pitchFamily="49" charset="0"/>
-              </a:rPr>
-              <a:t/>
-            </a:r>
             <a:br>
               <a:rPr lang="en-US" altLang="en-US" sz="1687" dirty="0">
                 <a:solidFill>
@@ -10716,16 +10525,6 @@
                 <a:cs typeface="Courier New" panose="02070309020205020404" pitchFamily="49" charset="0"/>
               </a:rPr>
             </a:br>
-            <a:r>
-              <a:rPr lang="en-US" altLang="en-US" sz="1687" dirty="0">
-                <a:solidFill>
-                  <a:srgbClr val="000000"/>
-                </a:solidFill>
-                <a:latin typeface="Courier New" panose="02070309020205020404" pitchFamily="49" charset="0"/>
-                <a:cs typeface="Courier New" panose="02070309020205020404" pitchFamily="49" charset="0"/>
-              </a:rPr>
-              <a:t/>
-            </a:r>
             <a:br>
               <a:rPr lang="en-US" altLang="en-US" sz="1687" dirty="0">
                 <a:solidFill>
@@ -10862,16 +10661,6 @@
                 <a:cs typeface="Courier New" panose="02070309020205020404" pitchFamily="49" charset="0"/>
               </a:rPr>
             </a:br>
-            <a:r>
-              <a:rPr lang="en-US" altLang="en-US" sz="1687" dirty="0">
-                <a:solidFill>
-                  <a:srgbClr val="000000"/>
-                </a:solidFill>
-                <a:latin typeface="Courier New" panose="02070309020205020404" pitchFamily="49" charset="0"/>
-                <a:cs typeface="Courier New" panose="02070309020205020404" pitchFamily="49" charset="0"/>
-              </a:rPr>
-              <a:t/>
-            </a:r>
             <a:br>
               <a:rPr lang="en-US" altLang="en-US" sz="1687" dirty="0">
                 <a:solidFill>
@@ -11008,16 +10797,6 @@
                 <a:cs typeface="Courier New" panose="02070309020205020404" pitchFamily="49" charset="0"/>
               </a:rPr>
             </a:br>
-            <a:r>
-              <a:rPr lang="en-US" altLang="en-US" sz="1687" dirty="0">
-                <a:solidFill>
-                  <a:srgbClr val="000000"/>
-                </a:solidFill>
-                <a:latin typeface="Courier New" panose="02070309020205020404" pitchFamily="49" charset="0"/>
-                <a:cs typeface="Courier New" panose="02070309020205020404" pitchFamily="49" charset="0"/>
-              </a:rPr>
-              <a:t/>
-            </a:r>
             <a:br>
               <a:rPr lang="en-US" altLang="en-US" sz="1687" dirty="0">
                 <a:solidFill>
@@ -11164,16 +10943,6 @@
                 <a:cs typeface="Courier New" panose="02070309020205020404" pitchFamily="49" charset="0"/>
               </a:rPr>
             </a:br>
-            <a:r>
-              <a:rPr lang="en-US" altLang="en-US" sz="1687" dirty="0">
-                <a:solidFill>
-                  <a:srgbClr val="000000"/>
-                </a:solidFill>
-                <a:latin typeface="Courier New" panose="02070309020205020404" pitchFamily="49" charset="0"/>
-                <a:cs typeface="Courier New" panose="02070309020205020404" pitchFamily="49" charset="0"/>
-              </a:rPr>
-              <a:t/>
-            </a:r>
             <a:br>
               <a:rPr lang="en-US" altLang="en-US" sz="1687" dirty="0">
                 <a:solidFill>
@@ -11643,14 +11412,6 @@
               </a:rPr>
               <a:t>set</a:t>
             </a:r>
-            <a:r>
-              <a:rPr lang="nb-NO" sz="3200" b="1" dirty="0">
-                <a:solidFill>
-                  <a:srgbClr val="000080"/>
-                </a:solidFill>
-              </a:rPr>
-              <a:t/>
-            </a:r>
             <a:br>
               <a:rPr lang="nb-NO" sz="3200" b="1" dirty="0">
                 <a:solidFill>
@@ -11658,14 +11419,6 @@
                 </a:solidFill>
               </a:rPr>
             </a:br>
-            <a:r>
-              <a:rPr lang="nb-NO" sz="3200" b="1" dirty="0">
-                <a:solidFill>
-                  <a:srgbClr val="000080"/>
-                </a:solidFill>
-              </a:rPr>
-              <a:t/>
-            </a:r>
             <a:br>
               <a:rPr lang="nb-NO" sz="3200" b="1" dirty="0">
                 <a:solidFill>
@@ -12904,16 +12657,6 @@
                 <a:cs typeface="Courier New" panose="02070309020205020404" pitchFamily="49" charset="0"/>
               </a:rPr>
             </a:br>
-            <a:r>
-              <a:rPr lang="en-US" altLang="en-US" sz="2800" dirty="0">
-                <a:solidFill>
-                  <a:srgbClr val="000000"/>
-                </a:solidFill>
-                <a:latin typeface="Courier New" panose="02070309020205020404" pitchFamily="49" charset="0"/>
-                <a:cs typeface="Courier New" panose="02070309020205020404" pitchFamily="49" charset="0"/>
-              </a:rPr>
-              <a:t/>
-            </a:r>
             <a:br>
               <a:rPr lang="en-US" altLang="en-US" sz="2800" dirty="0">
                 <a:solidFill>
@@ -13255,16 +12998,6 @@
                 <a:cs typeface="Courier New" panose="02070309020205020404" pitchFamily="49" charset="0"/>
               </a:rPr>
             </a:br>
-            <a:r>
-              <a:rPr lang="en-US" altLang="en-US" sz="2400" dirty="0">
-                <a:solidFill>
-                  <a:srgbClr val="000000"/>
-                </a:solidFill>
-                <a:latin typeface="Courier New" panose="02070309020205020404" pitchFamily="49" charset="0"/>
-                <a:cs typeface="Courier New" panose="02070309020205020404" pitchFamily="49" charset="0"/>
-              </a:rPr>
-              <a:t/>
-            </a:r>
             <a:br>
               <a:rPr lang="en-US" altLang="en-US" sz="2400" dirty="0">
                 <a:solidFill>
@@ -13579,16 +13312,6 @@
                 <a:cs typeface="Courier New" panose="02070309020205020404" pitchFamily="49" charset="0"/>
               </a:rPr>
             </a:br>
-            <a:r>
-              <a:rPr lang="en-US" altLang="en-US" sz="2400" dirty="0">
-                <a:solidFill>
-                  <a:srgbClr val="000000"/>
-                </a:solidFill>
-                <a:latin typeface="Courier New" panose="02070309020205020404" pitchFamily="49" charset="0"/>
-                <a:cs typeface="Courier New" panose="02070309020205020404" pitchFamily="49" charset="0"/>
-              </a:rPr>
-              <a:t/>
-            </a:r>
             <a:br>
               <a:rPr lang="en-US" altLang="en-US" sz="2400" dirty="0">
                 <a:solidFill>
@@ -14195,16 +13918,6 @@
                 <a:cs typeface="Courier New" panose="02070309020205020404" pitchFamily="49" charset="0"/>
               </a:rPr>
             </a:br>
-            <a:r>
-              <a:rPr lang="en-US" altLang="en-US" dirty="0">
-                <a:solidFill>
-                  <a:srgbClr val="000000"/>
-                </a:solidFill>
-                <a:latin typeface="Courier New" panose="02070309020205020404" pitchFamily="49" charset="0"/>
-                <a:cs typeface="Courier New" panose="02070309020205020404" pitchFamily="49" charset="0"/>
-              </a:rPr>
-              <a:t/>
-            </a:r>
             <a:br>
               <a:rPr lang="en-US" altLang="en-US" dirty="0">
                 <a:solidFill>
@@ -14646,16 +14359,6 @@
                 <a:cs typeface="Courier New" panose="02070309020205020404" pitchFamily="49" charset="0"/>
               </a:rPr>
               <a:t>indexOfFirst</a:t>
-            </a:r>
-            <a:r>
-              <a:rPr lang="en-US" altLang="en-US" i="1" dirty="0">
-                <a:solidFill>
-                  <a:srgbClr val="808080"/>
-                </a:solidFill>
-                <a:latin typeface="Courier New" panose="02070309020205020404" pitchFamily="49" charset="0"/>
-                <a:cs typeface="Courier New" panose="02070309020205020404" pitchFamily="49" charset="0"/>
-              </a:rPr>
-              <a:t/>
             </a:r>
             <a:br>
               <a:rPr lang="en-US" altLang="en-US" i="1" dirty="0">
@@ -15840,6 +15543,25 @@
             <a:r>
               <a:rPr lang="en-US" sz="3600" dirty="0"/>
               <a:t>This plugin will need special settings to handle libraries like Spring and Hibernate</a:t>
+            </a:r>
+          </a:p>
+          <a:p>
+            <a:pPr lvl="1"/>
+            <a:r>
+              <a:rPr lang="en-US" sz="2769" dirty="0" err="1"/>
+              <a:t>ie</a:t>
+            </a:r>
+            <a:r>
+              <a:rPr lang="en-US" sz="2769" dirty="0"/>
+              <a:t>, to deal with the issue of all classes being final by default… recall that Spring needs to create </a:t>
+            </a:r>
+            <a:r>
+              <a:rPr lang="en-US" sz="2769" i="1" dirty="0"/>
+              <a:t>proxy</a:t>
+            </a:r>
+            <a:r>
+              <a:rPr lang="en-US" sz="2769" dirty="0"/>
+              <a:t> classes</a:t>
             </a:r>
           </a:p>
         </p:txBody>
@@ -16258,7 +15980,7 @@
             <a:pPr lvl="1"/>
             <a:r>
               <a:rPr lang="en-US" dirty="0"/>
-              <a:t>the new kid </a:t>
+              <a:t>the new kid on the block</a:t>
             </a:r>
           </a:p>
           <a:p>
@@ -17154,7 +16876,7 @@
             </a:r>
             <a:r>
               <a:rPr lang="en-US" b="1" dirty="0"/>
-              <a:t>8</a:t>
+              <a:t>11</a:t>
             </a:r>
           </a:p>
           <a:p>
@@ -17166,17 +16888,17 @@
           </a:p>
           <a:p>
             <a:r>
-              <a:rPr lang="en-US" dirty="0" smtClean="0"/>
+              <a:rPr lang="en-US" dirty="0"/>
               <a:t>Maven</a:t>
             </a:r>
           </a:p>
           <a:p>
             <a:r>
-              <a:rPr lang="en-US" dirty="0" smtClean="0"/>
+              <a:rPr lang="en-US" dirty="0"/>
               <a:t>YARN and </a:t>
             </a:r>
             <a:r>
-              <a:rPr lang="en-US" dirty="0" err="1" smtClean="0"/>
+              <a:rPr lang="en-US" dirty="0" err="1"/>
               <a:t>NodeJS</a:t>
             </a:r>
             <a:endParaRPr lang="en-US" dirty="0"/>
@@ -17675,40 +17397,15 @@
           <a:bodyPr/>
           <a:lstStyle/>
           <a:p>
+            <a:pPr marL="457200" lvl="1" indent="0">
+              <a:buNone/>
+            </a:pPr>
+            <a:endParaRPr lang="en-US" dirty="0"/>
+          </a:p>
+          <a:p>
             <a:r>
               <a:rPr lang="en-US" dirty="0"/>
-              <a:t>Written exam (40% of grade)</a:t>
-            </a:r>
-          </a:p>
-          <a:p>
-            <a:pPr lvl="1"/>
-            <a:r>
-              <a:rPr lang="en-US" dirty="0"/>
-              <a:t>3 hours</a:t>
-            </a:r>
-          </a:p>
-          <a:p>
-            <a:pPr lvl="1"/>
-            <a:r>
-              <a:rPr lang="en-US" dirty="0"/>
-              <a:t>Theory questions</a:t>
-            </a:r>
-          </a:p>
-          <a:p>
-            <a:pPr lvl="1"/>
-            <a:r>
-              <a:rPr lang="en-US" dirty="0"/>
-              <a:t>Not required to write code, but might be asked about what some code snippets do</a:t>
-            </a:r>
-          </a:p>
-          <a:p>
-            <a:pPr lvl="1"/>
-            <a:endParaRPr lang="en-US" dirty="0"/>
-          </a:p>
-          <a:p>
-            <a:r>
-              <a:rPr lang="en-US" dirty="0"/>
-              <a:t>Project (60% of grade)</a:t>
+              <a:t>Project (100% of grade)</a:t>
             </a:r>
           </a:p>
           <a:p>
@@ -17723,6 +17420,20 @@
             <a:r>
               <a:rPr lang="en-US" dirty="0"/>
               <a:t>done individually, not in a group</a:t>
+            </a:r>
+          </a:p>
+          <a:p>
+            <a:pPr lvl="1"/>
+            <a:r>
+              <a:rPr lang="en-US" dirty="0"/>
+              <a:t>mock exam in the Git repository</a:t>
+            </a:r>
+          </a:p>
+          <a:p>
+            <a:pPr lvl="2"/>
+            <a:r>
+              <a:rPr lang="en-US" dirty="0"/>
+              <a:t>note: might get changed/updated throughout the course</a:t>
             </a:r>
           </a:p>
         </p:txBody>
